--- a/Powerpoint.pptx
+++ b/Powerpoint.pptx
@@ -2,10 +2,13 @@
 <file path=ppt/presentation.xml><?xml version="1.0" encoding="utf-8"?>
 <p:presentation xmlns:a="http://schemas.openxmlformats.org/drawingml/2006/main" xmlns:r="http://schemas.openxmlformats.org/officeDocument/2006/relationships" xmlns:p="http://schemas.openxmlformats.org/presentationml/2006/main" saveSubsetFonts="1">
   <p:sldMasterIdLst>
-    <p:sldMasterId id="2147483648" r:id="rId1"/>
+    <p:sldMasterId id="2147483686" r:id="rId1"/>
   </p:sldMasterIdLst>
   <p:sldIdLst>
     <p:sldId id="256" r:id="rId2"/>
+    <p:sldId id="257" r:id="rId3"/>
+    <p:sldId id="259" r:id="rId4"/>
+    <p:sldId id="258" r:id="rId5"/>
   </p:sldIdLst>
   <p:sldSz cx="12192000" cy="6858000"/>
   <p:notesSz cx="6858000" cy="9144000"/>
@@ -104,12 +107,17 @@
       </a:defRPr>
     </a:lvl9pPr>
   </p:defaultTextStyle>
+  <p:extLst>
+    <p:ext uri="{EFAFB233-063F-42B5-8137-9DF3F51BA10A}">
+      <p15:sldGuideLst xmlns:p15="http://schemas.microsoft.com/office/powerpoint/2012/main"/>
+    </p:ext>
+  </p:extLst>
 </p:presentation>
 </file>
 
 <file path=ppt/slideLayouts/slideLayout1.xml><?xml version="1.0" encoding="utf-8"?>
 <p:sldLayout xmlns:a="http://schemas.openxmlformats.org/drawingml/2006/main" xmlns:r="http://schemas.openxmlformats.org/officeDocument/2006/relationships" xmlns:p="http://schemas.openxmlformats.org/presentationml/2006/main" type="title" preserve="1">
-  <p:cSld name="Diapositive de titre">
+  <p:cSld name="Title Slide">
     <p:spTree>
       <p:nvGrpSpPr>
         <p:cNvPr id="1" name=""/>
@@ -126,10 +134,10 @@
       </p:grpSpPr>
       <p:sp>
         <p:nvSpPr>
-          <p:cNvPr id="2" name="Titre 1">
-            <a:extLst>
-              <a:ext uri="{FF2B5EF4-FFF2-40B4-BE49-F238E27FC236}">
-                <a16:creationId xmlns:a16="http://schemas.microsoft.com/office/drawing/2014/main" id="{336D1E49-CC0E-46FB-BB97-6594D27B15BC}"/>
+          <p:cNvPr id="2" name="Title 1">
+            <a:extLst>
+              <a:ext uri="{FF2B5EF4-FFF2-40B4-BE49-F238E27FC236}">
+                <a16:creationId xmlns:a16="http://schemas.microsoft.com/office/drawing/2014/main" id="{B7A21818-E75A-458F-AC5B-0E9A2C76B835}"/>
               </a:ext>
             </a:extLst>
           </p:cNvPr>
@@ -142,31 +150,38 @@
         </p:nvSpPr>
         <p:spPr>
           <a:xfrm>
-            <a:off x="1524000" y="1122363"/>
-            <a:ext cx="9144000" cy="2387600"/>
-          </a:xfrm>
-        </p:spPr>
-        <p:txBody>
-          <a:bodyPr anchor="b"/>
+            <a:off x="448056" y="448056"/>
+            <a:ext cx="11292840" cy="3401568"/>
+          </a:xfrm>
+        </p:spPr>
+        <p:txBody>
+          <a:bodyPr anchor="b">
+            <a:normAutofit/>
+          </a:bodyPr>
           <a:lstStyle>
-            <a:lvl1pPr algn="ctr">
-              <a:defRPr sz="6000"/>
+            <a:lvl1pPr algn="l">
+              <a:defRPr sz="6400">
+                <a:solidFill>
+                  <a:schemeClr val="tx2"/>
+                </a:solidFill>
+              </a:defRPr>
             </a:lvl1pPr>
           </a:lstStyle>
           <a:p>
             <a:r>
-              <a:rPr lang="fr-FR"/>
-              <a:t>Modifiez le style du titre</a:t>
-            </a:r>
-          </a:p>
-        </p:txBody>
-      </p:sp>
-      <p:sp>
-        <p:nvSpPr>
-          <p:cNvPr id="3" name="Sous-titre 2">
-            <a:extLst>
-              <a:ext uri="{FF2B5EF4-FFF2-40B4-BE49-F238E27FC236}">
-                <a16:creationId xmlns:a16="http://schemas.microsoft.com/office/drawing/2014/main" id="{D745F8F3-C09A-4113-88F8-215148FAE99D}"/>
+              <a:rPr lang="en-US"/>
+              <a:t>Click to edit Master title style</a:t>
+            </a:r>
+            <a:endParaRPr lang="en-US" dirty="0"/>
+          </a:p>
+        </p:txBody>
+      </p:sp>
+      <p:sp>
+        <p:nvSpPr>
+          <p:cNvPr id="3" name="Subtitle 2">
+            <a:extLst>
+              <a:ext uri="{FF2B5EF4-FFF2-40B4-BE49-F238E27FC236}">
+                <a16:creationId xmlns:a16="http://schemas.microsoft.com/office/drawing/2014/main" id="{C6EE64DE-978B-4F95-BB3C-D027D8008748}"/>
               </a:ext>
             </a:extLst>
           </p:cNvPr>
@@ -179,16 +194,25 @@
         </p:nvSpPr>
         <p:spPr>
           <a:xfrm>
-            <a:off x="1524000" y="3602038"/>
-            <a:ext cx="9144000" cy="1655762"/>
+            <a:off x="448056" y="4471416"/>
+            <a:ext cx="11292840" cy="1481328"/>
           </a:xfrm>
         </p:spPr>
         <p:txBody>
           <a:bodyPr/>
           <a:lstStyle>
-            <a:lvl1pPr marL="0" indent="0" algn="ctr">
-              <a:buNone/>
-              <a:defRPr sz="2400"/>
+            <a:lvl1pPr marL="0" indent="0" algn="l">
+              <a:lnSpc>
+                <a:spcPct val="120000"/>
+              </a:lnSpc>
+              <a:buNone/>
+              <a:defRPr sz="2400">
+                <a:solidFill>
+                  <a:schemeClr val="tx2">
+                    <a:alpha val="55000"/>
+                  </a:schemeClr>
+                </a:solidFill>
+              </a:defRPr>
             </a:lvl1pPr>
             <a:lvl2pPr marL="457200" indent="0" algn="ctr">
               <a:buNone/>
@@ -225,99 +249,204 @@
           </a:lstStyle>
           <a:p>
             <a:r>
-              <a:rPr lang="fr-FR"/>
-              <a:t>Modifiez le style des sous-titres du masque</a:t>
-            </a:r>
-          </a:p>
-        </p:txBody>
-      </p:sp>
-      <p:sp>
-        <p:nvSpPr>
-          <p:cNvPr id="4" name="Espace réservé de la date 3">
-            <a:extLst>
-              <a:ext uri="{FF2B5EF4-FFF2-40B4-BE49-F238E27FC236}">
-                <a16:creationId xmlns:a16="http://schemas.microsoft.com/office/drawing/2014/main" id="{37AC14FC-D5DD-445C-A64D-F3F470140083}"/>
-              </a:ext>
-            </a:extLst>
-          </p:cNvPr>
-          <p:cNvSpPr>
-            <a:spLocks noGrp="1"/>
-          </p:cNvSpPr>
-          <p:nvPr>
-            <p:ph type="dt" sz="half" idx="10"/>
-          </p:nvPr>
-        </p:nvSpPr>
-        <p:spPr/>
-        <p:txBody>
-          <a:bodyPr/>
-          <a:lstStyle/>
-          <a:p>
-            <a:fld id="{8C692646-0030-459A-BB6D-19B28BC0E14B}" type="datetimeFigureOut">
-              <a:rPr lang="fr-FR" smtClean="0"/>
-              <a:t>28/10/2021</a:t>
-            </a:fld>
-            <a:endParaRPr lang="fr-FR"/>
-          </a:p>
-        </p:txBody>
-      </p:sp>
-      <p:sp>
-        <p:nvSpPr>
-          <p:cNvPr id="5" name="Espace réservé du pied de page 4">
-            <a:extLst>
-              <a:ext uri="{FF2B5EF4-FFF2-40B4-BE49-F238E27FC236}">
-                <a16:creationId xmlns:a16="http://schemas.microsoft.com/office/drawing/2014/main" id="{AEEA7AAD-17D0-4B79-BC2C-555357CE062F}"/>
-              </a:ext>
-            </a:extLst>
-          </p:cNvPr>
-          <p:cNvSpPr>
-            <a:spLocks noGrp="1"/>
-          </p:cNvSpPr>
-          <p:nvPr>
-            <p:ph type="ftr" sz="quarter" idx="11"/>
-          </p:nvPr>
-        </p:nvSpPr>
-        <p:spPr/>
-        <p:txBody>
-          <a:bodyPr/>
-          <a:lstStyle/>
-          <a:p>
-            <a:endParaRPr lang="fr-FR"/>
-          </a:p>
-        </p:txBody>
-      </p:sp>
-      <p:sp>
-        <p:nvSpPr>
-          <p:cNvPr id="6" name="Espace réservé du numéro de diapositive 5">
-            <a:extLst>
-              <a:ext uri="{FF2B5EF4-FFF2-40B4-BE49-F238E27FC236}">
-                <a16:creationId xmlns:a16="http://schemas.microsoft.com/office/drawing/2014/main" id="{7BEEBC7B-3588-425A-97D3-FC20A4922D2B}"/>
-              </a:ext>
-            </a:extLst>
-          </p:cNvPr>
-          <p:cNvSpPr>
-            <a:spLocks noGrp="1"/>
-          </p:cNvSpPr>
-          <p:nvPr>
-            <p:ph type="sldNum" sz="quarter" idx="12"/>
-          </p:nvPr>
-        </p:nvSpPr>
-        <p:spPr/>
-        <p:txBody>
-          <a:bodyPr/>
-          <a:lstStyle/>
-          <a:p>
-            <a:fld id="{CB6C87A2-9167-49E8-8D37-2334D74A6B9D}" type="slidenum">
-              <a:rPr lang="fr-FR" smtClean="0"/>
+              <a:rPr lang="en-US"/>
+              <a:t>Click to edit Master subtitle style</a:t>
+            </a:r>
+            <a:endParaRPr lang="en-US" dirty="0"/>
+          </a:p>
+        </p:txBody>
+      </p:sp>
+      <p:cxnSp>
+        <p:nvCxnSpPr>
+          <p:cNvPr id="8" name="Straight Connector 7">
+            <a:extLst>
+              <a:ext uri="{FF2B5EF4-FFF2-40B4-BE49-F238E27FC236}">
+                <a16:creationId xmlns:a16="http://schemas.microsoft.com/office/drawing/2014/main" id="{C66CC717-08C5-4F3E-B8AA-BA93C8755982}"/>
+              </a:ext>
+            </a:extLst>
+          </p:cNvPr>
+          <p:cNvCxnSpPr>
+            <a:cxnSpLocks/>
+          </p:cNvCxnSpPr>
+          <p:nvPr/>
+        </p:nvCxnSpPr>
+        <p:spPr>
+          <a:xfrm>
+            <a:off x="449400" y="4122000"/>
+            <a:ext cx="11293200" cy="0"/>
+          </a:xfrm>
+          <a:prstGeom prst="line">
+            <a:avLst/>
+          </a:prstGeom>
+          <a:ln w="6350">
+            <a:solidFill>
+              <a:schemeClr val="tx2"/>
+            </a:solidFill>
+          </a:ln>
+        </p:spPr>
+        <p:style>
+          <a:lnRef idx="1">
+            <a:schemeClr val="accent1"/>
+          </a:lnRef>
+          <a:fillRef idx="0">
+            <a:schemeClr val="accent1"/>
+          </a:fillRef>
+          <a:effectRef idx="0">
+            <a:schemeClr val="accent1"/>
+          </a:effectRef>
+          <a:fontRef idx="minor">
+            <a:schemeClr val="tx1"/>
+          </a:fontRef>
+        </p:style>
+      </p:cxnSp>
+      <p:sp>
+        <p:nvSpPr>
+          <p:cNvPr id="9" name="Footer Placeholder 4">
+            <a:extLst>
+              <a:ext uri="{FF2B5EF4-FFF2-40B4-BE49-F238E27FC236}">
+                <a16:creationId xmlns:a16="http://schemas.microsoft.com/office/drawing/2014/main" id="{896B5700-AA45-4E20-8BE5-27620411303F}"/>
+              </a:ext>
+            </a:extLst>
+          </p:cNvPr>
+          <p:cNvSpPr>
+            <a:spLocks noGrp="1"/>
+          </p:cNvSpPr>
+          <p:nvPr>
+            <p:ph type="ftr" sz="quarter" idx="3"/>
+          </p:nvPr>
+        </p:nvSpPr>
+        <p:spPr>
+          <a:xfrm>
+            <a:off x="4370832" y="6153912"/>
+            <a:ext cx="5397056" cy="502920"/>
+          </a:xfrm>
+          <a:prstGeom prst="rect">
+            <a:avLst/>
+          </a:prstGeom>
+        </p:spPr>
+        <p:txBody>
+          <a:bodyPr vert="horz" lIns="0" tIns="0" rIns="91440" bIns="0" rtlCol="0" anchor="ctr"/>
+          <a:lstStyle>
+            <a:lvl1pPr algn="l">
+              <a:defRPr sz="900" cap="all" spc="200" baseline="0">
+                <a:solidFill>
+                  <a:schemeClr val="tx2">
+                    <a:alpha val="55000"/>
+                  </a:schemeClr>
+                </a:solidFill>
+              </a:defRPr>
+            </a:lvl1pPr>
+          </a:lstStyle>
+          <a:p>
+            <a:r>
+              <a:rPr lang="en-US" spc="200" dirty="0"/>
+              <a:t>Sample Footer Text</a:t>
+            </a:r>
+          </a:p>
+        </p:txBody>
+      </p:sp>
+      <p:sp>
+        <p:nvSpPr>
+          <p:cNvPr id="10" name="Slide Number Placeholder 5">
+            <a:extLst>
+              <a:ext uri="{FF2B5EF4-FFF2-40B4-BE49-F238E27FC236}">
+                <a16:creationId xmlns:a16="http://schemas.microsoft.com/office/drawing/2014/main" id="{7C5B7199-CC00-4D38-8B48-F8A539112985}"/>
+              </a:ext>
+            </a:extLst>
+          </p:cNvPr>
+          <p:cNvSpPr>
+            <a:spLocks noGrp="1"/>
+          </p:cNvSpPr>
+          <p:nvPr>
+            <p:ph type="sldNum" sz="quarter" idx="4"/>
+          </p:nvPr>
+        </p:nvSpPr>
+        <p:spPr>
+          <a:xfrm>
+            <a:off x="10238232" y="6153912"/>
+            <a:ext cx="1510856" cy="502920"/>
+          </a:xfrm>
+          <a:prstGeom prst="rect">
+            <a:avLst/>
+          </a:prstGeom>
+        </p:spPr>
+        <p:txBody>
+          <a:bodyPr vert="horz" lIns="0" tIns="0" rIns="0" bIns="0" rtlCol="0" anchor="ctr"/>
+          <a:lstStyle>
+            <a:lvl1pPr algn="r">
+              <a:defRPr sz="900">
+                <a:solidFill>
+                  <a:schemeClr val="tx2">
+                    <a:alpha val="55000"/>
+                  </a:schemeClr>
+                </a:solidFill>
+              </a:defRPr>
+            </a:lvl1pPr>
+          </a:lstStyle>
+          <a:p>
+            <a:fld id="{0D309695-DEC3-40DA-9DF5-330280C9D0E8}" type="slidenum">
+              <a:rPr lang="en-US" smtClean="0"/>
+              <a:pPr/>
               <a:t>‹N°›</a:t>
             </a:fld>
-            <a:endParaRPr lang="fr-FR"/>
+            <a:endParaRPr lang="en-US" dirty="0"/>
+          </a:p>
+        </p:txBody>
+      </p:sp>
+      <p:sp>
+        <p:nvSpPr>
+          <p:cNvPr id="11" name="Date Placeholder 3">
+            <a:extLst>
+              <a:ext uri="{FF2B5EF4-FFF2-40B4-BE49-F238E27FC236}">
+                <a16:creationId xmlns:a16="http://schemas.microsoft.com/office/drawing/2014/main" id="{16BC76EC-3453-4CE0-A71D-BD21940757B4}"/>
+              </a:ext>
+            </a:extLst>
+          </p:cNvPr>
+          <p:cNvSpPr>
+            <a:spLocks noGrp="1"/>
+          </p:cNvSpPr>
+          <p:nvPr>
+            <p:ph type="dt" sz="half" idx="2"/>
+          </p:nvPr>
+        </p:nvSpPr>
+        <p:spPr>
+          <a:xfrm>
+            <a:off x="442912" y="6152968"/>
+            <a:ext cx="3457576" cy="502920"/>
+          </a:xfrm>
+          <a:prstGeom prst="rect">
+            <a:avLst/>
+          </a:prstGeom>
+        </p:spPr>
+        <p:txBody>
+          <a:bodyPr wrap="square" lIns="0" tIns="0" rIns="0" bIns="0" anchor="ctr" anchorCtr="0">
+            <a:normAutofit/>
+          </a:bodyPr>
+          <a:lstStyle>
+            <a:lvl1pPr>
+              <a:defRPr sz="900" cap="all" spc="200" baseline="0">
+                <a:solidFill>
+                  <a:schemeClr val="tx1">
+                    <a:alpha val="55000"/>
+                  </a:schemeClr>
+                </a:solidFill>
+              </a:defRPr>
+            </a:lvl1pPr>
+          </a:lstStyle>
+          <a:p>
+            <a:fld id="{8256C2ED-54A4-480D-B5C8-65C0D62359B9}" type="datetime2">
+              <a:rPr lang="en-US" smtClean="0"/>
+              <a:pPr/>
+              <a:t>Monday, November 1, 2021</a:t>
+            </a:fld>
+            <a:endParaRPr lang="en-US" dirty="0"/>
           </a:p>
         </p:txBody>
       </p:sp>
     </p:spTree>
     <p:extLst>
       <p:ext uri="{BB962C8B-B14F-4D97-AF65-F5344CB8AC3E}">
-        <p14:creationId xmlns:p14="http://schemas.microsoft.com/office/powerpoint/2010/main" val="2748490516"/>
+        <p14:creationId xmlns:p14="http://schemas.microsoft.com/office/powerpoint/2010/main" val="2139927590"/>
       </p:ext>
     </p:extLst>
   </p:cSld>
@@ -329,7 +458,7 @@
 
 <file path=ppt/slideLayouts/slideLayout10.xml><?xml version="1.0" encoding="utf-8"?>
 <p:sldLayout xmlns:a="http://schemas.openxmlformats.org/drawingml/2006/main" xmlns:r="http://schemas.openxmlformats.org/officeDocument/2006/relationships" xmlns:p="http://schemas.openxmlformats.org/presentationml/2006/main" type="vertTx" preserve="1">
-  <p:cSld name="Titre et texte vertical">
+  <p:cSld name="Title and Vertical Text">
     <p:spTree>
       <p:nvGrpSpPr>
         <p:cNvPr id="1" name=""/>
@@ -346,10 +475,10 @@
       </p:grpSpPr>
       <p:sp>
         <p:nvSpPr>
-          <p:cNvPr id="2" name="Titre 1">
-            <a:extLst>
-              <a:ext uri="{FF2B5EF4-FFF2-40B4-BE49-F238E27FC236}">
-                <a16:creationId xmlns:a16="http://schemas.microsoft.com/office/drawing/2014/main" id="{932DBE0F-8918-4E79-B5A2-45FE9851A1BC}"/>
+          <p:cNvPr id="2" name="Title 1">
+            <a:extLst>
+              <a:ext uri="{FF2B5EF4-FFF2-40B4-BE49-F238E27FC236}">
+                <a16:creationId xmlns:a16="http://schemas.microsoft.com/office/drawing/2014/main" id="{671733FC-38A1-463C-BF3D-0D99784E027C}"/>
               </a:ext>
             </a:extLst>
           </p:cNvPr>
@@ -366,18 +495,19 @@
           <a:lstStyle/>
           <a:p>
             <a:r>
-              <a:rPr lang="fr-FR"/>
-              <a:t>Modifiez le style du titre</a:t>
-            </a:r>
-          </a:p>
-        </p:txBody>
-      </p:sp>
-      <p:sp>
-        <p:nvSpPr>
-          <p:cNvPr id="3" name="Espace réservé du texte vertical 2">
-            <a:extLst>
-              <a:ext uri="{FF2B5EF4-FFF2-40B4-BE49-F238E27FC236}">
-                <a16:creationId xmlns:a16="http://schemas.microsoft.com/office/drawing/2014/main" id="{B484EB57-E138-4E9B-AB9C-CEA61629933E}"/>
+              <a:rPr lang="en-US"/>
+              <a:t>Click to edit Master title style</a:t>
+            </a:r>
+            <a:endParaRPr lang="en-US" dirty="0"/>
+          </a:p>
+        </p:txBody>
+      </p:sp>
+      <p:sp>
+        <p:nvSpPr>
+          <p:cNvPr id="3" name="Vertical Text Placeholder 2">
+            <a:extLst>
+              <a:ext uri="{FF2B5EF4-FFF2-40B4-BE49-F238E27FC236}">
+                <a16:creationId xmlns:a16="http://schemas.microsoft.com/office/drawing/2014/main" id="{2AFD076A-A004-4560-A43B-028624E20D17}"/>
               </a:ext>
             </a:extLst>
           </p:cNvPr>
@@ -388,61 +518,132 @@
             <p:ph type="body" orient="vert" idx="1"/>
           </p:nvPr>
         </p:nvSpPr>
+        <p:spPr>
+          <a:xfrm>
+            <a:off x="448056" y="1956816"/>
+            <a:ext cx="11301984" cy="3995928"/>
+          </a:xfrm>
+        </p:spPr>
+        <p:txBody>
+          <a:bodyPr vert="eaVert"/>
+          <a:lstStyle/>
+          <a:p>
+            <a:pPr lvl="0"/>
+            <a:r>
+              <a:rPr lang="en-US"/>
+              <a:t>Click to edit Master text styles</a:t>
+            </a:r>
+          </a:p>
+          <a:p>
+            <a:pPr lvl="1"/>
+            <a:r>
+              <a:rPr lang="en-US"/>
+              <a:t>Second level</a:t>
+            </a:r>
+          </a:p>
+          <a:p>
+            <a:pPr lvl="2"/>
+            <a:r>
+              <a:rPr lang="en-US"/>
+              <a:t>Third level</a:t>
+            </a:r>
+          </a:p>
+          <a:p>
+            <a:pPr lvl="3"/>
+            <a:r>
+              <a:rPr lang="en-US"/>
+              <a:t>Fourth level</a:t>
+            </a:r>
+          </a:p>
+          <a:p>
+            <a:pPr lvl="4"/>
+            <a:r>
+              <a:rPr lang="en-US"/>
+              <a:t>Fifth level</a:t>
+            </a:r>
+            <a:endParaRPr lang="en-US" dirty="0"/>
+          </a:p>
+        </p:txBody>
+      </p:sp>
+      <p:sp>
+        <p:nvSpPr>
+          <p:cNvPr id="4" name="Date Placeholder 3">
+            <a:extLst>
+              <a:ext uri="{FF2B5EF4-FFF2-40B4-BE49-F238E27FC236}">
+                <a16:creationId xmlns:a16="http://schemas.microsoft.com/office/drawing/2014/main" id="{DFCFBA60-9309-4F2A-9FA9-305C4AFBECAF}"/>
+              </a:ext>
+            </a:extLst>
+          </p:cNvPr>
+          <p:cNvSpPr>
+            <a:spLocks noGrp="1"/>
+          </p:cNvSpPr>
+          <p:nvPr>
+            <p:ph type="dt" sz="half" idx="10"/>
+          </p:nvPr>
+        </p:nvSpPr>
+        <p:spPr>
+          <a:xfrm>
+            <a:off x="438912" y="6153912"/>
+            <a:ext cx="3456432" cy="502920"/>
+          </a:xfrm>
+          <a:prstGeom prst="rect">
+            <a:avLst/>
+          </a:prstGeom>
+        </p:spPr>
+        <p:txBody>
+          <a:bodyPr/>
+          <a:lstStyle/>
+          <a:p>
+            <a:fld id="{53CF612A-4CB0-4F57-9A87-F049CECB184D}" type="datetime2">
+              <a:rPr lang="en-US" smtClean="0"/>
+              <a:t>Monday, November 1, 2021</a:t>
+            </a:fld>
+            <a:endParaRPr lang="en-US"/>
+          </a:p>
+        </p:txBody>
+      </p:sp>
+      <p:sp>
+        <p:nvSpPr>
+          <p:cNvPr id="5" name="Footer Placeholder 4">
+            <a:extLst>
+              <a:ext uri="{FF2B5EF4-FFF2-40B4-BE49-F238E27FC236}">
+                <a16:creationId xmlns:a16="http://schemas.microsoft.com/office/drawing/2014/main" id="{491BF451-928F-4E55-8A76-111D0E21121F}"/>
+              </a:ext>
+            </a:extLst>
+          </p:cNvPr>
+          <p:cNvSpPr>
+            <a:spLocks noGrp="1"/>
+          </p:cNvSpPr>
+          <p:nvPr>
+            <p:ph type="ftr" sz="quarter" idx="11"/>
+          </p:nvPr>
+        </p:nvSpPr>
         <p:spPr/>
         <p:txBody>
-          <a:bodyPr vert="eaVert"/>
-          <a:lstStyle/>
-          <a:p>
-            <a:pPr lvl="0"/>
-            <a:r>
-              <a:rPr lang="fr-FR"/>
-              <a:t>Cliquez pour modifier les styles du texte du masque</a:t>
-            </a:r>
-          </a:p>
-          <a:p>
-            <a:pPr lvl="1"/>
-            <a:r>
-              <a:rPr lang="fr-FR"/>
-              <a:t>Deuxième niveau</a:t>
-            </a:r>
-          </a:p>
-          <a:p>
-            <a:pPr lvl="2"/>
-            <a:r>
-              <a:rPr lang="fr-FR"/>
-              <a:t>Troisième niveau</a:t>
-            </a:r>
-          </a:p>
-          <a:p>
-            <a:pPr lvl="3"/>
-            <a:r>
-              <a:rPr lang="fr-FR"/>
-              <a:t>Quatrième niveau</a:t>
-            </a:r>
-          </a:p>
-          <a:p>
-            <a:pPr lvl="4"/>
-            <a:r>
-              <a:rPr lang="fr-FR"/>
-              <a:t>Cinquième niveau</a:t>
-            </a:r>
-          </a:p>
-        </p:txBody>
-      </p:sp>
-      <p:sp>
-        <p:nvSpPr>
-          <p:cNvPr id="4" name="Espace réservé de la date 3">
-            <a:extLst>
-              <a:ext uri="{FF2B5EF4-FFF2-40B4-BE49-F238E27FC236}">
-                <a16:creationId xmlns:a16="http://schemas.microsoft.com/office/drawing/2014/main" id="{E44ECC96-53F5-4B66-A449-3D5E0DBC44BB}"/>
-              </a:ext>
-            </a:extLst>
-          </p:cNvPr>
-          <p:cNvSpPr>
-            <a:spLocks noGrp="1"/>
-          </p:cNvSpPr>
-          <p:nvPr>
-            <p:ph type="dt" sz="half" idx="10"/>
+          <a:bodyPr/>
+          <a:lstStyle/>
+          <a:p>
+            <a:r>
+              <a:rPr lang="en-US"/>
+              <a:t>Sample Footer Text</a:t>
+            </a:r>
+          </a:p>
+        </p:txBody>
+      </p:sp>
+      <p:sp>
+        <p:nvSpPr>
+          <p:cNvPr id="6" name="Slide Number Placeholder 5">
+            <a:extLst>
+              <a:ext uri="{FF2B5EF4-FFF2-40B4-BE49-F238E27FC236}">
+                <a16:creationId xmlns:a16="http://schemas.microsoft.com/office/drawing/2014/main" id="{AB5EC161-BA80-4E93-AEB1-B61E38C098BB}"/>
+              </a:ext>
+            </a:extLst>
+          </p:cNvPr>
+          <p:cNvSpPr>
+            <a:spLocks noGrp="1"/>
+          </p:cNvSpPr>
+          <p:nvPr>
+            <p:ph type="sldNum" sz="quarter" idx="12"/>
           </p:nvPr>
         </p:nvSpPr>
         <p:spPr/>
@@ -450,72 +651,18 @@
           <a:bodyPr/>
           <a:lstStyle/>
           <a:p>
-            <a:fld id="{8C692646-0030-459A-BB6D-19B28BC0E14B}" type="datetimeFigureOut">
-              <a:rPr lang="fr-FR" smtClean="0"/>
-              <a:t>28/10/2021</a:t>
-            </a:fld>
-            <a:endParaRPr lang="fr-FR"/>
-          </a:p>
-        </p:txBody>
-      </p:sp>
-      <p:sp>
-        <p:nvSpPr>
-          <p:cNvPr id="5" name="Espace réservé du pied de page 4">
-            <a:extLst>
-              <a:ext uri="{FF2B5EF4-FFF2-40B4-BE49-F238E27FC236}">
-                <a16:creationId xmlns:a16="http://schemas.microsoft.com/office/drawing/2014/main" id="{8D08EAD2-0083-4F8B-8562-37A1705CF40D}"/>
-              </a:ext>
-            </a:extLst>
-          </p:cNvPr>
-          <p:cNvSpPr>
-            <a:spLocks noGrp="1"/>
-          </p:cNvSpPr>
-          <p:nvPr>
-            <p:ph type="ftr" sz="quarter" idx="11"/>
-          </p:nvPr>
-        </p:nvSpPr>
-        <p:spPr/>
-        <p:txBody>
-          <a:bodyPr/>
-          <a:lstStyle/>
-          <a:p>
-            <a:endParaRPr lang="fr-FR"/>
-          </a:p>
-        </p:txBody>
-      </p:sp>
-      <p:sp>
-        <p:nvSpPr>
-          <p:cNvPr id="6" name="Espace réservé du numéro de diapositive 5">
-            <a:extLst>
-              <a:ext uri="{FF2B5EF4-FFF2-40B4-BE49-F238E27FC236}">
-                <a16:creationId xmlns:a16="http://schemas.microsoft.com/office/drawing/2014/main" id="{8B6991B7-E539-44F7-957B-324EEEF4EDC4}"/>
-              </a:ext>
-            </a:extLst>
-          </p:cNvPr>
-          <p:cNvSpPr>
-            <a:spLocks noGrp="1"/>
-          </p:cNvSpPr>
-          <p:nvPr>
-            <p:ph type="sldNum" sz="quarter" idx="12"/>
-          </p:nvPr>
-        </p:nvSpPr>
-        <p:spPr/>
-        <p:txBody>
-          <a:bodyPr/>
-          <a:lstStyle/>
-          <a:p>
-            <a:fld id="{CB6C87A2-9167-49E8-8D37-2334D74A6B9D}" type="slidenum">
-              <a:rPr lang="fr-FR" smtClean="0"/>
+            <a:fld id="{0D309695-DEC3-40DA-9DF5-330280C9D0E8}" type="slidenum">
+              <a:rPr lang="en-US" smtClean="0"/>
               <a:t>‹N°›</a:t>
             </a:fld>
-            <a:endParaRPr lang="fr-FR"/>
+            <a:endParaRPr lang="en-US"/>
           </a:p>
         </p:txBody>
       </p:sp>
     </p:spTree>
     <p:extLst>
       <p:ext uri="{BB962C8B-B14F-4D97-AF65-F5344CB8AC3E}">
-        <p14:creationId xmlns:p14="http://schemas.microsoft.com/office/powerpoint/2010/main" val="1484215636"/>
+        <p14:creationId xmlns:p14="http://schemas.microsoft.com/office/powerpoint/2010/main" val="758314445"/>
       </p:ext>
     </p:extLst>
   </p:cSld>
@@ -527,7 +674,7 @@
 
 <file path=ppt/slideLayouts/slideLayout11.xml><?xml version="1.0" encoding="utf-8"?>
 <p:sldLayout xmlns:a="http://schemas.openxmlformats.org/drawingml/2006/main" xmlns:r="http://schemas.openxmlformats.org/officeDocument/2006/relationships" xmlns:p="http://schemas.openxmlformats.org/presentationml/2006/main" type="vertTitleAndTx" preserve="1">
-  <p:cSld name="Titre vertical et texte">
+  <p:cSld name="Vertical Title and Text">
     <p:spTree>
       <p:nvGrpSpPr>
         <p:cNvPr id="1" name=""/>
@@ -544,10 +691,10 @@
       </p:grpSpPr>
       <p:sp>
         <p:nvSpPr>
-          <p:cNvPr id="2" name="Titre vertical 1">
-            <a:extLst>
-              <a:ext uri="{FF2B5EF4-FFF2-40B4-BE49-F238E27FC236}">
-                <a16:creationId xmlns:a16="http://schemas.microsoft.com/office/drawing/2014/main" id="{00A447E9-ADB4-45A9-A02D-33C0848DC3F3}"/>
+          <p:cNvPr id="2" name="Vertical Title 1">
+            <a:extLst>
+              <a:ext uri="{FF2B5EF4-FFF2-40B4-BE49-F238E27FC236}">
+                <a16:creationId xmlns:a16="http://schemas.microsoft.com/office/drawing/2014/main" id="{8EA44E3E-5EFE-4FCB-86A2-5E20CC6525EC}"/>
               </a:ext>
             </a:extLst>
           </p:cNvPr>
@@ -560,8 +707,8 @@
         </p:nvSpPr>
         <p:spPr>
           <a:xfrm>
-            <a:off x="8724900" y="365125"/>
-            <a:ext cx="2628900" cy="5811838"/>
+            <a:off x="10232136" y="448056"/>
+            <a:ext cx="1581912" cy="5504688"/>
           </a:xfrm>
         </p:spPr>
         <p:txBody>
@@ -569,18 +716,19 @@
           <a:lstStyle/>
           <a:p>
             <a:r>
-              <a:rPr lang="fr-FR"/>
-              <a:t>Modifiez le style du titre</a:t>
-            </a:r>
-          </a:p>
-        </p:txBody>
-      </p:sp>
-      <p:sp>
-        <p:nvSpPr>
-          <p:cNvPr id="3" name="Espace réservé du texte vertical 2">
-            <a:extLst>
-              <a:ext uri="{FF2B5EF4-FFF2-40B4-BE49-F238E27FC236}">
-                <a16:creationId xmlns:a16="http://schemas.microsoft.com/office/drawing/2014/main" id="{FBC02C09-299A-48F7-B31D-4C205785EA9D}"/>
+              <a:rPr lang="en-US"/>
+              <a:t>Click to edit Master title style</a:t>
+            </a:r>
+            <a:endParaRPr lang="en-US" dirty="0"/>
+          </a:p>
+        </p:txBody>
+      </p:sp>
+      <p:sp>
+        <p:nvSpPr>
+          <p:cNvPr id="3" name="Vertical Text Placeholder 2">
+            <a:extLst>
+              <a:ext uri="{FF2B5EF4-FFF2-40B4-BE49-F238E27FC236}">
+                <a16:creationId xmlns:a16="http://schemas.microsoft.com/office/drawing/2014/main" id="{7495005E-2E0C-4200-BF29-1135A35EE9B9}"/>
               </a:ext>
             </a:extLst>
           </p:cNvPr>
@@ -593,8 +741,8 @@
         </p:nvSpPr>
         <p:spPr>
           <a:xfrm>
-            <a:off x="838200" y="365125"/>
-            <a:ext cx="7734300" cy="5811838"/>
+            <a:off x="438912" y="438912"/>
+            <a:ext cx="9436608" cy="5504688"/>
           </a:xfrm>
         </p:spPr>
         <p:txBody>
@@ -603,46 +751,47 @@
           <a:p>
             <a:pPr lvl="0"/>
             <a:r>
-              <a:rPr lang="fr-FR"/>
-              <a:t>Cliquez pour modifier les styles du texte du masque</a:t>
+              <a:rPr lang="en-US"/>
+              <a:t>Click to edit Master text styles</a:t>
             </a:r>
           </a:p>
           <a:p>
             <a:pPr lvl="1"/>
             <a:r>
-              <a:rPr lang="fr-FR"/>
-              <a:t>Deuxième niveau</a:t>
+              <a:rPr lang="en-US"/>
+              <a:t>Second level</a:t>
             </a:r>
           </a:p>
           <a:p>
             <a:pPr lvl="2"/>
             <a:r>
-              <a:rPr lang="fr-FR"/>
-              <a:t>Troisième niveau</a:t>
+              <a:rPr lang="en-US"/>
+              <a:t>Third level</a:t>
             </a:r>
           </a:p>
           <a:p>
             <a:pPr lvl="3"/>
             <a:r>
-              <a:rPr lang="fr-FR"/>
-              <a:t>Quatrième niveau</a:t>
+              <a:rPr lang="en-US"/>
+              <a:t>Fourth level</a:t>
             </a:r>
           </a:p>
           <a:p>
             <a:pPr lvl="4"/>
             <a:r>
-              <a:rPr lang="fr-FR"/>
-              <a:t>Cinquième niveau</a:t>
-            </a:r>
-          </a:p>
-        </p:txBody>
-      </p:sp>
-      <p:sp>
-        <p:nvSpPr>
-          <p:cNvPr id="4" name="Espace réservé de la date 3">
-            <a:extLst>
-              <a:ext uri="{FF2B5EF4-FFF2-40B4-BE49-F238E27FC236}">
-                <a16:creationId xmlns:a16="http://schemas.microsoft.com/office/drawing/2014/main" id="{CBE7AAA5-4B6C-4EA5-A8DF-24AA2916F0DE}"/>
+              <a:rPr lang="en-US"/>
+              <a:t>Fifth level</a:t>
+            </a:r>
+            <a:endParaRPr lang="en-US" dirty="0"/>
+          </a:p>
+        </p:txBody>
+      </p:sp>
+      <p:sp>
+        <p:nvSpPr>
+          <p:cNvPr id="4" name="Date Placeholder 3">
+            <a:extLst>
+              <a:ext uri="{FF2B5EF4-FFF2-40B4-BE49-F238E27FC236}">
+                <a16:creationId xmlns:a16="http://schemas.microsoft.com/office/drawing/2014/main" id="{512BBBED-3B21-4271-BC0F-BBA258B59D48}"/>
               </a:ext>
             </a:extLst>
           </p:cNvPr>
@@ -653,33 +802,69 @@
             <p:ph type="dt" sz="half" idx="10"/>
           </p:nvPr>
         </p:nvSpPr>
+        <p:spPr>
+          <a:xfrm>
+            <a:off x="438912" y="6153912"/>
+            <a:ext cx="3456432" cy="502920"/>
+          </a:xfrm>
+          <a:prstGeom prst="rect">
+            <a:avLst/>
+          </a:prstGeom>
+        </p:spPr>
+        <p:txBody>
+          <a:bodyPr/>
+          <a:lstStyle/>
+          <a:p>
+            <a:fld id="{8F397F40-C8F7-4897-A6B8-241042F913A9}" type="datetime2">
+              <a:rPr lang="en-US" smtClean="0"/>
+              <a:t>Monday, November 1, 2021</a:t>
+            </a:fld>
+            <a:endParaRPr lang="en-US"/>
+          </a:p>
+        </p:txBody>
+      </p:sp>
+      <p:sp>
+        <p:nvSpPr>
+          <p:cNvPr id="5" name="Footer Placeholder 4">
+            <a:extLst>
+              <a:ext uri="{FF2B5EF4-FFF2-40B4-BE49-F238E27FC236}">
+                <a16:creationId xmlns:a16="http://schemas.microsoft.com/office/drawing/2014/main" id="{2D89CED5-56F3-4943-8143-918F7A860CD4}"/>
+              </a:ext>
+            </a:extLst>
+          </p:cNvPr>
+          <p:cNvSpPr>
+            <a:spLocks noGrp="1"/>
+          </p:cNvSpPr>
+          <p:nvPr>
+            <p:ph type="ftr" sz="quarter" idx="11"/>
+          </p:nvPr>
+        </p:nvSpPr>
         <p:spPr/>
         <p:txBody>
           <a:bodyPr/>
           <a:lstStyle/>
           <a:p>
-            <a:fld id="{8C692646-0030-459A-BB6D-19B28BC0E14B}" type="datetimeFigureOut">
-              <a:rPr lang="fr-FR" smtClean="0"/>
-              <a:t>28/10/2021</a:t>
-            </a:fld>
-            <a:endParaRPr lang="fr-FR"/>
-          </a:p>
-        </p:txBody>
-      </p:sp>
-      <p:sp>
-        <p:nvSpPr>
-          <p:cNvPr id="5" name="Espace réservé du pied de page 4">
-            <a:extLst>
-              <a:ext uri="{FF2B5EF4-FFF2-40B4-BE49-F238E27FC236}">
-                <a16:creationId xmlns:a16="http://schemas.microsoft.com/office/drawing/2014/main" id="{79318414-13F6-4B66-99F5-0F727980DC7A}"/>
-              </a:ext>
-            </a:extLst>
-          </p:cNvPr>
-          <p:cNvSpPr>
-            <a:spLocks noGrp="1"/>
-          </p:cNvSpPr>
-          <p:nvPr>
-            <p:ph type="ftr" sz="quarter" idx="11"/>
+            <a:r>
+              <a:rPr lang="en-US"/>
+              <a:t>Sample Footer Text</a:t>
+            </a:r>
+          </a:p>
+        </p:txBody>
+      </p:sp>
+      <p:sp>
+        <p:nvSpPr>
+          <p:cNvPr id="6" name="Slide Number Placeholder 5">
+            <a:extLst>
+              <a:ext uri="{FF2B5EF4-FFF2-40B4-BE49-F238E27FC236}">
+                <a16:creationId xmlns:a16="http://schemas.microsoft.com/office/drawing/2014/main" id="{09C87180-7248-4741-8E3B-9AAFB414DD95}"/>
+              </a:ext>
+            </a:extLst>
+          </p:cNvPr>
+          <p:cNvSpPr>
+            <a:spLocks noGrp="1"/>
+          </p:cNvSpPr>
+          <p:nvPr>
+            <p:ph type="sldNum" sz="quarter" idx="12"/>
           </p:nvPr>
         </p:nvSpPr>
         <p:spPr/>
@@ -687,43 +872,18 @@
           <a:bodyPr/>
           <a:lstStyle/>
           <a:p>
-            <a:endParaRPr lang="fr-FR"/>
-          </a:p>
-        </p:txBody>
-      </p:sp>
-      <p:sp>
-        <p:nvSpPr>
-          <p:cNvPr id="6" name="Espace réservé du numéro de diapositive 5">
-            <a:extLst>
-              <a:ext uri="{FF2B5EF4-FFF2-40B4-BE49-F238E27FC236}">
-                <a16:creationId xmlns:a16="http://schemas.microsoft.com/office/drawing/2014/main" id="{38D2FC79-826A-4AE5-BDD5-77D01BC320EE}"/>
-              </a:ext>
-            </a:extLst>
-          </p:cNvPr>
-          <p:cNvSpPr>
-            <a:spLocks noGrp="1"/>
-          </p:cNvSpPr>
-          <p:nvPr>
-            <p:ph type="sldNum" sz="quarter" idx="12"/>
-          </p:nvPr>
-        </p:nvSpPr>
-        <p:spPr/>
-        <p:txBody>
-          <a:bodyPr/>
-          <a:lstStyle/>
-          <a:p>
-            <a:fld id="{CB6C87A2-9167-49E8-8D37-2334D74A6B9D}" type="slidenum">
-              <a:rPr lang="fr-FR" smtClean="0"/>
+            <a:fld id="{0D309695-DEC3-40DA-9DF5-330280C9D0E8}" type="slidenum">
+              <a:rPr lang="en-US" smtClean="0"/>
               <a:t>‹N°›</a:t>
             </a:fld>
-            <a:endParaRPr lang="fr-FR"/>
+            <a:endParaRPr lang="en-US"/>
           </a:p>
         </p:txBody>
       </p:sp>
     </p:spTree>
     <p:extLst>
       <p:ext uri="{BB962C8B-B14F-4D97-AF65-F5344CB8AC3E}">
-        <p14:creationId xmlns:p14="http://schemas.microsoft.com/office/powerpoint/2010/main" val="341248311"/>
+        <p14:creationId xmlns:p14="http://schemas.microsoft.com/office/powerpoint/2010/main" val="2101059009"/>
       </p:ext>
     </p:extLst>
   </p:cSld>
@@ -735,7 +895,7 @@
 
 <file path=ppt/slideLayouts/slideLayout2.xml><?xml version="1.0" encoding="utf-8"?>
 <p:sldLayout xmlns:a="http://schemas.openxmlformats.org/drawingml/2006/main" xmlns:r="http://schemas.openxmlformats.org/officeDocument/2006/relationships" xmlns:p="http://schemas.openxmlformats.org/presentationml/2006/main" type="obj" preserve="1">
-  <p:cSld name="Titre et contenu">
+  <p:cSld name="Title and Content">
     <p:spTree>
       <p:nvGrpSpPr>
         <p:cNvPr id="1" name=""/>
@@ -752,10 +912,10 @@
       </p:grpSpPr>
       <p:sp>
         <p:nvSpPr>
-          <p:cNvPr id="2" name="Titre 1">
-            <a:extLst>
-              <a:ext uri="{FF2B5EF4-FFF2-40B4-BE49-F238E27FC236}">
-                <a16:creationId xmlns:a16="http://schemas.microsoft.com/office/drawing/2014/main" id="{9B794BBC-5587-4DC7-AF40-16E796FC63D4}"/>
+          <p:cNvPr id="2" name="Title 1">
+            <a:extLst>
+              <a:ext uri="{FF2B5EF4-FFF2-40B4-BE49-F238E27FC236}">
+                <a16:creationId xmlns:a16="http://schemas.microsoft.com/office/drawing/2014/main" id="{F69B7685-BDD9-488F-B082-33592E0F1364}"/>
               </a:ext>
             </a:extLst>
           </p:cNvPr>
@@ -768,22 +928,23 @@
         </p:nvSpPr>
         <p:spPr/>
         <p:txBody>
-          <a:bodyPr/>
-          <a:lstStyle/>
-          <a:p>
-            <a:r>
-              <a:rPr lang="fr-FR"/>
-              <a:t>Modifiez le style du titre</a:t>
-            </a:r>
-          </a:p>
-        </p:txBody>
-      </p:sp>
-      <p:sp>
-        <p:nvSpPr>
-          <p:cNvPr id="3" name="Espace réservé du contenu 2">
-            <a:extLst>
-              <a:ext uri="{FF2B5EF4-FFF2-40B4-BE49-F238E27FC236}">
-                <a16:creationId xmlns:a16="http://schemas.microsoft.com/office/drawing/2014/main" id="{AD49006C-45F9-48A3-A274-D7CAA1D02D1B}"/>
+          <a:bodyPr wrap="square"/>
+          <a:lstStyle/>
+          <a:p>
+            <a:r>
+              <a:rPr lang="en-US"/>
+              <a:t>Click to edit Master title style</a:t>
+            </a:r>
+            <a:endParaRPr lang="en-US" dirty="0"/>
+          </a:p>
+        </p:txBody>
+      </p:sp>
+      <p:sp>
+        <p:nvSpPr>
+          <p:cNvPr id="3" name="Content Placeholder 2">
+            <a:extLst>
+              <a:ext uri="{FF2B5EF4-FFF2-40B4-BE49-F238E27FC236}">
+                <a16:creationId xmlns:a16="http://schemas.microsoft.com/office/drawing/2014/main" id="{3E9CB5FF-7FB5-4B8A-BF1C-48765D40B4C0}"/>
               </a:ext>
             </a:extLst>
           </p:cNvPr>
@@ -794,134 +955,201 @@
             <p:ph idx="1"/>
           </p:nvPr>
         </p:nvSpPr>
-        <p:spPr/>
-        <p:txBody>
-          <a:bodyPr/>
+        <p:spPr>
+          <a:xfrm>
+            <a:off x="448056" y="1735200"/>
+            <a:ext cx="11293200" cy="3783013"/>
+          </a:xfrm>
+        </p:spPr>
+        <p:txBody>
+          <a:bodyPr wrap="square"/>
           <a:lstStyle/>
           <a:p>
             <a:pPr lvl="0"/>
             <a:r>
-              <a:rPr lang="fr-FR"/>
-              <a:t>Cliquez pour modifier les styles du texte du masque</a:t>
+              <a:rPr lang="en-US"/>
+              <a:t>Click to edit Master text styles</a:t>
             </a:r>
           </a:p>
           <a:p>
             <a:pPr lvl="1"/>
             <a:r>
-              <a:rPr lang="fr-FR"/>
-              <a:t>Deuxième niveau</a:t>
+              <a:rPr lang="en-US"/>
+              <a:t>Second level</a:t>
             </a:r>
           </a:p>
           <a:p>
             <a:pPr lvl="2"/>
             <a:r>
-              <a:rPr lang="fr-FR"/>
-              <a:t>Troisième niveau</a:t>
+              <a:rPr lang="en-US"/>
+              <a:t>Third level</a:t>
             </a:r>
           </a:p>
           <a:p>
             <a:pPr lvl="3"/>
             <a:r>
-              <a:rPr lang="fr-FR"/>
-              <a:t>Quatrième niveau</a:t>
+              <a:rPr lang="en-US"/>
+              <a:t>Fourth level</a:t>
             </a:r>
           </a:p>
           <a:p>
             <a:pPr lvl="4"/>
             <a:r>
-              <a:rPr lang="fr-FR"/>
-              <a:t>Cinquième niveau</a:t>
-            </a:r>
-          </a:p>
-        </p:txBody>
-      </p:sp>
-      <p:sp>
-        <p:nvSpPr>
-          <p:cNvPr id="4" name="Espace réservé de la date 3">
-            <a:extLst>
-              <a:ext uri="{FF2B5EF4-FFF2-40B4-BE49-F238E27FC236}">
-                <a16:creationId xmlns:a16="http://schemas.microsoft.com/office/drawing/2014/main" id="{743A175A-1FCE-413F-B171-940D0FB34D93}"/>
-              </a:ext>
-            </a:extLst>
-          </p:cNvPr>
-          <p:cNvSpPr>
-            <a:spLocks noGrp="1"/>
-          </p:cNvSpPr>
-          <p:nvPr>
-            <p:ph type="dt" sz="half" idx="10"/>
-          </p:nvPr>
-        </p:nvSpPr>
-        <p:spPr/>
-        <p:txBody>
-          <a:bodyPr/>
-          <a:lstStyle/>
-          <a:p>
-            <a:fld id="{8C692646-0030-459A-BB6D-19B28BC0E14B}" type="datetimeFigureOut">
-              <a:rPr lang="fr-FR" smtClean="0"/>
-              <a:t>28/10/2021</a:t>
-            </a:fld>
-            <a:endParaRPr lang="fr-FR"/>
-          </a:p>
-        </p:txBody>
-      </p:sp>
-      <p:sp>
-        <p:nvSpPr>
-          <p:cNvPr id="5" name="Espace réservé du pied de page 4">
-            <a:extLst>
-              <a:ext uri="{FF2B5EF4-FFF2-40B4-BE49-F238E27FC236}">
-                <a16:creationId xmlns:a16="http://schemas.microsoft.com/office/drawing/2014/main" id="{C683C661-616B-452E-BAAE-DCE785569D90}"/>
-              </a:ext>
-            </a:extLst>
-          </p:cNvPr>
-          <p:cNvSpPr>
-            <a:spLocks noGrp="1"/>
-          </p:cNvSpPr>
-          <p:nvPr>
-            <p:ph type="ftr" sz="quarter" idx="11"/>
-          </p:nvPr>
-        </p:nvSpPr>
-        <p:spPr/>
-        <p:txBody>
-          <a:bodyPr/>
-          <a:lstStyle/>
-          <a:p>
-            <a:endParaRPr lang="fr-FR"/>
-          </a:p>
-        </p:txBody>
-      </p:sp>
-      <p:sp>
-        <p:nvSpPr>
-          <p:cNvPr id="6" name="Espace réservé du numéro de diapositive 5">
-            <a:extLst>
-              <a:ext uri="{FF2B5EF4-FFF2-40B4-BE49-F238E27FC236}">
-                <a16:creationId xmlns:a16="http://schemas.microsoft.com/office/drawing/2014/main" id="{4DE2199E-A015-42FE-A488-E29A73AF44F9}"/>
-              </a:ext>
-            </a:extLst>
-          </p:cNvPr>
-          <p:cNvSpPr>
-            <a:spLocks noGrp="1"/>
-          </p:cNvSpPr>
-          <p:nvPr>
-            <p:ph type="sldNum" sz="quarter" idx="12"/>
-          </p:nvPr>
-        </p:nvSpPr>
-        <p:spPr/>
-        <p:txBody>
-          <a:bodyPr/>
-          <a:lstStyle/>
-          <a:p>
-            <a:fld id="{CB6C87A2-9167-49E8-8D37-2334D74A6B9D}" type="slidenum">
-              <a:rPr lang="fr-FR" smtClean="0"/>
+              <a:rPr lang="en-US"/>
+              <a:t>Fifth level</a:t>
+            </a:r>
+            <a:endParaRPr lang="en-US" dirty="0"/>
+          </a:p>
+        </p:txBody>
+      </p:sp>
+      <p:sp>
+        <p:nvSpPr>
+          <p:cNvPr id="7" name="Footer Placeholder 4">
+            <a:extLst>
+              <a:ext uri="{FF2B5EF4-FFF2-40B4-BE49-F238E27FC236}">
+                <a16:creationId xmlns:a16="http://schemas.microsoft.com/office/drawing/2014/main" id="{BDA03860-F8F0-4186-B5D0-72C935B2C2A9}"/>
+              </a:ext>
+            </a:extLst>
+          </p:cNvPr>
+          <p:cNvSpPr>
+            <a:spLocks noGrp="1"/>
+          </p:cNvSpPr>
+          <p:nvPr>
+            <p:ph type="ftr" sz="quarter" idx="3"/>
+          </p:nvPr>
+        </p:nvSpPr>
+        <p:spPr>
+          <a:xfrm>
+            <a:off x="4370832" y="6153912"/>
+            <a:ext cx="5397056" cy="502920"/>
+          </a:xfrm>
+          <a:prstGeom prst="rect">
+            <a:avLst/>
+          </a:prstGeom>
+        </p:spPr>
+        <p:txBody>
+          <a:bodyPr vert="horz" lIns="0" tIns="0" rIns="91440" bIns="0" rtlCol="0" anchor="ctr"/>
+          <a:lstStyle>
+            <a:lvl1pPr algn="l">
+              <a:defRPr sz="900" cap="all" spc="200" baseline="0">
+                <a:solidFill>
+                  <a:schemeClr val="tx2">
+                    <a:alpha val="55000"/>
+                  </a:schemeClr>
+                </a:solidFill>
+              </a:defRPr>
+            </a:lvl1pPr>
+          </a:lstStyle>
+          <a:p>
+            <a:r>
+              <a:rPr lang="en-US" spc="200" dirty="0"/>
+              <a:t>Sample Footer Text</a:t>
+            </a:r>
+          </a:p>
+        </p:txBody>
+      </p:sp>
+      <p:sp>
+        <p:nvSpPr>
+          <p:cNvPr id="8" name="Slide Number Placeholder 5">
+            <a:extLst>
+              <a:ext uri="{FF2B5EF4-FFF2-40B4-BE49-F238E27FC236}">
+                <a16:creationId xmlns:a16="http://schemas.microsoft.com/office/drawing/2014/main" id="{60B9D802-9E36-42DA-B6CA-6C937CBE8A94}"/>
+              </a:ext>
+            </a:extLst>
+          </p:cNvPr>
+          <p:cNvSpPr>
+            <a:spLocks noGrp="1"/>
+          </p:cNvSpPr>
+          <p:nvPr>
+            <p:ph type="sldNum" sz="quarter" idx="4"/>
+          </p:nvPr>
+        </p:nvSpPr>
+        <p:spPr>
+          <a:xfrm>
+            <a:off x="10238232" y="6153912"/>
+            <a:ext cx="1510856" cy="502920"/>
+          </a:xfrm>
+          <a:prstGeom prst="rect">
+            <a:avLst/>
+          </a:prstGeom>
+        </p:spPr>
+        <p:txBody>
+          <a:bodyPr vert="horz" lIns="0" tIns="0" rIns="0" bIns="0" rtlCol="0" anchor="ctr"/>
+          <a:lstStyle>
+            <a:lvl1pPr algn="r">
+              <a:defRPr sz="900">
+                <a:solidFill>
+                  <a:schemeClr val="tx2">
+                    <a:alpha val="55000"/>
+                  </a:schemeClr>
+                </a:solidFill>
+              </a:defRPr>
+            </a:lvl1pPr>
+          </a:lstStyle>
+          <a:p>
+            <a:fld id="{0D309695-DEC3-40DA-9DF5-330280C9D0E8}" type="slidenum">
+              <a:rPr lang="en-US" smtClean="0"/>
+              <a:pPr/>
               <a:t>‹N°›</a:t>
             </a:fld>
-            <a:endParaRPr lang="fr-FR"/>
+            <a:endParaRPr lang="en-US" dirty="0"/>
+          </a:p>
+        </p:txBody>
+      </p:sp>
+      <p:sp>
+        <p:nvSpPr>
+          <p:cNvPr id="9" name="Date Placeholder 3">
+            <a:extLst>
+              <a:ext uri="{FF2B5EF4-FFF2-40B4-BE49-F238E27FC236}">
+                <a16:creationId xmlns:a16="http://schemas.microsoft.com/office/drawing/2014/main" id="{C227B5A7-BF66-4C50-9DAD-A24070310B83}"/>
+              </a:ext>
+            </a:extLst>
+          </p:cNvPr>
+          <p:cNvSpPr>
+            <a:spLocks noGrp="1"/>
+          </p:cNvSpPr>
+          <p:nvPr>
+            <p:ph type="dt" sz="half" idx="2"/>
+          </p:nvPr>
+        </p:nvSpPr>
+        <p:spPr>
+          <a:xfrm>
+            <a:off x="442912" y="6152968"/>
+            <a:ext cx="3457576" cy="502920"/>
+          </a:xfrm>
+          <a:prstGeom prst="rect">
+            <a:avLst/>
+          </a:prstGeom>
+        </p:spPr>
+        <p:txBody>
+          <a:bodyPr wrap="square" lIns="0" tIns="0" rIns="0" bIns="0" anchor="ctr" anchorCtr="0">
+            <a:normAutofit/>
+          </a:bodyPr>
+          <a:lstStyle>
+            <a:lvl1pPr>
+              <a:defRPr sz="900" cap="all" spc="200" baseline="0">
+                <a:solidFill>
+                  <a:schemeClr val="tx1">
+                    <a:alpha val="55000"/>
+                  </a:schemeClr>
+                </a:solidFill>
+              </a:defRPr>
+            </a:lvl1pPr>
+          </a:lstStyle>
+          <a:p>
+            <a:fld id="{8256C2ED-54A4-480D-B5C8-65C0D62359B9}" type="datetime2">
+              <a:rPr lang="en-US" smtClean="0"/>
+              <a:pPr/>
+              <a:t>Monday, November 1, 2021</a:t>
+            </a:fld>
+            <a:endParaRPr lang="en-US" dirty="0"/>
           </a:p>
         </p:txBody>
       </p:sp>
     </p:spTree>
     <p:extLst>
       <p:ext uri="{BB962C8B-B14F-4D97-AF65-F5344CB8AC3E}">
-        <p14:creationId xmlns:p14="http://schemas.microsoft.com/office/powerpoint/2010/main" val="4181353639"/>
+        <p14:creationId xmlns:p14="http://schemas.microsoft.com/office/powerpoint/2010/main" val="4095457701"/>
       </p:ext>
     </p:extLst>
   </p:cSld>
@@ -933,7 +1161,7 @@
 
 <file path=ppt/slideLayouts/slideLayout3.xml><?xml version="1.0" encoding="utf-8"?>
 <p:sldLayout xmlns:a="http://schemas.openxmlformats.org/drawingml/2006/main" xmlns:r="http://schemas.openxmlformats.org/officeDocument/2006/relationships" xmlns:p="http://schemas.openxmlformats.org/presentationml/2006/main" type="secHead" preserve="1">
-  <p:cSld name="Titre de section">
+  <p:cSld name="Section Header">
     <p:spTree>
       <p:nvGrpSpPr>
         <p:cNvPr id="1" name=""/>
@@ -950,10 +1178,10 @@
       </p:grpSpPr>
       <p:sp>
         <p:nvSpPr>
-          <p:cNvPr id="2" name="Titre 1">
-            <a:extLst>
-              <a:ext uri="{FF2B5EF4-FFF2-40B4-BE49-F238E27FC236}">
-                <a16:creationId xmlns:a16="http://schemas.microsoft.com/office/drawing/2014/main" id="{032049C4-A994-4FDA-AA71-DE760BD94566}"/>
+          <p:cNvPr id="2" name="Title 1">
+            <a:extLst>
+              <a:ext uri="{FF2B5EF4-FFF2-40B4-BE49-F238E27FC236}">
+                <a16:creationId xmlns:a16="http://schemas.microsoft.com/office/drawing/2014/main" id="{B76E2B8D-DB20-44D1-84BC-F76685913380}"/>
               </a:ext>
             </a:extLst>
           </p:cNvPr>
@@ -966,31 +1194,34 @@
         </p:nvSpPr>
         <p:spPr>
           <a:xfrm>
-            <a:off x="831850" y="1709738"/>
-            <a:ext cx="10515600" cy="2852737"/>
-          </a:xfrm>
-        </p:spPr>
-        <p:txBody>
-          <a:bodyPr anchor="b"/>
+            <a:off x="448056" y="448056"/>
+            <a:ext cx="11311128" cy="3401568"/>
+          </a:xfrm>
+        </p:spPr>
+        <p:txBody>
+          <a:bodyPr anchor="b">
+            <a:normAutofit/>
+          </a:bodyPr>
           <a:lstStyle>
             <a:lvl1pPr>
-              <a:defRPr sz="6000"/>
+              <a:defRPr sz="6400"/>
             </a:lvl1pPr>
           </a:lstStyle>
           <a:p>
             <a:r>
-              <a:rPr lang="fr-FR"/>
-              <a:t>Modifiez le style du titre</a:t>
-            </a:r>
-          </a:p>
-        </p:txBody>
-      </p:sp>
-      <p:sp>
-        <p:nvSpPr>
-          <p:cNvPr id="3" name="Espace réservé du texte 2">
-            <a:extLst>
-              <a:ext uri="{FF2B5EF4-FFF2-40B4-BE49-F238E27FC236}">
-                <a16:creationId xmlns:a16="http://schemas.microsoft.com/office/drawing/2014/main" id="{3E8A1A28-EB26-4D05-A5FA-79042DF4511A}"/>
+              <a:rPr lang="en-US"/>
+              <a:t>Click to edit Master title style</a:t>
+            </a:r>
+            <a:endParaRPr lang="en-US" dirty="0"/>
+          </a:p>
+        </p:txBody>
+      </p:sp>
+      <p:sp>
+        <p:nvSpPr>
+          <p:cNvPr id="3" name="Text Placeholder 2">
+            <a:extLst>
+              <a:ext uri="{FF2B5EF4-FFF2-40B4-BE49-F238E27FC236}">
+                <a16:creationId xmlns:a16="http://schemas.microsoft.com/office/drawing/2014/main" id="{E594C298-618E-4642-8F2B-8DD253ED5C06}"/>
               </a:ext>
             </a:extLst>
           </p:cNvPr>
@@ -1003,19 +1234,22 @@
         </p:nvSpPr>
         <p:spPr>
           <a:xfrm>
-            <a:off x="831850" y="4589463"/>
-            <a:ext cx="10515600" cy="1500187"/>
+            <a:off x="448056" y="4471416"/>
+            <a:ext cx="11292840" cy="1481328"/>
           </a:xfrm>
         </p:spPr>
         <p:txBody>
           <a:bodyPr/>
           <a:lstStyle>
             <a:lvl1pPr marL="0" indent="0">
+              <a:lnSpc>
+                <a:spcPct val="120000"/>
+              </a:lnSpc>
               <a:buNone/>
               <a:defRPr sz="2400">
                 <a:solidFill>
-                  <a:schemeClr val="tx1">
-                    <a:tint val="75000"/>
+                  <a:schemeClr val="tx2">
+                    <a:alpha val="55000"/>
                   </a:schemeClr>
                 </a:solidFill>
               </a:defRPr>
@@ -1104,18 +1338,18 @@
           <a:p>
             <a:pPr lvl="0"/>
             <a:r>
-              <a:rPr lang="fr-FR"/>
-              <a:t>Cliquez pour modifier les styles du texte du masque</a:t>
-            </a:r>
-          </a:p>
-        </p:txBody>
-      </p:sp>
-      <p:sp>
-        <p:nvSpPr>
-          <p:cNvPr id="4" name="Espace réservé de la date 3">
-            <a:extLst>
-              <a:ext uri="{FF2B5EF4-FFF2-40B4-BE49-F238E27FC236}">
-                <a16:creationId xmlns:a16="http://schemas.microsoft.com/office/drawing/2014/main" id="{B746389C-556F-47FE-A8D2-C9114020CBD9}"/>
+              <a:rPr lang="en-US"/>
+              <a:t>Click to edit Master text styles</a:t>
+            </a:r>
+          </a:p>
+        </p:txBody>
+      </p:sp>
+      <p:sp>
+        <p:nvSpPr>
+          <p:cNvPr id="4" name="Date Placeholder 3">
+            <a:extLst>
+              <a:ext uri="{FF2B5EF4-FFF2-40B4-BE49-F238E27FC236}">
+                <a16:creationId xmlns:a16="http://schemas.microsoft.com/office/drawing/2014/main" id="{E2B3ECD5-2EEA-457B-9C93-36F8AF368EC7}"/>
               </a:ext>
             </a:extLst>
           </p:cNvPr>
@@ -1126,77 +1360,131 @@
             <p:ph type="dt" sz="half" idx="10"/>
           </p:nvPr>
         </p:nvSpPr>
+        <p:spPr>
+          <a:xfrm>
+            <a:off x="438912" y="6153912"/>
+            <a:ext cx="3456432" cy="502920"/>
+          </a:xfrm>
+          <a:prstGeom prst="rect">
+            <a:avLst/>
+          </a:prstGeom>
+        </p:spPr>
+        <p:txBody>
+          <a:bodyPr/>
+          <a:lstStyle/>
+          <a:p>
+            <a:fld id="{10EDCA73-0A86-4195-A787-75037827079D}" type="datetime2">
+              <a:rPr lang="en-US" smtClean="0"/>
+              <a:t>Monday, November 1, 2021</a:t>
+            </a:fld>
+            <a:endParaRPr lang="en-US"/>
+          </a:p>
+        </p:txBody>
+      </p:sp>
+      <p:sp>
+        <p:nvSpPr>
+          <p:cNvPr id="5" name="Footer Placeholder 4">
+            <a:extLst>
+              <a:ext uri="{FF2B5EF4-FFF2-40B4-BE49-F238E27FC236}">
+                <a16:creationId xmlns:a16="http://schemas.microsoft.com/office/drawing/2014/main" id="{D79A15D4-F172-4025-9290-C8F5D419720E}"/>
+              </a:ext>
+            </a:extLst>
+          </p:cNvPr>
+          <p:cNvSpPr>
+            <a:spLocks noGrp="1"/>
+          </p:cNvSpPr>
+          <p:nvPr>
+            <p:ph type="ftr" sz="quarter" idx="11"/>
+          </p:nvPr>
+        </p:nvSpPr>
         <p:spPr/>
         <p:txBody>
           <a:bodyPr/>
           <a:lstStyle/>
           <a:p>
-            <a:fld id="{8C692646-0030-459A-BB6D-19B28BC0E14B}" type="datetimeFigureOut">
-              <a:rPr lang="fr-FR" smtClean="0"/>
-              <a:t>28/10/2021</a:t>
-            </a:fld>
-            <a:endParaRPr lang="fr-FR"/>
-          </a:p>
-        </p:txBody>
-      </p:sp>
-      <p:sp>
-        <p:nvSpPr>
-          <p:cNvPr id="5" name="Espace réservé du pied de page 4">
-            <a:extLst>
-              <a:ext uri="{FF2B5EF4-FFF2-40B4-BE49-F238E27FC236}">
-                <a16:creationId xmlns:a16="http://schemas.microsoft.com/office/drawing/2014/main" id="{1252BD6D-40B2-4A5B-B5FA-5F8EE64B0E98}"/>
-              </a:ext>
-            </a:extLst>
-          </p:cNvPr>
-          <p:cNvSpPr>
-            <a:spLocks noGrp="1"/>
-          </p:cNvSpPr>
-          <p:nvPr>
-            <p:ph type="ftr" sz="quarter" idx="11"/>
+            <a:r>
+              <a:rPr lang="en-US"/>
+              <a:t>Sample Footer Text</a:t>
+            </a:r>
+          </a:p>
+        </p:txBody>
+      </p:sp>
+      <p:sp>
+        <p:nvSpPr>
+          <p:cNvPr id="6" name="Slide Number Placeholder 5">
+            <a:extLst>
+              <a:ext uri="{FF2B5EF4-FFF2-40B4-BE49-F238E27FC236}">
+                <a16:creationId xmlns:a16="http://schemas.microsoft.com/office/drawing/2014/main" id="{3926CD73-9984-4E1D-BD74-37115C1F4C57}"/>
+              </a:ext>
+            </a:extLst>
+          </p:cNvPr>
+          <p:cNvSpPr>
+            <a:spLocks noGrp="1"/>
+          </p:cNvSpPr>
+          <p:nvPr>
+            <p:ph type="sldNum" sz="quarter" idx="12"/>
           </p:nvPr>
         </p:nvSpPr>
         <p:spPr/>
         <p:txBody>
-          <a:bodyPr/>
-          <a:lstStyle/>
-          <a:p>
-            <a:endParaRPr lang="fr-FR"/>
-          </a:p>
-        </p:txBody>
-      </p:sp>
-      <p:sp>
-        <p:nvSpPr>
-          <p:cNvPr id="6" name="Espace réservé du numéro de diapositive 5">
-            <a:extLst>
-              <a:ext uri="{FF2B5EF4-FFF2-40B4-BE49-F238E27FC236}">
-                <a16:creationId xmlns:a16="http://schemas.microsoft.com/office/drawing/2014/main" id="{34661F57-4FFE-437C-BFCD-76CAEF1C3557}"/>
-              </a:ext>
-            </a:extLst>
-          </p:cNvPr>
-          <p:cNvSpPr>
-            <a:spLocks noGrp="1"/>
-          </p:cNvSpPr>
-          <p:nvPr>
-            <p:ph type="sldNum" sz="quarter" idx="12"/>
-          </p:nvPr>
-        </p:nvSpPr>
-        <p:spPr/>
-        <p:txBody>
-          <a:bodyPr/>
-          <a:lstStyle/>
-          <a:p>
-            <a:fld id="{CB6C87A2-9167-49E8-8D37-2334D74A6B9D}" type="slidenum">
-              <a:rPr lang="fr-FR" smtClean="0"/>
+          <a:bodyPr rIns="219456"/>
+          <a:lstStyle/>
+          <a:p>
+            <a:fld id="{0D309695-DEC3-40DA-9DF5-330280C9D0E8}" type="slidenum">
+              <a:rPr lang="en-US" smtClean="0"/>
               <a:t>‹N°›</a:t>
             </a:fld>
-            <a:endParaRPr lang="fr-FR"/>
-          </a:p>
-        </p:txBody>
-      </p:sp>
+            <a:endParaRPr lang="en-US"/>
+          </a:p>
+        </p:txBody>
+      </p:sp>
+      <p:cxnSp>
+        <p:nvCxnSpPr>
+          <p:cNvPr id="8" name="Straight Connector 7">
+            <a:extLst>
+              <a:ext uri="{FF2B5EF4-FFF2-40B4-BE49-F238E27FC236}">
+                <a16:creationId xmlns:a16="http://schemas.microsoft.com/office/drawing/2014/main" id="{E99FAD47-5E44-4EE5-A422-A77593F8F3A3}"/>
+              </a:ext>
+            </a:extLst>
+          </p:cNvPr>
+          <p:cNvCxnSpPr>
+            <a:cxnSpLocks/>
+          </p:cNvCxnSpPr>
+          <p:nvPr/>
+        </p:nvCxnSpPr>
+        <p:spPr>
+          <a:xfrm>
+            <a:off x="449400" y="4122000"/>
+            <a:ext cx="11293200" cy="0"/>
+          </a:xfrm>
+          <a:prstGeom prst="line">
+            <a:avLst/>
+          </a:prstGeom>
+          <a:ln w="6350">
+            <a:solidFill>
+              <a:schemeClr val="tx2"/>
+            </a:solidFill>
+          </a:ln>
+        </p:spPr>
+        <p:style>
+          <a:lnRef idx="1">
+            <a:schemeClr val="accent1"/>
+          </a:lnRef>
+          <a:fillRef idx="0">
+            <a:schemeClr val="accent1"/>
+          </a:fillRef>
+          <a:effectRef idx="0">
+            <a:schemeClr val="accent1"/>
+          </a:effectRef>
+          <a:fontRef idx="minor">
+            <a:schemeClr val="tx1"/>
+          </a:fontRef>
+        </p:style>
+      </p:cxnSp>
     </p:spTree>
     <p:extLst>
       <p:ext uri="{BB962C8B-B14F-4D97-AF65-F5344CB8AC3E}">
-        <p14:creationId xmlns:p14="http://schemas.microsoft.com/office/powerpoint/2010/main" val="1890640120"/>
+        <p14:creationId xmlns:p14="http://schemas.microsoft.com/office/powerpoint/2010/main" val="3469552666"/>
       </p:ext>
     </p:extLst>
   </p:cSld>
@@ -1208,7 +1496,7 @@
 
 <file path=ppt/slideLayouts/slideLayout4.xml><?xml version="1.0" encoding="utf-8"?>
 <p:sldLayout xmlns:a="http://schemas.openxmlformats.org/drawingml/2006/main" xmlns:r="http://schemas.openxmlformats.org/officeDocument/2006/relationships" xmlns:p="http://schemas.openxmlformats.org/presentationml/2006/main" type="twoObj" preserve="1">
-  <p:cSld name="Deux contenus">
+  <p:cSld name="Two Content">
     <p:spTree>
       <p:nvGrpSpPr>
         <p:cNvPr id="1" name=""/>
@@ -1225,10 +1513,10 @@
       </p:grpSpPr>
       <p:sp>
         <p:nvSpPr>
-          <p:cNvPr id="2" name="Titre 1">
-            <a:extLst>
-              <a:ext uri="{FF2B5EF4-FFF2-40B4-BE49-F238E27FC236}">
-                <a16:creationId xmlns:a16="http://schemas.microsoft.com/office/drawing/2014/main" id="{CCDBA078-0EAB-4A69-AFB0-136AF48D7248}"/>
+          <p:cNvPr id="2" name="Title 1">
+            <a:extLst>
+              <a:ext uri="{FF2B5EF4-FFF2-40B4-BE49-F238E27FC236}">
+                <a16:creationId xmlns:a16="http://schemas.microsoft.com/office/drawing/2014/main" id="{0E974E41-AB27-418C-AA9E-8F863DDE3629}"/>
               </a:ext>
             </a:extLst>
           </p:cNvPr>
@@ -1245,18 +1533,19 @@
           <a:lstStyle/>
           <a:p>
             <a:r>
-              <a:rPr lang="fr-FR"/>
-              <a:t>Modifiez le style du titre</a:t>
-            </a:r>
-          </a:p>
-        </p:txBody>
-      </p:sp>
-      <p:sp>
-        <p:nvSpPr>
-          <p:cNvPr id="3" name="Espace réservé du contenu 2">
-            <a:extLst>
-              <a:ext uri="{FF2B5EF4-FFF2-40B4-BE49-F238E27FC236}">
-                <a16:creationId xmlns:a16="http://schemas.microsoft.com/office/drawing/2014/main" id="{ED697B7D-C746-413E-ABA3-A6706BD565D8}"/>
+              <a:rPr lang="en-US"/>
+              <a:t>Click to edit Master title style</a:t>
+            </a:r>
+            <a:endParaRPr lang="en-US" dirty="0"/>
+          </a:p>
+        </p:txBody>
+      </p:sp>
+      <p:sp>
+        <p:nvSpPr>
+          <p:cNvPr id="3" name="Content Placeholder 2">
+            <a:extLst>
+              <a:ext uri="{FF2B5EF4-FFF2-40B4-BE49-F238E27FC236}">
+                <a16:creationId xmlns:a16="http://schemas.microsoft.com/office/drawing/2014/main" id="{58B9E10A-E18D-4122-A71B-0A22F695E076}"/>
               </a:ext>
             </a:extLst>
           </p:cNvPr>
@@ -1269,56 +1558,73 @@
         </p:nvSpPr>
         <p:spPr>
           <a:xfrm>
-            <a:off x="838200" y="1825625"/>
-            <a:ext cx="5181600" cy="4351338"/>
+            <a:off x="448056" y="1735200"/>
+            <a:ext cx="5431536" cy="4214750"/>
           </a:xfrm>
         </p:spPr>
         <p:txBody>
           <a:bodyPr/>
-          <a:lstStyle/>
+          <a:lstStyle>
+            <a:lvl1pPr marL="450000">
+              <a:defRPr/>
+            </a:lvl1pPr>
+            <a:lvl2pPr marL="900000">
+              <a:defRPr/>
+            </a:lvl2pPr>
+            <a:lvl3pPr marL="1350000">
+              <a:defRPr/>
+            </a:lvl3pPr>
+            <a:lvl4pPr marL="1800000">
+              <a:defRPr/>
+            </a:lvl4pPr>
+            <a:lvl5pPr marL="2250000">
+              <a:defRPr/>
+            </a:lvl5pPr>
+          </a:lstStyle>
           <a:p>
             <a:pPr lvl="0"/>
             <a:r>
-              <a:rPr lang="fr-FR"/>
-              <a:t>Cliquez pour modifier les styles du texte du masque</a:t>
+              <a:rPr lang="en-US"/>
+              <a:t>Click to edit Master text styles</a:t>
             </a:r>
           </a:p>
           <a:p>
             <a:pPr lvl="1"/>
             <a:r>
-              <a:rPr lang="fr-FR"/>
-              <a:t>Deuxième niveau</a:t>
+              <a:rPr lang="en-US"/>
+              <a:t>Second level</a:t>
             </a:r>
           </a:p>
           <a:p>
             <a:pPr lvl="2"/>
             <a:r>
-              <a:rPr lang="fr-FR"/>
-              <a:t>Troisième niveau</a:t>
+              <a:rPr lang="en-US"/>
+              <a:t>Third level</a:t>
             </a:r>
           </a:p>
           <a:p>
             <a:pPr lvl="3"/>
             <a:r>
-              <a:rPr lang="fr-FR"/>
-              <a:t>Quatrième niveau</a:t>
+              <a:rPr lang="en-US"/>
+              <a:t>Fourth level</a:t>
             </a:r>
           </a:p>
           <a:p>
             <a:pPr lvl="4"/>
             <a:r>
-              <a:rPr lang="fr-FR"/>
-              <a:t>Cinquième niveau</a:t>
-            </a:r>
-          </a:p>
-        </p:txBody>
-      </p:sp>
-      <p:sp>
-        <p:nvSpPr>
-          <p:cNvPr id="4" name="Espace réservé du contenu 3">
-            <a:extLst>
-              <a:ext uri="{FF2B5EF4-FFF2-40B4-BE49-F238E27FC236}">
-                <a16:creationId xmlns:a16="http://schemas.microsoft.com/office/drawing/2014/main" id="{FEF0782B-CD20-44F9-95CE-6CB1259103DF}"/>
+              <a:rPr lang="en-US"/>
+              <a:t>Fifth level</a:t>
+            </a:r>
+            <a:endParaRPr lang="en-US" dirty="0"/>
+          </a:p>
+        </p:txBody>
+      </p:sp>
+      <p:sp>
+        <p:nvSpPr>
+          <p:cNvPr id="4" name="Content Placeholder 3">
+            <a:extLst>
+              <a:ext uri="{FF2B5EF4-FFF2-40B4-BE49-F238E27FC236}">
+                <a16:creationId xmlns:a16="http://schemas.microsoft.com/office/drawing/2014/main" id="{90CB980D-2720-431B-88C8-4D837023BBFF}"/>
               </a:ext>
             </a:extLst>
           </p:cNvPr>
@@ -1331,56 +1637,70 @@
         </p:nvSpPr>
         <p:spPr>
           <a:xfrm>
-            <a:off x="6172200" y="1825625"/>
-            <a:ext cx="5181600" cy="4351338"/>
+            <a:off x="6309360" y="1735200"/>
+            <a:ext cx="5431536" cy="4214750"/>
           </a:xfrm>
         </p:spPr>
         <p:txBody>
           <a:bodyPr/>
-          <a:lstStyle/>
+          <a:lstStyle>
+            <a:lvl2pPr marL="900000">
+              <a:defRPr/>
+            </a:lvl2pPr>
+            <a:lvl3pPr marL="1350000">
+              <a:defRPr/>
+            </a:lvl3pPr>
+            <a:lvl4pPr marL="1800000">
+              <a:defRPr/>
+            </a:lvl4pPr>
+            <a:lvl5pPr marL="2430000">
+              <a:defRPr/>
+            </a:lvl5pPr>
+          </a:lstStyle>
           <a:p>
             <a:pPr lvl="0"/>
             <a:r>
-              <a:rPr lang="fr-FR"/>
-              <a:t>Cliquez pour modifier les styles du texte du masque</a:t>
+              <a:rPr lang="en-US"/>
+              <a:t>Click to edit Master text styles</a:t>
             </a:r>
           </a:p>
           <a:p>
             <a:pPr lvl="1"/>
             <a:r>
-              <a:rPr lang="fr-FR"/>
-              <a:t>Deuxième niveau</a:t>
+              <a:rPr lang="en-US"/>
+              <a:t>Second level</a:t>
             </a:r>
           </a:p>
           <a:p>
             <a:pPr lvl="2"/>
             <a:r>
-              <a:rPr lang="fr-FR"/>
-              <a:t>Troisième niveau</a:t>
+              <a:rPr lang="en-US"/>
+              <a:t>Third level</a:t>
             </a:r>
           </a:p>
           <a:p>
             <a:pPr lvl="3"/>
             <a:r>
-              <a:rPr lang="fr-FR"/>
-              <a:t>Quatrième niveau</a:t>
+              <a:rPr lang="en-US"/>
+              <a:t>Fourth level</a:t>
             </a:r>
           </a:p>
           <a:p>
             <a:pPr lvl="4"/>
             <a:r>
-              <a:rPr lang="fr-FR"/>
-              <a:t>Cinquième niveau</a:t>
-            </a:r>
-          </a:p>
-        </p:txBody>
-      </p:sp>
-      <p:sp>
-        <p:nvSpPr>
-          <p:cNvPr id="5" name="Espace réservé de la date 4">
-            <a:extLst>
-              <a:ext uri="{FF2B5EF4-FFF2-40B4-BE49-F238E27FC236}">
-                <a16:creationId xmlns:a16="http://schemas.microsoft.com/office/drawing/2014/main" id="{6B5756D1-51AC-425B-B062-19342699C105}"/>
+              <a:rPr lang="en-US"/>
+              <a:t>Fifth level</a:t>
+            </a:r>
+            <a:endParaRPr lang="en-US" dirty="0"/>
+          </a:p>
+        </p:txBody>
+      </p:sp>
+      <p:sp>
+        <p:nvSpPr>
+          <p:cNvPr id="5" name="Date Placeholder 4">
+            <a:extLst>
+              <a:ext uri="{FF2B5EF4-FFF2-40B4-BE49-F238E27FC236}">
+                <a16:creationId xmlns:a16="http://schemas.microsoft.com/office/drawing/2014/main" id="{DE8EB211-F6F7-4C53-B25F-F1EBF7A8BF4E}"/>
               </a:ext>
             </a:extLst>
           </p:cNvPr>
@@ -1391,77 +1711,88 @@
             <p:ph type="dt" sz="half" idx="10"/>
           </p:nvPr>
         </p:nvSpPr>
+        <p:spPr>
+          <a:xfrm>
+            <a:off x="438912" y="6153912"/>
+            <a:ext cx="3456432" cy="502920"/>
+          </a:xfrm>
+          <a:prstGeom prst="rect">
+            <a:avLst/>
+          </a:prstGeom>
+        </p:spPr>
+        <p:txBody>
+          <a:bodyPr/>
+          <a:lstStyle/>
+          <a:p>
+            <a:fld id="{83C75374-B296-498E-A935-80631EA9020D}" type="datetime2">
+              <a:rPr lang="en-US" smtClean="0"/>
+              <a:t>Monday, November 1, 2021</a:t>
+            </a:fld>
+            <a:endParaRPr lang="en-US"/>
+          </a:p>
+        </p:txBody>
+      </p:sp>
+      <p:sp>
+        <p:nvSpPr>
+          <p:cNvPr id="6" name="Footer Placeholder 5">
+            <a:extLst>
+              <a:ext uri="{FF2B5EF4-FFF2-40B4-BE49-F238E27FC236}">
+                <a16:creationId xmlns:a16="http://schemas.microsoft.com/office/drawing/2014/main" id="{D0AA830D-482E-415E-B855-D561B94BDC20}"/>
+              </a:ext>
+            </a:extLst>
+          </p:cNvPr>
+          <p:cNvSpPr>
+            <a:spLocks noGrp="1"/>
+          </p:cNvSpPr>
+          <p:nvPr>
+            <p:ph type="ftr" sz="quarter" idx="11"/>
+          </p:nvPr>
+        </p:nvSpPr>
         <p:spPr/>
         <p:txBody>
           <a:bodyPr/>
           <a:lstStyle/>
           <a:p>
-            <a:fld id="{8C692646-0030-459A-BB6D-19B28BC0E14B}" type="datetimeFigureOut">
-              <a:rPr lang="fr-FR" smtClean="0"/>
-              <a:t>28/10/2021</a:t>
-            </a:fld>
-            <a:endParaRPr lang="fr-FR"/>
-          </a:p>
-        </p:txBody>
-      </p:sp>
-      <p:sp>
-        <p:nvSpPr>
-          <p:cNvPr id="6" name="Espace réservé du pied de page 5">
-            <a:extLst>
-              <a:ext uri="{FF2B5EF4-FFF2-40B4-BE49-F238E27FC236}">
-                <a16:creationId xmlns:a16="http://schemas.microsoft.com/office/drawing/2014/main" id="{7126C303-2E39-4C21-ACB1-9BDAE80CD641}"/>
-              </a:ext>
-            </a:extLst>
-          </p:cNvPr>
-          <p:cNvSpPr>
-            <a:spLocks noGrp="1"/>
-          </p:cNvSpPr>
-          <p:nvPr>
-            <p:ph type="ftr" sz="quarter" idx="11"/>
+            <a:r>
+              <a:rPr lang="en-US"/>
+              <a:t>Sample Footer Text</a:t>
+            </a:r>
+          </a:p>
+        </p:txBody>
+      </p:sp>
+      <p:sp>
+        <p:nvSpPr>
+          <p:cNvPr id="7" name="Slide Number Placeholder 6">
+            <a:extLst>
+              <a:ext uri="{FF2B5EF4-FFF2-40B4-BE49-F238E27FC236}">
+                <a16:creationId xmlns:a16="http://schemas.microsoft.com/office/drawing/2014/main" id="{2D7FB2AC-9F49-4D35-8C5E-ECECC6B13134}"/>
+              </a:ext>
+            </a:extLst>
+          </p:cNvPr>
+          <p:cNvSpPr>
+            <a:spLocks noGrp="1"/>
+          </p:cNvSpPr>
+          <p:nvPr>
+            <p:ph type="sldNum" sz="quarter" idx="12"/>
           </p:nvPr>
         </p:nvSpPr>
         <p:spPr/>
         <p:txBody>
-          <a:bodyPr/>
-          <a:lstStyle/>
-          <a:p>
-            <a:endParaRPr lang="fr-FR"/>
-          </a:p>
-        </p:txBody>
-      </p:sp>
-      <p:sp>
-        <p:nvSpPr>
-          <p:cNvPr id="7" name="Espace réservé du numéro de diapositive 6">
-            <a:extLst>
-              <a:ext uri="{FF2B5EF4-FFF2-40B4-BE49-F238E27FC236}">
-                <a16:creationId xmlns:a16="http://schemas.microsoft.com/office/drawing/2014/main" id="{A40D5C3A-2ADD-4568-B097-F362BFA74BA9}"/>
-              </a:ext>
-            </a:extLst>
-          </p:cNvPr>
-          <p:cNvSpPr>
-            <a:spLocks noGrp="1"/>
-          </p:cNvSpPr>
-          <p:nvPr>
-            <p:ph type="sldNum" sz="quarter" idx="12"/>
-          </p:nvPr>
-        </p:nvSpPr>
-        <p:spPr/>
-        <p:txBody>
-          <a:bodyPr/>
-          <a:lstStyle/>
-          <a:p>
-            <a:fld id="{CB6C87A2-9167-49E8-8D37-2334D74A6B9D}" type="slidenum">
-              <a:rPr lang="fr-FR" smtClean="0"/>
+          <a:bodyPr rIns="219456"/>
+          <a:lstStyle/>
+          <a:p>
+            <a:fld id="{0D309695-DEC3-40DA-9DF5-330280C9D0E8}" type="slidenum">
+              <a:rPr lang="en-US" smtClean="0"/>
               <a:t>‹N°›</a:t>
             </a:fld>
-            <a:endParaRPr lang="fr-FR"/>
+            <a:endParaRPr lang="en-US"/>
           </a:p>
         </p:txBody>
       </p:sp>
     </p:spTree>
     <p:extLst>
       <p:ext uri="{BB962C8B-B14F-4D97-AF65-F5344CB8AC3E}">
-        <p14:creationId xmlns:p14="http://schemas.microsoft.com/office/powerpoint/2010/main" val="1623553533"/>
+        <p14:creationId xmlns:p14="http://schemas.microsoft.com/office/powerpoint/2010/main" val="737859633"/>
       </p:ext>
     </p:extLst>
   </p:cSld>
@@ -1473,7 +1804,7 @@
 
 <file path=ppt/slideLayouts/slideLayout5.xml><?xml version="1.0" encoding="utf-8"?>
 <p:sldLayout xmlns:a="http://schemas.openxmlformats.org/drawingml/2006/main" xmlns:r="http://schemas.openxmlformats.org/officeDocument/2006/relationships" xmlns:p="http://schemas.openxmlformats.org/presentationml/2006/main" type="twoTxTwoObj" preserve="1">
-  <p:cSld name="Comparaison">
+  <p:cSld name="Comparison">
     <p:spTree>
       <p:nvGrpSpPr>
         <p:cNvPr id="1" name=""/>
@@ -1490,10 +1821,10 @@
       </p:grpSpPr>
       <p:sp>
         <p:nvSpPr>
-          <p:cNvPr id="2" name="Titre 1">
-            <a:extLst>
-              <a:ext uri="{FF2B5EF4-FFF2-40B4-BE49-F238E27FC236}">
-                <a16:creationId xmlns:a16="http://schemas.microsoft.com/office/drawing/2014/main" id="{6529AC84-0F38-47B6-A0B4-803F9B61D24A}"/>
+          <p:cNvPr id="2" name="Title 1">
+            <a:extLst>
+              <a:ext uri="{FF2B5EF4-FFF2-40B4-BE49-F238E27FC236}">
+                <a16:creationId xmlns:a16="http://schemas.microsoft.com/office/drawing/2014/main" id="{5C025D59-DC0A-4295-8714-902B54B983AF}"/>
               </a:ext>
             </a:extLst>
           </p:cNvPr>
@@ -1506,8 +1837,8 @@
         </p:nvSpPr>
         <p:spPr>
           <a:xfrm>
-            <a:off x="839788" y="365125"/>
-            <a:ext cx="10515600" cy="1325563"/>
+            <a:off x="448056" y="388800"/>
+            <a:ext cx="11311128" cy="1141200"/>
           </a:xfrm>
         </p:spPr>
         <p:txBody>
@@ -1515,18 +1846,19 @@
           <a:lstStyle/>
           <a:p>
             <a:r>
-              <a:rPr lang="fr-FR"/>
-              <a:t>Modifiez le style du titre</a:t>
-            </a:r>
-          </a:p>
-        </p:txBody>
-      </p:sp>
-      <p:sp>
-        <p:nvSpPr>
-          <p:cNvPr id="3" name="Espace réservé du texte 2">
-            <a:extLst>
-              <a:ext uri="{FF2B5EF4-FFF2-40B4-BE49-F238E27FC236}">
-                <a16:creationId xmlns:a16="http://schemas.microsoft.com/office/drawing/2014/main" id="{9BB3BCED-2AD6-4595-8404-72BF487AAB9A}"/>
+              <a:rPr lang="en-US"/>
+              <a:t>Click to edit Master title style</a:t>
+            </a:r>
+            <a:endParaRPr lang="en-US" dirty="0"/>
+          </a:p>
+        </p:txBody>
+      </p:sp>
+      <p:sp>
+        <p:nvSpPr>
+          <p:cNvPr id="3" name="Text Placeholder 2">
+            <a:extLst>
+              <a:ext uri="{FF2B5EF4-FFF2-40B4-BE49-F238E27FC236}">
+                <a16:creationId xmlns:a16="http://schemas.microsoft.com/office/drawing/2014/main" id="{667A33E2-E7AE-4E37-9DF1-69697E45D2A7}"/>
               </a:ext>
             </a:extLst>
           </p:cNvPr>
@@ -1539,16 +1871,23 @@
         </p:nvSpPr>
         <p:spPr>
           <a:xfrm>
-            <a:off x="839788" y="1681163"/>
-            <a:ext cx="5157787" cy="823912"/>
-          </a:xfrm>
-        </p:spPr>
-        <p:txBody>
-          <a:bodyPr anchor="b"/>
+            <a:off x="448056" y="1774952"/>
+            <a:ext cx="5431536" cy="612648"/>
+          </a:xfrm>
+        </p:spPr>
+        <p:txBody>
+          <a:bodyPr anchor="t">
+            <a:normAutofit/>
+          </a:bodyPr>
           <a:lstStyle>
             <a:lvl1pPr marL="0" indent="0">
-              <a:buNone/>
-              <a:defRPr sz="2400" b="1"/>
+              <a:lnSpc>
+                <a:spcPct val="100000"/>
+              </a:lnSpc>
+              <a:buNone/>
+              <a:defRPr sz="2000" b="0" i="1">
+                <a:latin typeface="+mj-lt"/>
+              </a:defRPr>
             </a:lvl1pPr>
             <a:lvl2pPr marL="457200" indent="0">
               <a:buNone/>
@@ -1586,18 +1925,18 @@
           <a:p>
             <a:pPr lvl="0"/>
             <a:r>
-              <a:rPr lang="fr-FR"/>
-              <a:t>Cliquez pour modifier les styles du texte du masque</a:t>
-            </a:r>
-          </a:p>
-        </p:txBody>
-      </p:sp>
-      <p:sp>
-        <p:nvSpPr>
-          <p:cNvPr id="4" name="Espace réservé du contenu 3">
-            <a:extLst>
-              <a:ext uri="{FF2B5EF4-FFF2-40B4-BE49-F238E27FC236}">
-                <a16:creationId xmlns:a16="http://schemas.microsoft.com/office/drawing/2014/main" id="{1783C3DC-0847-4D11-81DA-7B7D29B5A45E}"/>
+              <a:rPr lang="en-US"/>
+              <a:t>Click to edit Master text styles</a:t>
+            </a:r>
+          </a:p>
+        </p:txBody>
+      </p:sp>
+      <p:sp>
+        <p:nvSpPr>
+          <p:cNvPr id="4" name="Content Placeholder 3">
+            <a:extLst>
+              <a:ext uri="{FF2B5EF4-FFF2-40B4-BE49-F238E27FC236}">
+                <a16:creationId xmlns:a16="http://schemas.microsoft.com/office/drawing/2014/main" id="{7A2E79D5-E651-4B82-AFAA-DE6E16AC3EB8}"/>
               </a:ext>
             </a:extLst>
           </p:cNvPr>
@@ -1610,8 +1949,8 @@
         </p:nvSpPr>
         <p:spPr>
           <a:xfrm>
-            <a:off x="839788" y="2505075"/>
-            <a:ext cx="5157787" cy="3684588"/>
+            <a:off x="448056" y="2752344"/>
+            <a:ext cx="5431536" cy="3200400"/>
           </a:xfrm>
         </p:spPr>
         <p:txBody>
@@ -1620,46 +1959,47 @@
           <a:p>
             <a:pPr lvl="0"/>
             <a:r>
-              <a:rPr lang="fr-FR"/>
-              <a:t>Cliquez pour modifier les styles du texte du masque</a:t>
+              <a:rPr lang="en-US"/>
+              <a:t>Click to edit Master text styles</a:t>
             </a:r>
           </a:p>
           <a:p>
             <a:pPr lvl="1"/>
             <a:r>
-              <a:rPr lang="fr-FR"/>
-              <a:t>Deuxième niveau</a:t>
+              <a:rPr lang="en-US"/>
+              <a:t>Second level</a:t>
             </a:r>
           </a:p>
           <a:p>
             <a:pPr lvl="2"/>
             <a:r>
-              <a:rPr lang="fr-FR"/>
-              <a:t>Troisième niveau</a:t>
+              <a:rPr lang="en-US"/>
+              <a:t>Third level</a:t>
             </a:r>
           </a:p>
           <a:p>
             <a:pPr lvl="3"/>
             <a:r>
-              <a:rPr lang="fr-FR"/>
-              <a:t>Quatrième niveau</a:t>
+              <a:rPr lang="en-US"/>
+              <a:t>Fourth level</a:t>
             </a:r>
           </a:p>
           <a:p>
             <a:pPr lvl="4"/>
             <a:r>
-              <a:rPr lang="fr-FR"/>
-              <a:t>Cinquième niveau</a:t>
-            </a:r>
-          </a:p>
-        </p:txBody>
-      </p:sp>
-      <p:sp>
-        <p:nvSpPr>
-          <p:cNvPr id="5" name="Espace réservé du texte 4">
-            <a:extLst>
-              <a:ext uri="{FF2B5EF4-FFF2-40B4-BE49-F238E27FC236}">
-                <a16:creationId xmlns:a16="http://schemas.microsoft.com/office/drawing/2014/main" id="{51003273-D10C-4FCB-ACE4-B2A1C984E1E0}"/>
+              <a:rPr lang="en-US"/>
+              <a:t>Fifth level</a:t>
+            </a:r>
+            <a:endParaRPr lang="en-US" dirty="0"/>
+          </a:p>
+        </p:txBody>
+      </p:sp>
+      <p:sp>
+        <p:nvSpPr>
+          <p:cNvPr id="5" name="Text Placeholder 4">
+            <a:extLst>
+              <a:ext uri="{FF2B5EF4-FFF2-40B4-BE49-F238E27FC236}">
+                <a16:creationId xmlns:a16="http://schemas.microsoft.com/office/drawing/2014/main" id="{C1A91196-F771-42C3-A726-A4ECF561FFF3}"/>
               </a:ext>
             </a:extLst>
           </p:cNvPr>
@@ -1672,16 +2012,23 @@
         </p:nvSpPr>
         <p:spPr>
           <a:xfrm>
-            <a:off x="6172200" y="1681163"/>
-            <a:ext cx="5183188" cy="823912"/>
-          </a:xfrm>
-        </p:spPr>
-        <p:txBody>
-          <a:bodyPr anchor="b"/>
+            <a:off x="6309360" y="1774952"/>
+            <a:ext cx="5431536" cy="612648"/>
+          </a:xfrm>
+        </p:spPr>
+        <p:txBody>
+          <a:bodyPr anchor="t">
+            <a:normAutofit/>
+          </a:bodyPr>
           <a:lstStyle>
             <a:lvl1pPr marL="0" indent="0">
-              <a:buNone/>
-              <a:defRPr sz="2400" b="1"/>
+              <a:lnSpc>
+                <a:spcPct val="100000"/>
+              </a:lnSpc>
+              <a:buNone/>
+              <a:defRPr sz="2000" b="0" i="1">
+                <a:latin typeface="+mj-lt"/>
+              </a:defRPr>
             </a:lvl1pPr>
             <a:lvl2pPr marL="457200" indent="0">
               <a:buNone/>
@@ -1719,18 +2066,18 @@
           <a:p>
             <a:pPr lvl="0"/>
             <a:r>
-              <a:rPr lang="fr-FR"/>
-              <a:t>Cliquez pour modifier les styles du texte du masque</a:t>
-            </a:r>
-          </a:p>
-        </p:txBody>
-      </p:sp>
-      <p:sp>
-        <p:nvSpPr>
-          <p:cNvPr id="6" name="Espace réservé du contenu 5">
-            <a:extLst>
-              <a:ext uri="{FF2B5EF4-FFF2-40B4-BE49-F238E27FC236}">
-                <a16:creationId xmlns:a16="http://schemas.microsoft.com/office/drawing/2014/main" id="{1C15D4CD-0194-45F7-AAFA-007D59B86654}"/>
+              <a:rPr lang="en-US"/>
+              <a:t>Click to edit Master text styles</a:t>
+            </a:r>
+          </a:p>
+        </p:txBody>
+      </p:sp>
+      <p:sp>
+        <p:nvSpPr>
+          <p:cNvPr id="6" name="Content Placeholder 5">
+            <a:extLst>
+              <a:ext uri="{FF2B5EF4-FFF2-40B4-BE49-F238E27FC236}">
+                <a16:creationId xmlns:a16="http://schemas.microsoft.com/office/drawing/2014/main" id="{A776BA18-D373-4B5F-B812-5D5E4C2378E7}"/>
               </a:ext>
             </a:extLst>
           </p:cNvPr>
@@ -1743,8 +2090,8 @@
         </p:nvSpPr>
         <p:spPr>
           <a:xfrm>
-            <a:off x="6172200" y="2505075"/>
-            <a:ext cx="5183188" cy="3684588"/>
+            <a:off x="6309360" y="2752344"/>
+            <a:ext cx="5431536" cy="3200400"/>
           </a:xfrm>
         </p:spPr>
         <p:txBody>
@@ -1753,46 +2100,47 @@
           <a:p>
             <a:pPr lvl="0"/>
             <a:r>
-              <a:rPr lang="fr-FR"/>
-              <a:t>Cliquez pour modifier les styles du texte du masque</a:t>
+              <a:rPr lang="en-US"/>
+              <a:t>Click to edit Master text styles</a:t>
             </a:r>
           </a:p>
           <a:p>
             <a:pPr lvl="1"/>
             <a:r>
-              <a:rPr lang="fr-FR"/>
-              <a:t>Deuxième niveau</a:t>
+              <a:rPr lang="en-US"/>
+              <a:t>Second level</a:t>
             </a:r>
           </a:p>
           <a:p>
             <a:pPr lvl="2"/>
             <a:r>
-              <a:rPr lang="fr-FR"/>
-              <a:t>Troisième niveau</a:t>
+              <a:rPr lang="en-US"/>
+              <a:t>Third level</a:t>
             </a:r>
           </a:p>
           <a:p>
             <a:pPr lvl="3"/>
             <a:r>
-              <a:rPr lang="fr-FR"/>
-              <a:t>Quatrième niveau</a:t>
+              <a:rPr lang="en-US"/>
+              <a:t>Fourth level</a:t>
             </a:r>
           </a:p>
           <a:p>
             <a:pPr lvl="4"/>
             <a:r>
-              <a:rPr lang="fr-FR"/>
-              <a:t>Cinquième niveau</a:t>
-            </a:r>
-          </a:p>
-        </p:txBody>
-      </p:sp>
-      <p:sp>
-        <p:nvSpPr>
-          <p:cNvPr id="7" name="Espace réservé de la date 6">
-            <a:extLst>
-              <a:ext uri="{FF2B5EF4-FFF2-40B4-BE49-F238E27FC236}">
-                <a16:creationId xmlns:a16="http://schemas.microsoft.com/office/drawing/2014/main" id="{127E2E7B-E683-4874-9EAD-F1BC1114BCE2}"/>
+              <a:rPr lang="en-US"/>
+              <a:t>Fifth level</a:t>
+            </a:r>
+            <a:endParaRPr lang="en-US" dirty="0"/>
+          </a:p>
+        </p:txBody>
+      </p:sp>
+      <p:sp>
+        <p:nvSpPr>
+          <p:cNvPr id="7" name="Date Placeholder 6">
+            <a:extLst>
+              <a:ext uri="{FF2B5EF4-FFF2-40B4-BE49-F238E27FC236}">
+                <a16:creationId xmlns:a16="http://schemas.microsoft.com/office/drawing/2014/main" id="{F395D0EB-9F99-4C95-ADA6-AC6B493CCA9D}"/>
               </a:ext>
             </a:extLst>
           </p:cNvPr>
@@ -1803,77 +2151,88 @@
             <p:ph type="dt" sz="half" idx="10"/>
           </p:nvPr>
         </p:nvSpPr>
+        <p:spPr>
+          <a:xfrm>
+            <a:off x="438912" y="6153912"/>
+            <a:ext cx="3456432" cy="502920"/>
+          </a:xfrm>
+          <a:prstGeom prst="rect">
+            <a:avLst/>
+          </a:prstGeom>
+        </p:spPr>
+        <p:txBody>
+          <a:bodyPr/>
+          <a:lstStyle/>
+          <a:p>
+            <a:fld id="{B098B728-214A-4ABC-8432-5B3A5A66A987}" type="datetime2">
+              <a:rPr lang="en-US" smtClean="0"/>
+              <a:t>Monday, November 1, 2021</a:t>
+            </a:fld>
+            <a:endParaRPr lang="en-US" dirty="0"/>
+          </a:p>
+        </p:txBody>
+      </p:sp>
+      <p:sp>
+        <p:nvSpPr>
+          <p:cNvPr id="8" name="Footer Placeholder 7">
+            <a:extLst>
+              <a:ext uri="{FF2B5EF4-FFF2-40B4-BE49-F238E27FC236}">
+                <a16:creationId xmlns:a16="http://schemas.microsoft.com/office/drawing/2014/main" id="{27EB69A9-1E48-4683-8873-D888C39E6EEE}"/>
+              </a:ext>
+            </a:extLst>
+          </p:cNvPr>
+          <p:cNvSpPr>
+            <a:spLocks noGrp="1"/>
+          </p:cNvSpPr>
+          <p:nvPr>
+            <p:ph type="ftr" sz="quarter" idx="11"/>
+          </p:nvPr>
+        </p:nvSpPr>
         <p:spPr/>
         <p:txBody>
           <a:bodyPr/>
           <a:lstStyle/>
           <a:p>
-            <a:fld id="{8C692646-0030-459A-BB6D-19B28BC0E14B}" type="datetimeFigureOut">
-              <a:rPr lang="fr-FR" smtClean="0"/>
-              <a:t>28/10/2021</a:t>
-            </a:fld>
-            <a:endParaRPr lang="fr-FR"/>
-          </a:p>
-        </p:txBody>
-      </p:sp>
-      <p:sp>
-        <p:nvSpPr>
-          <p:cNvPr id="8" name="Espace réservé du pied de page 7">
-            <a:extLst>
-              <a:ext uri="{FF2B5EF4-FFF2-40B4-BE49-F238E27FC236}">
-                <a16:creationId xmlns:a16="http://schemas.microsoft.com/office/drawing/2014/main" id="{AEC79AE9-703E-42B6-A661-2A5333828A6F}"/>
-              </a:ext>
-            </a:extLst>
-          </p:cNvPr>
-          <p:cNvSpPr>
-            <a:spLocks noGrp="1"/>
-          </p:cNvSpPr>
-          <p:nvPr>
-            <p:ph type="ftr" sz="quarter" idx="11"/>
+            <a:r>
+              <a:rPr lang="en-US"/>
+              <a:t>Sample Footer Text</a:t>
+            </a:r>
+          </a:p>
+        </p:txBody>
+      </p:sp>
+      <p:sp>
+        <p:nvSpPr>
+          <p:cNvPr id="9" name="Slide Number Placeholder 8">
+            <a:extLst>
+              <a:ext uri="{FF2B5EF4-FFF2-40B4-BE49-F238E27FC236}">
+                <a16:creationId xmlns:a16="http://schemas.microsoft.com/office/drawing/2014/main" id="{F57E419C-3010-4562-BA4B-ECBC2DBE629E}"/>
+              </a:ext>
+            </a:extLst>
+          </p:cNvPr>
+          <p:cNvSpPr>
+            <a:spLocks noGrp="1"/>
+          </p:cNvSpPr>
+          <p:nvPr>
+            <p:ph type="sldNum" sz="quarter" idx="12"/>
           </p:nvPr>
         </p:nvSpPr>
         <p:spPr/>
         <p:txBody>
-          <a:bodyPr/>
-          <a:lstStyle/>
-          <a:p>
-            <a:endParaRPr lang="fr-FR"/>
-          </a:p>
-        </p:txBody>
-      </p:sp>
-      <p:sp>
-        <p:nvSpPr>
-          <p:cNvPr id="9" name="Espace réservé du numéro de diapositive 8">
-            <a:extLst>
-              <a:ext uri="{FF2B5EF4-FFF2-40B4-BE49-F238E27FC236}">
-                <a16:creationId xmlns:a16="http://schemas.microsoft.com/office/drawing/2014/main" id="{9BEFBC75-1D1E-4E30-81C8-AC47FD8B5235}"/>
-              </a:ext>
-            </a:extLst>
-          </p:cNvPr>
-          <p:cNvSpPr>
-            <a:spLocks noGrp="1"/>
-          </p:cNvSpPr>
-          <p:nvPr>
-            <p:ph type="sldNum" sz="quarter" idx="12"/>
-          </p:nvPr>
-        </p:nvSpPr>
-        <p:spPr/>
-        <p:txBody>
-          <a:bodyPr/>
-          <a:lstStyle/>
-          <a:p>
-            <a:fld id="{CB6C87A2-9167-49E8-8D37-2334D74A6B9D}" type="slidenum">
-              <a:rPr lang="fr-FR" smtClean="0"/>
+          <a:bodyPr rIns="219456"/>
+          <a:lstStyle/>
+          <a:p>
+            <a:fld id="{0D309695-DEC3-40DA-9DF5-330280C9D0E8}" type="slidenum">
+              <a:rPr lang="en-US" smtClean="0"/>
               <a:t>‹N°›</a:t>
             </a:fld>
-            <a:endParaRPr lang="fr-FR"/>
+            <a:endParaRPr lang="en-US"/>
           </a:p>
         </p:txBody>
       </p:sp>
     </p:spTree>
     <p:extLst>
       <p:ext uri="{BB962C8B-B14F-4D97-AF65-F5344CB8AC3E}">
-        <p14:creationId xmlns:p14="http://schemas.microsoft.com/office/powerpoint/2010/main" val="3454604661"/>
+        <p14:creationId xmlns:p14="http://schemas.microsoft.com/office/powerpoint/2010/main" val="1816859809"/>
       </p:ext>
     </p:extLst>
   </p:cSld>
@@ -1885,7 +2244,7 @@
 
 <file path=ppt/slideLayouts/slideLayout6.xml><?xml version="1.0" encoding="utf-8"?>
 <p:sldLayout xmlns:a="http://schemas.openxmlformats.org/drawingml/2006/main" xmlns:r="http://schemas.openxmlformats.org/officeDocument/2006/relationships" xmlns:p="http://schemas.openxmlformats.org/presentationml/2006/main" type="titleOnly" preserve="1">
-  <p:cSld name="Titre seul">
+  <p:cSld name="Title Only">
     <p:spTree>
       <p:nvGrpSpPr>
         <p:cNvPr id="1" name=""/>
@@ -1902,10 +2261,10 @@
       </p:grpSpPr>
       <p:sp>
         <p:nvSpPr>
-          <p:cNvPr id="2" name="Titre 1">
-            <a:extLst>
-              <a:ext uri="{FF2B5EF4-FFF2-40B4-BE49-F238E27FC236}">
-                <a16:creationId xmlns:a16="http://schemas.microsoft.com/office/drawing/2014/main" id="{3584DB71-9B0A-4454-B5E6-8AC3921E98ED}"/>
+          <p:cNvPr id="2" name="Title 1">
+            <a:extLst>
+              <a:ext uri="{FF2B5EF4-FFF2-40B4-BE49-F238E27FC236}">
+                <a16:creationId xmlns:a16="http://schemas.microsoft.com/office/drawing/2014/main" id="{13D58066-A255-4886-A4B0-2AC829A768F3}"/>
               </a:ext>
             </a:extLst>
           </p:cNvPr>
@@ -1916,105 +2275,122 @@
             <p:ph type="title"/>
           </p:nvPr>
         </p:nvSpPr>
+        <p:spPr>
+          <a:xfrm>
+            <a:off x="448056" y="388800"/>
+            <a:ext cx="11311128" cy="5559552"/>
+          </a:xfrm>
+        </p:spPr>
+        <p:txBody>
+          <a:bodyPr wrap="square"/>
+          <a:lstStyle/>
+          <a:p>
+            <a:r>
+              <a:rPr lang="en-US"/>
+              <a:t>Click to edit Master title style</a:t>
+            </a:r>
+            <a:endParaRPr lang="en-US" dirty="0"/>
+          </a:p>
+        </p:txBody>
+      </p:sp>
+      <p:sp>
+        <p:nvSpPr>
+          <p:cNvPr id="3" name="Date Placeholder 2">
+            <a:extLst>
+              <a:ext uri="{FF2B5EF4-FFF2-40B4-BE49-F238E27FC236}">
+                <a16:creationId xmlns:a16="http://schemas.microsoft.com/office/drawing/2014/main" id="{2068D80A-6560-46E3-AF30-9CEC54EA747C}"/>
+              </a:ext>
+            </a:extLst>
+          </p:cNvPr>
+          <p:cNvSpPr>
+            <a:spLocks noGrp="1"/>
+          </p:cNvSpPr>
+          <p:nvPr>
+            <p:ph type="dt" sz="half" idx="10"/>
+          </p:nvPr>
+        </p:nvSpPr>
+        <p:spPr>
+          <a:xfrm>
+            <a:off x="438912" y="6153912"/>
+            <a:ext cx="3456432" cy="502920"/>
+          </a:xfrm>
+          <a:prstGeom prst="rect">
+            <a:avLst/>
+          </a:prstGeom>
+        </p:spPr>
+        <p:txBody>
+          <a:bodyPr/>
+          <a:lstStyle/>
+          <a:p>
+            <a:fld id="{015F02D0-6806-43AF-9888-2359BF40C204}" type="datetime2">
+              <a:rPr lang="en-US" smtClean="0"/>
+              <a:t>Monday, November 1, 2021</a:t>
+            </a:fld>
+            <a:endParaRPr lang="en-US"/>
+          </a:p>
+        </p:txBody>
+      </p:sp>
+      <p:sp>
+        <p:nvSpPr>
+          <p:cNvPr id="4" name="Footer Placeholder 3">
+            <a:extLst>
+              <a:ext uri="{FF2B5EF4-FFF2-40B4-BE49-F238E27FC236}">
+                <a16:creationId xmlns:a16="http://schemas.microsoft.com/office/drawing/2014/main" id="{4AB673C2-FB1E-46F5-8CFB-93B9DB807075}"/>
+              </a:ext>
+            </a:extLst>
+          </p:cNvPr>
+          <p:cNvSpPr>
+            <a:spLocks noGrp="1"/>
+          </p:cNvSpPr>
+          <p:nvPr>
+            <p:ph type="ftr" sz="quarter" idx="11"/>
+          </p:nvPr>
+        </p:nvSpPr>
         <p:spPr/>
         <p:txBody>
           <a:bodyPr/>
           <a:lstStyle/>
           <a:p>
             <a:r>
-              <a:rPr lang="fr-FR"/>
-              <a:t>Modifiez le style du titre</a:t>
-            </a:r>
-          </a:p>
-        </p:txBody>
-      </p:sp>
-      <p:sp>
-        <p:nvSpPr>
-          <p:cNvPr id="3" name="Espace réservé de la date 2">
-            <a:extLst>
-              <a:ext uri="{FF2B5EF4-FFF2-40B4-BE49-F238E27FC236}">
-                <a16:creationId xmlns:a16="http://schemas.microsoft.com/office/drawing/2014/main" id="{A2F3E334-CAC1-45EB-8145-E9865249C7FD}"/>
-              </a:ext>
-            </a:extLst>
-          </p:cNvPr>
-          <p:cNvSpPr>
-            <a:spLocks noGrp="1"/>
-          </p:cNvSpPr>
-          <p:nvPr>
-            <p:ph type="dt" sz="half" idx="10"/>
+              <a:rPr lang="en-US"/>
+              <a:t>Sample Footer Text</a:t>
+            </a:r>
+          </a:p>
+        </p:txBody>
+      </p:sp>
+      <p:sp>
+        <p:nvSpPr>
+          <p:cNvPr id="5" name="Slide Number Placeholder 4">
+            <a:extLst>
+              <a:ext uri="{FF2B5EF4-FFF2-40B4-BE49-F238E27FC236}">
+                <a16:creationId xmlns:a16="http://schemas.microsoft.com/office/drawing/2014/main" id="{191E2120-410F-4382-81AB-37F161F72150}"/>
+              </a:ext>
+            </a:extLst>
+          </p:cNvPr>
+          <p:cNvSpPr>
+            <a:spLocks noGrp="1"/>
+          </p:cNvSpPr>
+          <p:nvPr>
+            <p:ph type="sldNum" sz="quarter" idx="12"/>
           </p:nvPr>
         </p:nvSpPr>
         <p:spPr/>
         <p:txBody>
-          <a:bodyPr/>
-          <a:lstStyle/>
-          <a:p>
-            <a:fld id="{8C692646-0030-459A-BB6D-19B28BC0E14B}" type="datetimeFigureOut">
-              <a:rPr lang="fr-FR" smtClean="0"/>
-              <a:t>28/10/2021</a:t>
-            </a:fld>
-            <a:endParaRPr lang="fr-FR"/>
-          </a:p>
-        </p:txBody>
-      </p:sp>
-      <p:sp>
-        <p:nvSpPr>
-          <p:cNvPr id="4" name="Espace réservé du pied de page 3">
-            <a:extLst>
-              <a:ext uri="{FF2B5EF4-FFF2-40B4-BE49-F238E27FC236}">
-                <a16:creationId xmlns:a16="http://schemas.microsoft.com/office/drawing/2014/main" id="{8FD7F2EA-78AD-4821-9965-7A7305265AA7}"/>
-              </a:ext>
-            </a:extLst>
-          </p:cNvPr>
-          <p:cNvSpPr>
-            <a:spLocks noGrp="1"/>
-          </p:cNvSpPr>
-          <p:nvPr>
-            <p:ph type="ftr" sz="quarter" idx="11"/>
-          </p:nvPr>
-        </p:nvSpPr>
-        <p:spPr/>
-        <p:txBody>
-          <a:bodyPr/>
-          <a:lstStyle/>
-          <a:p>
-            <a:endParaRPr lang="fr-FR"/>
-          </a:p>
-        </p:txBody>
-      </p:sp>
-      <p:sp>
-        <p:nvSpPr>
-          <p:cNvPr id="5" name="Espace réservé du numéro de diapositive 4">
-            <a:extLst>
-              <a:ext uri="{FF2B5EF4-FFF2-40B4-BE49-F238E27FC236}">
-                <a16:creationId xmlns:a16="http://schemas.microsoft.com/office/drawing/2014/main" id="{78EEB63D-C5C0-45D6-9036-E2B7D58207AE}"/>
-              </a:ext>
-            </a:extLst>
-          </p:cNvPr>
-          <p:cNvSpPr>
-            <a:spLocks noGrp="1"/>
-          </p:cNvSpPr>
-          <p:nvPr>
-            <p:ph type="sldNum" sz="quarter" idx="12"/>
-          </p:nvPr>
-        </p:nvSpPr>
-        <p:spPr/>
-        <p:txBody>
-          <a:bodyPr/>
-          <a:lstStyle/>
-          <a:p>
-            <a:fld id="{CB6C87A2-9167-49E8-8D37-2334D74A6B9D}" type="slidenum">
-              <a:rPr lang="fr-FR" smtClean="0"/>
+          <a:bodyPr rIns="219456"/>
+          <a:lstStyle/>
+          <a:p>
+            <a:fld id="{0D309695-DEC3-40DA-9DF5-330280C9D0E8}" type="slidenum">
+              <a:rPr lang="en-US" smtClean="0"/>
               <a:t>‹N°›</a:t>
             </a:fld>
-            <a:endParaRPr lang="fr-FR"/>
+            <a:endParaRPr lang="en-US"/>
           </a:p>
         </p:txBody>
       </p:sp>
     </p:spTree>
     <p:extLst>
       <p:ext uri="{BB962C8B-B14F-4D97-AF65-F5344CB8AC3E}">
-        <p14:creationId xmlns:p14="http://schemas.microsoft.com/office/powerpoint/2010/main" val="1620190416"/>
+        <p14:creationId xmlns:p14="http://schemas.microsoft.com/office/powerpoint/2010/main" val="459428778"/>
       </p:ext>
     </p:extLst>
   </p:cSld>
@@ -2026,7 +2402,7 @@
 
 <file path=ppt/slideLayouts/slideLayout7.xml><?xml version="1.0" encoding="utf-8"?>
 <p:sldLayout xmlns:a="http://schemas.openxmlformats.org/drawingml/2006/main" xmlns:r="http://schemas.openxmlformats.org/officeDocument/2006/relationships" xmlns:p="http://schemas.openxmlformats.org/presentationml/2006/main" type="blank" preserve="1">
-  <p:cSld name="Vide">
+  <p:cSld name="Blank">
     <p:spTree>
       <p:nvGrpSpPr>
         <p:cNvPr id="1" name=""/>
@@ -2043,10 +2419,10 @@
       </p:grpSpPr>
       <p:sp>
         <p:nvSpPr>
-          <p:cNvPr id="2" name="Espace réservé de la date 1">
-            <a:extLst>
-              <a:ext uri="{FF2B5EF4-FFF2-40B4-BE49-F238E27FC236}">
-                <a16:creationId xmlns:a16="http://schemas.microsoft.com/office/drawing/2014/main" id="{EA2A6764-396B-4FA8-A364-179531065D71}"/>
+          <p:cNvPr id="2" name="Date Placeholder 1">
+            <a:extLst>
+              <a:ext uri="{FF2B5EF4-FFF2-40B4-BE49-F238E27FC236}">
+                <a16:creationId xmlns:a16="http://schemas.microsoft.com/office/drawing/2014/main" id="{A2802222-E41B-48E7-BF06-5C5509D621C0}"/>
               </a:ext>
             </a:extLst>
           </p:cNvPr>
@@ -2057,33 +2433,69 @@
             <p:ph type="dt" sz="half" idx="10"/>
           </p:nvPr>
         </p:nvSpPr>
+        <p:spPr>
+          <a:xfrm>
+            <a:off x="438912" y="6153912"/>
+            <a:ext cx="3456432" cy="502920"/>
+          </a:xfrm>
+          <a:prstGeom prst="rect">
+            <a:avLst/>
+          </a:prstGeom>
+        </p:spPr>
+        <p:txBody>
+          <a:bodyPr/>
+          <a:lstStyle/>
+          <a:p>
+            <a:fld id="{8EE14D2D-B1AF-4197-82D6-FC1F8BD05681}" type="datetime2">
+              <a:rPr lang="en-US" smtClean="0"/>
+              <a:t>Monday, November 1, 2021</a:t>
+            </a:fld>
+            <a:endParaRPr lang="en-US"/>
+          </a:p>
+        </p:txBody>
+      </p:sp>
+      <p:sp>
+        <p:nvSpPr>
+          <p:cNvPr id="3" name="Footer Placeholder 2">
+            <a:extLst>
+              <a:ext uri="{FF2B5EF4-FFF2-40B4-BE49-F238E27FC236}">
+                <a16:creationId xmlns:a16="http://schemas.microsoft.com/office/drawing/2014/main" id="{17A636E3-B721-46E8-882F-C123530F0FEF}"/>
+              </a:ext>
+            </a:extLst>
+          </p:cNvPr>
+          <p:cNvSpPr>
+            <a:spLocks noGrp="1"/>
+          </p:cNvSpPr>
+          <p:nvPr>
+            <p:ph type="ftr" sz="quarter" idx="11"/>
+          </p:nvPr>
+        </p:nvSpPr>
         <p:spPr/>
         <p:txBody>
           <a:bodyPr/>
           <a:lstStyle/>
           <a:p>
-            <a:fld id="{8C692646-0030-459A-BB6D-19B28BC0E14B}" type="datetimeFigureOut">
-              <a:rPr lang="fr-FR" smtClean="0"/>
-              <a:t>28/10/2021</a:t>
-            </a:fld>
-            <a:endParaRPr lang="fr-FR"/>
-          </a:p>
-        </p:txBody>
-      </p:sp>
-      <p:sp>
-        <p:nvSpPr>
-          <p:cNvPr id="3" name="Espace réservé du pied de page 2">
-            <a:extLst>
-              <a:ext uri="{FF2B5EF4-FFF2-40B4-BE49-F238E27FC236}">
-                <a16:creationId xmlns:a16="http://schemas.microsoft.com/office/drawing/2014/main" id="{73CDC874-83B4-41CB-9307-FB07498EED22}"/>
-              </a:ext>
-            </a:extLst>
-          </p:cNvPr>
-          <p:cNvSpPr>
-            <a:spLocks noGrp="1"/>
-          </p:cNvSpPr>
-          <p:nvPr>
-            <p:ph type="ftr" sz="quarter" idx="11"/>
+            <a:r>
+              <a:rPr lang="en-US"/>
+              <a:t>Sample Footer Text</a:t>
+            </a:r>
+          </a:p>
+        </p:txBody>
+      </p:sp>
+      <p:sp>
+        <p:nvSpPr>
+          <p:cNvPr id="4" name="Slide Number Placeholder 3">
+            <a:extLst>
+              <a:ext uri="{FF2B5EF4-FFF2-40B4-BE49-F238E27FC236}">
+                <a16:creationId xmlns:a16="http://schemas.microsoft.com/office/drawing/2014/main" id="{C4FC1178-3E0E-449A-B799-009C04C069AF}"/>
+              </a:ext>
+            </a:extLst>
+          </p:cNvPr>
+          <p:cNvSpPr>
+            <a:spLocks noGrp="1"/>
+          </p:cNvSpPr>
+          <p:nvPr>
+            <p:ph type="sldNum" sz="quarter" idx="12"/>
           </p:nvPr>
         </p:nvSpPr>
         <p:spPr/>
@@ -2091,43 +2503,18 @@
           <a:bodyPr/>
           <a:lstStyle/>
           <a:p>
-            <a:endParaRPr lang="fr-FR"/>
-          </a:p>
-        </p:txBody>
-      </p:sp>
-      <p:sp>
-        <p:nvSpPr>
-          <p:cNvPr id="4" name="Espace réservé du numéro de diapositive 3">
-            <a:extLst>
-              <a:ext uri="{FF2B5EF4-FFF2-40B4-BE49-F238E27FC236}">
-                <a16:creationId xmlns:a16="http://schemas.microsoft.com/office/drawing/2014/main" id="{7B7FD8EA-B579-469B-A937-1EE8D37C5394}"/>
-              </a:ext>
-            </a:extLst>
-          </p:cNvPr>
-          <p:cNvSpPr>
-            <a:spLocks noGrp="1"/>
-          </p:cNvSpPr>
-          <p:nvPr>
-            <p:ph type="sldNum" sz="quarter" idx="12"/>
-          </p:nvPr>
-        </p:nvSpPr>
-        <p:spPr/>
-        <p:txBody>
-          <a:bodyPr/>
-          <a:lstStyle/>
-          <a:p>
-            <a:fld id="{CB6C87A2-9167-49E8-8D37-2334D74A6B9D}" type="slidenum">
-              <a:rPr lang="fr-FR" smtClean="0"/>
+            <a:fld id="{0D309695-DEC3-40DA-9DF5-330280C9D0E8}" type="slidenum">
+              <a:rPr lang="en-US" smtClean="0"/>
               <a:t>‹N°›</a:t>
             </a:fld>
-            <a:endParaRPr lang="fr-FR"/>
+            <a:endParaRPr lang="en-US"/>
           </a:p>
         </p:txBody>
       </p:sp>
     </p:spTree>
     <p:extLst>
       <p:ext uri="{BB962C8B-B14F-4D97-AF65-F5344CB8AC3E}">
-        <p14:creationId xmlns:p14="http://schemas.microsoft.com/office/powerpoint/2010/main" val="1762787800"/>
+        <p14:creationId xmlns:p14="http://schemas.microsoft.com/office/powerpoint/2010/main" val="4185717995"/>
       </p:ext>
     </p:extLst>
   </p:cSld>
@@ -2139,7 +2526,7 @@
 
 <file path=ppt/slideLayouts/slideLayout8.xml><?xml version="1.0" encoding="utf-8"?>
 <p:sldLayout xmlns:a="http://schemas.openxmlformats.org/drawingml/2006/main" xmlns:r="http://schemas.openxmlformats.org/officeDocument/2006/relationships" xmlns:p="http://schemas.openxmlformats.org/presentationml/2006/main" type="objTx" preserve="1">
-  <p:cSld name="Contenu avec légende">
+  <p:cSld name="Content with Caption">
     <p:spTree>
       <p:nvGrpSpPr>
         <p:cNvPr id="1" name=""/>
@@ -2156,10 +2543,10 @@
       </p:grpSpPr>
       <p:sp>
         <p:nvSpPr>
-          <p:cNvPr id="2" name="Titre 1">
-            <a:extLst>
-              <a:ext uri="{FF2B5EF4-FFF2-40B4-BE49-F238E27FC236}">
-                <a16:creationId xmlns:a16="http://schemas.microsoft.com/office/drawing/2014/main" id="{A48C392F-F5A5-441A-A3EB-CF313D76B63A}"/>
+          <p:cNvPr id="2" name="Title 1">
+            <a:extLst>
+              <a:ext uri="{FF2B5EF4-FFF2-40B4-BE49-F238E27FC236}">
+                <a16:creationId xmlns:a16="http://schemas.microsoft.com/office/drawing/2014/main" id="{DEC23392-4FF4-4922-A14E-8AA23A9BDD70}"/>
               </a:ext>
             </a:extLst>
           </p:cNvPr>
@@ -2172,31 +2559,34 @@
         </p:nvSpPr>
         <p:spPr>
           <a:xfrm>
-            <a:off x="839788" y="457200"/>
-            <a:ext cx="3932237" cy="1600200"/>
-          </a:xfrm>
-        </p:spPr>
-        <p:txBody>
-          <a:bodyPr anchor="b"/>
+            <a:off x="448056" y="388800"/>
+            <a:ext cx="3447288" cy="1069848"/>
+          </a:xfrm>
+        </p:spPr>
+        <p:txBody>
+          <a:bodyPr wrap="square" anchor="t">
+            <a:normAutofit/>
+          </a:bodyPr>
           <a:lstStyle>
             <a:lvl1pPr>
-              <a:defRPr sz="3200"/>
+              <a:defRPr sz="2800"/>
             </a:lvl1pPr>
           </a:lstStyle>
           <a:p>
             <a:r>
-              <a:rPr lang="fr-FR"/>
-              <a:t>Modifiez le style du titre</a:t>
-            </a:r>
-          </a:p>
-        </p:txBody>
-      </p:sp>
-      <p:sp>
-        <p:nvSpPr>
-          <p:cNvPr id="3" name="Espace réservé du contenu 2">
-            <a:extLst>
-              <a:ext uri="{FF2B5EF4-FFF2-40B4-BE49-F238E27FC236}">
-                <a16:creationId xmlns:a16="http://schemas.microsoft.com/office/drawing/2014/main" id="{40059771-F342-4FC2-A582-F39B641A5F10}"/>
+              <a:rPr lang="en-US"/>
+              <a:t>Click to edit Master title style</a:t>
+            </a:r>
+            <a:endParaRPr lang="en-US" dirty="0"/>
+          </a:p>
+        </p:txBody>
+      </p:sp>
+      <p:sp>
+        <p:nvSpPr>
+          <p:cNvPr id="3" name="Content Placeholder 2">
+            <a:extLst>
+              <a:ext uri="{FF2B5EF4-FFF2-40B4-BE49-F238E27FC236}">
+                <a16:creationId xmlns:a16="http://schemas.microsoft.com/office/drawing/2014/main" id="{104FB38E-5055-4C9B-9A3B-A7B3A4887944}"/>
               </a:ext>
             </a:extLst>
           </p:cNvPr>
@@ -2209,27 +2599,27 @@
         </p:nvSpPr>
         <p:spPr>
           <a:xfrm>
-            <a:off x="5183188" y="987425"/>
-            <a:ext cx="6172200" cy="4873625"/>
+            <a:off x="4370832" y="393192"/>
+            <a:ext cx="7379208" cy="5559552"/>
           </a:xfrm>
         </p:spPr>
         <p:txBody>
           <a:bodyPr/>
           <a:lstStyle>
             <a:lvl1pPr>
-              <a:defRPr sz="3200"/>
+              <a:defRPr sz="1800"/>
             </a:lvl1pPr>
             <a:lvl2pPr>
-              <a:defRPr sz="2800"/>
+              <a:defRPr sz="1800"/>
             </a:lvl2pPr>
             <a:lvl3pPr>
-              <a:defRPr sz="2400"/>
+              <a:defRPr sz="1800"/>
             </a:lvl3pPr>
             <a:lvl4pPr>
-              <a:defRPr sz="2000"/>
+              <a:defRPr sz="1800"/>
             </a:lvl4pPr>
             <a:lvl5pPr>
-              <a:defRPr sz="2000"/>
+              <a:defRPr sz="1800"/>
             </a:lvl5pPr>
             <a:lvl6pPr>
               <a:defRPr sz="2000"/>
@@ -2247,46 +2637,47 @@
           <a:p>
             <a:pPr lvl="0"/>
             <a:r>
-              <a:rPr lang="fr-FR"/>
-              <a:t>Cliquez pour modifier les styles du texte du masque</a:t>
+              <a:rPr lang="en-US"/>
+              <a:t>Click to edit Master text styles</a:t>
             </a:r>
           </a:p>
           <a:p>
             <a:pPr lvl="1"/>
             <a:r>
-              <a:rPr lang="fr-FR"/>
-              <a:t>Deuxième niveau</a:t>
+              <a:rPr lang="en-US"/>
+              <a:t>Second level</a:t>
             </a:r>
           </a:p>
           <a:p>
             <a:pPr lvl="2"/>
             <a:r>
-              <a:rPr lang="fr-FR"/>
-              <a:t>Troisième niveau</a:t>
+              <a:rPr lang="en-US"/>
+              <a:t>Third level</a:t>
             </a:r>
           </a:p>
           <a:p>
             <a:pPr lvl="3"/>
             <a:r>
-              <a:rPr lang="fr-FR"/>
-              <a:t>Quatrième niveau</a:t>
+              <a:rPr lang="en-US"/>
+              <a:t>Fourth level</a:t>
             </a:r>
           </a:p>
           <a:p>
             <a:pPr lvl="4"/>
             <a:r>
-              <a:rPr lang="fr-FR"/>
-              <a:t>Cinquième niveau</a:t>
-            </a:r>
-          </a:p>
-        </p:txBody>
-      </p:sp>
-      <p:sp>
-        <p:nvSpPr>
-          <p:cNvPr id="4" name="Espace réservé du texte 3">
-            <a:extLst>
-              <a:ext uri="{FF2B5EF4-FFF2-40B4-BE49-F238E27FC236}">
-                <a16:creationId xmlns:a16="http://schemas.microsoft.com/office/drawing/2014/main" id="{D53F94E9-68E5-4A57-AB41-DE8CC11DFF0D}"/>
+              <a:rPr lang="en-US"/>
+              <a:t>Fifth level</a:t>
+            </a:r>
+            <a:endParaRPr lang="en-US" dirty="0"/>
+          </a:p>
+        </p:txBody>
+      </p:sp>
+      <p:sp>
+        <p:nvSpPr>
+          <p:cNvPr id="4" name="Text Placeholder 3">
+            <a:extLst>
+              <a:ext uri="{FF2B5EF4-FFF2-40B4-BE49-F238E27FC236}">
+                <a16:creationId xmlns:a16="http://schemas.microsoft.com/office/drawing/2014/main" id="{9E2EC2DB-2ED3-408C-BFF2-F413C9D8F91E}"/>
               </a:ext>
             </a:extLst>
           </p:cNvPr>
@@ -2299,16 +2690,18 @@
         </p:nvSpPr>
         <p:spPr>
           <a:xfrm>
-            <a:off x="839788" y="2057400"/>
-            <a:ext cx="3932237" cy="3811588"/>
-          </a:xfrm>
-        </p:spPr>
-        <p:txBody>
-          <a:bodyPr/>
+            <a:off x="448056" y="1733550"/>
+            <a:ext cx="3447288" cy="4219194"/>
+          </a:xfrm>
+        </p:spPr>
+        <p:txBody>
+          <a:bodyPr>
+            <a:normAutofit/>
+          </a:bodyPr>
           <a:lstStyle>
             <a:lvl1pPr marL="0" indent="0">
               <a:buNone/>
-              <a:defRPr sz="1600"/>
+              <a:defRPr sz="1800"/>
             </a:lvl1pPr>
             <a:lvl2pPr marL="457200" indent="0">
               <a:buNone/>
@@ -2346,18 +2739,18 @@
           <a:p>
             <a:pPr lvl="0"/>
             <a:r>
-              <a:rPr lang="fr-FR"/>
-              <a:t>Cliquez pour modifier les styles du texte du masque</a:t>
-            </a:r>
-          </a:p>
-        </p:txBody>
-      </p:sp>
-      <p:sp>
-        <p:nvSpPr>
-          <p:cNvPr id="5" name="Espace réservé de la date 4">
-            <a:extLst>
-              <a:ext uri="{FF2B5EF4-FFF2-40B4-BE49-F238E27FC236}">
-                <a16:creationId xmlns:a16="http://schemas.microsoft.com/office/drawing/2014/main" id="{B03BB4DD-DC3D-4DF3-BEB3-710D7C4F03F6}"/>
+              <a:rPr lang="en-US"/>
+              <a:t>Click to edit Master text styles</a:t>
+            </a:r>
+          </a:p>
+        </p:txBody>
+      </p:sp>
+      <p:sp>
+        <p:nvSpPr>
+          <p:cNvPr id="5" name="Date Placeholder 4">
+            <a:extLst>
+              <a:ext uri="{FF2B5EF4-FFF2-40B4-BE49-F238E27FC236}">
+                <a16:creationId xmlns:a16="http://schemas.microsoft.com/office/drawing/2014/main" id="{61374FDF-3000-4B2C-AC88-8CE34D680596}"/>
               </a:ext>
             </a:extLst>
           </p:cNvPr>
@@ -2368,33 +2761,69 @@
             <p:ph type="dt" sz="half" idx="10"/>
           </p:nvPr>
         </p:nvSpPr>
+        <p:spPr>
+          <a:xfrm>
+            <a:off x="438912" y="6153912"/>
+            <a:ext cx="3456432" cy="502920"/>
+          </a:xfrm>
+          <a:prstGeom prst="rect">
+            <a:avLst/>
+          </a:prstGeom>
+        </p:spPr>
+        <p:txBody>
+          <a:bodyPr/>
+          <a:lstStyle/>
+          <a:p>
+            <a:fld id="{98771CEB-9838-4245-91B8-EFBAFE2D8B44}" type="datetime2">
+              <a:rPr lang="en-US" smtClean="0"/>
+              <a:t>Monday, November 1, 2021</a:t>
+            </a:fld>
+            <a:endParaRPr lang="en-US"/>
+          </a:p>
+        </p:txBody>
+      </p:sp>
+      <p:sp>
+        <p:nvSpPr>
+          <p:cNvPr id="6" name="Footer Placeholder 5">
+            <a:extLst>
+              <a:ext uri="{FF2B5EF4-FFF2-40B4-BE49-F238E27FC236}">
+                <a16:creationId xmlns:a16="http://schemas.microsoft.com/office/drawing/2014/main" id="{0DA0B7F4-5B8C-49BD-9BDA-FCBD13E24227}"/>
+              </a:ext>
+            </a:extLst>
+          </p:cNvPr>
+          <p:cNvSpPr>
+            <a:spLocks noGrp="1"/>
+          </p:cNvSpPr>
+          <p:nvPr>
+            <p:ph type="ftr" sz="quarter" idx="11"/>
+          </p:nvPr>
+        </p:nvSpPr>
         <p:spPr/>
         <p:txBody>
           <a:bodyPr/>
           <a:lstStyle/>
           <a:p>
-            <a:fld id="{8C692646-0030-459A-BB6D-19B28BC0E14B}" type="datetimeFigureOut">
-              <a:rPr lang="fr-FR" smtClean="0"/>
-              <a:t>28/10/2021</a:t>
-            </a:fld>
-            <a:endParaRPr lang="fr-FR"/>
-          </a:p>
-        </p:txBody>
-      </p:sp>
-      <p:sp>
-        <p:nvSpPr>
-          <p:cNvPr id="6" name="Espace réservé du pied de page 5">
-            <a:extLst>
-              <a:ext uri="{FF2B5EF4-FFF2-40B4-BE49-F238E27FC236}">
-                <a16:creationId xmlns:a16="http://schemas.microsoft.com/office/drawing/2014/main" id="{412DB151-CD09-4650-A632-134602A9249B}"/>
-              </a:ext>
-            </a:extLst>
-          </p:cNvPr>
-          <p:cNvSpPr>
-            <a:spLocks noGrp="1"/>
-          </p:cNvSpPr>
-          <p:nvPr>
-            <p:ph type="ftr" sz="quarter" idx="11"/>
+            <a:r>
+              <a:rPr lang="en-US"/>
+              <a:t>Sample Footer Text</a:t>
+            </a:r>
+          </a:p>
+        </p:txBody>
+      </p:sp>
+      <p:sp>
+        <p:nvSpPr>
+          <p:cNvPr id="7" name="Slide Number Placeholder 6">
+            <a:extLst>
+              <a:ext uri="{FF2B5EF4-FFF2-40B4-BE49-F238E27FC236}">
+                <a16:creationId xmlns:a16="http://schemas.microsoft.com/office/drawing/2014/main" id="{3502BC00-0803-4A53-8657-91CE0DB80E54}"/>
+              </a:ext>
+            </a:extLst>
+          </p:cNvPr>
+          <p:cNvSpPr>
+            <a:spLocks noGrp="1"/>
+          </p:cNvSpPr>
+          <p:nvPr>
+            <p:ph type="sldNum" sz="quarter" idx="12"/>
           </p:nvPr>
         </p:nvSpPr>
         <p:spPr/>
@@ -2402,43 +2831,18 @@
           <a:bodyPr/>
           <a:lstStyle/>
           <a:p>
-            <a:endParaRPr lang="fr-FR"/>
-          </a:p>
-        </p:txBody>
-      </p:sp>
-      <p:sp>
-        <p:nvSpPr>
-          <p:cNvPr id="7" name="Espace réservé du numéro de diapositive 6">
-            <a:extLst>
-              <a:ext uri="{FF2B5EF4-FFF2-40B4-BE49-F238E27FC236}">
-                <a16:creationId xmlns:a16="http://schemas.microsoft.com/office/drawing/2014/main" id="{EF008C50-827E-4234-A27D-C9C94F4441A9}"/>
-              </a:ext>
-            </a:extLst>
-          </p:cNvPr>
-          <p:cNvSpPr>
-            <a:spLocks noGrp="1"/>
-          </p:cNvSpPr>
-          <p:nvPr>
-            <p:ph type="sldNum" sz="quarter" idx="12"/>
-          </p:nvPr>
-        </p:nvSpPr>
-        <p:spPr/>
-        <p:txBody>
-          <a:bodyPr/>
-          <a:lstStyle/>
-          <a:p>
-            <a:fld id="{CB6C87A2-9167-49E8-8D37-2334D74A6B9D}" type="slidenum">
-              <a:rPr lang="fr-FR" smtClean="0"/>
+            <a:fld id="{0D309695-DEC3-40DA-9DF5-330280C9D0E8}" type="slidenum">
+              <a:rPr lang="en-US" smtClean="0"/>
               <a:t>‹N°›</a:t>
             </a:fld>
-            <a:endParaRPr lang="fr-FR"/>
+            <a:endParaRPr lang="en-US"/>
           </a:p>
         </p:txBody>
       </p:sp>
     </p:spTree>
     <p:extLst>
       <p:ext uri="{BB962C8B-B14F-4D97-AF65-F5344CB8AC3E}">
-        <p14:creationId xmlns:p14="http://schemas.microsoft.com/office/powerpoint/2010/main" val="1936312006"/>
+        <p14:creationId xmlns:p14="http://schemas.microsoft.com/office/powerpoint/2010/main" val="2323241272"/>
       </p:ext>
     </p:extLst>
   </p:cSld>
@@ -2450,7 +2854,7 @@
 
 <file path=ppt/slideLayouts/slideLayout9.xml><?xml version="1.0" encoding="utf-8"?>
 <p:sldLayout xmlns:a="http://schemas.openxmlformats.org/drawingml/2006/main" xmlns:r="http://schemas.openxmlformats.org/officeDocument/2006/relationships" xmlns:p="http://schemas.openxmlformats.org/presentationml/2006/main" type="picTx" preserve="1">
-  <p:cSld name="Image avec légende">
+  <p:cSld name="Picture with Caption">
     <p:spTree>
       <p:nvGrpSpPr>
         <p:cNvPr id="1" name=""/>
@@ -2467,10 +2871,10 @@
       </p:grpSpPr>
       <p:sp>
         <p:nvSpPr>
-          <p:cNvPr id="2" name="Titre 1">
-            <a:extLst>
-              <a:ext uri="{FF2B5EF4-FFF2-40B4-BE49-F238E27FC236}">
-                <a16:creationId xmlns:a16="http://schemas.microsoft.com/office/drawing/2014/main" id="{6A5EEFB1-5F75-4355-B27F-C268F6D89E40}"/>
+          <p:cNvPr id="2" name="Title 1">
+            <a:extLst>
+              <a:ext uri="{FF2B5EF4-FFF2-40B4-BE49-F238E27FC236}">
+                <a16:creationId xmlns:a16="http://schemas.microsoft.com/office/drawing/2014/main" id="{B05C2A98-C272-40D9-B75A-77A3D58678E0}"/>
               </a:ext>
             </a:extLst>
           </p:cNvPr>
@@ -2483,31 +2887,34 @@
         </p:nvSpPr>
         <p:spPr>
           <a:xfrm>
-            <a:off x="839788" y="457200"/>
-            <a:ext cx="3932237" cy="1600200"/>
-          </a:xfrm>
-        </p:spPr>
-        <p:txBody>
-          <a:bodyPr anchor="b"/>
+            <a:off x="448056" y="388800"/>
+            <a:ext cx="3447288" cy="1069848"/>
+          </a:xfrm>
+        </p:spPr>
+        <p:txBody>
+          <a:bodyPr wrap="square" anchor="t">
+            <a:normAutofit/>
+          </a:bodyPr>
           <a:lstStyle>
             <a:lvl1pPr>
-              <a:defRPr sz="3200"/>
+              <a:defRPr sz="2800"/>
             </a:lvl1pPr>
           </a:lstStyle>
           <a:p>
             <a:r>
-              <a:rPr lang="fr-FR"/>
-              <a:t>Modifiez le style du titre</a:t>
-            </a:r>
-          </a:p>
-        </p:txBody>
-      </p:sp>
-      <p:sp>
-        <p:nvSpPr>
-          <p:cNvPr id="3" name="Espace réservé pour une image  2">
-            <a:extLst>
-              <a:ext uri="{FF2B5EF4-FFF2-40B4-BE49-F238E27FC236}">
-                <a16:creationId xmlns:a16="http://schemas.microsoft.com/office/drawing/2014/main" id="{7D0889BD-C7AF-40F8-AA55-9E5648E74066}"/>
+              <a:rPr lang="en-US"/>
+              <a:t>Click to edit Master title style</a:t>
+            </a:r>
+            <a:endParaRPr lang="en-US" dirty="0"/>
+          </a:p>
+        </p:txBody>
+      </p:sp>
+      <p:sp>
+        <p:nvSpPr>
+          <p:cNvPr id="3" name="Picture Placeholder 2">
+            <a:extLst>
+              <a:ext uri="{FF2B5EF4-FFF2-40B4-BE49-F238E27FC236}">
+                <a16:creationId xmlns:a16="http://schemas.microsoft.com/office/drawing/2014/main" id="{7AD50DAC-9AC3-4A9A-91B7-6C95E4362561}"/>
               </a:ext>
             </a:extLst>
           </p:cNvPr>
@@ -2520,8 +2927,8 @@
         </p:nvSpPr>
         <p:spPr>
           <a:xfrm>
-            <a:off x="5183188" y="987425"/>
-            <a:ext cx="6172200" cy="4873625"/>
+            <a:off x="4370832" y="441324"/>
+            <a:ext cx="7373112" cy="5511419"/>
           </a:xfrm>
         </p:spPr>
         <p:txBody>
@@ -2565,16 +2972,20 @@
             </a:lvl9pPr>
           </a:lstStyle>
           <a:p>
-            <a:endParaRPr lang="fr-FR"/>
-          </a:p>
-        </p:txBody>
-      </p:sp>
-      <p:sp>
-        <p:nvSpPr>
-          <p:cNvPr id="4" name="Espace réservé du texte 3">
-            <a:extLst>
-              <a:ext uri="{FF2B5EF4-FFF2-40B4-BE49-F238E27FC236}">
-                <a16:creationId xmlns:a16="http://schemas.microsoft.com/office/drawing/2014/main" id="{4A81CB1A-CF80-4CAD-85DE-5DC56578ED77}"/>
+            <a:r>
+              <a:rPr lang="en-US"/>
+              <a:t>Click icon to add picture</a:t>
+            </a:r>
+            <a:endParaRPr lang="en-US" dirty="0"/>
+          </a:p>
+        </p:txBody>
+      </p:sp>
+      <p:sp>
+        <p:nvSpPr>
+          <p:cNvPr id="4" name="Text Placeholder 3">
+            <a:extLst>
+              <a:ext uri="{FF2B5EF4-FFF2-40B4-BE49-F238E27FC236}">
+                <a16:creationId xmlns:a16="http://schemas.microsoft.com/office/drawing/2014/main" id="{83721B04-C243-49A9-B5D3-483379290943}"/>
               </a:ext>
             </a:extLst>
           </p:cNvPr>
@@ -2587,16 +2998,18 @@
         </p:nvSpPr>
         <p:spPr>
           <a:xfrm>
-            <a:off x="839788" y="2057400"/>
-            <a:ext cx="3932237" cy="3811588"/>
-          </a:xfrm>
-        </p:spPr>
-        <p:txBody>
-          <a:bodyPr/>
+            <a:off x="448056" y="1735200"/>
+            <a:ext cx="3447288" cy="4214750"/>
+          </a:xfrm>
+        </p:spPr>
+        <p:txBody>
+          <a:bodyPr>
+            <a:normAutofit/>
+          </a:bodyPr>
           <a:lstStyle>
             <a:lvl1pPr marL="0" indent="0">
               <a:buNone/>
-              <a:defRPr sz="1600"/>
+              <a:defRPr sz="1800"/>
             </a:lvl1pPr>
             <a:lvl2pPr marL="457200" indent="0">
               <a:buNone/>
@@ -2634,18 +3047,18 @@
           <a:p>
             <a:pPr lvl="0"/>
             <a:r>
-              <a:rPr lang="fr-FR"/>
-              <a:t>Cliquez pour modifier les styles du texte du masque</a:t>
-            </a:r>
-          </a:p>
-        </p:txBody>
-      </p:sp>
-      <p:sp>
-        <p:nvSpPr>
-          <p:cNvPr id="5" name="Espace réservé de la date 4">
-            <a:extLst>
-              <a:ext uri="{FF2B5EF4-FFF2-40B4-BE49-F238E27FC236}">
-                <a16:creationId xmlns:a16="http://schemas.microsoft.com/office/drawing/2014/main" id="{7376EEEE-4005-4C02-97A3-E1CC99C7F21B}"/>
+              <a:rPr lang="en-US"/>
+              <a:t>Click to edit Master text styles</a:t>
+            </a:r>
+          </a:p>
+        </p:txBody>
+      </p:sp>
+      <p:sp>
+        <p:nvSpPr>
+          <p:cNvPr id="5" name="Date Placeholder 4">
+            <a:extLst>
+              <a:ext uri="{FF2B5EF4-FFF2-40B4-BE49-F238E27FC236}">
+                <a16:creationId xmlns:a16="http://schemas.microsoft.com/office/drawing/2014/main" id="{838E949C-DD35-44F6-B45A-35134D7E1299}"/>
               </a:ext>
             </a:extLst>
           </p:cNvPr>
@@ -2656,33 +3069,69 @@
             <p:ph type="dt" sz="half" idx="10"/>
           </p:nvPr>
         </p:nvSpPr>
+        <p:spPr>
+          <a:xfrm>
+            <a:off x="438912" y="6153912"/>
+            <a:ext cx="3456432" cy="502920"/>
+          </a:xfrm>
+          <a:prstGeom prst="rect">
+            <a:avLst/>
+          </a:prstGeom>
+        </p:spPr>
+        <p:txBody>
+          <a:bodyPr/>
+          <a:lstStyle/>
+          <a:p>
+            <a:fld id="{51D3F6BF-A585-41F8-88DF-7E5D069F892A}" type="datetime2">
+              <a:rPr lang="en-US" smtClean="0"/>
+              <a:t>Monday, November 1, 2021</a:t>
+            </a:fld>
+            <a:endParaRPr lang="en-US"/>
+          </a:p>
+        </p:txBody>
+      </p:sp>
+      <p:sp>
+        <p:nvSpPr>
+          <p:cNvPr id="6" name="Footer Placeholder 5">
+            <a:extLst>
+              <a:ext uri="{FF2B5EF4-FFF2-40B4-BE49-F238E27FC236}">
+                <a16:creationId xmlns:a16="http://schemas.microsoft.com/office/drawing/2014/main" id="{6BC70102-4B8E-4FEC-9BB7-97FDC1EABF86}"/>
+              </a:ext>
+            </a:extLst>
+          </p:cNvPr>
+          <p:cNvSpPr>
+            <a:spLocks noGrp="1"/>
+          </p:cNvSpPr>
+          <p:nvPr>
+            <p:ph type="ftr" sz="quarter" idx="11"/>
+          </p:nvPr>
+        </p:nvSpPr>
         <p:spPr/>
         <p:txBody>
           <a:bodyPr/>
           <a:lstStyle/>
           <a:p>
-            <a:fld id="{8C692646-0030-459A-BB6D-19B28BC0E14B}" type="datetimeFigureOut">
-              <a:rPr lang="fr-FR" smtClean="0"/>
-              <a:t>28/10/2021</a:t>
-            </a:fld>
-            <a:endParaRPr lang="fr-FR"/>
-          </a:p>
-        </p:txBody>
-      </p:sp>
-      <p:sp>
-        <p:nvSpPr>
-          <p:cNvPr id="6" name="Espace réservé du pied de page 5">
-            <a:extLst>
-              <a:ext uri="{FF2B5EF4-FFF2-40B4-BE49-F238E27FC236}">
-                <a16:creationId xmlns:a16="http://schemas.microsoft.com/office/drawing/2014/main" id="{2BFDC927-1976-4FE4-BCDD-0447A063F751}"/>
-              </a:ext>
-            </a:extLst>
-          </p:cNvPr>
-          <p:cNvSpPr>
-            <a:spLocks noGrp="1"/>
-          </p:cNvSpPr>
-          <p:nvPr>
-            <p:ph type="ftr" sz="quarter" idx="11"/>
+            <a:r>
+              <a:rPr lang="en-US"/>
+              <a:t>Sample Footer Text</a:t>
+            </a:r>
+          </a:p>
+        </p:txBody>
+      </p:sp>
+      <p:sp>
+        <p:nvSpPr>
+          <p:cNvPr id="7" name="Slide Number Placeholder 6">
+            <a:extLst>
+              <a:ext uri="{FF2B5EF4-FFF2-40B4-BE49-F238E27FC236}">
+                <a16:creationId xmlns:a16="http://schemas.microsoft.com/office/drawing/2014/main" id="{086693AF-08A9-4388-A9B8-174D53955998}"/>
+              </a:ext>
+            </a:extLst>
+          </p:cNvPr>
+          <p:cNvSpPr>
+            <a:spLocks noGrp="1"/>
+          </p:cNvSpPr>
+          <p:nvPr>
+            <p:ph type="sldNum" sz="quarter" idx="12"/>
           </p:nvPr>
         </p:nvSpPr>
         <p:spPr/>
@@ -2690,43 +3139,18 @@
           <a:bodyPr/>
           <a:lstStyle/>
           <a:p>
-            <a:endParaRPr lang="fr-FR"/>
-          </a:p>
-        </p:txBody>
-      </p:sp>
-      <p:sp>
-        <p:nvSpPr>
-          <p:cNvPr id="7" name="Espace réservé du numéro de diapositive 6">
-            <a:extLst>
-              <a:ext uri="{FF2B5EF4-FFF2-40B4-BE49-F238E27FC236}">
-                <a16:creationId xmlns:a16="http://schemas.microsoft.com/office/drawing/2014/main" id="{68FB095E-2034-422D-9DEB-A03A64A02014}"/>
-              </a:ext>
-            </a:extLst>
-          </p:cNvPr>
-          <p:cNvSpPr>
-            <a:spLocks noGrp="1"/>
-          </p:cNvSpPr>
-          <p:nvPr>
-            <p:ph type="sldNum" sz="quarter" idx="12"/>
-          </p:nvPr>
-        </p:nvSpPr>
-        <p:spPr/>
-        <p:txBody>
-          <a:bodyPr/>
-          <a:lstStyle/>
-          <a:p>
-            <a:fld id="{CB6C87A2-9167-49E8-8D37-2334D74A6B9D}" type="slidenum">
-              <a:rPr lang="fr-FR" smtClean="0"/>
+            <a:fld id="{0D309695-DEC3-40DA-9DF5-330280C9D0E8}" type="slidenum">
+              <a:rPr lang="en-US" smtClean="0"/>
               <a:t>‹N°›</a:t>
             </a:fld>
-            <a:endParaRPr lang="fr-FR"/>
+            <a:endParaRPr lang="en-US"/>
           </a:p>
         </p:txBody>
       </p:sp>
     </p:spTree>
     <p:extLst>
       <p:ext uri="{BB962C8B-B14F-4D97-AF65-F5344CB8AC3E}">
-        <p14:creationId xmlns:p14="http://schemas.microsoft.com/office/powerpoint/2010/main" val="1974825862"/>
+        <p14:creationId xmlns:p14="http://schemas.microsoft.com/office/powerpoint/2010/main" val="595347549"/>
       </p:ext>
     </p:extLst>
   </p:cSld>
@@ -2741,7 +3165,7 @@
   <p:cSld>
     <p:bg>
       <p:bgRef idx="1001">
-        <a:schemeClr val="bg1"/>
+        <a:schemeClr val="bg2"/>
       </p:bgRef>
     </p:bg>
     <p:spTree>
@@ -2760,10 +3184,10 @@
       </p:grpSpPr>
       <p:sp>
         <p:nvSpPr>
-          <p:cNvPr id="2" name="Espace réservé du titre 1">
-            <a:extLst>
-              <a:ext uri="{FF2B5EF4-FFF2-40B4-BE49-F238E27FC236}">
-                <a16:creationId xmlns:a16="http://schemas.microsoft.com/office/drawing/2014/main" id="{F346C1E8-6CF9-4173-B3E2-36CCD5C0605D}"/>
+          <p:cNvPr id="2" name="Title Placeholder 1">
+            <a:extLst>
+              <a:ext uri="{FF2B5EF4-FFF2-40B4-BE49-F238E27FC236}">
+                <a16:creationId xmlns:a16="http://schemas.microsoft.com/office/drawing/2014/main" id="{43DDBCE8-F60C-4E3A-83C0-BDE8DD2DE1FD}"/>
               </a:ext>
             </a:extLst>
           </p:cNvPr>
@@ -2776,32 +3200,33 @@
         </p:nvSpPr>
         <p:spPr>
           <a:xfrm>
-            <a:off x="838200" y="365125"/>
-            <a:ext cx="10515600" cy="1325563"/>
+            <a:off x="448056" y="388800"/>
+            <a:ext cx="11301984" cy="1141200"/>
           </a:xfrm>
           <a:prstGeom prst="rect">
             <a:avLst/>
           </a:prstGeom>
         </p:spPr>
         <p:txBody>
-          <a:bodyPr vert="horz" lIns="91440" tIns="45720" rIns="91440" bIns="45720" rtlCol="0" anchor="ctr">
+          <a:bodyPr vert="horz" lIns="0" tIns="0" rIns="0" bIns="0" rtlCol="0" anchor="t">
             <a:normAutofit/>
           </a:bodyPr>
           <a:lstStyle/>
           <a:p>
             <a:r>
-              <a:rPr lang="fr-FR"/>
-              <a:t>Modifiez le style du titre</a:t>
-            </a:r>
-          </a:p>
-        </p:txBody>
-      </p:sp>
-      <p:sp>
-        <p:nvSpPr>
-          <p:cNvPr id="3" name="Espace réservé du texte 2">
-            <a:extLst>
-              <a:ext uri="{FF2B5EF4-FFF2-40B4-BE49-F238E27FC236}">
-                <a16:creationId xmlns:a16="http://schemas.microsoft.com/office/drawing/2014/main" id="{2BCE0434-A03A-45CB-9537-1A47D953C8C9}"/>
+              <a:rPr lang="en-US"/>
+              <a:t>Click to edit Master title style</a:t>
+            </a:r>
+            <a:endParaRPr lang="en-US" dirty="0"/>
+          </a:p>
+        </p:txBody>
+      </p:sp>
+      <p:sp>
+        <p:nvSpPr>
+          <p:cNvPr id="3" name="Text Placeholder 2">
+            <a:extLst>
+              <a:ext uri="{FF2B5EF4-FFF2-40B4-BE49-F238E27FC236}">
+                <a16:creationId xmlns:a16="http://schemas.microsoft.com/office/drawing/2014/main" id="{F4BBC57F-72F2-48BC-B1EE-1F2C6155D72E}"/>
               </a:ext>
             </a:extLst>
           </p:cNvPr>
@@ -2814,213 +3239,222 @@
         </p:nvSpPr>
         <p:spPr>
           <a:xfrm>
-            <a:off x="838200" y="1825625"/>
-            <a:ext cx="10515600" cy="4351338"/>
+            <a:off x="448056" y="1733550"/>
+            <a:ext cx="11293200" cy="3783013"/>
           </a:xfrm>
           <a:prstGeom prst="rect">
             <a:avLst/>
           </a:prstGeom>
         </p:spPr>
         <p:txBody>
-          <a:bodyPr vert="horz" lIns="91440" tIns="45720" rIns="91440" bIns="45720" rtlCol="0">
+          <a:bodyPr vert="horz" lIns="0" tIns="0" rIns="91440" bIns="0" rtlCol="0">
             <a:normAutofit/>
           </a:bodyPr>
           <a:lstStyle/>
           <a:p>
             <a:pPr lvl="0"/>
             <a:r>
-              <a:rPr lang="fr-FR"/>
-              <a:t>Cliquez pour modifier les styles du texte du masque</a:t>
+              <a:rPr lang="en-US"/>
+              <a:t>Click to edit Master text styles</a:t>
             </a:r>
           </a:p>
           <a:p>
             <a:pPr lvl="1"/>
             <a:r>
-              <a:rPr lang="fr-FR"/>
-              <a:t>Deuxième niveau</a:t>
+              <a:rPr lang="en-US"/>
+              <a:t>Second level</a:t>
             </a:r>
           </a:p>
           <a:p>
             <a:pPr lvl="2"/>
             <a:r>
-              <a:rPr lang="fr-FR"/>
-              <a:t>Troisième niveau</a:t>
+              <a:rPr lang="en-US"/>
+              <a:t>Third level</a:t>
             </a:r>
           </a:p>
           <a:p>
             <a:pPr lvl="3"/>
             <a:r>
-              <a:rPr lang="fr-FR"/>
-              <a:t>Quatrième niveau</a:t>
+              <a:rPr lang="en-US"/>
+              <a:t>Fourth level</a:t>
             </a:r>
           </a:p>
           <a:p>
             <a:pPr lvl="4"/>
             <a:r>
-              <a:rPr lang="fr-FR"/>
-              <a:t>Cinquième niveau</a:t>
-            </a:r>
-          </a:p>
-        </p:txBody>
-      </p:sp>
-      <p:sp>
-        <p:nvSpPr>
-          <p:cNvPr id="4" name="Espace réservé de la date 3">
-            <a:extLst>
-              <a:ext uri="{FF2B5EF4-FFF2-40B4-BE49-F238E27FC236}">
-                <a16:creationId xmlns:a16="http://schemas.microsoft.com/office/drawing/2014/main" id="{4BD5DEE5-F132-41F7-9CF0-48F430F435F8}"/>
-              </a:ext>
-            </a:extLst>
-          </p:cNvPr>
-          <p:cNvSpPr>
-            <a:spLocks noGrp="1"/>
-          </p:cNvSpPr>
-          <p:nvPr>
-            <p:ph type="dt" sz="half" idx="2"/>
-          </p:nvPr>
-        </p:nvSpPr>
-        <p:spPr>
-          <a:xfrm>
-            <a:off x="838200" y="6356350"/>
-            <a:ext cx="2743200" cy="365125"/>
+              <a:rPr lang="en-US"/>
+              <a:t>Fifth level</a:t>
+            </a:r>
+            <a:endParaRPr lang="en-US" dirty="0"/>
+          </a:p>
+        </p:txBody>
+      </p:sp>
+      <p:sp>
+        <p:nvSpPr>
+          <p:cNvPr id="5" name="Footer Placeholder 4">
+            <a:extLst>
+              <a:ext uri="{FF2B5EF4-FFF2-40B4-BE49-F238E27FC236}">
+                <a16:creationId xmlns:a16="http://schemas.microsoft.com/office/drawing/2014/main" id="{930FBC45-A4BC-4EE5-82B1-8BC79122559A}"/>
+              </a:ext>
+            </a:extLst>
+          </p:cNvPr>
+          <p:cNvSpPr>
+            <a:spLocks noGrp="1"/>
+          </p:cNvSpPr>
+          <p:nvPr>
+            <p:ph type="ftr" sz="quarter" idx="3"/>
+          </p:nvPr>
+        </p:nvSpPr>
+        <p:spPr>
+          <a:xfrm>
+            <a:off x="4370832" y="6153912"/>
+            <a:ext cx="5397056" cy="502920"/>
           </a:xfrm>
           <a:prstGeom prst="rect">
             <a:avLst/>
           </a:prstGeom>
         </p:spPr>
         <p:txBody>
-          <a:bodyPr vert="horz" lIns="91440" tIns="45720" rIns="91440" bIns="45720" rtlCol="0" anchor="ctr"/>
+          <a:bodyPr vert="horz" lIns="0" tIns="0" rIns="91440" bIns="0" rtlCol="0" anchor="ctr"/>
           <a:lstStyle>
             <a:lvl1pPr algn="l">
-              <a:defRPr sz="1200">
+              <a:defRPr sz="900" cap="all" spc="200" baseline="0">
                 <a:solidFill>
-                  <a:schemeClr val="tx1">
-                    <a:tint val="75000"/>
+                  <a:schemeClr val="tx2">
+                    <a:alpha val="55000"/>
                   </a:schemeClr>
                 </a:solidFill>
               </a:defRPr>
             </a:lvl1pPr>
           </a:lstStyle>
           <a:p>
-            <a:fld id="{8C692646-0030-459A-BB6D-19B28BC0E14B}" type="datetimeFigureOut">
-              <a:rPr lang="fr-FR" smtClean="0"/>
-              <a:t>28/10/2021</a:t>
-            </a:fld>
-            <a:endParaRPr lang="fr-FR"/>
-          </a:p>
-        </p:txBody>
-      </p:sp>
-      <p:sp>
-        <p:nvSpPr>
-          <p:cNvPr id="5" name="Espace réservé du pied de page 4">
-            <a:extLst>
-              <a:ext uri="{FF2B5EF4-FFF2-40B4-BE49-F238E27FC236}">
-                <a16:creationId xmlns:a16="http://schemas.microsoft.com/office/drawing/2014/main" id="{9995E32E-81BD-42DC-BD99-75863934AC0F}"/>
-              </a:ext>
-            </a:extLst>
-          </p:cNvPr>
-          <p:cNvSpPr>
-            <a:spLocks noGrp="1"/>
-          </p:cNvSpPr>
-          <p:nvPr>
-            <p:ph type="ftr" sz="quarter" idx="3"/>
-          </p:nvPr>
-        </p:nvSpPr>
-        <p:spPr>
-          <a:xfrm>
-            <a:off x="4038600" y="6356350"/>
-            <a:ext cx="4114800" cy="365125"/>
+            <a:r>
+              <a:rPr lang="en-US" spc="200" dirty="0"/>
+              <a:t>Sample Footer Text</a:t>
+            </a:r>
+          </a:p>
+        </p:txBody>
+      </p:sp>
+      <p:sp>
+        <p:nvSpPr>
+          <p:cNvPr id="6" name="Slide Number Placeholder 5">
+            <a:extLst>
+              <a:ext uri="{FF2B5EF4-FFF2-40B4-BE49-F238E27FC236}">
+                <a16:creationId xmlns:a16="http://schemas.microsoft.com/office/drawing/2014/main" id="{725E1300-1995-409E-B058-59180872B694}"/>
+              </a:ext>
+            </a:extLst>
+          </p:cNvPr>
+          <p:cNvSpPr>
+            <a:spLocks noGrp="1"/>
+          </p:cNvSpPr>
+          <p:nvPr>
+            <p:ph type="sldNum" sz="quarter" idx="4"/>
+          </p:nvPr>
+        </p:nvSpPr>
+        <p:spPr>
+          <a:xfrm>
+            <a:off x="10238232" y="6153912"/>
+            <a:ext cx="1510856" cy="502920"/>
           </a:xfrm>
           <a:prstGeom prst="rect">
             <a:avLst/>
           </a:prstGeom>
         </p:spPr>
         <p:txBody>
-          <a:bodyPr vert="horz" lIns="91440" tIns="45720" rIns="91440" bIns="45720" rtlCol="0" anchor="ctr"/>
+          <a:bodyPr vert="horz" lIns="0" tIns="0" rIns="0" bIns="0" rtlCol="0" anchor="ctr"/>
           <a:lstStyle>
-            <a:lvl1pPr algn="ctr">
-              <a:defRPr sz="1200">
+            <a:lvl1pPr algn="r">
+              <a:defRPr sz="900">
                 <a:solidFill>
-                  <a:schemeClr val="tx1">
-                    <a:tint val="75000"/>
+                  <a:schemeClr val="tx2">
+                    <a:alpha val="55000"/>
                   </a:schemeClr>
                 </a:solidFill>
               </a:defRPr>
             </a:lvl1pPr>
           </a:lstStyle>
           <a:p>
-            <a:endParaRPr lang="fr-FR"/>
-          </a:p>
-        </p:txBody>
-      </p:sp>
-      <p:sp>
-        <p:nvSpPr>
-          <p:cNvPr id="6" name="Espace réservé du numéro de diapositive 5">
-            <a:extLst>
-              <a:ext uri="{FF2B5EF4-FFF2-40B4-BE49-F238E27FC236}">
-                <a16:creationId xmlns:a16="http://schemas.microsoft.com/office/drawing/2014/main" id="{905A3B37-E86B-45F8-80E3-3846F0EED1D4}"/>
-              </a:ext>
-            </a:extLst>
-          </p:cNvPr>
-          <p:cNvSpPr>
-            <a:spLocks noGrp="1"/>
-          </p:cNvSpPr>
-          <p:nvPr>
-            <p:ph type="sldNum" sz="quarter" idx="4"/>
-          </p:nvPr>
-        </p:nvSpPr>
-        <p:spPr>
-          <a:xfrm>
-            <a:off x="8610600" y="6356350"/>
-            <a:ext cx="2743200" cy="365125"/>
+            <a:fld id="{0D309695-DEC3-40DA-9DF5-330280C9D0E8}" type="slidenum">
+              <a:rPr lang="en-US" smtClean="0"/>
+              <a:pPr/>
+              <a:t>‹N°›</a:t>
+            </a:fld>
+            <a:endParaRPr lang="en-US" dirty="0"/>
+          </a:p>
+        </p:txBody>
+      </p:sp>
+      <p:sp>
+        <p:nvSpPr>
+          <p:cNvPr id="10" name="Date Placeholder 3">
+            <a:extLst>
+              <a:ext uri="{FF2B5EF4-FFF2-40B4-BE49-F238E27FC236}">
+                <a16:creationId xmlns:a16="http://schemas.microsoft.com/office/drawing/2014/main" id="{639030E9-7F3B-403F-96B2-7C2C627C30A0}"/>
+              </a:ext>
+            </a:extLst>
+          </p:cNvPr>
+          <p:cNvSpPr>
+            <a:spLocks noGrp="1"/>
+          </p:cNvSpPr>
+          <p:nvPr>
+            <p:ph type="dt" sz="half" idx="2"/>
+          </p:nvPr>
+        </p:nvSpPr>
+        <p:spPr>
+          <a:xfrm>
+            <a:off x="442912" y="6152968"/>
+            <a:ext cx="3457576" cy="502920"/>
           </a:xfrm>
           <a:prstGeom prst="rect">
             <a:avLst/>
           </a:prstGeom>
         </p:spPr>
         <p:txBody>
-          <a:bodyPr vert="horz" lIns="91440" tIns="45720" rIns="91440" bIns="45720" rtlCol="0" anchor="ctr"/>
+          <a:bodyPr wrap="square" lIns="0" tIns="0" rIns="0" bIns="0" anchor="ctr" anchorCtr="0">
+            <a:normAutofit/>
+          </a:bodyPr>
           <a:lstStyle>
-            <a:lvl1pPr algn="r">
-              <a:defRPr sz="1200">
+            <a:lvl1pPr>
+              <a:defRPr sz="900" cap="all" spc="200" baseline="0">
                 <a:solidFill>
                   <a:schemeClr val="tx1">
-                    <a:tint val="75000"/>
+                    <a:alpha val="55000"/>
                   </a:schemeClr>
                 </a:solidFill>
               </a:defRPr>
             </a:lvl1pPr>
           </a:lstStyle>
           <a:p>
-            <a:fld id="{CB6C87A2-9167-49E8-8D37-2334D74A6B9D}" type="slidenum">
-              <a:rPr lang="fr-FR" smtClean="0"/>
-              <a:t>‹N°›</a:t>
+            <a:fld id="{8256C2ED-54A4-480D-B5C8-65C0D62359B9}" type="datetime2">
+              <a:rPr lang="en-US" smtClean="0"/>
+              <a:pPr/>
+              <a:t>Monday, November 1, 2021</a:t>
             </a:fld>
-            <a:endParaRPr lang="fr-FR"/>
+            <a:endParaRPr lang="en-US" dirty="0"/>
           </a:p>
         </p:txBody>
       </p:sp>
     </p:spTree>
     <p:extLst>
       <p:ext uri="{BB962C8B-B14F-4D97-AF65-F5344CB8AC3E}">
-        <p14:creationId xmlns:p14="http://schemas.microsoft.com/office/powerpoint/2010/main" val="2001201221"/>
+        <p14:creationId xmlns:p14="http://schemas.microsoft.com/office/powerpoint/2010/main" val="229447876"/>
       </p:ext>
     </p:extLst>
   </p:cSld>
-  <p:clrMap bg1="lt1" tx1="dk1" bg2="lt2" tx2="dk2" accent1="accent1" accent2="accent2" accent3="accent3" accent4="accent4" accent5="accent5" accent6="accent6" hlink="hlink" folHlink="folHlink"/>
+  <p:clrMap bg1="dk1" tx1="lt1" bg2="dk2" tx2="lt2" accent1="accent1" accent2="accent2" accent3="accent3" accent4="accent4" accent5="accent5" accent6="accent6" hlink="hlink" folHlink="folHlink"/>
   <p:sldLayoutIdLst>
-    <p:sldLayoutId id="2147483649" r:id="rId1"/>
-    <p:sldLayoutId id="2147483650" r:id="rId2"/>
-    <p:sldLayoutId id="2147483651" r:id="rId3"/>
-    <p:sldLayoutId id="2147483652" r:id="rId4"/>
-    <p:sldLayoutId id="2147483653" r:id="rId5"/>
-    <p:sldLayoutId id="2147483654" r:id="rId6"/>
-    <p:sldLayoutId id="2147483655" r:id="rId7"/>
-    <p:sldLayoutId id="2147483656" r:id="rId8"/>
-    <p:sldLayoutId id="2147483657" r:id="rId9"/>
-    <p:sldLayoutId id="2147483658" r:id="rId10"/>
-    <p:sldLayoutId id="2147483659" r:id="rId11"/>
+    <p:sldLayoutId id="2147483675" r:id="rId1"/>
+    <p:sldLayoutId id="2147483676" r:id="rId2"/>
+    <p:sldLayoutId id="2147483677" r:id="rId3"/>
+    <p:sldLayoutId id="2147483678" r:id="rId4"/>
+    <p:sldLayoutId id="2147483679" r:id="rId5"/>
+    <p:sldLayoutId id="2147483680" r:id="rId6"/>
+    <p:sldLayoutId id="2147483681" r:id="rId7"/>
+    <p:sldLayoutId id="2147483682" r:id="rId8"/>
+    <p:sldLayoutId id="2147483683" r:id="rId9"/>
+    <p:sldLayoutId id="2147483684" r:id="rId10"/>
+    <p:sldLayoutId id="2147483685" r:id="rId11"/>
   </p:sldLayoutIdLst>
+  <p:hf sldNum="0" hdr="0" ftr="0" dt="0"/>
   <p:txStyles>
     <p:titleStyle>
       <a:lvl1pPr algn="l" defTabSz="914400" rtl="0" eaLnBrk="1" latinLnBrk="0" hangingPunct="1">
@@ -3031,9 +3465,9 @@
           <a:spcPct val="0"/>
         </a:spcBef>
         <a:buNone/>
-        <a:defRPr sz="4400" kern="1200">
+        <a:defRPr sz="3200" i="1" kern="1200">
           <a:solidFill>
-            <a:schemeClr val="tx1"/>
+            <a:schemeClr val="tx2"/>
           </a:solidFill>
           <a:latin typeface="+mj-lt"/>
           <a:ea typeface="+mj-ea"/>
@@ -3042,90 +3476,100 @@
       </a:lvl1pPr>
     </p:titleStyle>
     <p:bodyStyle>
-      <a:lvl1pPr marL="228600" indent="-228600" algn="l" defTabSz="914400" rtl="0" eaLnBrk="1" latinLnBrk="0" hangingPunct="1">
+      <a:lvl1pPr marL="450000" indent="-448056" algn="l" defTabSz="914400" rtl="0" eaLnBrk="1" latinLnBrk="0" hangingPunct="1">
         <a:lnSpc>
-          <a:spcPct val="90000"/>
+          <a:spcPct val="140000"/>
         </a:lnSpc>
         <a:spcBef>
           <a:spcPts val="1000"/>
         </a:spcBef>
-        <a:buFont typeface="Arial" panose="020B0604020202020204" pitchFamily="34" charset="0"/>
-        <a:buChar char="•"/>
-        <a:defRPr sz="2800" kern="1200">
+        <a:buFont typeface="Calibri Light" panose="020F0302020204030204" pitchFamily="34" charset="0"/>
+        <a:buChar char="→"/>
+        <a:defRPr sz="1800" kern="1200">
           <a:solidFill>
-            <a:schemeClr val="tx1"/>
+            <a:schemeClr val="tx2">
+              <a:alpha val="55000"/>
+            </a:schemeClr>
           </a:solidFill>
           <a:latin typeface="+mn-lt"/>
           <a:ea typeface="+mn-ea"/>
           <a:cs typeface="+mn-cs"/>
         </a:defRPr>
       </a:lvl1pPr>
-      <a:lvl2pPr marL="685800" indent="-228600" algn="l" defTabSz="914400" rtl="0" eaLnBrk="1" latinLnBrk="0" hangingPunct="1">
+      <a:lvl2pPr marL="900000" indent="-448056" algn="l" defTabSz="914400" rtl="0" eaLnBrk="1" latinLnBrk="0" hangingPunct="1">
         <a:lnSpc>
-          <a:spcPct val="90000"/>
+          <a:spcPct val="140000"/>
         </a:lnSpc>
         <a:spcBef>
           <a:spcPts val="500"/>
         </a:spcBef>
-        <a:buFont typeface="Arial" panose="020B0604020202020204" pitchFamily="34" charset="0"/>
-        <a:buChar char="•"/>
-        <a:defRPr sz="2400" kern="1200">
+        <a:buFont typeface="Calibri Light" panose="020F0302020204030204" pitchFamily="34" charset="0"/>
+        <a:buChar char="→"/>
+        <a:defRPr sz="1800" kern="1200">
           <a:solidFill>
-            <a:schemeClr val="tx1"/>
+            <a:schemeClr val="tx2">
+              <a:alpha val="55000"/>
+            </a:schemeClr>
           </a:solidFill>
           <a:latin typeface="+mn-lt"/>
           <a:ea typeface="+mn-ea"/>
           <a:cs typeface="+mn-cs"/>
         </a:defRPr>
       </a:lvl2pPr>
-      <a:lvl3pPr marL="1143000" indent="-228600" algn="l" defTabSz="914400" rtl="0" eaLnBrk="1" latinLnBrk="0" hangingPunct="1">
+      <a:lvl3pPr marL="1350000" indent="-448056" algn="l" defTabSz="914400" rtl="0" eaLnBrk="1" latinLnBrk="0" hangingPunct="1">
         <a:lnSpc>
-          <a:spcPct val="90000"/>
+          <a:spcPct val="140000"/>
         </a:lnSpc>
         <a:spcBef>
           <a:spcPts val="500"/>
         </a:spcBef>
-        <a:buFont typeface="Arial" panose="020B0604020202020204" pitchFamily="34" charset="0"/>
-        <a:buChar char="•"/>
-        <a:defRPr sz="2000" kern="1200">
+        <a:buFont typeface="Calibri Light" panose="020F0302020204030204" pitchFamily="34" charset="0"/>
+        <a:buChar char="→"/>
+        <a:defRPr sz="1800" kern="1200">
           <a:solidFill>
-            <a:schemeClr val="tx1"/>
+            <a:schemeClr val="tx2">
+              <a:alpha val="55000"/>
+            </a:schemeClr>
           </a:solidFill>
           <a:latin typeface="+mn-lt"/>
           <a:ea typeface="+mn-ea"/>
           <a:cs typeface="+mn-cs"/>
         </a:defRPr>
       </a:lvl3pPr>
-      <a:lvl4pPr marL="1600200" indent="-228600" algn="l" defTabSz="914400" rtl="0" eaLnBrk="1" latinLnBrk="0" hangingPunct="1">
+      <a:lvl4pPr marL="1800000" indent="-448056" algn="l" defTabSz="914400" rtl="0" eaLnBrk="1" latinLnBrk="0" hangingPunct="1">
         <a:lnSpc>
-          <a:spcPct val="90000"/>
+          <a:spcPct val="140000"/>
         </a:lnSpc>
         <a:spcBef>
           <a:spcPts val="500"/>
         </a:spcBef>
-        <a:buFont typeface="Arial" panose="020B0604020202020204" pitchFamily="34" charset="0"/>
-        <a:buChar char="•"/>
+        <a:buFont typeface="Calibri Light" panose="020F0302020204030204" pitchFamily="34" charset="0"/>
+        <a:buChar char="→"/>
         <a:defRPr sz="1800" kern="1200">
           <a:solidFill>
-            <a:schemeClr val="tx1"/>
+            <a:schemeClr val="tx2">
+              <a:alpha val="55000"/>
+            </a:schemeClr>
           </a:solidFill>
           <a:latin typeface="+mn-lt"/>
           <a:ea typeface="+mn-ea"/>
           <a:cs typeface="+mn-cs"/>
         </a:defRPr>
       </a:lvl4pPr>
-      <a:lvl5pPr marL="2057400" indent="-228600" algn="l" defTabSz="914400" rtl="0" eaLnBrk="1" latinLnBrk="0" hangingPunct="1">
+      <a:lvl5pPr marL="2250000" indent="-448056" algn="l" defTabSz="914400" rtl="0" eaLnBrk="1" latinLnBrk="0" hangingPunct="1">
         <a:lnSpc>
-          <a:spcPct val="90000"/>
+          <a:spcPct val="140000"/>
         </a:lnSpc>
         <a:spcBef>
           <a:spcPts val="500"/>
         </a:spcBef>
-        <a:buFont typeface="Arial" panose="020B0604020202020204" pitchFamily="34" charset="0"/>
-        <a:buChar char="•"/>
+        <a:buFont typeface="Calibri Light" panose="020F0302020204030204" pitchFamily="34" charset="0"/>
+        <a:buChar char="→"/>
         <a:defRPr sz="1800" kern="1200">
           <a:solidFill>
-            <a:schemeClr val="tx1"/>
+            <a:schemeClr val="tx2">
+              <a:alpha val="55000"/>
+            </a:schemeClr>
           </a:solidFill>
           <a:latin typeface="+mn-lt"/>
           <a:ea typeface="+mn-ea"/>
@@ -3207,7 +3651,7 @@
     </p:bodyStyle>
     <p:otherStyle>
       <a:defPPr>
-        <a:defRPr lang="fr-FR"/>
+        <a:defRPr lang="en-US"/>
       </a:defPPr>
       <a:lvl1pPr marL="0" algn="l" defTabSz="914400" rtl="0" eaLnBrk="1" latinLnBrk="0" hangingPunct="1">
         <a:defRPr sz="1800" kern="1200">
@@ -3307,6 +3751,14 @@
 <file path=ppt/slides/slide1.xml><?xml version="1.0" encoding="utf-8"?>
 <p:sld xmlns:a="http://schemas.openxmlformats.org/drawingml/2006/main" xmlns:r="http://schemas.openxmlformats.org/officeDocument/2006/relationships" xmlns:p="http://schemas.openxmlformats.org/presentationml/2006/main">
   <p:cSld>
+    <p:bg>
+      <p:bgPr>
+        <a:solidFill>
+          <a:schemeClr val="bg2"/>
+        </a:solidFill>
+        <a:effectLst/>
+      </p:bgPr>
+    </p:bg>
     <p:spTree>
       <p:nvGrpSpPr>
         <p:cNvPr id="1" name=""/>
@@ -3321,6 +3773,82 @@
           <a:chExt cx="0" cy="0"/>
         </a:xfrm>
       </p:grpSpPr>
+      <p:sp useBgFill="1">
+        <p:nvSpPr>
+          <p:cNvPr id="21" name="Rectangle 8">
+            <a:extLst>
+              <a:ext uri="{FF2B5EF4-FFF2-40B4-BE49-F238E27FC236}">
+                <a16:creationId xmlns:a16="http://schemas.microsoft.com/office/drawing/2014/main" id="{F2E5B6AE-5EFE-45F0-A2AE-ED771CA3D7DD}"/>
+              </a:ext>
+              <a:ext uri="{C183D7F6-B498-43B3-948B-1728B52AA6E4}">
+                <adec:decorative xmlns:adec="http://schemas.microsoft.com/office/drawing/2017/decorative" val="1"/>
+              </a:ext>
+            </a:extLst>
+          </p:cNvPr>
+          <p:cNvSpPr>
+            <a:spLocks noGrp="1" noRot="1" noChangeAspect="1" noMove="1" noResize="1" noEditPoints="1" noAdjustHandles="1" noChangeArrowheads="1" noChangeShapeType="1" noTextEdit="1"/>
+          </p:cNvSpPr>
+          <p:nvPr>
+            <p:extLst>
+              <p:ext uri="{386F3935-93C4-4BCD-93E2-E3B085C9AB24}">
+                <p16:designElem xmlns:p16="http://schemas.microsoft.com/office/powerpoint/2015/main" val="1"/>
+              </p:ext>
+            </p:extLst>
+          </p:nvPr>
+        </p:nvSpPr>
+        <p:spPr>
+          <a:xfrm>
+            <a:off x="0" y="0"/>
+            <a:ext cx="12192000" cy="6858000"/>
+          </a:xfrm>
+          <a:prstGeom prst="rect">
+            <a:avLst/>
+          </a:prstGeom>
+          <a:ln w="12700" cap="flat" cmpd="sng" algn="ctr">
+            <a:noFill/>
+            <a:prstDash val="solid"/>
+            <a:miter lim="800000"/>
+          </a:ln>
+          <a:effectLst/>
+          <a:extLst>
+            <a:ext uri="{91240B29-F687-4F45-9708-019B960494DF}">
+              <a14:hiddenLine xmlns:a14="http://schemas.microsoft.com/office/drawing/2010/main" w="12700" cap="flat" cmpd="sng" algn="ctr">
+                <a:solidFill>
+                  <a:schemeClr val="accent1">
+                    <a:shade val="50000"/>
+                  </a:schemeClr>
+                </a:solidFill>
+                <a:prstDash val="solid"/>
+                <a:miter lim="800000"/>
+              </a14:hiddenLine>
+            </a:ext>
+          </a:extLst>
+        </p:spPr>
+        <p:style>
+          <a:lnRef idx="2">
+            <a:schemeClr val="accent1">
+              <a:shade val="50000"/>
+            </a:schemeClr>
+          </a:lnRef>
+          <a:fillRef idx="1">
+            <a:schemeClr val="accent1"/>
+          </a:fillRef>
+          <a:effectRef idx="0">
+            <a:schemeClr val="accent1"/>
+          </a:effectRef>
+          <a:fontRef idx="minor">
+            <a:schemeClr val="lt1"/>
+          </a:fontRef>
+        </p:style>
+        <p:txBody>
+          <a:bodyPr rtlCol="0" anchor="ctr"/>
+          <a:lstStyle/>
+          <a:p>
+            <a:pPr algn="ctr"/>
+            <a:endParaRPr lang="en-US"/>
+          </a:p>
+        </p:txBody>
+      </p:sp>
       <p:sp>
         <p:nvSpPr>
           <p:cNvPr id="2" name="Titre 1">
@@ -3337,14 +3865,21 @@
             <p:ph type="ctrTitle"/>
           </p:nvPr>
         </p:nvSpPr>
-        <p:spPr/>
-        <p:txBody>
-          <a:bodyPr/>
-          <a:lstStyle/>
-          <a:p>
-            <a:r>
-              <a:rPr lang="fr-FR"/>
-              <a:t>Bite</a:t>
+        <p:spPr>
+          <a:xfrm>
+            <a:off x="448055" y="662400"/>
+            <a:ext cx="11293200" cy="1000800"/>
+          </a:xfrm>
+        </p:spPr>
+        <p:txBody>
+          <a:bodyPr anchor="ctr">
+            <a:normAutofit/>
+          </a:bodyPr>
+          <a:lstStyle/>
+          <a:p>
+            <a:r>
+              <a:rPr lang="fr-FR" dirty="0"/>
+              <a:t>Création d’un site sur WP</a:t>
             </a:r>
           </a:p>
         </p:txBody>
@@ -3365,15 +3900,106 @@
             <p:ph type="subTitle" idx="1"/>
           </p:nvPr>
         </p:nvSpPr>
-        <p:spPr/>
-        <p:txBody>
-          <a:bodyPr/>
-          <a:lstStyle/>
-          <a:p>
-            <a:endParaRPr lang="fr-FR"/>
-          </a:p>
-        </p:txBody>
-      </p:sp>
+        <p:spPr>
+          <a:xfrm>
+            <a:off x="448055" y="1652400"/>
+            <a:ext cx="11293200" cy="984885"/>
+          </a:xfrm>
+        </p:spPr>
+        <p:txBody>
+          <a:bodyPr anchor="ctr">
+            <a:normAutofit fontScale="92500" lnSpcReduction="10000"/>
+          </a:bodyPr>
+          <a:lstStyle/>
+          <a:p>
+            <a:r>
+              <a:rPr lang="fr-FR" sz="6400" dirty="0"/>
+              <a:t>Team 7</a:t>
+            </a:r>
+          </a:p>
+        </p:txBody>
+      </p:sp>
+      <p:cxnSp>
+        <p:nvCxnSpPr>
+          <p:cNvPr id="22" name="Straight Connector 10">
+            <a:extLst>
+              <a:ext uri="{FF2B5EF4-FFF2-40B4-BE49-F238E27FC236}">
+                <a16:creationId xmlns:a16="http://schemas.microsoft.com/office/drawing/2014/main" id="{D255B435-D9F3-4A31-B89E-36741390DB4B}"/>
+              </a:ext>
+              <a:ext uri="{C183D7F6-B498-43B3-948B-1728B52AA6E4}">
+                <adec:decorative xmlns:adec="http://schemas.microsoft.com/office/drawing/2017/decorative" val="1"/>
+              </a:ext>
+            </a:extLst>
+          </p:cNvPr>
+          <p:cNvCxnSpPr>
+            <a:cxnSpLocks noGrp="1" noRot="1" noChangeAspect="1" noMove="1" noResize="1" noEditPoints="1" noAdjustHandles="1" noChangeArrowheads="1" noChangeShapeType="1"/>
+          </p:cNvCxnSpPr>
+          <p:nvPr>
+            <p:extLst>
+              <p:ext uri="{386F3935-93C4-4BCD-93E2-E3B085C9AB24}">
+                <p16:designElem xmlns:p16="http://schemas.microsoft.com/office/powerpoint/2015/main" val="1"/>
+              </p:ext>
+            </p:extLst>
+          </p:nvPr>
+        </p:nvCxnSpPr>
+        <p:spPr>
+          <a:xfrm>
+            <a:off x="450000" y="450000"/>
+            <a:ext cx="11293200" cy="0"/>
+          </a:xfrm>
+          <a:prstGeom prst="line">
+            <a:avLst/>
+          </a:prstGeom>
+          <a:ln w="6350">
+            <a:solidFill>
+              <a:schemeClr val="tx2"/>
+            </a:solidFill>
+          </a:ln>
+        </p:spPr>
+        <p:style>
+          <a:lnRef idx="1">
+            <a:schemeClr val="accent1"/>
+          </a:lnRef>
+          <a:fillRef idx="0">
+            <a:schemeClr val="accent1"/>
+          </a:fillRef>
+          <a:effectRef idx="0">
+            <a:schemeClr val="accent1"/>
+          </a:effectRef>
+          <a:fontRef idx="minor">
+            <a:schemeClr val="tx1"/>
+          </a:fontRef>
+        </p:style>
+      </p:cxnSp>
+      <p:pic>
+        <p:nvPicPr>
+          <p:cNvPr id="23" name="Picture 3" descr="Une image contenant flou, lumière&#10;&#10;Description générée automatiquement">
+            <a:extLst>
+              <a:ext uri="{FF2B5EF4-FFF2-40B4-BE49-F238E27FC236}">
+                <a16:creationId xmlns:a16="http://schemas.microsoft.com/office/drawing/2014/main" id="{4DCDF629-3904-4DBB-8316-C69F116D1631}"/>
+              </a:ext>
+            </a:extLst>
+          </p:cNvPr>
+          <p:cNvPicPr>
+            <a:picLocks noChangeAspect="1"/>
+          </p:cNvPicPr>
+          <p:nvPr/>
+        </p:nvPicPr>
+        <p:blipFill rotWithShape="1">
+          <a:blip r:embed="rId2"/>
+          <a:srcRect t="29324" b="19511"/>
+          <a:stretch/>
+        </p:blipFill>
+        <p:spPr>
+          <a:xfrm>
+            <a:off x="20" y="2959198"/>
+            <a:ext cx="12191980" cy="3898801"/>
+          </a:xfrm>
+          <a:prstGeom prst="rect">
+            <a:avLst/>
+          </a:prstGeom>
+        </p:spPr>
+      </p:pic>
     </p:spTree>
     <p:extLst>
       <p:ext uri="{BB962C8B-B14F-4D97-AF65-F5344CB8AC3E}">
@@ -3387,232 +4013,577 @@
 </p:sld>
 </file>
 
+<file path=ppt/slides/slide2.xml><?xml version="1.0" encoding="utf-8"?>
+<p:sld xmlns:a="http://schemas.openxmlformats.org/drawingml/2006/main" xmlns:r="http://schemas.openxmlformats.org/officeDocument/2006/relationships" xmlns:p="http://schemas.openxmlformats.org/presentationml/2006/main">
+  <p:cSld>
+    <p:spTree>
+      <p:nvGrpSpPr>
+        <p:cNvPr id="1" name=""/>
+        <p:cNvGrpSpPr/>
+        <p:nvPr/>
+      </p:nvGrpSpPr>
+      <p:grpSpPr>
+        <a:xfrm>
+          <a:off x="0" y="0"/>
+          <a:ext cx="0" cy="0"/>
+          <a:chOff x="0" y="0"/>
+          <a:chExt cx="0" cy="0"/>
+        </a:xfrm>
+      </p:grpSpPr>
+      <p:sp>
+        <p:nvSpPr>
+          <p:cNvPr id="2" name="Titre 1">
+            <a:extLst>
+              <a:ext uri="{FF2B5EF4-FFF2-40B4-BE49-F238E27FC236}">
+                <a16:creationId xmlns:a16="http://schemas.microsoft.com/office/drawing/2014/main" id="{008E1F3D-309C-441B-BDEE-EBC16C722006}"/>
+              </a:ext>
+            </a:extLst>
+          </p:cNvPr>
+          <p:cNvSpPr>
+            <a:spLocks noGrp="1"/>
+          </p:cNvSpPr>
+          <p:nvPr>
+            <p:ph type="title"/>
+          </p:nvPr>
+        </p:nvSpPr>
+        <p:spPr>
+          <a:xfrm>
+            <a:off x="448056" y="388799"/>
+            <a:ext cx="11301984" cy="588353"/>
+          </a:xfrm>
+        </p:spPr>
+        <p:txBody>
+          <a:bodyPr/>
+          <a:lstStyle/>
+          <a:p>
+            <a:pPr algn="ctr"/>
+            <a:r>
+              <a:rPr lang="fr-FR" dirty="0"/>
+              <a:t>Sommaire </a:t>
+            </a:r>
+          </a:p>
+        </p:txBody>
+      </p:sp>
+      <p:sp>
+        <p:nvSpPr>
+          <p:cNvPr id="3" name="Espace réservé du contenu 2">
+            <a:extLst>
+              <a:ext uri="{FF2B5EF4-FFF2-40B4-BE49-F238E27FC236}">
+                <a16:creationId xmlns:a16="http://schemas.microsoft.com/office/drawing/2014/main" id="{09A820A4-4496-441E-A74C-8719972ACC8C}"/>
+              </a:ext>
+            </a:extLst>
+          </p:cNvPr>
+          <p:cNvSpPr>
+            <a:spLocks noGrp="1"/>
+          </p:cNvSpPr>
+          <p:nvPr>
+            <p:ph idx="1"/>
+          </p:nvPr>
+        </p:nvSpPr>
+        <p:spPr>
+          <a:xfrm>
+            <a:off x="448056" y="977152"/>
+            <a:ext cx="11293200" cy="4541061"/>
+          </a:xfrm>
+        </p:spPr>
+        <p:txBody>
+          <a:bodyPr/>
+          <a:lstStyle/>
+          <a:p>
+            <a:r>
+              <a:rPr lang="fr-FR" dirty="0"/>
+              <a:t>Missions ensemble</a:t>
+            </a:r>
+          </a:p>
+          <a:p>
+            <a:r>
+              <a:rPr lang="fr-FR" dirty="0"/>
+              <a:t>Clara</a:t>
+            </a:r>
+          </a:p>
+          <a:p>
+            <a:r>
+              <a:rPr lang="fr-FR" dirty="0"/>
+              <a:t>Salim</a:t>
+            </a:r>
+          </a:p>
+          <a:p>
+            <a:r>
+              <a:rPr lang="fr-FR" dirty="0"/>
+              <a:t>Tom</a:t>
+            </a:r>
+          </a:p>
+          <a:p>
+            <a:r>
+              <a:rPr lang="fr-FR" dirty="0"/>
+              <a:t>Conclusion</a:t>
+            </a:r>
+          </a:p>
+        </p:txBody>
+      </p:sp>
+    </p:spTree>
+    <p:extLst>
+      <p:ext uri="{BB962C8B-B14F-4D97-AF65-F5344CB8AC3E}">
+        <p14:creationId xmlns:p14="http://schemas.microsoft.com/office/powerpoint/2010/main" val="2102076505"/>
+      </p:ext>
+    </p:extLst>
+  </p:cSld>
+  <p:clrMapOvr>
+    <a:masterClrMapping/>
+  </p:clrMapOvr>
+</p:sld>
+</file>
+
+<file path=ppt/slides/slide3.xml><?xml version="1.0" encoding="utf-8"?>
+<p:sld xmlns:a="http://schemas.openxmlformats.org/drawingml/2006/main" xmlns:r="http://schemas.openxmlformats.org/officeDocument/2006/relationships" xmlns:p="http://schemas.openxmlformats.org/presentationml/2006/main">
+  <p:cSld>
+    <p:spTree>
+      <p:nvGrpSpPr>
+        <p:cNvPr id="1" name=""/>
+        <p:cNvGrpSpPr/>
+        <p:nvPr/>
+      </p:nvGrpSpPr>
+      <p:grpSpPr>
+        <a:xfrm>
+          <a:off x="0" y="0"/>
+          <a:ext cx="0" cy="0"/>
+          <a:chOff x="0" y="0"/>
+          <a:chExt cx="0" cy="0"/>
+        </a:xfrm>
+      </p:grpSpPr>
+      <p:sp>
+        <p:nvSpPr>
+          <p:cNvPr id="2" name="Titre 1">
+            <a:extLst>
+              <a:ext uri="{FF2B5EF4-FFF2-40B4-BE49-F238E27FC236}">
+                <a16:creationId xmlns:a16="http://schemas.microsoft.com/office/drawing/2014/main" id="{4D97F861-213A-479E-80EA-E68613232E17}"/>
+              </a:ext>
+            </a:extLst>
+          </p:cNvPr>
+          <p:cNvSpPr>
+            <a:spLocks noGrp="1"/>
+          </p:cNvSpPr>
+          <p:nvPr>
+            <p:ph type="title"/>
+          </p:nvPr>
+        </p:nvSpPr>
+        <p:spPr/>
+        <p:txBody>
+          <a:bodyPr/>
+          <a:lstStyle/>
+          <a:p>
+            <a:r>
+              <a:rPr lang="fr-FR" dirty="0"/>
+              <a:t>Missions ensemble</a:t>
+            </a:r>
+          </a:p>
+        </p:txBody>
+      </p:sp>
+      <p:sp>
+        <p:nvSpPr>
+          <p:cNvPr id="3" name="Espace réservé du contenu 2">
+            <a:extLst>
+              <a:ext uri="{FF2B5EF4-FFF2-40B4-BE49-F238E27FC236}">
+                <a16:creationId xmlns:a16="http://schemas.microsoft.com/office/drawing/2014/main" id="{6C040F9A-6F0E-4A78-B6EE-0A60D7EC8BB0}"/>
+              </a:ext>
+            </a:extLst>
+          </p:cNvPr>
+          <p:cNvSpPr>
+            <a:spLocks noGrp="1"/>
+          </p:cNvSpPr>
+          <p:nvPr>
+            <p:ph idx="1"/>
+          </p:nvPr>
+        </p:nvSpPr>
+        <p:spPr/>
+        <p:txBody>
+          <a:bodyPr/>
+          <a:lstStyle/>
+          <a:p>
+            <a:endParaRPr lang="fr-FR"/>
+          </a:p>
+        </p:txBody>
+      </p:sp>
+    </p:spTree>
+    <p:extLst>
+      <p:ext uri="{BB962C8B-B14F-4D97-AF65-F5344CB8AC3E}">
+        <p14:creationId xmlns:p14="http://schemas.microsoft.com/office/powerpoint/2010/main" val="2499442586"/>
+      </p:ext>
+    </p:extLst>
+  </p:cSld>
+  <p:clrMapOvr>
+    <a:masterClrMapping/>
+  </p:clrMapOvr>
+</p:sld>
+</file>
+
+<file path=ppt/slides/slide4.xml><?xml version="1.0" encoding="utf-8"?>
+<p:sld xmlns:a="http://schemas.openxmlformats.org/drawingml/2006/main" xmlns:r="http://schemas.openxmlformats.org/officeDocument/2006/relationships" xmlns:p="http://schemas.openxmlformats.org/presentationml/2006/main">
+  <p:cSld>
+    <p:bg>
+      <p:bgPr>
+        <a:solidFill>
+          <a:schemeClr val="bg2"/>
+        </a:solidFill>
+        <a:effectLst/>
+      </p:bgPr>
+    </p:bg>
+    <p:spTree>
+      <p:nvGrpSpPr>
+        <p:cNvPr id="1" name=""/>
+        <p:cNvGrpSpPr/>
+        <p:nvPr/>
+      </p:nvGrpSpPr>
+      <p:grpSpPr>
+        <a:xfrm>
+          <a:off x="0" y="0"/>
+          <a:ext cx="0" cy="0"/>
+          <a:chOff x="0" y="0"/>
+          <a:chExt cx="0" cy="0"/>
+        </a:xfrm>
+      </p:grpSpPr>
+      <p:sp useBgFill="1">
+        <p:nvSpPr>
+          <p:cNvPr id="12" name="Rectangle 11">
+            <a:extLst>
+              <a:ext uri="{FF2B5EF4-FFF2-40B4-BE49-F238E27FC236}">
+                <a16:creationId xmlns:a16="http://schemas.microsoft.com/office/drawing/2014/main" id="{08264824-BFB8-4F42-B863-B2A46E2B02F5}"/>
+              </a:ext>
+              <a:ext uri="{C183D7F6-B498-43B3-948B-1728B52AA6E4}">
+                <adec:decorative xmlns:adec="http://schemas.microsoft.com/office/drawing/2017/decorative" val="1"/>
+              </a:ext>
+            </a:extLst>
+          </p:cNvPr>
+          <p:cNvSpPr>
+            <a:spLocks noGrp="1" noRot="1" noChangeAspect="1" noMove="1" noResize="1" noEditPoints="1" noAdjustHandles="1" noChangeArrowheads="1" noChangeShapeType="1" noTextEdit="1"/>
+          </p:cNvSpPr>
+          <p:nvPr>
+            <p:extLst>
+              <p:ext uri="{386F3935-93C4-4BCD-93E2-E3B085C9AB24}">
+                <p16:designElem xmlns:p16="http://schemas.microsoft.com/office/powerpoint/2015/main" val="1"/>
+              </p:ext>
+            </p:extLst>
+          </p:nvPr>
+        </p:nvSpPr>
+        <p:spPr>
+          <a:xfrm>
+            <a:off x="0" y="0"/>
+            <a:ext cx="12192000" cy="6858000"/>
+          </a:xfrm>
+          <a:prstGeom prst="rect">
+            <a:avLst/>
+          </a:prstGeom>
+          <a:ln w="12700" cap="flat" cmpd="sng" algn="ctr">
+            <a:noFill/>
+            <a:prstDash val="solid"/>
+            <a:miter lim="800000"/>
+          </a:ln>
+          <a:effectLst/>
+          <a:extLst>
+            <a:ext uri="{91240B29-F687-4F45-9708-019B960494DF}">
+              <a14:hiddenLine xmlns:a14="http://schemas.microsoft.com/office/drawing/2010/main" w="12700" cap="flat" cmpd="sng" algn="ctr">
+                <a:solidFill>
+                  <a:schemeClr val="accent1">
+                    <a:shade val="50000"/>
+                  </a:schemeClr>
+                </a:solidFill>
+                <a:prstDash val="solid"/>
+                <a:miter lim="800000"/>
+              </a14:hiddenLine>
+            </a:ext>
+          </a:extLst>
+        </p:spPr>
+        <p:style>
+          <a:lnRef idx="2">
+            <a:schemeClr val="accent1">
+              <a:shade val="50000"/>
+            </a:schemeClr>
+          </a:lnRef>
+          <a:fillRef idx="1">
+            <a:schemeClr val="accent1"/>
+          </a:fillRef>
+          <a:effectRef idx="0">
+            <a:schemeClr val="accent1"/>
+          </a:effectRef>
+          <a:fontRef idx="minor">
+            <a:schemeClr val="lt1"/>
+          </a:fontRef>
+        </p:style>
+        <p:txBody>
+          <a:bodyPr rtlCol="0" anchor="ctr"/>
+          <a:lstStyle/>
+          <a:p>
+            <a:pPr algn="ctr"/>
+            <a:endParaRPr lang="en-US"/>
+          </a:p>
+        </p:txBody>
+      </p:sp>
+      <p:sp>
+        <p:nvSpPr>
+          <p:cNvPr id="2" name="Titre 1">
+            <a:extLst>
+              <a:ext uri="{FF2B5EF4-FFF2-40B4-BE49-F238E27FC236}">
+                <a16:creationId xmlns:a16="http://schemas.microsoft.com/office/drawing/2014/main" id="{6031BBED-8E23-4C0E-8AF5-B316EA272F61}"/>
+              </a:ext>
+            </a:extLst>
+          </p:cNvPr>
+          <p:cNvSpPr>
+            <a:spLocks noGrp="1"/>
+          </p:cNvSpPr>
+          <p:nvPr>
+            <p:ph type="title"/>
+          </p:nvPr>
+        </p:nvSpPr>
+        <p:spPr>
+          <a:xfrm>
+            <a:off x="448056" y="388800"/>
+            <a:ext cx="4694400" cy="1141200"/>
+          </a:xfrm>
+        </p:spPr>
+        <p:txBody>
+          <a:bodyPr>
+            <a:normAutofit/>
+          </a:bodyPr>
+          <a:lstStyle/>
+          <a:p>
+            <a:r>
+              <a:rPr lang="fr-FR" dirty="0"/>
+              <a:t>(Salim) 	</a:t>
+            </a:r>
+            <a:br>
+              <a:rPr lang="fr-FR" dirty="0"/>
+            </a:br>
+            <a:r>
+              <a:rPr lang="fr-FR" dirty="0"/>
+              <a:t>Création de la page Ecole </a:t>
+            </a:r>
+          </a:p>
+        </p:txBody>
+      </p:sp>
+      <p:cxnSp>
+        <p:nvCxnSpPr>
+          <p:cNvPr id="14" name="Straight Connector 13">
+            <a:extLst>
+              <a:ext uri="{FF2B5EF4-FFF2-40B4-BE49-F238E27FC236}">
+                <a16:creationId xmlns:a16="http://schemas.microsoft.com/office/drawing/2014/main" id="{7F935FD8-9F2E-4F15-8ED9-1C692DA6F351}"/>
+              </a:ext>
+              <a:ext uri="{C183D7F6-B498-43B3-948B-1728B52AA6E4}">
+                <adec:decorative xmlns:adec="http://schemas.microsoft.com/office/drawing/2017/decorative" val="1"/>
+              </a:ext>
+            </a:extLst>
+          </p:cNvPr>
+          <p:cNvCxnSpPr>
+            <a:cxnSpLocks noGrp="1" noRot="1" noChangeAspect="1" noMove="1" noResize="1" noEditPoints="1" noAdjustHandles="1" noChangeArrowheads="1" noChangeShapeType="1"/>
+          </p:cNvCxnSpPr>
+          <p:nvPr>
+            <p:extLst>
+              <p:ext uri="{386F3935-93C4-4BCD-93E2-E3B085C9AB24}">
+                <p16:designElem xmlns:p16="http://schemas.microsoft.com/office/powerpoint/2015/main" val="1"/>
+              </p:ext>
+            </p:extLst>
+          </p:nvPr>
+        </p:nvCxnSpPr>
+        <p:spPr>
+          <a:xfrm>
+            <a:off x="5616000" y="450000"/>
+            <a:ext cx="0" cy="1177200"/>
+          </a:xfrm>
+          <a:prstGeom prst="line">
+            <a:avLst/>
+          </a:prstGeom>
+          <a:ln>
+            <a:solidFill>
+              <a:schemeClr val="tx2"/>
+            </a:solidFill>
+          </a:ln>
+        </p:spPr>
+        <p:style>
+          <a:lnRef idx="1">
+            <a:schemeClr val="accent1"/>
+          </a:lnRef>
+          <a:fillRef idx="0">
+            <a:schemeClr val="accent1"/>
+          </a:fillRef>
+          <a:effectRef idx="0">
+            <a:schemeClr val="accent1"/>
+          </a:effectRef>
+          <a:fontRef idx="minor">
+            <a:schemeClr val="tx1"/>
+          </a:fontRef>
+        </p:style>
+      </p:cxnSp>
+      <p:sp>
+        <p:nvSpPr>
+          <p:cNvPr id="9" name="Content Placeholder 8">
+            <a:extLst>
+              <a:ext uri="{FF2B5EF4-FFF2-40B4-BE49-F238E27FC236}">
+                <a16:creationId xmlns:a16="http://schemas.microsoft.com/office/drawing/2014/main" id="{67B16012-967B-4149-A634-1F7DD6B871F1}"/>
+              </a:ext>
+            </a:extLst>
+          </p:cNvPr>
+          <p:cNvSpPr>
+            <a:spLocks noGrp="1"/>
+          </p:cNvSpPr>
+          <p:nvPr>
+            <p:ph idx="1"/>
+          </p:nvPr>
+        </p:nvSpPr>
+        <p:spPr>
+          <a:xfrm>
+            <a:off x="6094800" y="323999"/>
+            <a:ext cx="5184000" cy="1303200"/>
+          </a:xfrm>
+        </p:spPr>
+        <p:txBody>
+          <a:bodyPr>
+            <a:normAutofit/>
+          </a:bodyPr>
+          <a:lstStyle/>
+          <a:p>
+            <a:r>
+              <a:rPr lang="en-US" dirty="0"/>
+              <a:t>Recherche sur Internet </a:t>
+            </a:r>
+          </a:p>
+          <a:p>
+            <a:endParaRPr lang="en-US" dirty="0"/>
+          </a:p>
+        </p:txBody>
+      </p:sp>
+      <p:pic>
+        <p:nvPicPr>
+          <p:cNvPr id="5" name="Espace réservé du contenu 4">
+            <a:extLst>
+              <a:ext uri="{FF2B5EF4-FFF2-40B4-BE49-F238E27FC236}">
+                <a16:creationId xmlns:a16="http://schemas.microsoft.com/office/drawing/2014/main" id="{03982432-D5FA-4D92-AE5A-61BF6070FDA1}"/>
+              </a:ext>
+            </a:extLst>
+          </p:cNvPr>
+          <p:cNvPicPr>
+            <a:picLocks noChangeAspect="1"/>
+          </p:cNvPicPr>
+          <p:nvPr/>
+        </p:nvPicPr>
+        <p:blipFill rotWithShape="1">
+          <a:blip r:embed="rId2"/>
+          <a:srcRect r="1544" b="-1"/>
+          <a:stretch/>
+        </p:blipFill>
+        <p:spPr>
+          <a:xfrm>
+            <a:off x="449997" y="1844675"/>
+            <a:ext cx="10843200" cy="4570525"/>
+          </a:xfrm>
+          <a:prstGeom prst="rect">
+            <a:avLst/>
+          </a:prstGeom>
+        </p:spPr>
+      </p:pic>
+    </p:spTree>
+    <p:extLst>
+      <p:ext uri="{BB962C8B-B14F-4D97-AF65-F5344CB8AC3E}">
+        <p14:creationId xmlns:p14="http://schemas.microsoft.com/office/powerpoint/2010/main" val="4006638164"/>
+      </p:ext>
+    </p:extLst>
+  </p:cSld>
+  <p:clrMapOvr>
+    <a:masterClrMapping/>
+  </p:clrMapOvr>
+</p:sld>
+</file>
+
 <file path=ppt/theme/theme1.xml><?xml version="1.0" encoding="utf-8"?>
-<a:theme xmlns:a="http://schemas.openxmlformats.org/drawingml/2006/main" name="Thème Office">
+<a:theme xmlns:a="http://schemas.openxmlformats.org/drawingml/2006/main" name="ThinLineVTI">
   <a:themeElements>
-    <a:clrScheme name="Office">
+    <a:clrScheme name="AnalogousFromDarkSeedLeftStep">
       <a:dk1>
-        <a:sysClr val="windowText" lastClr="000000"/>
+        <a:srgbClr val="000000"/>
       </a:dk1>
       <a:lt1>
-        <a:sysClr val="window" lastClr="FFFFFF"/>
+        <a:srgbClr val="FFFFFF"/>
       </a:lt1>
       <a:dk2>
-        <a:srgbClr val="44546A"/>
+        <a:srgbClr val="1B2430"/>
       </a:dk2>
       <a:lt2>
-        <a:srgbClr val="E7E6E6"/>
+        <a:srgbClr val="F0F3F1"/>
       </a:lt2>
       <a:accent1>
-        <a:srgbClr val="4472C4"/>
+        <a:srgbClr val="D739B7"/>
       </a:accent1>
       <a:accent2>
-        <a:srgbClr val="ED7D31"/>
+        <a:srgbClr val="A327C5"/>
       </a:accent2>
       <a:accent3>
-        <a:srgbClr val="A5A5A5"/>
+        <a:srgbClr val="7339D7"/>
       </a:accent3>
       <a:accent4>
-        <a:srgbClr val="FFC000"/>
+        <a:srgbClr val="373EC9"/>
       </a:accent4>
       <a:accent5>
-        <a:srgbClr val="5B9BD5"/>
+        <a:srgbClr val="3983D7"/>
       </a:accent5>
       <a:accent6>
-        <a:srgbClr val="70AD47"/>
+        <a:srgbClr val="27B2C5"/>
       </a:accent6>
       <a:hlink>
-        <a:srgbClr val="0563C1"/>
+        <a:srgbClr val="3F65BF"/>
       </a:hlink>
       <a:folHlink>
-        <a:srgbClr val="954F72"/>
+        <a:srgbClr val="7F7F7F"/>
       </a:folHlink>
     </a:clrScheme>
-    <a:fontScheme name="Office">
+    <a:fontScheme name="Custom 3">
       <a:majorFont>
-        <a:latin typeface="Calibri Light" panose="020F0302020204030204"/>
+        <a:latin typeface="Source Sans Pro Light"/>
         <a:ea typeface=""/>
         <a:cs typeface=""/>
-        <a:font script="Jpan" typeface="游ゴシック Light"/>
-        <a:font script="Hang" typeface="맑은 고딕"/>
-        <a:font script="Hans" typeface="等线 Light"/>
-        <a:font script="Hant" typeface="新細明體"/>
-        <a:font script="Arab" typeface="Times New Roman"/>
-        <a:font script="Hebr" typeface="Times New Roman"/>
-        <a:font script="Thai" typeface="Angsana New"/>
-        <a:font script="Ethi" typeface="Nyala"/>
-        <a:font script="Beng" typeface="Vrinda"/>
-        <a:font script="Gujr" typeface="Shruti"/>
-        <a:font script="Khmr" typeface="MoolBoran"/>
-        <a:font script="Knda" typeface="Tunga"/>
-        <a:font script="Guru" typeface="Raavi"/>
-        <a:font script="Cans" typeface="Euphemia"/>
-        <a:font script="Cher" typeface="Plantagenet Cherokee"/>
-        <a:font script="Yiii" typeface="Microsoft Yi Baiti"/>
-        <a:font script="Tibt" typeface="Microsoft Himalaya"/>
-        <a:font script="Thaa" typeface="MV Boli"/>
-        <a:font script="Deva" typeface="Mangal"/>
-        <a:font script="Telu" typeface="Gautami"/>
-        <a:font script="Taml" typeface="Latha"/>
-        <a:font script="Syrc" typeface="Estrangelo Edessa"/>
-        <a:font script="Orya" typeface="Kalinga"/>
-        <a:font script="Mlym" typeface="Kartika"/>
-        <a:font script="Laoo" typeface="DokChampa"/>
-        <a:font script="Sinh" typeface="Iskoola Pota"/>
-        <a:font script="Mong" typeface="Mongolian Baiti"/>
-        <a:font script="Viet" typeface="Times New Roman"/>
-        <a:font script="Uigh" typeface="Microsoft Uighur"/>
-        <a:font script="Geor" typeface="Sylfaen"/>
-        <a:font script="Armn" typeface="Arial"/>
-        <a:font script="Bugi" typeface="Leelawadee UI"/>
-        <a:font script="Bopo" typeface="Microsoft JhengHei"/>
-        <a:font script="Java" typeface="Javanese Text"/>
-        <a:font script="Lisu" typeface="Segoe UI"/>
-        <a:font script="Mymr" typeface="Myanmar Text"/>
-        <a:font script="Nkoo" typeface="Ebrima"/>
-        <a:font script="Olck" typeface="Nirmala UI"/>
-        <a:font script="Osma" typeface="Ebrima"/>
-        <a:font script="Phag" typeface="Phagspa"/>
-        <a:font script="Syrn" typeface="Estrangelo Edessa"/>
-        <a:font script="Syrj" typeface="Estrangelo Edessa"/>
-        <a:font script="Syre" typeface="Estrangelo Edessa"/>
-        <a:font script="Sora" typeface="Nirmala UI"/>
-        <a:font script="Tale" typeface="Microsoft Tai Le"/>
-        <a:font script="Talu" typeface="Microsoft New Tai Lue"/>
-        <a:font script="Tfng" typeface="Ebrima"/>
       </a:majorFont>
       <a:minorFont>
-        <a:latin typeface="Calibri" panose="020F0502020204030204"/>
+        <a:latin typeface="Source Sans Pro"/>
         <a:ea typeface=""/>
         <a:cs typeface=""/>
-        <a:font script="Jpan" typeface="游ゴシック"/>
-        <a:font script="Hang" typeface="맑은 고딕"/>
-        <a:font script="Hans" typeface="等线"/>
-        <a:font script="Hant" typeface="新細明體"/>
-        <a:font script="Arab" typeface="Arial"/>
-        <a:font script="Hebr" typeface="Arial"/>
-        <a:font script="Thai" typeface="Cordia New"/>
-        <a:font script="Ethi" typeface="Nyala"/>
-        <a:font script="Beng" typeface="Vrinda"/>
-        <a:font script="Gujr" typeface="Shruti"/>
-        <a:font script="Khmr" typeface="DaunPenh"/>
-        <a:font script="Knda" typeface="Tunga"/>
-        <a:font script="Guru" typeface="Raavi"/>
-        <a:font script="Cans" typeface="Euphemia"/>
-        <a:font script="Cher" typeface="Plantagenet Cherokee"/>
-        <a:font script="Yiii" typeface="Microsoft Yi Baiti"/>
-        <a:font script="Tibt" typeface="Microsoft Himalaya"/>
-        <a:font script="Thaa" typeface="MV Boli"/>
-        <a:font script="Deva" typeface="Mangal"/>
-        <a:font script="Telu" typeface="Gautami"/>
-        <a:font script="Taml" typeface="Latha"/>
-        <a:font script="Syrc" typeface="Estrangelo Edessa"/>
-        <a:font script="Orya" typeface="Kalinga"/>
-        <a:font script="Mlym" typeface="Kartika"/>
-        <a:font script="Laoo" typeface="DokChampa"/>
-        <a:font script="Sinh" typeface="Iskoola Pota"/>
-        <a:font script="Mong" typeface="Mongolian Baiti"/>
-        <a:font script="Viet" typeface="Arial"/>
-        <a:font script="Uigh" typeface="Microsoft Uighur"/>
-        <a:font script="Geor" typeface="Sylfaen"/>
-        <a:font script="Armn" typeface="Arial"/>
-        <a:font script="Bugi" typeface="Leelawadee UI"/>
-        <a:font script="Bopo" typeface="Microsoft JhengHei"/>
-        <a:font script="Java" typeface="Javanese Text"/>
-        <a:font script="Lisu" typeface="Segoe UI"/>
-        <a:font script="Mymr" typeface="Myanmar Text"/>
-        <a:font script="Nkoo" typeface="Ebrima"/>
-        <a:font script="Olck" typeface="Nirmala UI"/>
-        <a:font script="Osma" typeface="Ebrima"/>
-        <a:font script="Phag" typeface="Phagspa"/>
-        <a:font script="Syrn" typeface="Estrangelo Edessa"/>
-        <a:font script="Syrj" typeface="Estrangelo Edessa"/>
-        <a:font script="Syre" typeface="Estrangelo Edessa"/>
-        <a:font script="Sora" typeface="Nirmala UI"/>
-        <a:font script="Tale" typeface="Microsoft Tai Le"/>
-        <a:font script="Talu" typeface="Microsoft New Tai Lue"/>
-        <a:font script="Tfng" typeface="Ebrima"/>
       </a:minorFont>
     </a:fontScheme>
-    <a:fmtScheme name="Office">
+    <a:fmtScheme name="Subtle Solids">
       <a:fillStyleLst>
         <a:solidFill>
           <a:schemeClr val="phClr"/>
         </a:solidFill>
-        <a:gradFill rotWithShape="1">
-          <a:gsLst>
-            <a:gs pos="0">
-              <a:schemeClr val="phClr">
-                <a:lumMod val="110000"/>
-                <a:satMod val="105000"/>
-                <a:tint val="67000"/>
-              </a:schemeClr>
-            </a:gs>
-            <a:gs pos="50000">
-              <a:schemeClr val="phClr">
-                <a:lumMod val="105000"/>
-                <a:satMod val="103000"/>
-                <a:tint val="73000"/>
-              </a:schemeClr>
-            </a:gs>
-            <a:gs pos="100000">
-              <a:schemeClr val="phClr">
-                <a:lumMod val="105000"/>
-                <a:satMod val="109000"/>
-                <a:tint val="81000"/>
-              </a:schemeClr>
-            </a:gs>
-          </a:gsLst>
-          <a:lin ang="5400000" scaled="0"/>
-        </a:gradFill>
-        <a:gradFill rotWithShape="1">
-          <a:gsLst>
-            <a:gs pos="0">
-              <a:schemeClr val="phClr">
-                <a:satMod val="103000"/>
-                <a:lumMod val="102000"/>
-                <a:tint val="94000"/>
-              </a:schemeClr>
-            </a:gs>
-            <a:gs pos="50000">
-              <a:schemeClr val="phClr">
-                <a:satMod val="110000"/>
-                <a:lumMod val="100000"/>
-                <a:shade val="100000"/>
-              </a:schemeClr>
-            </a:gs>
-            <a:gs pos="100000">
-              <a:schemeClr val="phClr">
-                <a:lumMod val="99000"/>
-                <a:satMod val="120000"/>
-                <a:shade val="78000"/>
-              </a:schemeClr>
-            </a:gs>
-          </a:gsLst>
-          <a:lin ang="5400000" scaled="0"/>
-        </a:gradFill>
+        <a:solidFill>
+          <a:schemeClr val="phClr">
+            <a:tint val="65000"/>
+          </a:schemeClr>
+        </a:solidFill>
+        <a:solidFill>
+          <a:schemeClr val="phClr">
+            <a:shade val="80000"/>
+            <a:satMod val="150000"/>
+          </a:schemeClr>
+        </a:solidFill>
       </a:fillStyleLst>
       <a:lnStyleLst>
-        <a:ln w="6350" cap="flat" cmpd="sng" algn="ctr">
+        <a:ln w="9525" cap="flat" cmpd="sng" algn="ctr">
           <a:solidFill>
             <a:schemeClr val="phClr"/>
           </a:solidFill>
           <a:prstDash val="solid"/>
-          <a:miter lim="800000"/>
         </a:ln>
-        <a:ln w="12700" cap="flat" cmpd="sng" algn="ctr">
+        <a:ln w="10795" cap="flat" cmpd="sng" algn="ctr">
           <a:solidFill>
             <a:schemeClr val="phClr"/>
           </a:solidFill>
           <a:prstDash val="solid"/>
-          <a:miter lim="800000"/>
         </a:ln>
-        <a:ln w="19050" cap="flat" cmpd="sng" algn="ctr">
+        <a:ln w="17145" cap="flat" cmpd="sng" algn="ctr">
           <a:solidFill>
-            <a:schemeClr val="phClr"/>
+            <a:schemeClr val="phClr">
+              <a:shade val="95000"/>
+              <a:alpha val="50000"/>
+              <a:satMod val="150000"/>
+            </a:schemeClr>
           </a:solidFill>
           <a:prstDash val="solid"/>
-          <a:miter lim="800000"/>
         </a:ln>
       </a:lnStyleLst>
       <a:effectStyleLst>
@@ -3624,12 +4595,21 @@
         </a:effectStyle>
         <a:effectStyle>
           <a:effectLst>
-            <a:outerShdw blurRad="57150" dist="19050" dir="5400000" algn="ctr" rotWithShape="0">
+            <a:outerShdw blurRad="44450" dist="13970" dir="5400000" algn="ctr" rotWithShape="0">
               <a:srgbClr val="000000">
-                <a:alpha val="63000"/>
+                <a:alpha val="45000"/>
               </a:srgbClr>
             </a:outerShdw>
           </a:effectLst>
+          <a:scene3d>
+            <a:camera prst="orthographicFront">
+              <a:rot lat="0" lon="0" rev="0"/>
+            </a:camera>
+            <a:lightRig rig="twoPt" dir="tl"/>
+          </a:scene3d>
+          <a:sp3d prstMaterial="flat">
+            <a:bevelT w="12700" h="25400" prst="coolSlant"/>
+          </a:sp3d>
         </a:effectStyle>
       </a:effectStyleLst>
       <a:bgFillStyleLst>
@@ -3676,7 +4656,7 @@
   <a:extraClrSchemeLst/>
   <a:extLst>
     <a:ext uri="{05A4C25C-085E-4340-85A3-A5531E510DB2}">
-      <thm15:themeFamily xmlns:thm15="http://schemas.microsoft.com/office/thememl/2012/main" name="Office Theme" id="{62F939B6-93AF-4DB8-9C6B-D6C7DFDC589F}" vid="{4A3C46E8-61CC-4603-A589-7422A47A8E4A}"/>
+      <thm15:themeFamily xmlns:thm15="http://schemas.microsoft.com/office/thememl/2012/main" name="ThinLineVTI" id="{DA2A884B-D36C-4F63-9FE8-3C89F2B99A40}" vid="{62C1F77B-42AE-47B9-869B-5CE48C8ED844}"/>
     </a:ext>
   </a:extLst>
 </a:theme>

--- a/Powerpoint.pptx
+++ b/Powerpoint.pptx
@@ -8,7 +8,11 @@
     <p:sldId id="256" r:id="rId2"/>
     <p:sldId id="257" r:id="rId3"/>
     <p:sldId id="259" r:id="rId4"/>
-    <p:sldId id="258" r:id="rId5"/>
+    <p:sldId id="262" r:id="rId5"/>
+    <p:sldId id="258" r:id="rId6"/>
+    <p:sldId id="260" r:id="rId7"/>
+    <p:sldId id="261" r:id="rId8"/>
+    <p:sldId id="263" r:id="rId9"/>
   </p:sldIdLst>
   <p:sldSz cx="12192000" cy="6858000"/>
   <p:notesSz cx="6858000" cy="9144000"/>
@@ -4220,6 +4224,89 @@
 <file path=ppt/slides/slide4.xml><?xml version="1.0" encoding="utf-8"?>
 <p:sld xmlns:a="http://schemas.openxmlformats.org/drawingml/2006/main" xmlns:r="http://schemas.openxmlformats.org/officeDocument/2006/relationships" xmlns:p="http://schemas.openxmlformats.org/presentationml/2006/main">
   <p:cSld>
+    <p:spTree>
+      <p:nvGrpSpPr>
+        <p:cNvPr id="1" name=""/>
+        <p:cNvGrpSpPr/>
+        <p:nvPr/>
+      </p:nvGrpSpPr>
+      <p:grpSpPr>
+        <a:xfrm>
+          <a:off x="0" y="0"/>
+          <a:ext cx="0" cy="0"/>
+          <a:chOff x="0" y="0"/>
+          <a:chExt cx="0" cy="0"/>
+        </a:xfrm>
+      </p:grpSpPr>
+      <p:sp>
+        <p:nvSpPr>
+          <p:cNvPr id="2" name="Titre 1">
+            <a:extLst>
+              <a:ext uri="{FF2B5EF4-FFF2-40B4-BE49-F238E27FC236}">
+                <a16:creationId xmlns:a16="http://schemas.microsoft.com/office/drawing/2014/main" id="{7F357055-4F0D-4438-9401-2F30282F269C}"/>
+              </a:ext>
+            </a:extLst>
+          </p:cNvPr>
+          <p:cNvSpPr>
+            <a:spLocks noGrp="1"/>
+          </p:cNvSpPr>
+          <p:nvPr>
+            <p:ph type="title"/>
+          </p:nvPr>
+        </p:nvSpPr>
+        <p:spPr/>
+        <p:txBody>
+          <a:bodyPr/>
+          <a:lstStyle/>
+          <a:p>
+            <a:r>
+              <a:rPr lang="fr-FR" dirty="0"/>
+              <a:t>Parti Clara</a:t>
+            </a:r>
+          </a:p>
+        </p:txBody>
+      </p:sp>
+      <p:sp>
+        <p:nvSpPr>
+          <p:cNvPr id="3" name="Espace réservé du contenu 2">
+            <a:extLst>
+              <a:ext uri="{FF2B5EF4-FFF2-40B4-BE49-F238E27FC236}">
+                <a16:creationId xmlns:a16="http://schemas.microsoft.com/office/drawing/2014/main" id="{0847074A-91CD-4F76-AC85-971EBB12C5F7}"/>
+              </a:ext>
+            </a:extLst>
+          </p:cNvPr>
+          <p:cNvSpPr>
+            <a:spLocks noGrp="1"/>
+          </p:cNvSpPr>
+          <p:nvPr>
+            <p:ph idx="1"/>
+          </p:nvPr>
+        </p:nvSpPr>
+        <p:spPr/>
+        <p:txBody>
+          <a:bodyPr/>
+          <a:lstStyle/>
+          <a:p>
+            <a:endParaRPr lang="fr-FR"/>
+          </a:p>
+        </p:txBody>
+      </p:sp>
+    </p:spTree>
+    <p:extLst>
+      <p:ext uri="{BB962C8B-B14F-4D97-AF65-F5344CB8AC3E}">
+        <p14:creationId xmlns:p14="http://schemas.microsoft.com/office/powerpoint/2010/main" val="2975665321"/>
+      </p:ext>
+    </p:extLst>
+  </p:cSld>
+  <p:clrMapOvr>
+    <a:masterClrMapping/>
+  </p:clrMapOvr>
+</p:sld>
+</file>
+
+<file path=ppt/slides/slide5.xml><?xml version="1.0" encoding="utf-8"?>
+<p:sld xmlns:a="http://schemas.openxmlformats.org/drawingml/2006/main" xmlns:r="http://schemas.openxmlformats.org/officeDocument/2006/relationships" xmlns:p="http://schemas.openxmlformats.org/presentationml/2006/main">
+  <p:cSld>
     <p:bg>
       <p:bgPr>
         <a:solidFill>
@@ -4483,6 +4570,726 @@
     <p:extLst>
       <p:ext uri="{BB962C8B-B14F-4D97-AF65-F5344CB8AC3E}">
         <p14:creationId xmlns:p14="http://schemas.microsoft.com/office/powerpoint/2010/main" val="4006638164"/>
+      </p:ext>
+    </p:extLst>
+  </p:cSld>
+  <p:clrMapOvr>
+    <a:masterClrMapping/>
+  </p:clrMapOvr>
+</p:sld>
+</file>
+
+<file path=ppt/slides/slide6.xml><?xml version="1.0" encoding="utf-8"?>
+<p:sld xmlns:a="http://schemas.openxmlformats.org/drawingml/2006/main" xmlns:r="http://schemas.openxmlformats.org/officeDocument/2006/relationships" xmlns:p="http://schemas.openxmlformats.org/presentationml/2006/main">
+  <p:cSld>
+    <p:bg>
+      <p:bgPr>
+        <a:solidFill>
+          <a:schemeClr val="bg2"/>
+        </a:solidFill>
+        <a:effectLst/>
+      </p:bgPr>
+    </p:bg>
+    <p:spTree>
+      <p:nvGrpSpPr>
+        <p:cNvPr id="1" name=""/>
+        <p:cNvGrpSpPr/>
+        <p:nvPr/>
+      </p:nvGrpSpPr>
+      <p:grpSpPr>
+        <a:xfrm>
+          <a:off x="0" y="0"/>
+          <a:ext cx="0" cy="0"/>
+          <a:chOff x="0" y="0"/>
+          <a:chExt cx="0" cy="0"/>
+        </a:xfrm>
+      </p:grpSpPr>
+      <p:sp useBgFill="1">
+        <p:nvSpPr>
+          <p:cNvPr id="16" name="Rectangle 11">
+            <a:extLst>
+              <a:ext uri="{FF2B5EF4-FFF2-40B4-BE49-F238E27FC236}">
+                <a16:creationId xmlns:a16="http://schemas.microsoft.com/office/drawing/2014/main" id="{1399859F-F366-4AF3-B2CF-491BC512B06E}"/>
+              </a:ext>
+              <a:ext uri="{C183D7F6-B498-43B3-948B-1728B52AA6E4}">
+                <adec:decorative xmlns:adec="http://schemas.microsoft.com/office/drawing/2017/decorative" val="1"/>
+              </a:ext>
+            </a:extLst>
+          </p:cNvPr>
+          <p:cNvSpPr>
+            <a:spLocks noGrp="1" noRot="1" noChangeAspect="1" noMove="1" noResize="1" noEditPoints="1" noAdjustHandles="1" noChangeArrowheads="1" noChangeShapeType="1" noTextEdit="1"/>
+          </p:cNvSpPr>
+          <p:nvPr>
+            <p:extLst>
+              <p:ext uri="{386F3935-93C4-4BCD-93E2-E3B085C9AB24}">
+                <p16:designElem xmlns:p16="http://schemas.microsoft.com/office/powerpoint/2015/main" val="1"/>
+              </p:ext>
+            </p:extLst>
+          </p:nvPr>
+        </p:nvSpPr>
+        <p:spPr>
+          <a:xfrm>
+            <a:off x="0" y="0"/>
+            <a:ext cx="12192000" cy="6858000"/>
+          </a:xfrm>
+          <a:prstGeom prst="rect">
+            <a:avLst/>
+          </a:prstGeom>
+          <a:ln w="12700" cap="flat" cmpd="sng" algn="ctr">
+            <a:noFill/>
+            <a:prstDash val="solid"/>
+            <a:miter lim="800000"/>
+          </a:ln>
+          <a:effectLst/>
+          <a:extLst>
+            <a:ext uri="{91240B29-F687-4F45-9708-019B960494DF}">
+              <a14:hiddenLine xmlns:a14="http://schemas.microsoft.com/office/drawing/2010/main" w="12700" cap="flat" cmpd="sng" algn="ctr">
+                <a:solidFill>
+                  <a:schemeClr val="accent1">
+                    <a:shade val="50000"/>
+                  </a:schemeClr>
+                </a:solidFill>
+                <a:prstDash val="solid"/>
+                <a:miter lim="800000"/>
+              </a14:hiddenLine>
+            </a:ext>
+          </a:extLst>
+        </p:spPr>
+        <p:style>
+          <a:lnRef idx="2">
+            <a:schemeClr val="accent1">
+              <a:shade val="50000"/>
+            </a:schemeClr>
+          </a:lnRef>
+          <a:fillRef idx="1">
+            <a:schemeClr val="accent1"/>
+          </a:fillRef>
+          <a:effectRef idx="0">
+            <a:schemeClr val="accent1"/>
+          </a:effectRef>
+          <a:fontRef idx="minor">
+            <a:schemeClr val="lt1"/>
+          </a:fontRef>
+        </p:style>
+        <p:txBody>
+          <a:bodyPr rtlCol="0" anchor="ctr"/>
+          <a:lstStyle/>
+          <a:p>
+            <a:pPr algn="ctr"/>
+            <a:endParaRPr lang="en-US"/>
+          </a:p>
+        </p:txBody>
+      </p:sp>
+      <p:sp>
+        <p:nvSpPr>
+          <p:cNvPr id="2" name="Titre 1">
+            <a:extLst>
+              <a:ext uri="{FF2B5EF4-FFF2-40B4-BE49-F238E27FC236}">
+                <a16:creationId xmlns:a16="http://schemas.microsoft.com/office/drawing/2014/main" id="{B216C74B-0F53-4892-A581-35BAB8BE0530}"/>
+              </a:ext>
+            </a:extLst>
+          </p:cNvPr>
+          <p:cNvSpPr>
+            <a:spLocks noGrp="1"/>
+          </p:cNvSpPr>
+          <p:nvPr>
+            <p:ph type="title"/>
+          </p:nvPr>
+        </p:nvSpPr>
+        <p:spPr>
+          <a:xfrm>
+            <a:off x="448056" y="388800"/>
+            <a:ext cx="4694400" cy="2826000"/>
+          </a:xfrm>
+        </p:spPr>
+        <p:txBody>
+          <a:bodyPr>
+            <a:normAutofit/>
+          </a:bodyPr>
+          <a:lstStyle/>
+          <a:p>
+            <a:r>
+              <a:rPr lang="fr-FR"/>
+              <a:t>(Salim)</a:t>
+            </a:r>
+            <a:br>
+              <a:rPr lang="fr-FR"/>
+            </a:br>
+            <a:r>
+              <a:rPr lang="fr-FR"/>
+              <a:t>Page Cours</a:t>
+            </a:r>
+            <a:endParaRPr lang="fr-FR" dirty="0"/>
+          </a:p>
+        </p:txBody>
+      </p:sp>
+      <p:cxnSp>
+        <p:nvCxnSpPr>
+          <p:cNvPr id="17" name="Straight Connector 13">
+            <a:extLst>
+              <a:ext uri="{FF2B5EF4-FFF2-40B4-BE49-F238E27FC236}">
+                <a16:creationId xmlns:a16="http://schemas.microsoft.com/office/drawing/2014/main" id="{7F935FD8-9F2E-4F15-8ED9-1C692DA6F351}"/>
+              </a:ext>
+              <a:ext uri="{C183D7F6-B498-43B3-948B-1728B52AA6E4}">
+                <adec:decorative xmlns:adec="http://schemas.microsoft.com/office/drawing/2017/decorative" val="1"/>
+              </a:ext>
+            </a:extLst>
+          </p:cNvPr>
+          <p:cNvCxnSpPr>
+            <a:cxnSpLocks noGrp="1" noRot="1" noChangeAspect="1" noMove="1" noResize="1" noEditPoints="1" noAdjustHandles="1" noChangeArrowheads="1" noChangeShapeType="1"/>
+          </p:cNvCxnSpPr>
+          <p:nvPr>
+            <p:extLst>
+              <p:ext uri="{386F3935-93C4-4BCD-93E2-E3B085C9AB24}">
+                <p16:designElem xmlns:p16="http://schemas.microsoft.com/office/powerpoint/2015/main" val="1"/>
+              </p:ext>
+            </p:extLst>
+          </p:nvPr>
+        </p:nvCxnSpPr>
+        <p:spPr>
+          <a:xfrm>
+            <a:off x="5616000" y="450000"/>
+            <a:ext cx="0" cy="2764800"/>
+          </a:xfrm>
+          <a:prstGeom prst="line">
+            <a:avLst/>
+          </a:prstGeom>
+          <a:ln>
+            <a:solidFill>
+              <a:schemeClr val="tx2"/>
+            </a:solidFill>
+          </a:ln>
+        </p:spPr>
+        <p:style>
+          <a:lnRef idx="1">
+            <a:schemeClr val="accent1"/>
+          </a:lnRef>
+          <a:fillRef idx="0">
+            <a:schemeClr val="accent1"/>
+          </a:fillRef>
+          <a:effectRef idx="0">
+            <a:schemeClr val="accent1"/>
+          </a:effectRef>
+          <a:fontRef idx="minor">
+            <a:schemeClr val="tx1"/>
+          </a:fontRef>
+        </p:style>
+      </p:cxnSp>
+      <p:sp>
+        <p:nvSpPr>
+          <p:cNvPr id="3" name="Espace réservé du contenu 2">
+            <a:extLst>
+              <a:ext uri="{FF2B5EF4-FFF2-40B4-BE49-F238E27FC236}">
+                <a16:creationId xmlns:a16="http://schemas.microsoft.com/office/drawing/2014/main" id="{42C6B135-6C28-410B-9B37-7BD1966192F7}"/>
+              </a:ext>
+            </a:extLst>
+          </p:cNvPr>
+          <p:cNvSpPr>
+            <a:spLocks noGrp="1"/>
+          </p:cNvSpPr>
+          <p:nvPr>
+            <p:ph idx="1"/>
+          </p:nvPr>
+        </p:nvSpPr>
+        <p:spPr>
+          <a:xfrm>
+            <a:off x="6094800" y="323999"/>
+            <a:ext cx="5184000" cy="2887200"/>
+          </a:xfrm>
+        </p:spPr>
+        <p:txBody>
+          <a:bodyPr>
+            <a:normAutofit/>
+          </a:bodyPr>
+          <a:lstStyle/>
+          <a:p>
+            <a:r>
+              <a:rPr lang="fr-FR" dirty="0"/>
+              <a:t>Source prit des Cours</a:t>
+            </a:r>
+          </a:p>
+        </p:txBody>
+      </p:sp>
+      <p:pic>
+        <p:nvPicPr>
+          <p:cNvPr id="7" name="Image 6">
+            <a:extLst>
+              <a:ext uri="{FF2B5EF4-FFF2-40B4-BE49-F238E27FC236}">
+                <a16:creationId xmlns:a16="http://schemas.microsoft.com/office/drawing/2014/main" id="{99693033-5FB5-45D9-9F41-1E7636F438B7}"/>
+              </a:ext>
+            </a:extLst>
+          </p:cNvPr>
+          <p:cNvPicPr>
+            <a:picLocks noChangeAspect="1"/>
+          </p:cNvPicPr>
+          <p:nvPr/>
+        </p:nvPicPr>
+        <p:blipFill rotWithShape="1">
+          <a:blip r:embed="rId2"/>
+          <a:srcRect l="1341" r="31792"/>
+          <a:stretch/>
+        </p:blipFill>
+        <p:spPr>
+          <a:xfrm>
+            <a:off x="448056" y="3650400"/>
+            <a:ext cx="3295227" cy="2772000"/>
+          </a:xfrm>
+          <a:custGeom>
+            <a:avLst/>
+            <a:gdLst/>
+            <a:ahLst/>
+            <a:cxnLst/>
+            <a:rect l="l" t="t" r="r" b="b"/>
+            <a:pathLst>
+              <a:path w="3295227" h="2772000">
+                <a:moveTo>
+                  <a:pt x="0" y="0"/>
+                </a:moveTo>
+                <a:lnTo>
+                  <a:pt x="3295227" y="0"/>
+                </a:lnTo>
+                <a:lnTo>
+                  <a:pt x="3295227" y="2772000"/>
+                </a:lnTo>
+                <a:lnTo>
+                  <a:pt x="0" y="2772000"/>
+                </a:lnTo>
+                <a:close/>
+              </a:path>
+            </a:pathLst>
+          </a:custGeom>
+        </p:spPr>
+      </p:pic>
+      <p:pic>
+        <p:nvPicPr>
+          <p:cNvPr id="5" name="Image 4">
+            <a:extLst>
+              <a:ext uri="{FF2B5EF4-FFF2-40B4-BE49-F238E27FC236}">
+                <a16:creationId xmlns:a16="http://schemas.microsoft.com/office/drawing/2014/main" id="{82D118CE-2B21-4B4B-AD01-70F1885717F9}"/>
+              </a:ext>
+            </a:extLst>
+          </p:cNvPr>
+          <p:cNvPicPr>
+            <a:picLocks noChangeAspect="1"/>
+          </p:cNvPicPr>
+          <p:nvPr/>
+        </p:nvPicPr>
+        <p:blipFill rotWithShape="1">
+          <a:blip r:embed="rId3"/>
+          <a:srcRect b="17833"/>
+          <a:stretch/>
+        </p:blipFill>
+        <p:spPr>
+          <a:xfrm>
+            <a:off x="3925227" y="3643200"/>
+            <a:ext cx="7374013" cy="2772000"/>
+          </a:xfrm>
+          <a:custGeom>
+            <a:avLst/>
+            <a:gdLst/>
+            <a:ahLst/>
+            <a:cxnLst/>
+            <a:rect l="l" t="t" r="r" b="b"/>
+            <a:pathLst>
+              <a:path w="7374013" h="2772000">
+                <a:moveTo>
+                  <a:pt x="0" y="0"/>
+                </a:moveTo>
+                <a:lnTo>
+                  <a:pt x="7374013" y="0"/>
+                </a:lnTo>
+                <a:lnTo>
+                  <a:pt x="7374013" y="2772000"/>
+                </a:lnTo>
+                <a:lnTo>
+                  <a:pt x="0" y="2772000"/>
+                </a:lnTo>
+                <a:close/>
+              </a:path>
+            </a:pathLst>
+          </a:custGeom>
+        </p:spPr>
+      </p:pic>
+    </p:spTree>
+    <p:extLst>
+      <p:ext uri="{BB962C8B-B14F-4D97-AF65-F5344CB8AC3E}">
+        <p14:creationId xmlns:p14="http://schemas.microsoft.com/office/powerpoint/2010/main" val="1924210656"/>
+      </p:ext>
+    </p:extLst>
+  </p:cSld>
+  <p:clrMapOvr>
+    <a:masterClrMapping/>
+  </p:clrMapOvr>
+</p:sld>
+</file>
+
+<file path=ppt/slides/slide7.xml><?xml version="1.0" encoding="utf-8"?>
+<p:sld xmlns:a="http://schemas.openxmlformats.org/drawingml/2006/main" xmlns:r="http://schemas.openxmlformats.org/officeDocument/2006/relationships" xmlns:p="http://schemas.openxmlformats.org/presentationml/2006/main">
+  <p:cSld>
+    <p:bg>
+      <p:bgPr>
+        <a:solidFill>
+          <a:schemeClr val="bg2"/>
+        </a:solidFill>
+        <a:effectLst/>
+      </p:bgPr>
+    </p:bg>
+    <p:spTree>
+      <p:nvGrpSpPr>
+        <p:cNvPr id="1" name=""/>
+        <p:cNvGrpSpPr/>
+        <p:nvPr/>
+      </p:nvGrpSpPr>
+      <p:grpSpPr>
+        <a:xfrm>
+          <a:off x="0" y="0"/>
+          <a:ext cx="0" cy="0"/>
+          <a:chOff x="0" y="0"/>
+          <a:chExt cx="0" cy="0"/>
+        </a:xfrm>
+      </p:grpSpPr>
+      <p:sp useBgFill="1">
+        <p:nvSpPr>
+          <p:cNvPr id="12" name="Rectangle 11">
+            <a:extLst>
+              <a:ext uri="{FF2B5EF4-FFF2-40B4-BE49-F238E27FC236}">
+                <a16:creationId xmlns:a16="http://schemas.microsoft.com/office/drawing/2014/main" id="{BC40AE45-0F40-4658-AECB-189ADDFFCD61}"/>
+              </a:ext>
+              <a:ext uri="{C183D7F6-B498-43B3-948B-1728B52AA6E4}">
+                <adec:decorative xmlns:adec="http://schemas.microsoft.com/office/drawing/2017/decorative" val="1"/>
+              </a:ext>
+            </a:extLst>
+          </p:cNvPr>
+          <p:cNvSpPr>
+            <a:spLocks noGrp="1" noRot="1" noChangeAspect="1" noMove="1" noResize="1" noEditPoints="1" noAdjustHandles="1" noChangeArrowheads="1" noChangeShapeType="1" noTextEdit="1"/>
+          </p:cNvSpPr>
+          <p:nvPr>
+            <p:extLst>
+              <p:ext uri="{386F3935-93C4-4BCD-93E2-E3B085C9AB24}">
+                <p16:designElem xmlns:p16="http://schemas.microsoft.com/office/powerpoint/2015/main" val="1"/>
+              </p:ext>
+            </p:extLst>
+          </p:nvPr>
+        </p:nvSpPr>
+        <p:spPr>
+          <a:xfrm>
+            <a:off x="0" y="0"/>
+            <a:ext cx="12192000" cy="6858000"/>
+          </a:xfrm>
+          <a:prstGeom prst="rect">
+            <a:avLst/>
+          </a:prstGeom>
+          <a:ln w="12700" cap="flat" cmpd="sng" algn="ctr">
+            <a:noFill/>
+            <a:prstDash val="solid"/>
+            <a:miter lim="800000"/>
+          </a:ln>
+          <a:effectLst/>
+          <a:extLst>
+            <a:ext uri="{91240B29-F687-4F45-9708-019B960494DF}">
+              <a14:hiddenLine xmlns:a14="http://schemas.microsoft.com/office/drawing/2010/main" w="12700" cap="flat" cmpd="sng" algn="ctr">
+                <a:solidFill>
+                  <a:schemeClr val="accent1">
+                    <a:shade val="50000"/>
+                  </a:schemeClr>
+                </a:solidFill>
+                <a:prstDash val="solid"/>
+                <a:miter lim="800000"/>
+              </a14:hiddenLine>
+            </a:ext>
+          </a:extLst>
+        </p:spPr>
+        <p:style>
+          <a:lnRef idx="2">
+            <a:schemeClr val="accent1">
+              <a:shade val="50000"/>
+            </a:schemeClr>
+          </a:lnRef>
+          <a:fillRef idx="1">
+            <a:schemeClr val="accent1"/>
+          </a:fillRef>
+          <a:effectRef idx="0">
+            <a:schemeClr val="accent1"/>
+          </a:effectRef>
+          <a:fontRef idx="minor">
+            <a:schemeClr val="lt1"/>
+          </a:fontRef>
+        </p:style>
+        <p:txBody>
+          <a:bodyPr rtlCol="0" anchor="ctr"/>
+          <a:lstStyle/>
+          <a:p>
+            <a:pPr algn="ctr"/>
+            <a:endParaRPr lang="en-US"/>
+          </a:p>
+        </p:txBody>
+      </p:sp>
+      <p:sp>
+        <p:nvSpPr>
+          <p:cNvPr id="2" name="Titre 1">
+            <a:extLst>
+              <a:ext uri="{FF2B5EF4-FFF2-40B4-BE49-F238E27FC236}">
+                <a16:creationId xmlns:a16="http://schemas.microsoft.com/office/drawing/2014/main" id="{03A1B2C3-0E07-4E9F-B36C-831FA0E80CBE}"/>
+              </a:ext>
+            </a:extLst>
+          </p:cNvPr>
+          <p:cNvSpPr>
+            <a:spLocks noGrp="1"/>
+          </p:cNvSpPr>
+          <p:nvPr>
+            <p:ph type="title"/>
+          </p:nvPr>
+        </p:nvSpPr>
+        <p:spPr>
+          <a:xfrm>
+            <a:off x="448056" y="388800"/>
+            <a:ext cx="11300532" cy="986400"/>
+          </a:xfrm>
+        </p:spPr>
+        <p:txBody>
+          <a:bodyPr anchor="b">
+            <a:normAutofit/>
+          </a:bodyPr>
+          <a:lstStyle/>
+          <a:p>
+            <a:r>
+              <a:rPr lang="fr-FR" sz="6400"/>
+              <a:t>(Salim) Gant Project</a:t>
+            </a:r>
+          </a:p>
+        </p:txBody>
+      </p:sp>
+      <p:cxnSp>
+        <p:nvCxnSpPr>
+          <p:cNvPr id="14" name="Straight Connector 13">
+            <a:extLst>
+              <a:ext uri="{FF2B5EF4-FFF2-40B4-BE49-F238E27FC236}">
+                <a16:creationId xmlns:a16="http://schemas.microsoft.com/office/drawing/2014/main" id="{B32E796E-8D19-4926-B7B8-653B01939010}"/>
+              </a:ext>
+              <a:ext uri="{C183D7F6-B498-43B3-948B-1728B52AA6E4}">
+                <adec:decorative xmlns:adec="http://schemas.microsoft.com/office/drawing/2017/decorative" val="1"/>
+              </a:ext>
+            </a:extLst>
+          </p:cNvPr>
+          <p:cNvCxnSpPr>
+            <a:cxnSpLocks noGrp="1" noRot="1" noChangeAspect="1" noMove="1" noResize="1" noEditPoints="1" noAdjustHandles="1" noChangeArrowheads="1" noChangeShapeType="1"/>
+          </p:cNvCxnSpPr>
+          <p:nvPr>
+            <p:extLst>
+              <p:ext uri="{386F3935-93C4-4BCD-93E2-E3B085C9AB24}">
+                <p16:designElem xmlns:p16="http://schemas.microsoft.com/office/powerpoint/2015/main" val="1"/>
+              </p:ext>
+            </p:extLst>
+          </p:nvPr>
+        </p:nvCxnSpPr>
+        <p:spPr>
+          <a:xfrm>
+            <a:off x="450000" y="1609200"/>
+            <a:ext cx="11300400" cy="0"/>
+          </a:xfrm>
+          <a:prstGeom prst="line">
+            <a:avLst/>
+          </a:prstGeom>
+          <a:ln w="6350">
+            <a:solidFill>
+              <a:schemeClr val="tx2"/>
+            </a:solidFill>
+          </a:ln>
+        </p:spPr>
+        <p:style>
+          <a:lnRef idx="1">
+            <a:schemeClr val="accent1"/>
+          </a:lnRef>
+          <a:fillRef idx="0">
+            <a:schemeClr val="accent1"/>
+          </a:fillRef>
+          <a:effectRef idx="0">
+            <a:schemeClr val="accent1"/>
+          </a:effectRef>
+          <a:fontRef idx="minor">
+            <a:schemeClr val="tx1"/>
+          </a:fontRef>
+        </p:style>
+      </p:cxnSp>
+      <p:pic>
+        <p:nvPicPr>
+          <p:cNvPr id="5" name="Espace réservé du contenu 4">
+            <a:extLst>
+              <a:ext uri="{FF2B5EF4-FFF2-40B4-BE49-F238E27FC236}">
+                <a16:creationId xmlns:a16="http://schemas.microsoft.com/office/drawing/2014/main" id="{1B172DB2-9085-4A4D-9846-8DA9E4020AC5}"/>
+              </a:ext>
+            </a:extLst>
+          </p:cNvPr>
+          <p:cNvPicPr>
+            <a:picLocks noChangeAspect="1"/>
+          </p:cNvPicPr>
+          <p:nvPr/>
+        </p:nvPicPr>
+        <p:blipFill>
+          <a:blip r:embed="rId2"/>
+          <a:stretch>
+            <a:fillRect/>
+          </a:stretch>
+        </p:blipFill>
+        <p:spPr>
+          <a:xfrm>
+            <a:off x="708671" y="2059200"/>
+            <a:ext cx="6857444" cy="3891600"/>
+          </a:xfrm>
+          <a:prstGeom prst="rect">
+            <a:avLst/>
+          </a:prstGeom>
+        </p:spPr>
+      </p:pic>
+      <p:sp>
+        <p:nvSpPr>
+          <p:cNvPr id="9" name="Content Placeholder 8">
+            <a:extLst>
+              <a:ext uri="{FF2B5EF4-FFF2-40B4-BE49-F238E27FC236}">
+                <a16:creationId xmlns:a16="http://schemas.microsoft.com/office/drawing/2014/main" id="{EDCB9326-185E-4D74-AC62-092926785C78}"/>
+              </a:ext>
+            </a:extLst>
+          </p:cNvPr>
+          <p:cNvSpPr>
+            <a:spLocks noGrp="1"/>
+          </p:cNvSpPr>
+          <p:nvPr>
+            <p:ph idx="1"/>
+          </p:nvPr>
+        </p:nvSpPr>
+        <p:spPr>
+          <a:xfrm>
+            <a:off x="8256588" y="1944000"/>
+            <a:ext cx="3490212" cy="4006800"/>
+          </a:xfrm>
+        </p:spPr>
+        <p:txBody>
+          <a:bodyPr>
+            <a:normAutofit/>
+          </a:bodyPr>
+          <a:lstStyle/>
+          <a:p>
+            <a:r>
+              <a:rPr lang="en-US" dirty="0" err="1"/>
+              <a:t>Création</a:t>
+            </a:r>
+            <a:r>
+              <a:rPr lang="en-US" dirty="0"/>
+              <a:t> de </a:t>
+            </a:r>
+            <a:r>
+              <a:rPr lang="en-US" dirty="0" err="1"/>
+              <a:t>tâches</a:t>
+            </a:r>
+            <a:endParaRPr lang="en-US" dirty="0"/>
+          </a:p>
+          <a:p>
+            <a:r>
+              <a:rPr lang="en-US" dirty="0"/>
+              <a:t>Gestion du temps</a:t>
+            </a:r>
+          </a:p>
+          <a:p>
+            <a:r>
+              <a:rPr lang="fr-FR" noProof="1"/>
+              <a:t>Organisation des tâches </a:t>
+            </a:r>
+          </a:p>
+          <a:p>
+            <a:pPr marL="1944" indent="0">
+              <a:buNone/>
+            </a:pPr>
+            <a:endParaRPr lang="fr-FR" noProof="1"/>
+          </a:p>
+        </p:txBody>
+      </p:sp>
+    </p:spTree>
+    <p:extLst>
+      <p:ext uri="{BB962C8B-B14F-4D97-AF65-F5344CB8AC3E}">
+        <p14:creationId xmlns:p14="http://schemas.microsoft.com/office/powerpoint/2010/main" val="2228073764"/>
+      </p:ext>
+    </p:extLst>
+  </p:cSld>
+  <p:clrMapOvr>
+    <a:masterClrMapping/>
+  </p:clrMapOvr>
+</p:sld>
+</file>
+
+<file path=ppt/slides/slide8.xml><?xml version="1.0" encoding="utf-8"?>
+<p:sld xmlns:a="http://schemas.openxmlformats.org/drawingml/2006/main" xmlns:r="http://schemas.openxmlformats.org/officeDocument/2006/relationships" xmlns:p="http://schemas.openxmlformats.org/presentationml/2006/main">
+  <p:cSld>
+    <p:spTree>
+      <p:nvGrpSpPr>
+        <p:cNvPr id="1" name=""/>
+        <p:cNvGrpSpPr/>
+        <p:nvPr/>
+      </p:nvGrpSpPr>
+      <p:grpSpPr>
+        <a:xfrm>
+          <a:off x="0" y="0"/>
+          <a:ext cx="0" cy="0"/>
+          <a:chOff x="0" y="0"/>
+          <a:chExt cx="0" cy="0"/>
+        </a:xfrm>
+      </p:grpSpPr>
+      <p:sp>
+        <p:nvSpPr>
+          <p:cNvPr id="2" name="Titre 1">
+            <a:extLst>
+              <a:ext uri="{FF2B5EF4-FFF2-40B4-BE49-F238E27FC236}">
+                <a16:creationId xmlns:a16="http://schemas.microsoft.com/office/drawing/2014/main" id="{F321C542-9A91-4943-B9AB-656B5F064693}"/>
+              </a:ext>
+            </a:extLst>
+          </p:cNvPr>
+          <p:cNvSpPr>
+            <a:spLocks noGrp="1"/>
+          </p:cNvSpPr>
+          <p:nvPr>
+            <p:ph type="title"/>
+          </p:nvPr>
+        </p:nvSpPr>
+        <p:spPr/>
+        <p:txBody>
+          <a:bodyPr/>
+          <a:lstStyle/>
+          <a:p>
+            <a:r>
+              <a:rPr lang="fr-FR"/>
+              <a:t>Partie Tom</a:t>
+            </a:r>
+          </a:p>
+        </p:txBody>
+      </p:sp>
+      <p:sp>
+        <p:nvSpPr>
+          <p:cNvPr id="3" name="Espace réservé du contenu 2">
+            <a:extLst>
+              <a:ext uri="{FF2B5EF4-FFF2-40B4-BE49-F238E27FC236}">
+                <a16:creationId xmlns:a16="http://schemas.microsoft.com/office/drawing/2014/main" id="{9CCF53EB-0FC2-457A-A18C-3AE5E131DC15}"/>
+              </a:ext>
+            </a:extLst>
+          </p:cNvPr>
+          <p:cNvSpPr>
+            <a:spLocks noGrp="1"/>
+          </p:cNvSpPr>
+          <p:nvPr>
+            <p:ph idx="1"/>
+          </p:nvPr>
+        </p:nvSpPr>
+        <p:spPr/>
+        <p:txBody>
+          <a:bodyPr/>
+          <a:lstStyle/>
+          <a:p>
+            <a:endParaRPr lang="fr-FR"/>
+          </a:p>
+        </p:txBody>
+      </p:sp>
+    </p:spTree>
+    <p:extLst>
+      <p:ext uri="{BB962C8B-B14F-4D97-AF65-F5344CB8AC3E}">
+        <p14:creationId xmlns:p14="http://schemas.microsoft.com/office/powerpoint/2010/main" val="2297454114"/>
       </p:ext>
     </p:extLst>
   </p:cSld>

--- a/Powerpoint.pptx
+++ b/Powerpoint.pptx
@@ -8,7 +8,15 @@
     <p:sldId id="256" r:id="rId2"/>
     <p:sldId id="257" r:id="rId3"/>
     <p:sldId id="259" r:id="rId4"/>
-    <p:sldId id="258" r:id="rId5"/>
+    <p:sldId id="262" r:id="rId5"/>
+    <p:sldId id="258" r:id="rId6"/>
+    <p:sldId id="260" r:id="rId7"/>
+    <p:sldId id="261" r:id="rId8"/>
+    <p:sldId id="263" r:id="rId9"/>
+    <p:sldId id="264" r:id="rId10"/>
+    <p:sldId id="266" r:id="rId11"/>
+    <p:sldId id="267" r:id="rId12"/>
+    <p:sldId id="265" r:id="rId13"/>
   </p:sldIdLst>
   <p:sldSz cx="12192000" cy="6858000"/>
   <p:notesSz cx="6858000" cy="9144000"/>
@@ -387,7 +395,7 @@
             <a:fld id="{0D309695-DEC3-40DA-9DF5-330280C9D0E8}" type="slidenum">
               <a:rPr lang="en-US" smtClean="0"/>
               <a:pPr/>
-              <a:t>‹N°›</a:t>
+              <a:t>‹#›</a:t>
             </a:fld>
             <a:endParaRPr lang="en-US" dirty="0"/>
           </a:p>
@@ -437,7 +445,7 @@
             <a:fld id="{8256C2ED-54A4-480D-B5C8-65C0D62359B9}" type="datetime2">
               <a:rPr lang="en-US" smtClean="0"/>
               <a:pPr/>
-              <a:t>Monday, November 1, 2021</a:t>
+              <a:t>Tuesday, November 2, 2021</a:t>
             </a:fld>
             <a:endParaRPr lang="en-US" dirty="0"/>
           </a:p>
@@ -596,7 +604,7 @@
           <a:p>
             <a:fld id="{53CF612A-4CB0-4F57-9A87-F049CECB184D}" type="datetime2">
               <a:rPr lang="en-US" smtClean="0"/>
-              <a:t>Monday, November 1, 2021</a:t>
+              <a:t>Tuesday, November 2, 2021</a:t>
             </a:fld>
             <a:endParaRPr lang="en-US"/>
           </a:p>
@@ -653,7 +661,7 @@
           <a:p>
             <a:fld id="{0D309695-DEC3-40DA-9DF5-330280C9D0E8}" type="slidenum">
               <a:rPr lang="en-US" smtClean="0"/>
-              <a:t>‹N°›</a:t>
+              <a:t>‹#›</a:t>
             </a:fld>
             <a:endParaRPr lang="en-US"/>
           </a:p>
@@ -817,7 +825,7 @@
           <a:p>
             <a:fld id="{8F397F40-C8F7-4897-A6B8-241042F913A9}" type="datetime2">
               <a:rPr lang="en-US" smtClean="0"/>
-              <a:t>Monday, November 1, 2021</a:t>
+              <a:t>Tuesday, November 2, 2021</a:t>
             </a:fld>
             <a:endParaRPr lang="en-US"/>
           </a:p>
@@ -874,7 +882,7 @@
           <a:p>
             <a:fld id="{0D309695-DEC3-40DA-9DF5-330280C9D0E8}" type="slidenum">
               <a:rPr lang="en-US" smtClean="0"/>
-              <a:t>‹N°›</a:t>
+              <a:t>‹#›</a:t>
             </a:fld>
             <a:endParaRPr lang="en-US"/>
           </a:p>
@@ -1090,7 +1098,7 @@
             <a:fld id="{0D309695-DEC3-40DA-9DF5-330280C9D0E8}" type="slidenum">
               <a:rPr lang="en-US" smtClean="0"/>
               <a:pPr/>
-              <a:t>‹N°›</a:t>
+              <a:t>‹#›</a:t>
             </a:fld>
             <a:endParaRPr lang="en-US" dirty="0"/>
           </a:p>
@@ -1140,7 +1148,7 @@
             <a:fld id="{8256C2ED-54A4-480D-B5C8-65C0D62359B9}" type="datetime2">
               <a:rPr lang="en-US" smtClean="0"/>
               <a:pPr/>
-              <a:t>Monday, November 1, 2021</a:t>
+              <a:t>Tuesday, November 2, 2021</a:t>
             </a:fld>
             <a:endParaRPr lang="en-US" dirty="0"/>
           </a:p>
@@ -1375,7 +1383,7 @@
           <a:p>
             <a:fld id="{10EDCA73-0A86-4195-A787-75037827079D}" type="datetime2">
               <a:rPr lang="en-US" smtClean="0"/>
-              <a:t>Monday, November 1, 2021</a:t>
+              <a:t>Tuesday, November 2, 2021</a:t>
             </a:fld>
             <a:endParaRPr lang="en-US"/>
           </a:p>
@@ -1432,7 +1440,7 @@
           <a:p>
             <a:fld id="{0D309695-DEC3-40DA-9DF5-330280C9D0E8}" type="slidenum">
               <a:rPr lang="en-US" smtClean="0"/>
-              <a:t>‹N°›</a:t>
+              <a:t>‹#›</a:t>
             </a:fld>
             <a:endParaRPr lang="en-US"/>
           </a:p>
@@ -1726,7 +1734,7 @@
           <a:p>
             <a:fld id="{83C75374-B296-498E-A935-80631EA9020D}" type="datetime2">
               <a:rPr lang="en-US" smtClean="0"/>
-              <a:t>Monday, November 1, 2021</a:t>
+              <a:t>Tuesday, November 2, 2021</a:t>
             </a:fld>
             <a:endParaRPr lang="en-US"/>
           </a:p>
@@ -1783,7 +1791,7 @@
           <a:p>
             <a:fld id="{0D309695-DEC3-40DA-9DF5-330280C9D0E8}" type="slidenum">
               <a:rPr lang="en-US" smtClean="0"/>
-              <a:t>‹N°›</a:t>
+              <a:t>‹#›</a:t>
             </a:fld>
             <a:endParaRPr lang="en-US"/>
           </a:p>
@@ -2166,7 +2174,7 @@
           <a:p>
             <a:fld id="{B098B728-214A-4ABC-8432-5B3A5A66A987}" type="datetime2">
               <a:rPr lang="en-US" smtClean="0"/>
-              <a:t>Monday, November 1, 2021</a:t>
+              <a:t>Tuesday, November 2, 2021</a:t>
             </a:fld>
             <a:endParaRPr lang="en-US" dirty="0"/>
           </a:p>
@@ -2223,7 +2231,7 @@
           <a:p>
             <a:fld id="{0D309695-DEC3-40DA-9DF5-330280C9D0E8}" type="slidenum">
               <a:rPr lang="en-US" smtClean="0"/>
-              <a:t>‹N°›</a:t>
+              <a:t>‹#›</a:t>
             </a:fld>
             <a:endParaRPr lang="en-US"/>
           </a:p>
@@ -2324,7 +2332,7 @@
           <a:p>
             <a:fld id="{015F02D0-6806-43AF-9888-2359BF40C204}" type="datetime2">
               <a:rPr lang="en-US" smtClean="0"/>
-              <a:t>Monday, November 1, 2021</a:t>
+              <a:t>Tuesday, November 2, 2021</a:t>
             </a:fld>
             <a:endParaRPr lang="en-US"/>
           </a:p>
@@ -2381,7 +2389,7 @@
           <a:p>
             <a:fld id="{0D309695-DEC3-40DA-9DF5-330280C9D0E8}" type="slidenum">
               <a:rPr lang="en-US" smtClean="0"/>
-              <a:t>‹N°›</a:t>
+              <a:t>‹#›</a:t>
             </a:fld>
             <a:endParaRPr lang="en-US"/>
           </a:p>
@@ -2448,7 +2456,7 @@
           <a:p>
             <a:fld id="{8EE14D2D-B1AF-4197-82D6-FC1F8BD05681}" type="datetime2">
               <a:rPr lang="en-US" smtClean="0"/>
-              <a:t>Monday, November 1, 2021</a:t>
+              <a:t>Tuesday, November 2, 2021</a:t>
             </a:fld>
             <a:endParaRPr lang="en-US"/>
           </a:p>
@@ -2505,7 +2513,7 @@
           <a:p>
             <a:fld id="{0D309695-DEC3-40DA-9DF5-330280C9D0E8}" type="slidenum">
               <a:rPr lang="en-US" smtClean="0"/>
-              <a:t>‹N°›</a:t>
+              <a:t>‹#›</a:t>
             </a:fld>
             <a:endParaRPr lang="en-US"/>
           </a:p>
@@ -2776,7 +2784,7 @@
           <a:p>
             <a:fld id="{98771CEB-9838-4245-91B8-EFBAFE2D8B44}" type="datetime2">
               <a:rPr lang="en-US" smtClean="0"/>
-              <a:t>Monday, November 1, 2021</a:t>
+              <a:t>Tuesday, November 2, 2021</a:t>
             </a:fld>
             <a:endParaRPr lang="en-US"/>
           </a:p>
@@ -2833,7 +2841,7 @@
           <a:p>
             <a:fld id="{0D309695-DEC3-40DA-9DF5-330280C9D0E8}" type="slidenum">
               <a:rPr lang="en-US" smtClean="0"/>
-              <a:t>‹N°›</a:t>
+              <a:t>‹#›</a:t>
             </a:fld>
             <a:endParaRPr lang="en-US"/>
           </a:p>
@@ -3084,7 +3092,7 @@
           <a:p>
             <a:fld id="{51D3F6BF-A585-41F8-88DF-7E5D069F892A}" type="datetime2">
               <a:rPr lang="en-US" smtClean="0"/>
-              <a:t>Monday, November 1, 2021</a:t>
+              <a:t>Tuesday, November 2, 2021</a:t>
             </a:fld>
             <a:endParaRPr lang="en-US"/>
           </a:p>
@@ -3141,7 +3149,7 @@
           <a:p>
             <a:fld id="{0D309695-DEC3-40DA-9DF5-330280C9D0E8}" type="slidenum">
               <a:rPr lang="en-US" smtClean="0"/>
-              <a:t>‹N°›</a:t>
+              <a:t>‹#›</a:t>
             </a:fld>
             <a:endParaRPr lang="en-US"/>
           </a:p>
@@ -3377,7 +3385,7 @@
             <a:fld id="{0D309695-DEC3-40DA-9DF5-330280C9D0E8}" type="slidenum">
               <a:rPr lang="en-US" smtClean="0"/>
               <a:pPr/>
-              <a:t>‹N°›</a:t>
+              <a:t>‹#›</a:t>
             </a:fld>
             <a:endParaRPr lang="en-US" dirty="0"/>
           </a:p>
@@ -3427,7 +3435,7 @@
             <a:fld id="{8256C2ED-54A4-480D-B5C8-65C0D62359B9}" type="datetime2">
               <a:rPr lang="en-US" smtClean="0"/>
               <a:pPr/>
-              <a:t>Monday, November 1, 2021</a:t>
+              <a:t>Tuesday, November 2, 2021</a:t>
             </a:fld>
             <a:endParaRPr lang="en-US" dirty="0"/>
           </a:p>
@@ -4013,6 +4021,1223 @@
 </p:sld>
 </file>
 
+<file path=ppt/slides/slide10.xml><?xml version="1.0" encoding="utf-8"?>
+<p:sld xmlns:a="http://schemas.openxmlformats.org/drawingml/2006/main" xmlns:r="http://schemas.openxmlformats.org/officeDocument/2006/relationships" xmlns:p="http://schemas.openxmlformats.org/presentationml/2006/main">
+  <p:cSld>
+    <p:spTree>
+      <p:nvGrpSpPr>
+        <p:cNvPr id="1" name=""/>
+        <p:cNvGrpSpPr/>
+        <p:nvPr/>
+      </p:nvGrpSpPr>
+      <p:grpSpPr>
+        <a:xfrm>
+          <a:off x="0" y="0"/>
+          <a:ext cx="0" cy="0"/>
+          <a:chOff x="0" y="0"/>
+          <a:chExt cx="0" cy="0"/>
+        </a:xfrm>
+      </p:grpSpPr>
+      <p:sp>
+        <p:nvSpPr>
+          <p:cNvPr id="2" name="Title 1">
+            <a:extLst>
+              <a:ext uri="{FF2B5EF4-FFF2-40B4-BE49-F238E27FC236}">
+                <a16:creationId xmlns:a16="http://schemas.microsoft.com/office/drawing/2014/main" id="{3FE2FF88-6108-4F1A-A761-E68B2830D9DF}"/>
+              </a:ext>
+            </a:extLst>
+          </p:cNvPr>
+          <p:cNvSpPr>
+            <a:spLocks noGrp="1"/>
+          </p:cNvSpPr>
+          <p:nvPr>
+            <p:ph type="title"/>
+          </p:nvPr>
+        </p:nvSpPr>
+        <p:spPr>
+          <a:xfrm>
+            <a:off x="278723" y="225063"/>
+            <a:ext cx="5106077" cy="1141200"/>
+          </a:xfrm>
+        </p:spPr>
+        <p:txBody>
+          <a:bodyPr/>
+          <a:lstStyle/>
+          <a:p>
+            <a:r>
+              <a:rPr lang="fr-FR" dirty="0"/>
+              <a:t>Partie Tom : CV html pourcentage</a:t>
+            </a:r>
+          </a:p>
+        </p:txBody>
+      </p:sp>
+      <p:pic>
+        <p:nvPicPr>
+          <p:cNvPr id="4" name="Picture 3">
+            <a:extLst>
+              <a:ext uri="{FF2B5EF4-FFF2-40B4-BE49-F238E27FC236}">
+                <a16:creationId xmlns:a16="http://schemas.microsoft.com/office/drawing/2014/main" id="{D7582C93-DBD1-4256-A3E6-214D263EA07E}"/>
+              </a:ext>
+            </a:extLst>
+          </p:cNvPr>
+          <p:cNvPicPr>
+            <a:picLocks noChangeAspect="1"/>
+          </p:cNvPicPr>
+          <p:nvPr/>
+        </p:nvPicPr>
+        <p:blipFill>
+          <a:blip r:embed="rId2"/>
+          <a:stretch>
+            <a:fillRect/>
+          </a:stretch>
+        </p:blipFill>
+        <p:spPr>
+          <a:xfrm>
+            <a:off x="1688206" y="1096367"/>
+            <a:ext cx="2549902" cy="5520267"/>
+          </a:xfrm>
+          <a:prstGeom prst="rect">
+            <a:avLst/>
+          </a:prstGeom>
+        </p:spPr>
+      </p:pic>
+      <p:sp>
+        <p:nvSpPr>
+          <p:cNvPr id="5" name="TextBox 4">
+            <a:extLst>
+              <a:ext uri="{FF2B5EF4-FFF2-40B4-BE49-F238E27FC236}">
+                <a16:creationId xmlns:a16="http://schemas.microsoft.com/office/drawing/2014/main" id="{8B7EC4B4-7436-4830-83F3-DFD0332687A6}"/>
+              </a:ext>
+            </a:extLst>
+          </p:cNvPr>
+          <p:cNvSpPr txBox="1"/>
+          <p:nvPr/>
+        </p:nvSpPr>
+        <p:spPr>
+          <a:xfrm>
+            <a:off x="-55927" y="1397675"/>
+            <a:ext cx="1744133" cy="2031325"/>
+          </a:xfrm>
+          <a:prstGeom prst="rect">
+            <a:avLst/>
+          </a:prstGeom>
+          <a:noFill/>
+        </p:spPr>
+        <p:txBody>
+          <a:bodyPr wrap="square" rtlCol="0">
+            <a:spAutoFit/>
+          </a:bodyPr>
+          <a:lstStyle/>
+          <a:p>
+            <a:pPr algn="ctr"/>
+            <a:r>
+              <a:rPr lang="fr-FR" dirty="0"/>
+              <a:t>Balise : html elementor</a:t>
+            </a:r>
+          </a:p>
+          <a:p>
+            <a:pPr algn="ctr"/>
+            <a:endParaRPr lang="fr-FR" dirty="0"/>
+          </a:p>
+          <a:p>
+            <a:pPr algn="ctr"/>
+            <a:r>
+              <a:rPr lang="fr-FR" dirty="0"/>
+              <a:t>Création du body des compétences en pourcentage</a:t>
+            </a:r>
+          </a:p>
+        </p:txBody>
+      </p:sp>
+      <p:pic>
+        <p:nvPicPr>
+          <p:cNvPr id="7" name="Picture 6">
+            <a:extLst>
+              <a:ext uri="{FF2B5EF4-FFF2-40B4-BE49-F238E27FC236}">
+                <a16:creationId xmlns:a16="http://schemas.microsoft.com/office/drawing/2014/main" id="{DA0682B9-C354-445E-AACA-DAAEABD53117}"/>
+              </a:ext>
+            </a:extLst>
+          </p:cNvPr>
+          <p:cNvPicPr>
+            <a:picLocks noChangeAspect="1"/>
+          </p:cNvPicPr>
+          <p:nvPr/>
+        </p:nvPicPr>
+        <p:blipFill>
+          <a:blip r:embed="rId3"/>
+          <a:stretch>
+            <a:fillRect/>
+          </a:stretch>
+        </p:blipFill>
+        <p:spPr>
+          <a:xfrm>
+            <a:off x="4742091" y="1096367"/>
+            <a:ext cx="3089044" cy="5520267"/>
+          </a:xfrm>
+          <a:prstGeom prst="rect">
+            <a:avLst/>
+          </a:prstGeom>
+        </p:spPr>
+      </p:pic>
+      <p:sp>
+        <p:nvSpPr>
+          <p:cNvPr id="8" name="TextBox 7">
+            <a:extLst>
+              <a:ext uri="{FF2B5EF4-FFF2-40B4-BE49-F238E27FC236}">
+                <a16:creationId xmlns:a16="http://schemas.microsoft.com/office/drawing/2014/main" id="{2B4B20AE-0DD3-4865-8B09-FF35CB2B6D11}"/>
+              </a:ext>
+            </a:extLst>
+          </p:cNvPr>
+          <p:cNvSpPr txBox="1"/>
+          <p:nvPr/>
+        </p:nvSpPr>
+        <p:spPr>
+          <a:xfrm>
+            <a:off x="4868332" y="422202"/>
+            <a:ext cx="3376507" cy="646331"/>
+          </a:xfrm>
+          <a:prstGeom prst="rect">
+            <a:avLst/>
+          </a:prstGeom>
+          <a:noFill/>
+        </p:spPr>
+        <p:txBody>
+          <a:bodyPr wrap="square" rtlCol="0">
+            <a:spAutoFit/>
+          </a:bodyPr>
+          <a:lstStyle/>
+          <a:p>
+            <a:r>
+              <a:rPr lang="fr-FR" dirty="0"/>
+              <a:t>CSS additionnel pour stylisé le « body »</a:t>
+            </a:r>
+          </a:p>
+        </p:txBody>
+      </p:sp>
+      <p:pic>
+        <p:nvPicPr>
+          <p:cNvPr id="9" name="Picture 8">
+            <a:extLst>
+              <a:ext uri="{FF2B5EF4-FFF2-40B4-BE49-F238E27FC236}">
+                <a16:creationId xmlns:a16="http://schemas.microsoft.com/office/drawing/2014/main" id="{C276CF8B-57DB-460D-9665-9CF4D947528F}"/>
+              </a:ext>
+            </a:extLst>
+          </p:cNvPr>
+          <p:cNvPicPr>
+            <a:picLocks noChangeAspect="1"/>
+          </p:cNvPicPr>
+          <p:nvPr/>
+        </p:nvPicPr>
+        <p:blipFill>
+          <a:blip r:embed="rId4"/>
+          <a:stretch>
+            <a:fillRect/>
+          </a:stretch>
+        </p:blipFill>
+        <p:spPr>
+          <a:xfrm>
+            <a:off x="8416533" y="2569989"/>
+            <a:ext cx="3682333" cy="1718021"/>
+          </a:xfrm>
+          <a:prstGeom prst="rect">
+            <a:avLst/>
+          </a:prstGeom>
+        </p:spPr>
+      </p:pic>
+      <p:sp>
+        <p:nvSpPr>
+          <p:cNvPr id="10" name="TextBox 9">
+            <a:extLst>
+              <a:ext uri="{FF2B5EF4-FFF2-40B4-BE49-F238E27FC236}">
+                <a16:creationId xmlns:a16="http://schemas.microsoft.com/office/drawing/2014/main" id="{8E9679AC-B12A-452F-83F7-3FCAA0296059}"/>
+              </a:ext>
+            </a:extLst>
+          </p:cNvPr>
+          <p:cNvSpPr txBox="1"/>
+          <p:nvPr/>
+        </p:nvSpPr>
+        <p:spPr>
+          <a:xfrm>
+            <a:off x="4225779" y="2921167"/>
+            <a:ext cx="296561" cy="1015663"/>
+          </a:xfrm>
+          <a:prstGeom prst="rect">
+            <a:avLst/>
+          </a:prstGeom>
+          <a:noFill/>
+        </p:spPr>
+        <p:txBody>
+          <a:bodyPr wrap="square" rtlCol="0">
+            <a:spAutoFit/>
+          </a:bodyPr>
+          <a:lstStyle/>
+          <a:p>
+            <a:r>
+              <a:rPr lang="fr-FR" sz="6000" dirty="0"/>
+              <a:t>+</a:t>
+            </a:r>
+          </a:p>
+        </p:txBody>
+      </p:sp>
+      <p:sp>
+        <p:nvSpPr>
+          <p:cNvPr id="12" name="TextBox 11">
+            <a:extLst>
+              <a:ext uri="{FF2B5EF4-FFF2-40B4-BE49-F238E27FC236}">
+                <a16:creationId xmlns:a16="http://schemas.microsoft.com/office/drawing/2014/main" id="{D45954D3-ED8D-4DC5-A26E-C41669401E39}"/>
+              </a:ext>
+            </a:extLst>
+          </p:cNvPr>
+          <p:cNvSpPr txBox="1"/>
+          <p:nvPr/>
+        </p:nvSpPr>
+        <p:spPr>
+          <a:xfrm>
+            <a:off x="7831135" y="2997200"/>
+            <a:ext cx="503983" cy="923330"/>
+          </a:xfrm>
+          <a:prstGeom prst="rect">
+            <a:avLst/>
+          </a:prstGeom>
+          <a:noFill/>
+        </p:spPr>
+        <p:txBody>
+          <a:bodyPr wrap="square" rtlCol="0">
+            <a:spAutoFit/>
+          </a:bodyPr>
+          <a:lstStyle/>
+          <a:p>
+            <a:r>
+              <a:rPr lang="fr-FR" sz="5400" dirty="0"/>
+              <a:t>=</a:t>
+            </a:r>
+          </a:p>
+        </p:txBody>
+      </p:sp>
+    </p:spTree>
+    <p:extLst>
+      <p:ext uri="{BB962C8B-B14F-4D97-AF65-F5344CB8AC3E}">
+        <p14:creationId xmlns:p14="http://schemas.microsoft.com/office/powerpoint/2010/main" val="3179961753"/>
+      </p:ext>
+    </p:extLst>
+  </p:cSld>
+  <p:clrMapOvr>
+    <a:masterClrMapping/>
+  </p:clrMapOvr>
+</p:sld>
+</file>
+
+<file path=ppt/slides/slide11.xml><?xml version="1.0" encoding="utf-8"?>
+<p:sld xmlns:a="http://schemas.openxmlformats.org/drawingml/2006/main" xmlns:r="http://schemas.openxmlformats.org/officeDocument/2006/relationships" xmlns:p="http://schemas.openxmlformats.org/presentationml/2006/main">
+  <p:cSld>
+    <p:spTree>
+      <p:nvGrpSpPr>
+        <p:cNvPr id="1" name=""/>
+        <p:cNvGrpSpPr/>
+        <p:nvPr/>
+      </p:nvGrpSpPr>
+      <p:grpSpPr>
+        <a:xfrm>
+          <a:off x="0" y="0"/>
+          <a:ext cx="0" cy="0"/>
+          <a:chOff x="0" y="0"/>
+          <a:chExt cx="0" cy="0"/>
+        </a:xfrm>
+      </p:grpSpPr>
+      <p:sp>
+        <p:nvSpPr>
+          <p:cNvPr id="2" name="Title 1">
+            <a:extLst>
+              <a:ext uri="{FF2B5EF4-FFF2-40B4-BE49-F238E27FC236}">
+                <a16:creationId xmlns:a16="http://schemas.microsoft.com/office/drawing/2014/main" id="{2614C446-A0C8-47C7-B807-F91979CB46E4}"/>
+              </a:ext>
+            </a:extLst>
+          </p:cNvPr>
+          <p:cNvSpPr>
+            <a:spLocks noGrp="1"/>
+          </p:cNvSpPr>
+          <p:nvPr>
+            <p:ph type="title"/>
+          </p:nvPr>
+        </p:nvSpPr>
+        <p:spPr/>
+        <p:txBody>
+          <a:bodyPr/>
+          <a:lstStyle/>
+          <a:p>
+            <a:r>
+              <a:rPr lang="fr-FR" dirty="0"/>
+              <a:t>Partie Tom</a:t>
+            </a:r>
+          </a:p>
+        </p:txBody>
+      </p:sp>
+      <p:sp>
+        <p:nvSpPr>
+          <p:cNvPr id="4" name="TextBox 3">
+            <a:extLst>
+              <a:ext uri="{FF2B5EF4-FFF2-40B4-BE49-F238E27FC236}">
+                <a16:creationId xmlns:a16="http://schemas.microsoft.com/office/drawing/2014/main" id="{A74A2FFF-91DE-4AE5-906E-097D59A38E35}"/>
+              </a:ext>
+            </a:extLst>
+          </p:cNvPr>
+          <p:cNvSpPr txBox="1"/>
+          <p:nvPr/>
+        </p:nvSpPr>
+        <p:spPr>
+          <a:xfrm>
+            <a:off x="192203" y="1498829"/>
+            <a:ext cx="2481411" cy="646331"/>
+          </a:xfrm>
+          <a:prstGeom prst="rect">
+            <a:avLst/>
+          </a:prstGeom>
+          <a:noFill/>
+        </p:spPr>
+        <p:txBody>
+          <a:bodyPr wrap="square" rtlCol="0">
+            <a:spAutoFit/>
+          </a:bodyPr>
+          <a:lstStyle/>
+          <a:p>
+            <a:r>
+              <a:rPr lang="fr-FR" dirty="0"/>
+              <a:t>CSS additionnel pour la bar de progression </a:t>
+            </a:r>
+          </a:p>
+        </p:txBody>
+      </p:sp>
+      <p:pic>
+        <p:nvPicPr>
+          <p:cNvPr id="5" name="Picture 4">
+            <a:extLst>
+              <a:ext uri="{FF2B5EF4-FFF2-40B4-BE49-F238E27FC236}">
+                <a16:creationId xmlns:a16="http://schemas.microsoft.com/office/drawing/2014/main" id="{20497468-FA79-49C2-BCFF-BECE1DD9C7E5}"/>
+              </a:ext>
+            </a:extLst>
+          </p:cNvPr>
+          <p:cNvPicPr>
+            <a:picLocks noChangeAspect="1"/>
+          </p:cNvPicPr>
+          <p:nvPr/>
+        </p:nvPicPr>
+        <p:blipFill>
+          <a:blip r:embed="rId2"/>
+          <a:stretch>
+            <a:fillRect/>
+          </a:stretch>
+        </p:blipFill>
+        <p:spPr>
+          <a:xfrm>
+            <a:off x="2714632" y="1075932"/>
+            <a:ext cx="2832350" cy="5393267"/>
+          </a:xfrm>
+          <a:prstGeom prst="rect">
+            <a:avLst/>
+          </a:prstGeom>
+        </p:spPr>
+      </p:pic>
+      <p:pic>
+        <p:nvPicPr>
+          <p:cNvPr id="9" name="Picture 8">
+            <a:extLst>
+              <a:ext uri="{FF2B5EF4-FFF2-40B4-BE49-F238E27FC236}">
+                <a16:creationId xmlns:a16="http://schemas.microsoft.com/office/drawing/2014/main" id="{BF915345-DF72-4CED-844A-EB92DFFEFE20}"/>
+              </a:ext>
+            </a:extLst>
+          </p:cNvPr>
+          <p:cNvPicPr>
+            <a:picLocks noChangeAspect="1"/>
+          </p:cNvPicPr>
+          <p:nvPr/>
+        </p:nvPicPr>
+        <p:blipFill>
+          <a:blip r:embed="rId3"/>
+          <a:stretch>
+            <a:fillRect/>
+          </a:stretch>
+        </p:blipFill>
+        <p:spPr>
+          <a:xfrm>
+            <a:off x="5757355" y="3103110"/>
+            <a:ext cx="6257916" cy="740778"/>
+          </a:xfrm>
+          <a:prstGeom prst="rect">
+            <a:avLst/>
+          </a:prstGeom>
+        </p:spPr>
+      </p:pic>
+      <p:pic>
+        <p:nvPicPr>
+          <p:cNvPr id="39" name="Picture 38">
+            <a:extLst>
+              <a:ext uri="{FF2B5EF4-FFF2-40B4-BE49-F238E27FC236}">
+                <a16:creationId xmlns:a16="http://schemas.microsoft.com/office/drawing/2014/main" id="{54377083-33D6-4ADD-B79F-E4432E03CB21}"/>
+              </a:ext>
+            </a:extLst>
+          </p:cNvPr>
+          <p:cNvPicPr>
+            <a:picLocks noChangeAspect="1"/>
+          </p:cNvPicPr>
+          <p:nvPr/>
+        </p:nvPicPr>
+        <p:blipFill>
+          <a:blip r:embed="rId4"/>
+          <a:stretch>
+            <a:fillRect/>
+          </a:stretch>
+        </p:blipFill>
+        <p:spPr>
+          <a:xfrm>
+            <a:off x="5757355" y="3632451"/>
+            <a:ext cx="5325218" cy="800212"/>
+          </a:xfrm>
+          <a:prstGeom prst="rect">
+            <a:avLst/>
+          </a:prstGeom>
+        </p:spPr>
+      </p:pic>
+      <p:pic>
+        <p:nvPicPr>
+          <p:cNvPr id="40" name="Picture 39">
+            <a:extLst>
+              <a:ext uri="{FF2B5EF4-FFF2-40B4-BE49-F238E27FC236}">
+                <a16:creationId xmlns:a16="http://schemas.microsoft.com/office/drawing/2014/main" id="{7F17778F-ADCF-4E33-AC5A-EDC2B5DFDB0C}"/>
+              </a:ext>
+            </a:extLst>
+          </p:cNvPr>
+          <p:cNvPicPr>
+            <a:picLocks noChangeAspect="1"/>
+          </p:cNvPicPr>
+          <p:nvPr/>
+        </p:nvPicPr>
+        <p:blipFill>
+          <a:blip r:embed="rId5"/>
+          <a:stretch>
+            <a:fillRect/>
+          </a:stretch>
+        </p:blipFill>
+        <p:spPr>
+          <a:xfrm>
+            <a:off x="5757355" y="4239306"/>
+            <a:ext cx="5287113" cy="685896"/>
+          </a:xfrm>
+          <a:prstGeom prst="rect">
+            <a:avLst/>
+          </a:prstGeom>
+        </p:spPr>
+      </p:pic>
+      <p:pic>
+        <p:nvPicPr>
+          <p:cNvPr id="41" name="Picture 40">
+            <a:extLst>
+              <a:ext uri="{FF2B5EF4-FFF2-40B4-BE49-F238E27FC236}">
+                <a16:creationId xmlns:a16="http://schemas.microsoft.com/office/drawing/2014/main" id="{9F72EFC1-B429-4084-8C06-5E2C92815D84}"/>
+              </a:ext>
+            </a:extLst>
+          </p:cNvPr>
+          <p:cNvPicPr>
+            <a:picLocks noChangeAspect="1"/>
+          </p:cNvPicPr>
+          <p:nvPr/>
+        </p:nvPicPr>
+        <p:blipFill>
+          <a:blip r:embed="rId6"/>
+          <a:stretch>
+            <a:fillRect/>
+          </a:stretch>
+        </p:blipFill>
+        <p:spPr>
+          <a:xfrm>
+            <a:off x="5757355" y="4864116"/>
+            <a:ext cx="5353797" cy="771633"/>
+          </a:xfrm>
+          <a:prstGeom prst="rect">
+            <a:avLst/>
+          </a:prstGeom>
+        </p:spPr>
+      </p:pic>
+      <p:pic>
+        <p:nvPicPr>
+          <p:cNvPr id="42" name="Picture 41">
+            <a:extLst>
+              <a:ext uri="{FF2B5EF4-FFF2-40B4-BE49-F238E27FC236}">
+                <a16:creationId xmlns:a16="http://schemas.microsoft.com/office/drawing/2014/main" id="{B49050C8-F015-4599-AC4B-A27BEDB61FCE}"/>
+              </a:ext>
+            </a:extLst>
+          </p:cNvPr>
+          <p:cNvPicPr>
+            <a:picLocks noChangeAspect="1"/>
+          </p:cNvPicPr>
+          <p:nvPr/>
+        </p:nvPicPr>
+        <p:blipFill>
+          <a:blip r:embed="rId7"/>
+          <a:stretch>
+            <a:fillRect/>
+          </a:stretch>
+        </p:blipFill>
+        <p:spPr>
+          <a:xfrm>
+            <a:off x="5757355" y="5467983"/>
+            <a:ext cx="5391902" cy="733527"/>
+          </a:xfrm>
+          <a:prstGeom prst="rect">
+            <a:avLst/>
+          </a:prstGeom>
+        </p:spPr>
+      </p:pic>
+      <p:cxnSp>
+        <p:nvCxnSpPr>
+          <p:cNvPr id="44" name="Straight Arrow Connector 43">
+            <a:extLst>
+              <a:ext uri="{FF2B5EF4-FFF2-40B4-BE49-F238E27FC236}">
+                <a16:creationId xmlns:a16="http://schemas.microsoft.com/office/drawing/2014/main" id="{572E4396-DD0C-4CEB-99CE-557F58F343EE}"/>
+              </a:ext>
+            </a:extLst>
+          </p:cNvPr>
+          <p:cNvCxnSpPr/>
+          <p:nvPr/>
+        </p:nvCxnSpPr>
+        <p:spPr>
+          <a:xfrm flipV="1">
+            <a:off x="4130807" y="3318933"/>
+            <a:ext cx="6350926" cy="920373"/>
+          </a:xfrm>
+          <a:prstGeom prst="straightConnector1">
+            <a:avLst/>
+          </a:prstGeom>
+          <a:ln>
+            <a:tailEnd type="triangle"/>
+          </a:ln>
+        </p:spPr>
+        <p:style>
+          <a:lnRef idx="1">
+            <a:schemeClr val="accent1"/>
+          </a:lnRef>
+          <a:fillRef idx="0">
+            <a:schemeClr val="accent1"/>
+          </a:fillRef>
+          <a:effectRef idx="0">
+            <a:schemeClr val="accent1"/>
+          </a:effectRef>
+          <a:fontRef idx="minor">
+            <a:schemeClr val="tx1"/>
+          </a:fontRef>
+        </p:style>
+      </p:cxnSp>
+      <p:cxnSp>
+        <p:nvCxnSpPr>
+          <p:cNvPr id="45" name="Straight Arrow Connector 44">
+            <a:extLst>
+              <a:ext uri="{FF2B5EF4-FFF2-40B4-BE49-F238E27FC236}">
+                <a16:creationId xmlns:a16="http://schemas.microsoft.com/office/drawing/2014/main" id="{047E465D-810B-44D2-B1C8-E32386A2A030}"/>
+              </a:ext>
+            </a:extLst>
+          </p:cNvPr>
+          <p:cNvCxnSpPr>
+            <a:cxnSpLocks/>
+          </p:cNvCxnSpPr>
+          <p:nvPr/>
+        </p:nvCxnSpPr>
+        <p:spPr>
+          <a:xfrm flipV="1">
+            <a:off x="4040559" y="3980535"/>
+            <a:ext cx="5078041" cy="707780"/>
+          </a:xfrm>
+          <a:prstGeom prst="straightConnector1">
+            <a:avLst/>
+          </a:prstGeom>
+          <a:ln>
+            <a:tailEnd type="triangle"/>
+          </a:ln>
+        </p:spPr>
+        <p:style>
+          <a:lnRef idx="1">
+            <a:schemeClr val="accent1"/>
+          </a:lnRef>
+          <a:fillRef idx="0">
+            <a:schemeClr val="accent1"/>
+          </a:fillRef>
+          <a:effectRef idx="0">
+            <a:schemeClr val="accent1"/>
+          </a:effectRef>
+          <a:fontRef idx="minor">
+            <a:schemeClr val="tx1"/>
+          </a:fontRef>
+        </p:style>
+      </p:cxnSp>
+      <p:cxnSp>
+        <p:nvCxnSpPr>
+          <p:cNvPr id="47" name="Straight Arrow Connector 46">
+            <a:extLst>
+              <a:ext uri="{FF2B5EF4-FFF2-40B4-BE49-F238E27FC236}">
+                <a16:creationId xmlns:a16="http://schemas.microsoft.com/office/drawing/2014/main" id="{4E0BD157-5F04-4D6B-A481-03E4E59914C2}"/>
+              </a:ext>
+            </a:extLst>
+          </p:cNvPr>
+          <p:cNvCxnSpPr>
+            <a:cxnSpLocks/>
+          </p:cNvCxnSpPr>
+          <p:nvPr/>
+        </p:nvCxnSpPr>
+        <p:spPr>
+          <a:xfrm flipV="1">
+            <a:off x="4040559" y="4569310"/>
+            <a:ext cx="3528641" cy="599535"/>
+          </a:xfrm>
+          <a:prstGeom prst="straightConnector1">
+            <a:avLst/>
+          </a:prstGeom>
+          <a:ln>
+            <a:tailEnd type="triangle"/>
+          </a:ln>
+        </p:spPr>
+        <p:style>
+          <a:lnRef idx="1">
+            <a:schemeClr val="accent1"/>
+          </a:lnRef>
+          <a:fillRef idx="0">
+            <a:schemeClr val="accent1"/>
+          </a:fillRef>
+          <a:effectRef idx="0">
+            <a:schemeClr val="accent1"/>
+          </a:effectRef>
+          <a:fontRef idx="minor">
+            <a:schemeClr val="tx1"/>
+          </a:fontRef>
+        </p:style>
+      </p:cxnSp>
+      <p:cxnSp>
+        <p:nvCxnSpPr>
+          <p:cNvPr id="49" name="Straight Arrow Connector 48">
+            <a:extLst>
+              <a:ext uri="{FF2B5EF4-FFF2-40B4-BE49-F238E27FC236}">
+                <a16:creationId xmlns:a16="http://schemas.microsoft.com/office/drawing/2014/main" id="{C1CD1AAF-E858-4635-9E9F-0FBB637120DA}"/>
+              </a:ext>
+            </a:extLst>
+          </p:cNvPr>
+          <p:cNvCxnSpPr>
+            <a:cxnSpLocks/>
+          </p:cNvCxnSpPr>
+          <p:nvPr/>
+        </p:nvCxnSpPr>
+        <p:spPr>
+          <a:xfrm flipV="1">
+            <a:off x="4040559" y="5168845"/>
+            <a:ext cx="5078041" cy="522438"/>
+          </a:xfrm>
+          <a:prstGeom prst="straightConnector1">
+            <a:avLst/>
+          </a:prstGeom>
+          <a:ln>
+            <a:tailEnd type="triangle"/>
+          </a:ln>
+        </p:spPr>
+        <p:style>
+          <a:lnRef idx="1">
+            <a:schemeClr val="accent1"/>
+          </a:lnRef>
+          <a:fillRef idx="0">
+            <a:schemeClr val="accent1"/>
+          </a:fillRef>
+          <a:effectRef idx="0">
+            <a:schemeClr val="accent1"/>
+          </a:effectRef>
+          <a:fontRef idx="minor">
+            <a:schemeClr val="tx1"/>
+          </a:fontRef>
+        </p:style>
+      </p:cxnSp>
+      <p:cxnSp>
+        <p:nvCxnSpPr>
+          <p:cNvPr id="51" name="Straight Arrow Connector 50">
+            <a:extLst>
+              <a:ext uri="{FF2B5EF4-FFF2-40B4-BE49-F238E27FC236}">
+                <a16:creationId xmlns:a16="http://schemas.microsoft.com/office/drawing/2014/main" id="{FDECEEB9-DEA3-4AF3-9BF1-3C09DAC5D526}"/>
+              </a:ext>
+            </a:extLst>
+          </p:cNvPr>
+          <p:cNvCxnSpPr>
+            <a:cxnSpLocks/>
+          </p:cNvCxnSpPr>
+          <p:nvPr/>
+        </p:nvCxnSpPr>
+        <p:spPr>
+          <a:xfrm flipV="1">
+            <a:off x="4037889" y="5811550"/>
+            <a:ext cx="4953711" cy="350476"/>
+          </a:xfrm>
+          <a:prstGeom prst="straightConnector1">
+            <a:avLst/>
+          </a:prstGeom>
+          <a:ln>
+            <a:tailEnd type="triangle"/>
+          </a:ln>
+        </p:spPr>
+        <p:style>
+          <a:lnRef idx="1">
+            <a:schemeClr val="accent1"/>
+          </a:lnRef>
+          <a:fillRef idx="0">
+            <a:schemeClr val="accent1"/>
+          </a:fillRef>
+          <a:effectRef idx="0">
+            <a:schemeClr val="accent1"/>
+          </a:effectRef>
+          <a:fontRef idx="minor">
+            <a:schemeClr val="tx1"/>
+          </a:fontRef>
+        </p:style>
+      </p:cxnSp>
+      <p:pic>
+        <p:nvPicPr>
+          <p:cNvPr id="59" name="Picture 58">
+            <a:extLst>
+              <a:ext uri="{FF2B5EF4-FFF2-40B4-BE49-F238E27FC236}">
+                <a16:creationId xmlns:a16="http://schemas.microsoft.com/office/drawing/2014/main" id="{50C742B6-C452-4729-BE4D-3B0C4E29050A}"/>
+              </a:ext>
+            </a:extLst>
+          </p:cNvPr>
+          <p:cNvPicPr>
+            <a:picLocks noChangeAspect="1"/>
+          </p:cNvPicPr>
+          <p:nvPr/>
+        </p:nvPicPr>
+        <p:blipFill>
+          <a:blip r:embed="rId8"/>
+          <a:stretch>
+            <a:fillRect/>
+          </a:stretch>
+        </p:blipFill>
+        <p:spPr>
+          <a:xfrm>
+            <a:off x="2673614" y="899201"/>
+            <a:ext cx="4915586" cy="352474"/>
+          </a:xfrm>
+          <a:prstGeom prst="rect">
+            <a:avLst/>
+          </a:prstGeom>
+        </p:spPr>
+      </p:pic>
+      <p:pic>
+        <p:nvPicPr>
+          <p:cNvPr id="60" name="Picture 59">
+            <a:extLst>
+              <a:ext uri="{FF2B5EF4-FFF2-40B4-BE49-F238E27FC236}">
+                <a16:creationId xmlns:a16="http://schemas.microsoft.com/office/drawing/2014/main" id="{D0F02A81-4150-4E9B-BF73-46A7FC3AC3CC}"/>
+              </a:ext>
+            </a:extLst>
+          </p:cNvPr>
+          <p:cNvPicPr>
+            <a:picLocks noChangeAspect="1"/>
+          </p:cNvPicPr>
+          <p:nvPr/>
+        </p:nvPicPr>
+        <p:blipFill>
+          <a:blip r:embed="rId9"/>
+          <a:stretch>
+            <a:fillRect/>
+          </a:stretch>
+        </p:blipFill>
+        <p:spPr>
+          <a:xfrm>
+            <a:off x="6564498" y="383054"/>
+            <a:ext cx="5104550" cy="2352772"/>
+          </a:xfrm>
+          <a:prstGeom prst="rect">
+            <a:avLst/>
+          </a:prstGeom>
+        </p:spPr>
+      </p:pic>
+      <p:cxnSp>
+        <p:nvCxnSpPr>
+          <p:cNvPr id="62" name="Straight Arrow Connector 61">
+            <a:extLst>
+              <a:ext uri="{FF2B5EF4-FFF2-40B4-BE49-F238E27FC236}">
+                <a16:creationId xmlns:a16="http://schemas.microsoft.com/office/drawing/2014/main" id="{0627D29C-CD40-45A8-8A8B-0C8CCAE654DC}"/>
+              </a:ext>
+            </a:extLst>
+          </p:cNvPr>
+          <p:cNvCxnSpPr/>
+          <p:nvPr/>
+        </p:nvCxnSpPr>
+        <p:spPr>
+          <a:xfrm flipV="1">
+            <a:off x="3767667" y="829733"/>
+            <a:ext cx="3031066" cy="700267"/>
+          </a:xfrm>
+          <a:prstGeom prst="straightConnector1">
+            <a:avLst/>
+          </a:prstGeom>
+          <a:ln>
+            <a:solidFill>
+              <a:srgbClr val="C00000"/>
+            </a:solidFill>
+            <a:tailEnd type="triangle"/>
+          </a:ln>
+        </p:spPr>
+        <p:style>
+          <a:lnRef idx="1">
+            <a:schemeClr val="accent1"/>
+          </a:lnRef>
+          <a:fillRef idx="0">
+            <a:schemeClr val="accent1"/>
+          </a:fillRef>
+          <a:effectRef idx="0">
+            <a:schemeClr val="accent1"/>
+          </a:effectRef>
+          <a:fontRef idx="minor">
+            <a:schemeClr val="tx1"/>
+          </a:fontRef>
+        </p:style>
+      </p:cxnSp>
+      <p:cxnSp>
+        <p:nvCxnSpPr>
+          <p:cNvPr id="64" name="Straight Arrow Connector 63">
+            <a:extLst>
+              <a:ext uri="{FF2B5EF4-FFF2-40B4-BE49-F238E27FC236}">
+                <a16:creationId xmlns:a16="http://schemas.microsoft.com/office/drawing/2014/main" id="{1F0E3F2F-110E-4A5A-BF59-F27FFDF7048E}"/>
+              </a:ext>
+            </a:extLst>
+          </p:cNvPr>
+          <p:cNvCxnSpPr/>
+          <p:nvPr/>
+        </p:nvCxnSpPr>
+        <p:spPr>
+          <a:xfrm flipV="1">
+            <a:off x="3852333" y="829733"/>
+            <a:ext cx="2946400" cy="1227667"/>
+          </a:xfrm>
+          <a:prstGeom prst="straightConnector1">
+            <a:avLst/>
+          </a:prstGeom>
+          <a:ln>
+            <a:solidFill>
+              <a:srgbClr val="C00000"/>
+            </a:solidFill>
+            <a:tailEnd type="triangle"/>
+          </a:ln>
+        </p:spPr>
+        <p:style>
+          <a:lnRef idx="1">
+            <a:schemeClr val="accent1"/>
+          </a:lnRef>
+          <a:fillRef idx="0">
+            <a:schemeClr val="accent1"/>
+          </a:fillRef>
+          <a:effectRef idx="0">
+            <a:schemeClr val="accent1"/>
+          </a:effectRef>
+          <a:fontRef idx="minor">
+            <a:schemeClr val="tx1"/>
+          </a:fontRef>
+        </p:style>
+      </p:cxnSp>
+      <p:cxnSp>
+        <p:nvCxnSpPr>
+          <p:cNvPr id="66" name="Straight Arrow Connector 65">
+            <a:extLst>
+              <a:ext uri="{FF2B5EF4-FFF2-40B4-BE49-F238E27FC236}">
+                <a16:creationId xmlns:a16="http://schemas.microsoft.com/office/drawing/2014/main" id="{F1953AFD-08BE-4CDB-A852-6BF2FC7DBBC9}"/>
+              </a:ext>
+            </a:extLst>
+          </p:cNvPr>
+          <p:cNvCxnSpPr/>
+          <p:nvPr/>
+        </p:nvCxnSpPr>
+        <p:spPr>
+          <a:xfrm flipV="1">
+            <a:off x="3767667" y="829733"/>
+            <a:ext cx="3031066" cy="1701325"/>
+          </a:xfrm>
+          <a:prstGeom prst="straightConnector1">
+            <a:avLst/>
+          </a:prstGeom>
+          <a:ln>
+            <a:solidFill>
+              <a:srgbClr val="C00000"/>
+            </a:solidFill>
+            <a:tailEnd type="triangle"/>
+          </a:ln>
+        </p:spPr>
+        <p:style>
+          <a:lnRef idx="1">
+            <a:schemeClr val="accent1"/>
+          </a:lnRef>
+          <a:fillRef idx="0">
+            <a:schemeClr val="accent1"/>
+          </a:fillRef>
+          <a:effectRef idx="0">
+            <a:schemeClr val="accent1"/>
+          </a:effectRef>
+          <a:fontRef idx="minor">
+            <a:schemeClr val="tx1"/>
+          </a:fontRef>
+        </p:style>
+      </p:cxnSp>
+      <p:cxnSp>
+        <p:nvCxnSpPr>
+          <p:cNvPr id="68" name="Straight Arrow Connector 67">
+            <a:extLst>
+              <a:ext uri="{FF2B5EF4-FFF2-40B4-BE49-F238E27FC236}">
+                <a16:creationId xmlns:a16="http://schemas.microsoft.com/office/drawing/2014/main" id="{4D8581E5-E648-4A0D-BF09-D80260EF1001}"/>
+              </a:ext>
+            </a:extLst>
+          </p:cNvPr>
+          <p:cNvCxnSpPr/>
+          <p:nvPr/>
+        </p:nvCxnSpPr>
+        <p:spPr>
+          <a:xfrm flipV="1">
+            <a:off x="3767667" y="828907"/>
+            <a:ext cx="3031066" cy="2206057"/>
+          </a:xfrm>
+          <a:prstGeom prst="straightConnector1">
+            <a:avLst/>
+          </a:prstGeom>
+          <a:ln>
+            <a:solidFill>
+              <a:srgbClr val="C00000"/>
+            </a:solidFill>
+            <a:tailEnd type="triangle"/>
+          </a:ln>
+        </p:spPr>
+        <p:style>
+          <a:lnRef idx="1">
+            <a:schemeClr val="accent1"/>
+          </a:lnRef>
+          <a:fillRef idx="0">
+            <a:schemeClr val="accent1"/>
+          </a:fillRef>
+          <a:effectRef idx="0">
+            <a:schemeClr val="accent1"/>
+          </a:effectRef>
+          <a:fontRef idx="minor">
+            <a:schemeClr val="tx1"/>
+          </a:fontRef>
+        </p:style>
+      </p:cxnSp>
+      <p:cxnSp>
+        <p:nvCxnSpPr>
+          <p:cNvPr id="70" name="Straight Arrow Connector 69">
+            <a:extLst>
+              <a:ext uri="{FF2B5EF4-FFF2-40B4-BE49-F238E27FC236}">
+                <a16:creationId xmlns:a16="http://schemas.microsoft.com/office/drawing/2014/main" id="{4119E08F-5B1F-4A53-B82F-CD9AD24B2576}"/>
+              </a:ext>
+            </a:extLst>
+          </p:cNvPr>
+          <p:cNvCxnSpPr/>
+          <p:nvPr/>
+        </p:nvCxnSpPr>
+        <p:spPr>
+          <a:xfrm flipV="1">
+            <a:off x="3767667" y="829733"/>
+            <a:ext cx="3031066" cy="2691090"/>
+          </a:xfrm>
+          <a:prstGeom prst="straightConnector1">
+            <a:avLst/>
+          </a:prstGeom>
+          <a:ln>
+            <a:solidFill>
+              <a:srgbClr val="C00000"/>
+            </a:solidFill>
+            <a:tailEnd type="triangle"/>
+          </a:ln>
+        </p:spPr>
+        <p:style>
+          <a:lnRef idx="1">
+            <a:schemeClr val="accent1"/>
+          </a:lnRef>
+          <a:fillRef idx="0">
+            <a:schemeClr val="accent1"/>
+          </a:fillRef>
+          <a:effectRef idx="0">
+            <a:schemeClr val="accent1"/>
+          </a:effectRef>
+          <a:fontRef idx="minor">
+            <a:schemeClr val="tx1"/>
+          </a:fontRef>
+        </p:style>
+      </p:cxnSp>
+      <p:cxnSp>
+        <p:nvCxnSpPr>
+          <p:cNvPr id="72" name="Straight Arrow Connector 71">
+            <a:extLst>
+              <a:ext uri="{FF2B5EF4-FFF2-40B4-BE49-F238E27FC236}">
+                <a16:creationId xmlns:a16="http://schemas.microsoft.com/office/drawing/2014/main" id="{FE913C50-834B-42DB-90A3-4B945488C02C}"/>
+              </a:ext>
+            </a:extLst>
+          </p:cNvPr>
+          <p:cNvCxnSpPr/>
+          <p:nvPr/>
+        </p:nvCxnSpPr>
+        <p:spPr>
+          <a:xfrm>
+            <a:off x="7679267" y="828907"/>
+            <a:ext cx="3674533" cy="2644592"/>
+          </a:xfrm>
+          <a:prstGeom prst="straightConnector1">
+            <a:avLst/>
+          </a:prstGeom>
+          <a:ln>
+            <a:solidFill>
+              <a:srgbClr val="00B050"/>
+            </a:solidFill>
+            <a:tailEnd type="triangle"/>
+          </a:ln>
+        </p:spPr>
+        <p:style>
+          <a:lnRef idx="1">
+            <a:schemeClr val="accent1"/>
+          </a:lnRef>
+          <a:fillRef idx="0">
+            <a:schemeClr val="accent1"/>
+          </a:fillRef>
+          <a:effectRef idx="0">
+            <a:schemeClr val="accent1"/>
+          </a:effectRef>
+          <a:fontRef idx="minor">
+            <a:schemeClr val="tx1"/>
+          </a:fontRef>
+        </p:style>
+      </p:cxnSp>
+    </p:spTree>
+    <p:extLst>
+      <p:ext uri="{BB962C8B-B14F-4D97-AF65-F5344CB8AC3E}">
+        <p14:creationId xmlns:p14="http://schemas.microsoft.com/office/powerpoint/2010/main" val="1451270159"/>
+      </p:ext>
+    </p:extLst>
+  </p:cSld>
+  <p:clrMapOvr>
+    <a:masterClrMapping/>
+  </p:clrMapOvr>
+</p:sld>
+</file>
+
+<file path=ppt/slides/slide12.xml><?xml version="1.0" encoding="utf-8"?>
+<p:sld xmlns:a="http://schemas.openxmlformats.org/drawingml/2006/main" xmlns:r="http://schemas.openxmlformats.org/officeDocument/2006/relationships" xmlns:p="http://schemas.openxmlformats.org/presentationml/2006/main">
+  <p:cSld>
+    <p:spTree>
+      <p:nvGrpSpPr>
+        <p:cNvPr id="1" name=""/>
+        <p:cNvGrpSpPr/>
+        <p:nvPr/>
+      </p:nvGrpSpPr>
+      <p:grpSpPr>
+        <a:xfrm>
+          <a:off x="0" y="0"/>
+          <a:ext cx="0" cy="0"/>
+          <a:chOff x="0" y="0"/>
+          <a:chExt cx="0" cy="0"/>
+        </a:xfrm>
+      </p:grpSpPr>
+      <p:sp>
+        <p:nvSpPr>
+          <p:cNvPr id="2" name="Title 1">
+            <a:extLst>
+              <a:ext uri="{FF2B5EF4-FFF2-40B4-BE49-F238E27FC236}">
+                <a16:creationId xmlns:a16="http://schemas.microsoft.com/office/drawing/2014/main" id="{E921BEE4-0FB8-4E67-8B20-7706358CEC3D}"/>
+              </a:ext>
+            </a:extLst>
+          </p:cNvPr>
+          <p:cNvSpPr>
+            <a:spLocks noGrp="1"/>
+          </p:cNvSpPr>
+          <p:nvPr>
+            <p:ph type="title"/>
+          </p:nvPr>
+        </p:nvSpPr>
+        <p:spPr/>
+        <p:txBody>
+          <a:bodyPr/>
+          <a:lstStyle/>
+          <a:p>
+            <a:r>
+              <a:rPr lang="fr-FR" dirty="0"/>
+              <a:t>Partie Tom</a:t>
+            </a:r>
+          </a:p>
+        </p:txBody>
+      </p:sp>
+      <p:pic>
+        <p:nvPicPr>
+          <p:cNvPr id="5" name="Picture 4">
+            <a:extLst>
+              <a:ext uri="{FF2B5EF4-FFF2-40B4-BE49-F238E27FC236}">
+                <a16:creationId xmlns:a16="http://schemas.microsoft.com/office/drawing/2014/main" id="{8D733FEA-EF16-4ACB-A804-DEA200AB0D27}"/>
+              </a:ext>
+            </a:extLst>
+          </p:cNvPr>
+          <p:cNvPicPr>
+            <a:picLocks noChangeAspect="1"/>
+          </p:cNvPicPr>
+          <p:nvPr/>
+        </p:nvPicPr>
+        <p:blipFill>
+          <a:blip r:embed="rId2"/>
+          <a:stretch>
+            <a:fillRect/>
+          </a:stretch>
+        </p:blipFill>
+        <p:spPr>
+          <a:xfrm>
+            <a:off x="236728" y="2460276"/>
+            <a:ext cx="11718544" cy="3347857"/>
+          </a:xfrm>
+          <a:prstGeom prst="rect">
+            <a:avLst/>
+          </a:prstGeom>
+        </p:spPr>
+      </p:pic>
+      <p:sp>
+        <p:nvSpPr>
+          <p:cNvPr id="7" name="TextBox 6">
+            <a:extLst>
+              <a:ext uri="{FF2B5EF4-FFF2-40B4-BE49-F238E27FC236}">
+                <a16:creationId xmlns:a16="http://schemas.microsoft.com/office/drawing/2014/main" id="{30044A7D-F5CD-42C3-931F-3559B211CD59}"/>
+              </a:ext>
+            </a:extLst>
+          </p:cNvPr>
+          <p:cNvSpPr txBox="1"/>
+          <p:nvPr/>
+        </p:nvSpPr>
+        <p:spPr>
+          <a:xfrm>
+            <a:off x="4897967" y="1671972"/>
+            <a:ext cx="2396066" cy="646331"/>
+          </a:xfrm>
+          <a:prstGeom prst="rect">
+            <a:avLst/>
+          </a:prstGeom>
+          <a:noFill/>
+        </p:spPr>
+        <p:txBody>
+          <a:bodyPr wrap="square" rtlCol="0">
+            <a:spAutoFit/>
+          </a:bodyPr>
+          <a:lstStyle/>
+          <a:p>
+            <a:pPr algn="ctr"/>
+            <a:r>
+              <a:rPr lang="fr-FR" dirty="0"/>
+              <a:t>Site Compétence en pourcentage</a:t>
+            </a:r>
+          </a:p>
+        </p:txBody>
+      </p:sp>
+    </p:spTree>
+    <p:extLst>
+      <p:ext uri="{BB962C8B-B14F-4D97-AF65-F5344CB8AC3E}">
+        <p14:creationId xmlns:p14="http://schemas.microsoft.com/office/powerpoint/2010/main" val="3610694620"/>
+      </p:ext>
+    </p:extLst>
+  </p:cSld>
+  <p:clrMapOvr>
+    <a:masterClrMapping/>
+  </p:clrMapOvr>
+</p:sld>
+</file>
+
 <file path=ppt/slides/slide2.xml><?xml version="1.0" encoding="utf-8"?>
 <p:sld xmlns:a="http://schemas.openxmlformats.org/drawingml/2006/main" xmlns:r="http://schemas.openxmlformats.org/officeDocument/2006/relationships" xmlns:p="http://schemas.openxmlformats.org/presentationml/2006/main">
   <p:cSld>
@@ -4220,6 +5445,89 @@
 <file path=ppt/slides/slide4.xml><?xml version="1.0" encoding="utf-8"?>
 <p:sld xmlns:a="http://schemas.openxmlformats.org/drawingml/2006/main" xmlns:r="http://schemas.openxmlformats.org/officeDocument/2006/relationships" xmlns:p="http://schemas.openxmlformats.org/presentationml/2006/main">
   <p:cSld>
+    <p:spTree>
+      <p:nvGrpSpPr>
+        <p:cNvPr id="1" name=""/>
+        <p:cNvGrpSpPr/>
+        <p:nvPr/>
+      </p:nvGrpSpPr>
+      <p:grpSpPr>
+        <a:xfrm>
+          <a:off x="0" y="0"/>
+          <a:ext cx="0" cy="0"/>
+          <a:chOff x="0" y="0"/>
+          <a:chExt cx="0" cy="0"/>
+        </a:xfrm>
+      </p:grpSpPr>
+      <p:sp>
+        <p:nvSpPr>
+          <p:cNvPr id="2" name="Titre 1">
+            <a:extLst>
+              <a:ext uri="{FF2B5EF4-FFF2-40B4-BE49-F238E27FC236}">
+                <a16:creationId xmlns:a16="http://schemas.microsoft.com/office/drawing/2014/main" id="{7F357055-4F0D-4438-9401-2F30282F269C}"/>
+              </a:ext>
+            </a:extLst>
+          </p:cNvPr>
+          <p:cNvSpPr>
+            <a:spLocks noGrp="1"/>
+          </p:cNvSpPr>
+          <p:nvPr>
+            <p:ph type="title"/>
+          </p:nvPr>
+        </p:nvSpPr>
+        <p:spPr/>
+        <p:txBody>
+          <a:bodyPr/>
+          <a:lstStyle/>
+          <a:p>
+            <a:r>
+              <a:rPr lang="fr-FR" dirty="0"/>
+              <a:t>Parti Clara</a:t>
+            </a:r>
+          </a:p>
+        </p:txBody>
+      </p:sp>
+      <p:sp>
+        <p:nvSpPr>
+          <p:cNvPr id="3" name="Espace réservé du contenu 2">
+            <a:extLst>
+              <a:ext uri="{FF2B5EF4-FFF2-40B4-BE49-F238E27FC236}">
+                <a16:creationId xmlns:a16="http://schemas.microsoft.com/office/drawing/2014/main" id="{0847074A-91CD-4F76-AC85-971EBB12C5F7}"/>
+              </a:ext>
+            </a:extLst>
+          </p:cNvPr>
+          <p:cNvSpPr>
+            <a:spLocks noGrp="1"/>
+          </p:cNvSpPr>
+          <p:nvPr>
+            <p:ph idx="1"/>
+          </p:nvPr>
+        </p:nvSpPr>
+        <p:spPr/>
+        <p:txBody>
+          <a:bodyPr/>
+          <a:lstStyle/>
+          <a:p>
+            <a:endParaRPr lang="fr-FR"/>
+          </a:p>
+        </p:txBody>
+      </p:sp>
+    </p:spTree>
+    <p:extLst>
+      <p:ext uri="{BB962C8B-B14F-4D97-AF65-F5344CB8AC3E}">
+        <p14:creationId xmlns:p14="http://schemas.microsoft.com/office/powerpoint/2010/main" val="2975665321"/>
+      </p:ext>
+    </p:extLst>
+  </p:cSld>
+  <p:clrMapOvr>
+    <a:masterClrMapping/>
+  </p:clrMapOvr>
+</p:sld>
+</file>
+
+<file path=ppt/slides/slide5.xml><?xml version="1.0" encoding="utf-8"?>
+<p:sld xmlns:a="http://schemas.openxmlformats.org/drawingml/2006/main" xmlns:r="http://schemas.openxmlformats.org/officeDocument/2006/relationships" xmlns:p="http://schemas.openxmlformats.org/presentationml/2006/main">
+  <p:cSld>
     <p:bg>
       <p:bgPr>
         <a:solidFill>
@@ -4483,6 +5791,1168 @@
     <p:extLst>
       <p:ext uri="{BB962C8B-B14F-4D97-AF65-F5344CB8AC3E}">
         <p14:creationId xmlns:p14="http://schemas.microsoft.com/office/powerpoint/2010/main" val="4006638164"/>
+      </p:ext>
+    </p:extLst>
+  </p:cSld>
+  <p:clrMapOvr>
+    <a:masterClrMapping/>
+  </p:clrMapOvr>
+</p:sld>
+</file>
+
+<file path=ppt/slides/slide6.xml><?xml version="1.0" encoding="utf-8"?>
+<p:sld xmlns:a="http://schemas.openxmlformats.org/drawingml/2006/main" xmlns:r="http://schemas.openxmlformats.org/officeDocument/2006/relationships" xmlns:p="http://schemas.openxmlformats.org/presentationml/2006/main">
+  <p:cSld>
+    <p:bg>
+      <p:bgPr>
+        <a:solidFill>
+          <a:schemeClr val="bg2"/>
+        </a:solidFill>
+        <a:effectLst/>
+      </p:bgPr>
+    </p:bg>
+    <p:spTree>
+      <p:nvGrpSpPr>
+        <p:cNvPr id="1" name=""/>
+        <p:cNvGrpSpPr/>
+        <p:nvPr/>
+      </p:nvGrpSpPr>
+      <p:grpSpPr>
+        <a:xfrm>
+          <a:off x="0" y="0"/>
+          <a:ext cx="0" cy="0"/>
+          <a:chOff x="0" y="0"/>
+          <a:chExt cx="0" cy="0"/>
+        </a:xfrm>
+      </p:grpSpPr>
+      <p:sp useBgFill="1">
+        <p:nvSpPr>
+          <p:cNvPr id="16" name="Rectangle 11">
+            <a:extLst>
+              <a:ext uri="{FF2B5EF4-FFF2-40B4-BE49-F238E27FC236}">
+                <a16:creationId xmlns:a16="http://schemas.microsoft.com/office/drawing/2014/main" id="{1399859F-F366-4AF3-B2CF-491BC512B06E}"/>
+              </a:ext>
+              <a:ext uri="{C183D7F6-B498-43B3-948B-1728B52AA6E4}">
+                <adec:decorative xmlns:adec="http://schemas.microsoft.com/office/drawing/2017/decorative" val="1"/>
+              </a:ext>
+            </a:extLst>
+          </p:cNvPr>
+          <p:cNvSpPr>
+            <a:spLocks noGrp="1" noRot="1" noChangeAspect="1" noMove="1" noResize="1" noEditPoints="1" noAdjustHandles="1" noChangeArrowheads="1" noChangeShapeType="1" noTextEdit="1"/>
+          </p:cNvSpPr>
+          <p:nvPr>
+            <p:extLst>
+              <p:ext uri="{386F3935-93C4-4BCD-93E2-E3B085C9AB24}">
+                <p16:designElem xmlns:p16="http://schemas.microsoft.com/office/powerpoint/2015/main" val="1"/>
+              </p:ext>
+            </p:extLst>
+          </p:nvPr>
+        </p:nvSpPr>
+        <p:spPr>
+          <a:xfrm>
+            <a:off x="0" y="0"/>
+            <a:ext cx="12192000" cy="6858000"/>
+          </a:xfrm>
+          <a:prstGeom prst="rect">
+            <a:avLst/>
+          </a:prstGeom>
+          <a:ln w="12700" cap="flat" cmpd="sng" algn="ctr">
+            <a:noFill/>
+            <a:prstDash val="solid"/>
+            <a:miter lim="800000"/>
+          </a:ln>
+          <a:effectLst/>
+          <a:extLst>
+            <a:ext uri="{91240B29-F687-4F45-9708-019B960494DF}">
+              <a14:hiddenLine xmlns:a14="http://schemas.microsoft.com/office/drawing/2010/main" w="12700" cap="flat" cmpd="sng" algn="ctr">
+                <a:solidFill>
+                  <a:schemeClr val="accent1">
+                    <a:shade val="50000"/>
+                  </a:schemeClr>
+                </a:solidFill>
+                <a:prstDash val="solid"/>
+                <a:miter lim="800000"/>
+              </a14:hiddenLine>
+            </a:ext>
+          </a:extLst>
+        </p:spPr>
+        <p:style>
+          <a:lnRef idx="2">
+            <a:schemeClr val="accent1">
+              <a:shade val="50000"/>
+            </a:schemeClr>
+          </a:lnRef>
+          <a:fillRef idx="1">
+            <a:schemeClr val="accent1"/>
+          </a:fillRef>
+          <a:effectRef idx="0">
+            <a:schemeClr val="accent1"/>
+          </a:effectRef>
+          <a:fontRef idx="minor">
+            <a:schemeClr val="lt1"/>
+          </a:fontRef>
+        </p:style>
+        <p:txBody>
+          <a:bodyPr rtlCol="0" anchor="ctr"/>
+          <a:lstStyle/>
+          <a:p>
+            <a:pPr algn="ctr"/>
+            <a:endParaRPr lang="en-US"/>
+          </a:p>
+        </p:txBody>
+      </p:sp>
+      <p:sp>
+        <p:nvSpPr>
+          <p:cNvPr id="2" name="Titre 1">
+            <a:extLst>
+              <a:ext uri="{FF2B5EF4-FFF2-40B4-BE49-F238E27FC236}">
+                <a16:creationId xmlns:a16="http://schemas.microsoft.com/office/drawing/2014/main" id="{B216C74B-0F53-4892-A581-35BAB8BE0530}"/>
+              </a:ext>
+            </a:extLst>
+          </p:cNvPr>
+          <p:cNvSpPr>
+            <a:spLocks noGrp="1"/>
+          </p:cNvSpPr>
+          <p:nvPr>
+            <p:ph type="title"/>
+          </p:nvPr>
+        </p:nvSpPr>
+        <p:spPr>
+          <a:xfrm>
+            <a:off x="448056" y="388800"/>
+            <a:ext cx="4694400" cy="2826000"/>
+          </a:xfrm>
+        </p:spPr>
+        <p:txBody>
+          <a:bodyPr>
+            <a:normAutofit/>
+          </a:bodyPr>
+          <a:lstStyle/>
+          <a:p>
+            <a:r>
+              <a:rPr lang="fr-FR"/>
+              <a:t>(Salim)</a:t>
+            </a:r>
+            <a:br>
+              <a:rPr lang="fr-FR"/>
+            </a:br>
+            <a:r>
+              <a:rPr lang="fr-FR"/>
+              <a:t>Page Cours</a:t>
+            </a:r>
+            <a:endParaRPr lang="fr-FR" dirty="0"/>
+          </a:p>
+        </p:txBody>
+      </p:sp>
+      <p:cxnSp>
+        <p:nvCxnSpPr>
+          <p:cNvPr id="17" name="Straight Connector 13">
+            <a:extLst>
+              <a:ext uri="{FF2B5EF4-FFF2-40B4-BE49-F238E27FC236}">
+                <a16:creationId xmlns:a16="http://schemas.microsoft.com/office/drawing/2014/main" id="{7F935FD8-9F2E-4F15-8ED9-1C692DA6F351}"/>
+              </a:ext>
+              <a:ext uri="{C183D7F6-B498-43B3-948B-1728B52AA6E4}">
+                <adec:decorative xmlns:adec="http://schemas.microsoft.com/office/drawing/2017/decorative" val="1"/>
+              </a:ext>
+            </a:extLst>
+          </p:cNvPr>
+          <p:cNvCxnSpPr>
+            <a:cxnSpLocks noGrp="1" noRot="1" noChangeAspect="1" noMove="1" noResize="1" noEditPoints="1" noAdjustHandles="1" noChangeArrowheads="1" noChangeShapeType="1"/>
+          </p:cNvCxnSpPr>
+          <p:nvPr>
+            <p:extLst>
+              <p:ext uri="{386F3935-93C4-4BCD-93E2-E3B085C9AB24}">
+                <p16:designElem xmlns:p16="http://schemas.microsoft.com/office/powerpoint/2015/main" val="1"/>
+              </p:ext>
+            </p:extLst>
+          </p:nvPr>
+        </p:nvCxnSpPr>
+        <p:spPr>
+          <a:xfrm>
+            <a:off x="5616000" y="450000"/>
+            <a:ext cx="0" cy="2764800"/>
+          </a:xfrm>
+          <a:prstGeom prst="line">
+            <a:avLst/>
+          </a:prstGeom>
+          <a:ln>
+            <a:solidFill>
+              <a:schemeClr val="tx2"/>
+            </a:solidFill>
+          </a:ln>
+        </p:spPr>
+        <p:style>
+          <a:lnRef idx="1">
+            <a:schemeClr val="accent1"/>
+          </a:lnRef>
+          <a:fillRef idx="0">
+            <a:schemeClr val="accent1"/>
+          </a:fillRef>
+          <a:effectRef idx="0">
+            <a:schemeClr val="accent1"/>
+          </a:effectRef>
+          <a:fontRef idx="minor">
+            <a:schemeClr val="tx1"/>
+          </a:fontRef>
+        </p:style>
+      </p:cxnSp>
+      <p:sp>
+        <p:nvSpPr>
+          <p:cNvPr id="3" name="Espace réservé du contenu 2">
+            <a:extLst>
+              <a:ext uri="{FF2B5EF4-FFF2-40B4-BE49-F238E27FC236}">
+                <a16:creationId xmlns:a16="http://schemas.microsoft.com/office/drawing/2014/main" id="{42C6B135-6C28-410B-9B37-7BD1966192F7}"/>
+              </a:ext>
+            </a:extLst>
+          </p:cNvPr>
+          <p:cNvSpPr>
+            <a:spLocks noGrp="1"/>
+          </p:cNvSpPr>
+          <p:nvPr>
+            <p:ph idx="1"/>
+          </p:nvPr>
+        </p:nvSpPr>
+        <p:spPr>
+          <a:xfrm>
+            <a:off x="6094800" y="323999"/>
+            <a:ext cx="5184000" cy="2887200"/>
+          </a:xfrm>
+        </p:spPr>
+        <p:txBody>
+          <a:bodyPr>
+            <a:normAutofit/>
+          </a:bodyPr>
+          <a:lstStyle/>
+          <a:p>
+            <a:r>
+              <a:rPr lang="fr-FR" dirty="0"/>
+              <a:t>Source prit des Cours</a:t>
+            </a:r>
+          </a:p>
+        </p:txBody>
+      </p:sp>
+      <p:pic>
+        <p:nvPicPr>
+          <p:cNvPr id="7" name="Image 6">
+            <a:extLst>
+              <a:ext uri="{FF2B5EF4-FFF2-40B4-BE49-F238E27FC236}">
+                <a16:creationId xmlns:a16="http://schemas.microsoft.com/office/drawing/2014/main" id="{99693033-5FB5-45D9-9F41-1E7636F438B7}"/>
+              </a:ext>
+            </a:extLst>
+          </p:cNvPr>
+          <p:cNvPicPr>
+            <a:picLocks noChangeAspect="1"/>
+          </p:cNvPicPr>
+          <p:nvPr/>
+        </p:nvPicPr>
+        <p:blipFill rotWithShape="1">
+          <a:blip r:embed="rId2"/>
+          <a:srcRect l="1341" r="31792"/>
+          <a:stretch/>
+        </p:blipFill>
+        <p:spPr>
+          <a:xfrm>
+            <a:off x="448056" y="3650400"/>
+            <a:ext cx="3295227" cy="2772000"/>
+          </a:xfrm>
+          <a:custGeom>
+            <a:avLst/>
+            <a:gdLst/>
+            <a:ahLst/>
+            <a:cxnLst/>
+            <a:rect l="l" t="t" r="r" b="b"/>
+            <a:pathLst>
+              <a:path w="3295227" h="2772000">
+                <a:moveTo>
+                  <a:pt x="0" y="0"/>
+                </a:moveTo>
+                <a:lnTo>
+                  <a:pt x="3295227" y="0"/>
+                </a:lnTo>
+                <a:lnTo>
+                  <a:pt x="3295227" y="2772000"/>
+                </a:lnTo>
+                <a:lnTo>
+                  <a:pt x="0" y="2772000"/>
+                </a:lnTo>
+                <a:close/>
+              </a:path>
+            </a:pathLst>
+          </a:custGeom>
+        </p:spPr>
+      </p:pic>
+      <p:pic>
+        <p:nvPicPr>
+          <p:cNvPr id="5" name="Image 4">
+            <a:extLst>
+              <a:ext uri="{FF2B5EF4-FFF2-40B4-BE49-F238E27FC236}">
+                <a16:creationId xmlns:a16="http://schemas.microsoft.com/office/drawing/2014/main" id="{82D118CE-2B21-4B4B-AD01-70F1885717F9}"/>
+              </a:ext>
+            </a:extLst>
+          </p:cNvPr>
+          <p:cNvPicPr>
+            <a:picLocks noChangeAspect="1"/>
+          </p:cNvPicPr>
+          <p:nvPr/>
+        </p:nvPicPr>
+        <p:blipFill rotWithShape="1">
+          <a:blip r:embed="rId3"/>
+          <a:srcRect b="17833"/>
+          <a:stretch/>
+        </p:blipFill>
+        <p:spPr>
+          <a:xfrm>
+            <a:off x="3925227" y="3643200"/>
+            <a:ext cx="7374013" cy="2772000"/>
+          </a:xfrm>
+          <a:custGeom>
+            <a:avLst/>
+            <a:gdLst/>
+            <a:ahLst/>
+            <a:cxnLst/>
+            <a:rect l="l" t="t" r="r" b="b"/>
+            <a:pathLst>
+              <a:path w="7374013" h="2772000">
+                <a:moveTo>
+                  <a:pt x="0" y="0"/>
+                </a:moveTo>
+                <a:lnTo>
+                  <a:pt x="7374013" y="0"/>
+                </a:lnTo>
+                <a:lnTo>
+                  <a:pt x="7374013" y="2772000"/>
+                </a:lnTo>
+                <a:lnTo>
+                  <a:pt x="0" y="2772000"/>
+                </a:lnTo>
+                <a:close/>
+              </a:path>
+            </a:pathLst>
+          </a:custGeom>
+        </p:spPr>
+      </p:pic>
+    </p:spTree>
+    <p:extLst>
+      <p:ext uri="{BB962C8B-B14F-4D97-AF65-F5344CB8AC3E}">
+        <p14:creationId xmlns:p14="http://schemas.microsoft.com/office/powerpoint/2010/main" val="1924210656"/>
+      </p:ext>
+    </p:extLst>
+  </p:cSld>
+  <p:clrMapOvr>
+    <a:masterClrMapping/>
+  </p:clrMapOvr>
+</p:sld>
+</file>
+
+<file path=ppt/slides/slide7.xml><?xml version="1.0" encoding="utf-8"?>
+<p:sld xmlns:a="http://schemas.openxmlformats.org/drawingml/2006/main" xmlns:r="http://schemas.openxmlformats.org/officeDocument/2006/relationships" xmlns:p="http://schemas.openxmlformats.org/presentationml/2006/main">
+  <p:cSld>
+    <p:bg>
+      <p:bgPr>
+        <a:solidFill>
+          <a:schemeClr val="bg2"/>
+        </a:solidFill>
+        <a:effectLst/>
+      </p:bgPr>
+    </p:bg>
+    <p:spTree>
+      <p:nvGrpSpPr>
+        <p:cNvPr id="1" name=""/>
+        <p:cNvGrpSpPr/>
+        <p:nvPr/>
+      </p:nvGrpSpPr>
+      <p:grpSpPr>
+        <a:xfrm>
+          <a:off x="0" y="0"/>
+          <a:ext cx="0" cy="0"/>
+          <a:chOff x="0" y="0"/>
+          <a:chExt cx="0" cy="0"/>
+        </a:xfrm>
+      </p:grpSpPr>
+      <p:sp useBgFill="1">
+        <p:nvSpPr>
+          <p:cNvPr id="12" name="Rectangle 11">
+            <a:extLst>
+              <a:ext uri="{FF2B5EF4-FFF2-40B4-BE49-F238E27FC236}">
+                <a16:creationId xmlns:a16="http://schemas.microsoft.com/office/drawing/2014/main" id="{BC40AE45-0F40-4658-AECB-189ADDFFCD61}"/>
+              </a:ext>
+              <a:ext uri="{C183D7F6-B498-43B3-948B-1728B52AA6E4}">
+                <adec:decorative xmlns:adec="http://schemas.microsoft.com/office/drawing/2017/decorative" val="1"/>
+              </a:ext>
+            </a:extLst>
+          </p:cNvPr>
+          <p:cNvSpPr>
+            <a:spLocks noGrp="1" noRot="1" noChangeAspect="1" noMove="1" noResize="1" noEditPoints="1" noAdjustHandles="1" noChangeArrowheads="1" noChangeShapeType="1" noTextEdit="1"/>
+          </p:cNvSpPr>
+          <p:nvPr>
+            <p:extLst>
+              <p:ext uri="{386F3935-93C4-4BCD-93E2-E3B085C9AB24}">
+                <p16:designElem xmlns:p16="http://schemas.microsoft.com/office/powerpoint/2015/main" val="1"/>
+              </p:ext>
+            </p:extLst>
+          </p:nvPr>
+        </p:nvSpPr>
+        <p:spPr>
+          <a:xfrm>
+            <a:off x="0" y="0"/>
+            <a:ext cx="12192000" cy="6858000"/>
+          </a:xfrm>
+          <a:prstGeom prst="rect">
+            <a:avLst/>
+          </a:prstGeom>
+          <a:ln w="12700" cap="flat" cmpd="sng" algn="ctr">
+            <a:noFill/>
+            <a:prstDash val="solid"/>
+            <a:miter lim="800000"/>
+          </a:ln>
+          <a:effectLst/>
+          <a:extLst>
+            <a:ext uri="{91240B29-F687-4F45-9708-019B960494DF}">
+              <a14:hiddenLine xmlns:a14="http://schemas.microsoft.com/office/drawing/2010/main" w="12700" cap="flat" cmpd="sng" algn="ctr">
+                <a:solidFill>
+                  <a:schemeClr val="accent1">
+                    <a:shade val="50000"/>
+                  </a:schemeClr>
+                </a:solidFill>
+                <a:prstDash val="solid"/>
+                <a:miter lim="800000"/>
+              </a14:hiddenLine>
+            </a:ext>
+          </a:extLst>
+        </p:spPr>
+        <p:style>
+          <a:lnRef idx="2">
+            <a:schemeClr val="accent1">
+              <a:shade val="50000"/>
+            </a:schemeClr>
+          </a:lnRef>
+          <a:fillRef idx="1">
+            <a:schemeClr val="accent1"/>
+          </a:fillRef>
+          <a:effectRef idx="0">
+            <a:schemeClr val="accent1"/>
+          </a:effectRef>
+          <a:fontRef idx="minor">
+            <a:schemeClr val="lt1"/>
+          </a:fontRef>
+        </p:style>
+        <p:txBody>
+          <a:bodyPr rtlCol="0" anchor="ctr"/>
+          <a:lstStyle/>
+          <a:p>
+            <a:pPr algn="ctr"/>
+            <a:endParaRPr lang="en-US"/>
+          </a:p>
+        </p:txBody>
+      </p:sp>
+      <p:sp>
+        <p:nvSpPr>
+          <p:cNvPr id="2" name="Titre 1">
+            <a:extLst>
+              <a:ext uri="{FF2B5EF4-FFF2-40B4-BE49-F238E27FC236}">
+                <a16:creationId xmlns:a16="http://schemas.microsoft.com/office/drawing/2014/main" id="{03A1B2C3-0E07-4E9F-B36C-831FA0E80CBE}"/>
+              </a:ext>
+            </a:extLst>
+          </p:cNvPr>
+          <p:cNvSpPr>
+            <a:spLocks noGrp="1"/>
+          </p:cNvSpPr>
+          <p:nvPr>
+            <p:ph type="title"/>
+          </p:nvPr>
+        </p:nvSpPr>
+        <p:spPr>
+          <a:xfrm>
+            <a:off x="448056" y="388800"/>
+            <a:ext cx="11300532" cy="986400"/>
+          </a:xfrm>
+        </p:spPr>
+        <p:txBody>
+          <a:bodyPr anchor="b">
+            <a:normAutofit/>
+          </a:bodyPr>
+          <a:lstStyle/>
+          <a:p>
+            <a:r>
+              <a:rPr lang="fr-FR" sz="6400"/>
+              <a:t>(Salim) Gant Project</a:t>
+            </a:r>
+          </a:p>
+        </p:txBody>
+      </p:sp>
+      <p:cxnSp>
+        <p:nvCxnSpPr>
+          <p:cNvPr id="14" name="Straight Connector 13">
+            <a:extLst>
+              <a:ext uri="{FF2B5EF4-FFF2-40B4-BE49-F238E27FC236}">
+                <a16:creationId xmlns:a16="http://schemas.microsoft.com/office/drawing/2014/main" id="{B32E796E-8D19-4926-B7B8-653B01939010}"/>
+              </a:ext>
+              <a:ext uri="{C183D7F6-B498-43B3-948B-1728B52AA6E4}">
+                <adec:decorative xmlns:adec="http://schemas.microsoft.com/office/drawing/2017/decorative" val="1"/>
+              </a:ext>
+            </a:extLst>
+          </p:cNvPr>
+          <p:cNvCxnSpPr>
+            <a:cxnSpLocks noGrp="1" noRot="1" noChangeAspect="1" noMove="1" noResize="1" noEditPoints="1" noAdjustHandles="1" noChangeArrowheads="1" noChangeShapeType="1"/>
+          </p:cNvCxnSpPr>
+          <p:nvPr>
+            <p:extLst>
+              <p:ext uri="{386F3935-93C4-4BCD-93E2-E3B085C9AB24}">
+                <p16:designElem xmlns:p16="http://schemas.microsoft.com/office/powerpoint/2015/main" val="1"/>
+              </p:ext>
+            </p:extLst>
+          </p:nvPr>
+        </p:nvCxnSpPr>
+        <p:spPr>
+          <a:xfrm>
+            <a:off x="450000" y="1609200"/>
+            <a:ext cx="11300400" cy="0"/>
+          </a:xfrm>
+          <a:prstGeom prst="line">
+            <a:avLst/>
+          </a:prstGeom>
+          <a:ln w="6350">
+            <a:solidFill>
+              <a:schemeClr val="tx2"/>
+            </a:solidFill>
+          </a:ln>
+        </p:spPr>
+        <p:style>
+          <a:lnRef idx="1">
+            <a:schemeClr val="accent1"/>
+          </a:lnRef>
+          <a:fillRef idx="0">
+            <a:schemeClr val="accent1"/>
+          </a:fillRef>
+          <a:effectRef idx="0">
+            <a:schemeClr val="accent1"/>
+          </a:effectRef>
+          <a:fontRef idx="minor">
+            <a:schemeClr val="tx1"/>
+          </a:fontRef>
+        </p:style>
+      </p:cxnSp>
+      <p:pic>
+        <p:nvPicPr>
+          <p:cNvPr id="5" name="Espace réservé du contenu 4">
+            <a:extLst>
+              <a:ext uri="{FF2B5EF4-FFF2-40B4-BE49-F238E27FC236}">
+                <a16:creationId xmlns:a16="http://schemas.microsoft.com/office/drawing/2014/main" id="{1B172DB2-9085-4A4D-9846-8DA9E4020AC5}"/>
+              </a:ext>
+            </a:extLst>
+          </p:cNvPr>
+          <p:cNvPicPr>
+            <a:picLocks noChangeAspect="1"/>
+          </p:cNvPicPr>
+          <p:nvPr/>
+        </p:nvPicPr>
+        <p:blipFill>
+          <a:blip r:embed="rId2"/>
+          <a:stretch>
+            <a:fillRect/>
+          </a:stretch>
+        </p:blipFill>
+        <p:spPr>
+          <a:xfrm>
+            <a:off x="708671" y="2059200"/>
+            <a:ext cx="6857444" cy="3891600"/>
+          </a:xfrm>
+          <a:prstGeom prst="rect">
+            <a:avLst/>
+          </a:prstGeom>
+        </p:spPr>
+      </p:pic>
+      <p:sp>
+        <p:nvSpPr>
+          <p:cNvPr id="9" name="Content Placeholder 8">
+            <a:extLst>
+              <a:ext uri="{FF2B5EF4-FFF2-40B4-BE49-F238E27FC236}">
+                <a16:creationId xmlns:a16="http://schemas.microsoft.com/office/drawing/2014/main" id="{EDCB9326-185E-4D74-AC62-092926785C78}"/>
+              </a:ext>
+            </a:extLst>
+          </p:cNvPr>
+          <p:cNvSpPr>
+            <a:spLocks noGrp="1"/>
+          </p:cNvSpPr>
+          <p:nvPr>
+            <p:ph idx="1"/>
+          </p:nvPr>
+        </p:nvSpPr>
+        <p:spPr>
+          <a:xfrm>
+            <a:off x="8256588" y="1944000"/>
+            <a:ext cx="3490212" cy="4006800"/>
+          </a:xfrm>
+        </p:spPr>
+        <p:txBody>
+          <a:bodyPr>
+            <a:normAutofit/>
+          </a:bodyPr>
+          <a:lstStyle/>
+          <a:p>
+            <a:r>
+              <a:rPr lang="en-US" dirty="0" err="1"/>
+              <a:t>Création</a:t>
+            </a:r>
+            <a:r>
+              <a:rPr lang="en-US" dirty="0"/>
+              <a:t> de </a:t>
+            </a:r>
+            <a:r>
+              <a:rPr lang="en-US" dirty="0" err="1"/>
+              <a:t>tâches</a:t>
+            </a:r>
+            <a:endParaRPr lang="en-US" dirty="0"/>
+          </a:p>
+          <a:p>
+            <a:r>
+              <a:rPr lang="en-US" dirty="0"/>
+              <a:t>Gestion du temps</a:t>
+            </a:r>
+          </a:p>
+          <a:p>
+            <a:r>
+              <a:rPr lang="fr-FR" noProof="1"/>
+              <a:t>Organisation des tâches </a:t>
+            </a:r>
+          </a:p>
+          <a:p>
+            <a:pPr marL="1944" indent="0">
+              <a:buNone/>
+            </a:pPr>
+            <a:endParaRPr lang="fr-FR" noProof="1"/>
+          </a:p>
+        </p:txBody>
+      </p:sp>
+    </p:spTree>
+    <p:extLst>
+      <p:ext uri="{BB962C8B-B14F-4D97-AF65-F5344CB8AC3E}">
+        <p14:creationId xmlns:p14="http://schemas.microsoft.com/office/powerpoint/2010/main" val="2228073764"/>
+      </p:ext>
+    </p:extLst>
+  </p:cSld>
+  <p:clrMapOvr>
+    <a:masterClrMapping/>
+  </p:clrMapOvr>
+</p:sld>
+</file>
+
+<file path=ppt/slides/slide8.xml><?xml version="1.0" encoding="utf-8"?>
+<p:sld xmlns:a="http://schemas.openxmlformats.org/drawingml/2006/main" xmlns:r="http://schemas.openxmlformats.org/officeDocument/2006/relationships" xmlns:p="http://schemas.openxmlformats.org/presentationml/2006/main">
+  <p:cSld>
+    <p:spTree>
+      <p:nvGrpSpPr>
+        <p:cNvPr id="1" name=""/>
+        <p:cNvGrpSpPr/>
+        <p:nvPr/>
+      </p:nvGrpSpPr>
+      <p:grpSpPr>
+        <a:xfrm>
+          <a:off x="0" y="0"/>
+          <a:ext cx="0" cy="0"/>
+          <a:chOff x="0" y="0"/>
+          <a:chExt cx="0" cy="0"/>
+        </a:xfrm>
+      </p:grpSpPr>
+      <p:sp>
+        <p:nvSpPr>
+          <p:cNvPr id="2" name="Titre 1">
+            <a:extLst>
+              <a:ext uri="{FF2B5EF4-FFF2-40B4-BE49-F238E27FC236}">
+                <a16:creationId xmlns:a16="http://schemas.microsoft.com/office/drawing/2014/main" id="{F321C542-9A91-4943-B9AB-656B5F064693}"/>
+              </a:ext>
+            </a:extLst>
+          </p:cNvPr>
+          <p:cNvSpPr>
+            <a:spLocks noGrp="1"/>
+          </p:cNvSpPr>
+          <p:nvPr>
+            <p:ph type="title"/>
+          </p:nvPr>
+        </p:nvSpPr>
+        <p:spPr/>
+        <p:txBody>
+          <a:bodyPr/>
+          <a:lstStyle/>
+          <a:p>
+            <a:r>
+              <a:rPr lang="fr-FR" dirty="0"/>
+              <a:t>Partie Tom</a:t>
+            </a:r>
+          </a:p>
+        </p:txBody>
+      </p:sp>
+      <p:pic>
+        <p:nvPicPr>
+          <p:cNvPr id="4" name="Picture 3">
+            <a:extLst>
+              <a:ext uri="{FF2B5EF4-FFF2-40B4-BE49-F238E27FC236}">
+                <a16:creationId xmlns:a16="http://schemas.microsoft.com/office/drawing/2014/main" id="{3DEE6063-53B8-405E-A8E6-9EDCF6BEE2A9}"/>
+              </a:ext>
+            </a:extLst>
+          </p:cNvPr>
+          <p:cNvPicPr>
+            <a:picLocks noChangeAspect="1"/>
+          </p:cNvPicPr>
+          <p:nvPr/>
+        </p:nvPicPr>
+        <p:blipFill>
+          <a:blip r:embed="rId2"/>
+          <a:stretch>
+            <a:fillRect/>
+          </a:stretch>
+        </p:blipFill>
+        <p:spPr>
+          <a:xfrm>
+            <a:off x="5122333" y="2983638"/>
+            <a:ext cx="6951133" cy="445362"/>
+          </a:xfrm>
+          <a:prstGeom prst="rect">
+            <a:avLst/>
+          </a:prstGeom>
+        </p:spPr>
+      </p:pic>
+      <p:sp>
+        <p:nvSpPr>
+          <p:cNvPr id="8" name="TextBox 7">
+            <a:extLst>
+              <a:ext uri="{FF2B5EF4-FFF2-40B4-BE49-F238E27FC236}">
+                <a16:creationId xmlns:a16="http://schemas.microsoft.com/office/drawing/2014/main" id="{E5E492C6-C463-4F46-BD1C-2324BEAC7D16}"/>
+              </a:ext>
+            </a:extLst>
+          </p:cNvPr>
+          <p:cNvSpPr txBox="1"/>
+          <p:nvPr/>
+        </p:nvSpPr>
+        <p:spPr>
+          <a:xfrm>
+            <a:off x="441960" y="959400"/>
+            <a:ext cx="3390314" cy="369332"/>
+          </a:xfrm>
+          <a:prstGeom prst="rect">
+            <a:avLst/>
+          </a:prstGeom>
+          <a:noFill/>
+        </p:spPr>
+        <p:txBody>
+          <a:bodyPr wrap="square" rtlCol="0">
+            <a:spAutoFit/>
+          </a:bodyPr>
+          <a:lstStyle/>
+          <a:p>
+            <a:r>
+              <a:rPr lang="fr-FR" dirty="0"/>
+              <a:t>Création du menu</a:t>
+            </a:r>
+          </a:p>
+        </p:txBody>
+      </p:sp>
+      <p:pic>
+        <p:nvPicPr>
+          <p:cNvPr id="10" name="Picture 9">
+            <a:extLst>
+              <a:ext uri="{FF2B5EF4-FFF2-40B4-BE49-F238E27FC236}">
+                <a16:creationId xmlns:a16="http://schemas.microsoft.com/office/drawing/2014/main" id="{74F63635-F808-4F4C-9E78-8026F86EC966}"/>
+              </a:ext>
+            </a:extLst>
+          </p:cNvPr>
+          <p:cNvPicPr>
+            <a:picLocks noChangeAspect="1"/>
+          </p:cNvPicPr>
+          <p:nvPr/>
+        </p:nvPicPr>
+        <p:blipFill>
+          <a:blip r:embed="rId3"/>
+          <a:stretch>
+            <a:fillRect/>
+          </a:stretch>
+        </p:blipFill>
+        <p:spPr>
+          <a:xfrm>
+            <a:off x="441960" y="2132340"/>
+            <a:ext cx="3915321" cy="3277057"/>
+          </a:xfrm>
+          <a:prstGeom prst="rect">
+            <a:avLst/>
+          </a:prstGeom>
+        </p:spPr>
+      </p:pic>
+      <p:sp>
+        <p:nvSpPr>
+          <p:cNvPr id="11" name="TextBox 10">
+            <a:extLst>
+              <a:ext uri="{FF2B5EF4-FFF2-40B4-BE49-F238E27FC236}">
+                <a16:creationId xmlns:a16="http://schemas.microsoft.com/office/drawing/2014/main" id="{64044680-C835-4A7E-84DB-0F1E01C3EEFF}"/>
+              </a:ext>
+            </a:extLst>
+          </p:cNvPr>
+          <p:cNvSpPr txBox="1"/>
+          <p:nvPr/>
+        </p:nvSpPr>
+        <p:spPr>
+          <a:xfrm>
+            <a:off x="531234" y="1646504"/>
+            <a:ext cx="3390314" cy="369332"/>
+          </a:xfrm>
+          <a:prstGeom prst="rect">
+            <a:avLst/>
+          </a:prstGeom>
+          <a:noFill/>
+        </p:spPr>
+        <p:txBody>
+          <a:bodyPr wrap="square" rtlCol="0">
+            <a:spAutoFit/>
+          </a:bodyPr>
+          <a:lstStyle/>
+          <a:p>
+            <a:pPr algn="ctr"/>
+            <a:r>
+              <a:rPr lang="fr-FR" dirty="0"/>
+              <a:t>Wordpress</a:t>
+            </a:r>
+          </a:p>
+        </p:txBody>
+      </p:sp>
+      <p:sp>
+        <p:nvSpPr>
+          <p:cNvPr id="12" name="TextBox 11">
+            <a:extLst>
+              <a:ext uri="{FF2B5EF4-FFF2-40B4-BE49-F238E27FC236}">
+                <a16:creationId xmlns:a16="http://schemas.microsoft.com/office/drawing/2014/main" id="{C056AF46-EDE7-421C-9B6F-8025253D6A0F}"/>
+              </a:ext>
+            </a:extLst>
+          </p:cNvPr>
+          <p:cNvSpPr txBox="1"/>
+          <p:nvPr/>
+        </p:nvSpPr>
+        <p:spPr>
+          <a:xfrm>
+            <a:off x="6471285" y="1644037"/>
+            <a:ext cx="4038600" cy="369332"/>
+          </a:xfrm>
+          <a:prstGeom prst="rect">
+            <a:avLst/>
+          </a:prstGeom>
+          <a:noFill/>
+        </p:spPr>
+        <p:txBody>
+          <a:bodyPr wrap="square" rtlCol="0">
+            <a:spAutoFit/>
+          </a:bodyPr>
+          <a:lstStyle/>
+          <a:p>
+            <a:pPr algn="ctr"/>
+            <a:r>
+              <a:rPr lang="fr-FR" dirty="0"/>
+              <a:t>Site</a:t>
+            </a:r>
+          </a:p>
+        </p:txBody>
+      </p:sp>
+    </p:spTree>
+    <p:extLst>
+      <p:ext uri="{BB962C8B-B14F-4D97-AF65-F5344CB8AC3E}">
+        <p14:creationId xmlns:p14="http://schemas.microsoft.com/office/powerpoint/2010/main" val="2297454114"/>
+      </p:ext>
+    </p:extLst>
+  </p:cSld>
+  <p:clrMapOvr>
+    <a:masterClrMapping/>
+  </p:clrMapOvr>
+</p:sld>
+</file>
+
+<file path=ppt/slides/slide9.xml><?xml version="1.0" encoding="utf-8"?>
+<p:sld xmlns:a="http://schemas.openxmlformats.org/drawingml/2006/main" xmlns:r="http://schemas.openxmlformats.org/officeDocument/2006/relationships" xmlns:p="http://schemas.openxmlformats.org/presentationml/2006/main">
+  <p:cSld>
+    <p:spTree>
+      <p:nvGrpSpPr>
+        <p:cNvPr id="1" name=""/>
+        <p:cNvGrpSpPr/>
+        <p:nvPr/>
+      </p:nvGrpSpPr>
+      <p:grpSpPr>
+        <a:xfrm>
+          <a:off x="0" y="0"/>
+          <a:ext cx="0" cy="0"/>
+          <a:chOff x="0" y="0"/>
+          <a:chExt cx="0" cy="0"/>
+        </a:xfrm>
+      </p:grpSpPr>
+      <p:sp>
+        <p:nvSpPr>
+          <p:cNvPr id="2" name="Title 1">
+            <a:extLst>
+              <a:ext uri="{FF2B5EF4-FFF2-40B4-BE49-F238E27FC236}">
+                <a16:creationId xmlns:a16="http://schemas.microsoft.com/office/drawing/2014/main" id="{26E0962D-C895-410E-A0BC-8DA2640A7274}"/>
+              </a:ext>
+            </a:extLst>
+          </p:cNvPr>
+          <p:cNvSpPr>
+            <a:spLocks noGrp="1"/>
+          </p:cNvSpPr>
+          <p:nvPr>
+            <p:ph type="title"/>
+          </p:nvPr>
+        </p:nvSpPr>
+        <p:spPr/>
+        <p:txBody>
+          <a:bodyPr/>
+          <a:lstStyle/>
+          <a:p>
+            <a:r>
+              <a:rPr lang="fr-FR" dirty="0"/>
+              <a:t>Partie Tom</a:t>
+            </a:r>
+          </a:p>
+        </p:txBody>
+      </p:sp>
+      <p:sp>
+        <p:nvSpPr>
+          <p:cNvPr id="5" name="TextBox 4">
+            <a:extLst>
+              <a:ext uri="{FF2B5EF4-FFF2-40B4-BE49-F238E27FC236}">
+                <a16:creationId xmlns:a16="http://schemas.microsoft.com/office/drawing/2014/main" id="{7A9A88A8-B88C-4B3D-9B93-F991951D2965}"/>
+              </a:ext>
+            </a:extLst>
+          </p:cNvPr>
+          <p:cNvSpPr txBox="1"/>
+          <p:nvPr/>
+        </p:nvSpPr>
+        <p:spPr>
+          <a:xfrm>
+            <a:off x="4157133" y="683848"/>
+            <a:ext cx="3877733" cy="1077218"/>
+          </a:xfrm>
+          <a:prstGeom prst="rect">
+            <a:avLst/>
+          </a:prstGeom>
+          <a:noFill/>
+        </p:spPr>
+        <p:txBody>
+          <a:bodyPr wrap="square" rtlCol="0">
+            <a:spAutoFit/>
+          </a:bodyPr>
+          <a:lstStyle/>
+          <a:p>
+            <a:pPr algn="ctr"/>
+            <a:r>
+              <a:rPr lang="fr-FR" sz="3200" dirty="0"/>
+              <a:t>Création du formulaire </a:t>
+            </a:r>
+          </a:p>
+        </p:txBody>
+      </p:sp>
+      <p:sp>
+        <p:nvSpPr>
+          <p:cNvPr id="6" name="TextBox 5">
+            <a:extLst>
+              <a:ext uri="{FF2B5EF4-FFF2-40B4-BE49-F238E27FC236}">
+                <a16:creationId xmlns:a16="http://schemas.microsoft.com/office/drawing/2014/main" id="{3B1FBB09-739C-4EB8-B311-B0852BECE41A}"/>
+              </a:ext>
+            </a:extLst>
+          </p:cNvPr>
+          <p:cNvSpPr txBox="1"/>
+          <p:nvPr/>
+        </p:nvSpPr>
+        <p:spPr>
+          <a:xfrm>
+            <a:off x="448056" y="1761066"/>
+            <a:ext cx="4165601" cy="369332"/>
+          </a:xfrm>
+          <a:prstGeom prst="rect">
+            <a:avLst/>
+          </a:prstGeom>
+          <a:noFill/>
+        </p:spPr>
+        <p:txBody>
+          <a:bodyPr wrap="square" rtlCol="0">
+            <a:spAutoFit/>
+          </a:bodyPr>
+          <a:lstStyle/>
+          <a:p>
+            <a:r>
+              <a:rPr lang="fr-FR" dirty="0"/>
+              <a:t>Extension WordPress : </a:t>
+            </a:r>
+            <a:r>
+              <a:rPr lang="fr-FR" b="1" dirty="0"/>
+              <a:t>Contact Form 7 </a:t>
+            </a:r>
+          </a:p>
+        </p:txBody>
+      </p:sp>
+      <p:pic>
+        <p:nvPicPr>
+          <p:cNvPr id="7" name="Picture 6">
+            <a:extLst>
+              <a:ext uri="{FF2B5EF4-FFF2-40B4-BE49-F238E27FC236}">
+                <a16:creationId xmlns:a16="http://schemas.microsoft.com/office/drawing/2014/main" id="{25089B18-A7D0-40B2-B1FC-B6755D3BA5FF}"/>
+              </a:ext>
+            </a:extLst>
+          </p:cNvPr>
+          <p:cNvPicPr>
+            <a:picLocks noChangeAspect="1"/>
+          </p:cNvPicPr>
+          <p:nvPr/>
+        </p:nvPicPr>
+        <p:blipFill>
+          <a:blip r:embed="rId2"/>
+          <a:stretch>
+            <a:fillRect/>
+          </a:stretch>
+        </p:blipFill>
+        <p:spPr>
+          <a:xfrm>
+            <a:off x="168656" y="3040759"/>
+            <a:ext cx="8145012" cy="3572374"/>
+          </a:xfrm>
+          <a:prstGeom prst="rect">
+            <a:avLst/>
+          </a:prstGeom>
+        </p:spPr>
+      </p:pic>
+      <p:sp>
+        <p:nvSpPr>
+          <p:cNvPr id="8" name="TextBox 7">
+            <a:extLst>
+              <a:ext uri="{FF2B5EF4-FFF2-40B4-BE49-F238E27FC236}">
+                <a16:creationId xmlns:a16="http://schemas.microsoft.com/office/drawing/2014/main" id="{43A2B2A2-C383-49BA-A54B-340D74E1FD37}"/>
+              </a:ext>
+            </a:extLst>
+          </p:cNvPr>
+          <p:cNvSpPr txBox="1"/>
+          <p:nvPr/>
+        </p:nvSpPr>
+        <p:spPr>
+          <a:xfrm>
+            <a:off x="168656" y="2553861"/>
+            <a:ext cx="2980267" cy="369332"/>
+          </a:xfrm>
+          <a:prstGeom prst="rect">
+            <a:avLst/>
+          </a:prstGeom>
+          <a:noFill/>
+        </p:spPr>
+        <p:txBody>
+          <a:bodyPr wrap="square" rtlCol="0">
+            <a:spAutoFit/>
+          </a:bodyPr>
+          <a:lstStyle/>
+          <a:p>
+            <a:pPr algn="ctr"/>
+            <a:r>
+              <a:rPr lang="fr-FR" dirty="0"/>
+              <a:t>WordPress</a:t>
+            </a:r>
+          </a:p>
+        </p:txBody>
+      </p:sp>
+      <p:pic>
+        <p:nvPicPr>
+          <p:cNvPr id="9" name="Picture 8">
+            <a:extLst>
+              <a:ext uri="{FF2B5EF4-FFF2-40B4-BE49-F238E27FC236}">
+                <a16:creationId xmlns:a16="http://schemas.microsoft.com/office/drawing/2014/main" id="{971345F2-776E-4640-AB7F-A1BB2FF398E0}"/>
+              </a:ext>
+            </a:extLst>
+          </p:cNvPr>
+          <p:cNvPicPr>
+            <a:picLocks noChangeAspect="1"/>
+          </p:cNvPicPr>
+          <p:nvPr/>
+        </p:nvPicPr>
+        <p:blipFill>
+          <a:blip r:embed="rId3"/>
+          <a:stretch>
+            <a:fillRect/>
+          </a:stretch>
+        </p:blipFill>
+        <p:spPr>
+          <a:xfrm>
+            <a:off x="8740175" y="1885532"/>
+            <a:ext cx="2936139" cy="4727601"/>
+          </a:xfrm>
+          <a:prstGeom prst="rect">
+            <a:avLst/>
+          </a:prstGeom>
+        </p:spPr>
+      </p:pic>
+      <p:sp>
+        <p:nvSpPr>
+          <p:cNvPr id="10" name="TextBox 9">
+            <a:extLst>
+              <a:ext uri="{FF2B5EF4-FFF2-40B4-BE49-F238E27FC236}">
+                <a16:creationId xmlns:a16="http://schemas.microsoft.com/office/drawing/2014/main" id="{F0537292-95BA-4708-A92E-21FB0F135B13}"/>
+              </a:ext>
+            </a:extLst>
+          </p:cNvPr>
+          <p:cNvSpPr txBox="1"/>
+          <p:nvPr/>
+        </p:nvSpPr>
+        <p:spPr>
+          <a:xfrm>
+            <a:off x="9010211" y="1338434"/>
+            <a:ext cx="2226733" cy="369332"/>
+          </a:xfrm>
+          <a:prstGeom prst="rect">
+            <a:avLst/>
+          </a:prstGeom>
+          <a:noFill/>
+        </p:spPr>
+        <p:txBody>
+          <a:bodyPr wrap="square" rtlCol="0">
+            <a:spAutoFit/>
+          </a:bodyPr>
+          <a:lstStyle/>
+          <a:p>
+            <a:pPr algn="ctr"/>
+            <a:r>
+              <a:rPr lang="fr-FR" dirty="0"/>
+              <a:t>Site</a:t>
+            </a:r>
+          </a:p>
+        </p:txBody>
+      </p:sp>
+      <p:sp>
+        <p:nvSpPr>
+          <p:cNvPr id="11" name="TextBox 10">
+            <a:extLst>
+              <a:ext uri="{FF2B5EF4-FFF2-40B4-BE49-F238E27FC236}">
+                <a16:creationId xmlns:a16="http://schemas.microsoft.com/office/drawing/2014/main" id="{BCD37328-83AA-4848-91ED-EE68ADF22A97}"/>
+              </a:ext>
+            </a:extLst>
+          </p:cNvPr>
+          <p:cNvSpPr txBox="1"/>
+          <p:nvPr/>
+        </p:nvSpPr>
+        <p:spPr>
+          <a:xfrm>
+            <a:off x="441959" y="1032934"/>
+            <a:ext cx="2286677" cy="369332"/>
+          </a:xfrm>
+          <a:prstGeom prst="rect">
+            <a:avLst/>
+          </a:prstGeom>
+          <a:noFill/>
+        </p:spPr>
+        <p:txBody>
+          <a:bodyPr wrap="square" rtlCol="0">
+            <a:spAutoFit/>
+          </a:bodyPr>
+          <a:lstStyle/>
+          <a:p>
+            <a:r>
+              <a:rPr lang="fr-FR" dirty="0"/>
+              <a:t>Page Contact</a:t>
+            </a:r>
+          </a:p>
+        </p:txBody>
+      </p:sp>
+    </p:spTree>
+    <p:extLst>
+      <p:ext uri="{BB962C8B-B14F-4D97-AF65-F5344CB8AC3E}">
+        <p14:creationId xmlns:p14="http://schemas.microsoft.com/office/powerpoint/2010/main" val="1321456216"/>
       </p:ext>
     </p:extLst>
   </p:cSld>

--- a/Powerpoint.pptx
+++ b/Powerpoint.pptx
@@ -5508,7 +5508,10 @@
           <a:bodyPr/>
           <a:lstStyle/>
           <a:p>
-            <a:endParaRPr lang="fr-FR"/>
+            <a:r>
+              <a:rPr lang="fr-FR"/>
+              <a:t>test</a:t>
+            </a:r>
           </a:p>
         </p:txBody>
       </p:sp>

--- a/Powerpoint.pptx
+++ b/Powerpoint.pptx
@@ -5509,8 +5509,14 @@
           <a:lstStyle/>
           <a:p>
             <a:r>
+              <a:rPr lang="fr-FR" dirty="0"/>
+              <a:t>Test</a:t>
+            </a:r>
+          </a:p>
+          <a:p>
+            <a:r>
               <a:rPr lang="fr-FR"/>
-              <a:t>test</a:t>
+              <a:t>Test </a:t>
             </a:r>
           </a:p>
         </p:txBody>

--- a/Powerpoint.pptx
+++ b/Powerpoint.pptx
@@ -5515,8 +5515,14 @@
           </a:p>
           <a:p>
             <a:r>
+              <a:rPr lang="fr-FR" dirty="0"/>
+              <a:t>Test</a:t>
+            </a:r>
+          </a:p>
+          <a:p>
+            <a:r>
               <a:rPr lang="fr-FR"/>
-              <a:t>Test </a:t>
+              <a:t>azrazrazr </a:t>
             </a:r>
           </a:p>
         </p:txBody>

--- a/Powerpoint.pptx
+++ b/Powerpoint.pptx
@@ -5509,21 +5509,10 @@
           <a:lstStyle/>
           <a:p>
             <a:r>
-              <a:rPr lang="fr-FR" dirty="0"/>
-              <a:t>Test</a:t>
-            </a:r>
-          </a:p>
-          <a:p>
-            <a:r>
-              <a:rPr lang="fr-FR" dirty="0"/>
-              <a:t>Test</a:t>
-            </a:r>
-          </a:p>
-          <a:p>
-            <a:r>
               <a:rPr lang="fr-FR"/>
-              <a:t>azrazrazr </a:t>
-            </a:r>
+              <a:t>Nou</a:t>
+            </a:r>
+            <a:endParaRPr lang="fr-FR" dirty="0"/>
           </a:p>
         </p:txBody>
       </p:sp>

--- a/Powerpoint.pptx
+++ b/Powerpoint.pptx
@@ -8,7 +8,15 @@
     <p:sldId id="256" r:id="rId2"/>
     <p:sldId id="257" r:id="rId3"/>
     <p:sldId id="259" r:id="rId4"/>
-    <p:sldId id="258" r:id="rId5"/>
+    <p:sldId id="262" r:id="rId5"/>
+    <p:sldId id="258" r:id="rId6"/>
+    <p:sldId id="260" r:id="rId7"/>
+    <p:sldId id="261" r:id="rId8"/>
+    <p:sldId id="263" r:id="rId9"/>
+    <p:sldId id="264" r:id="rId10"/>
+    <p:sldId id="266" r:id="rId11"/>
+    <p:sldId id="267" r:id="rId12"/>
+    <p:sldId id="265" r:id="rId13"/>
   </p:sldIdLst>
   <p:sldSz cx="12192000" cy="6858000"/>
   <p:notesSz cx="6858000" cy="9144000"/>
@@ -387,7 +395,7 @@
             <a:fld id="{0D309695-DEC3-40DA-9DF5-330280C9D0E8}" type="slidenum">
               <a:rPr lang="en-US" smtClean="0"/>
               <a:pPr/>
-              <a:t>‹N°›</a:t>
+              <a:t>‹#›</a:t>
             </a:fld>
             <a:endParaRPr lang="en-US" dirty="0"/>
           </a:p>
@@ -437,7 +445,7 @@
             <a:fld id="{8256C2ED-54A4-480D-B5C8-65C0D62359B9}" type="datetime2">
               <a:rPr lang="en-US" smtClean="0"/>
               <a:pPr/>
-              <a:t>Monday, November 1, 2021</a:t>
+              <a:t>Tuesday, November 2, 2021</a:t>
             </a:fld>
             <a:endParaRPr lang="en-US" dirty="0"/>
           </a:p>
@@ -596,7 +604,7 @@
           <a:p>
             <a:fld id="{53CF612A-4CB0-4F57-9A87-F049CECB184D}" type="datetime2">
               <a:rPr lang="en-US" smtClean="0"/>
-              <a:t>Monday, November 1, 2021</a:t>
+              <a:t>Tuesday, November 2, 2021</a:t>
             </a:fld>
             <a:endParaRPr lang="en-US"/>
           </a:p>
@@ -653,7 +661,7 @@
           <a:p>
             <a:fld id="{0D309695-DEC3-40DA-9DF5-330280C9D0E8}" type="slidenum">
               <a:rPr lang="en-US" smtClean="0"/>
-              <a:t>‹N°›</a:t>
+              <a:t>‹#›</a:t>
             </a:fld>
             <a:endParaRPr lang="en-US"/>
           </a:p>
@@ -817,7 +825,7 @@
           <a:p>
             <a:fld id="{8F397F40-C8F7-4897-A6B8-241042F913A9}" type="datetime2">
               <a:rPr lang="en-US" smtClean="0"/>
-              <a:t>Monday, November 1, 2021</a:t>
+              <a:t>Tuesday, November 2, 2021</a:t>
             </a:fld>
             <a:endParaRPr lang="en-US"/>
           </a:p>
@@ -874,7 +882,7 @@
           <a:p>
             <a:fld id="{0D309695-DEC3-40DA-9DF5-330280C9D0E8}" type="slidenum">
               <a:rPr lang="en-US" smtClean="0"/>
-              <a:t>‹N°›</a:t>
+              <a:t>‹#›</a:t>
             </a:fld>
             <a:endParaRPr lang="en-US"/>
           </a:p>
@@ -1090,7 +1098,7 @@
             <a:fld id="{0D309695-DEC3-40DA-9DF5-330280C9D0E8}" type="slidenum">
               <a:rPr lang="en-US" smtClean="0"/>
               <a:pPr/>
-              <a:t>‹N°›</a:t>
+              <a:t>‹#›</a:t>
             </a:fld>
             <a:endParaRPr lang="en-US" dirty="0"/>
           </a:p>
@@ -1140,7 +1148,7 @@
             <a:fld id="{8256C2ED-54A4-480D-B5C8-65C0D62359B9}" type="datetime2">
               <a:rPr lang="en-US" smtClean="0"/>
               <a:pPr/>
-              <a:t>Monday, November 1, 2021</a:t>
+              <a:t>Tuesday, November 2, 2021</a:t>
             </a:fld>
             <a:endParaRPr lang="en-US" dirty="0"/>
           </a:p>
@@ -1375,7 +1383,7 @@
           <a:p>
             <a:fld id="{10EDCA73-0A86-4195-A787-75037827079D}" type="datetime2">
               <a:rPr lang="en-US" smtClean="0"/>
-              <a:t>Monday, November 1, 2021</a:t>
+              <a:t>Tuesday, November 2, 2021</a:t>
             </a:fld>
             <a:endParaRPr lang="en-US"/>
           </a:p>
@@ -1432,7 +1440,7 @@
           <a:p>
             <a:fld id="{0D309695-DEC3-40DA-9DF5-330280C9D0E8}" type="slidenum">
               <a:rPr lang="en-US" smtClean="0"/>
-              <a:t>‹N°›</a:t>
+              <a:t>‹#›</a:t>
             </a:fld>
             <a:endParaRPr lang="en-US"/>
           </a:p>
@@ -1726,7 +1734,7 @@
           <a:p>
             <a:fld id="{83C75374-B296-498E-A935-80631EA9020D}" type="datetime2">
               <a:rPr lang="en-US" smtClean="0"/>
-              <a:t>Monday, November 1, 2021</a:t>
+              <a:t>Tuesday, November 2, 2021</a:t>
             </a:fld>
             <a:endParaRPr lang="en-US"/>
           </a:p>
@@ -1783,7 +1791,7 @@
           <a:p>
             <a:fld id="{0D309695-DEC3-40DA-9DF5-330280C9D0E8}" type="slidenum">
               <a:rPr lang="en-US" smtClean="0"/>
-              <a:t>‹N°›</a:t>
+              <a:t>‹#›</a:t>
             </a:fld>
             <a:endParaRPr lang="en-US"/>
           </a:p>
@@ -2166,7 +2174,7 @@
           <a:p>
             <a:fld id="{B098B728-214A-4ABC-8432-5B3A5A66A987}" type="datetime2">
               <a:rPr lang="en-US" smtClean="0"/>
-              <a:t>Monday, November 1, 2021</a:t>
+              <a:t>Tuesday, November 2, 2021</a:t>
             </a:fld>
             <a:endParaRPr lang="en-US" dirty="0"/>
           </a:p>
@@ -2223,7 +2231,7 @@
           <a:p>
             <a:fld id="{0D309695-DEC3-40DA-9DF5-330280C9D0E8}" type="slidenum">
               <a:rPr lang="en-US" smtClean="0"/>
-              <a:t>‹N°›</a:t>
+              <a:t>‹#›</a:t>
             </a:fld>
             <a:endParaRPr lang="en-US"/>
           </a:p>
@@ -2324,7 +2332,7 @@
           <a:p>
             <a:fld id="{015F02D0-6806-43AF-9888-2359BF40C204}" type="datetime2">
               <a:rPr lang="en-US" smtClean="0"/>
-              <a:t>Monday, November 1, 2021</a:t>
+              <a:t>Tuesday, November 2, 2021</a:t>
             </a:fld>
             <a:endParaRPr lang="en-US"/>
           </a:p>
@@ -2381,7 +2389,7 @@
           <a:p>
             <a:fld id="{0D309695-DEC3-40DA-9DF5-330280C9D0E8}" type="slidenum">
               <a:rPr lang="en-US" smtClean="0"/>
-              <a:t>‹N°›</a:t>
+              <a:t>‹#›</a:t>
             </a:fld>
             <a:endParaRPr lang="en-US"/>
           </a:p>
@@ -2448,7 +2456,7 @@
           <a:p>
             <a:fld id="{8EE14D2D-B1AF-4197-82D6-FC1F8BD05681}" type="datetime2">
               <a:rPr lang="en-US" smtClean="0"/>
-              <a:t>Monday, November 1, 2021</a:t>
+              <a:t>Tuesday, November 2, 2021</a:t>
             </a:fld>
             <a:endParaRPr lang="en-US"/>
           </a:p>
@@ -2505,7 +2513,7 @@
           <a:p>
             <a:fld id="{0D309695-DEC3-40DA-9DF5-330280C9D0E8}" type="slidenum">
               <a:rPr lang="en-US" smtClean="0"/>
-              <a:t>‹N°›</a:t>
+              <a:t>‹#›</a:t>
             </a:fld>
             <a:endParaRPr lang="en-US"/>
           </a:p>
@@ -2776,7 +2784,7 @@
           <a:p>
             <a:fld id="{98771CEB-9838-4245-91B8-EFBAFE2D8B44}" type="datetime2">
               <a:rPr lang="en-US" smtClean="0"/>
-              <a:t>Monday, November 1, 2021</a:t>
+              <a:t>Tuesday, November 2, 2021</a:t>
             </a:fld>
             <a:endParaRPr lang="en-US"/>
           </a:p>
@@ -2833,7 +2841,7 @@
           <a:p>
             <a:fld id="{0D309695-DEC3-40DA-9DF5-330280C9D0E8}" type="slidenum">
               <a:rPr lang="en-US" smtClean="0"/>
-              <a:t>‹N°›</a:t>
+              <a:t>‹#›</a:t>
             </a:fld>
             <a:endParaRPr lang="en-US"/>
           </a:p>
@@ -3084,7 +3092,7 @@
           <a:p>
             <a:fld id="{51D3F6BF-A585-41F8-88DF-7E5D069F892A}" type="datetime2">
               <a:rPr lang="en-US" smtClean="0"/>
-              <a:t>Monday, November 1, 2021</a:t>
+              <a:t>Tuesday, November 2, 2021</a:t>
             </a:fld>
             <a:endParaRPr lang="en-US"/>
           </a:p>
@@ -3141,7 +3149,7 @@
           <a:p>
             <a:fld id="{0D309695-DEC3-40DA-9DF5-330280C9D0E8}" type="slidenum">
               <a:rPr lang="en-US" smtClean="0"/>
-              <a:t>‹N°›</a:t>
+              <a:t>‹#›</a:t>
             </a:fld>
             <a:endParaRPr lang="en-US"/>
           </a:p>
@@ -3377,7 +3385,7 @@
             <a:fld id="{0D309695-DEC3-40DA-9DF5-330280C9D0E8}" type="slidenum">
               <a:rPr lang="en-US" smtClean="0"/>
               <a:pPr/>
-              <a:t>‹N°›</a:t>
+              <a:t>‹#›</a:t>
             </a:fld>
             <a:endParaRPr lang="en-US" dirty="0"/>
           </a:p>
@@ -3427,7 +3435,7 @@
             <a:fld id="{8256C2ED-54A4-480D-B5C8-65C0D62359B9}" type="datetime2">
               <a:rPr lang="en-US" smtClean="0"/>
               <a:pPr/>
-              <a:t>Monday, November 1, 2021</a:t>
+              <a:t>Tuesday, November 2, 2021</a:t>
             </a:fld>
             <a:endParaRPr lang="en-US" dirty="0"/>
           </a:p>
@@ -4013,6 +4021,1223 @@
 </p:sld>
 </file>
 
+<file path=ppt/slides/slide10.xml><?xml version="1.0" encoding="utf-8"?>
+<p:sld xmlns:a="http://schemas.openxmlformats.org/drawingml/2006/main" xmlns:r="http://schemas.openxmlformats.org/officeDocument/2006/relationships" xmlns:p="http://schemas.openxmlformats.org/presentationml/2006/main">
+  <p:cSld>
+    <p:spTree>
+      <p:nvGrpSpPr>
+        <p:cNvPr id="1" name=""/>
+        <p:cNvGrpSpPr/>
+        <p:nvPr/>
+      </p:nvGrpSpPr>
+      <p:grpSpPr>
+        <a:xfrm>
+          <a:off x="0" y="0"/>
+          <a:ext cx="0" cy="0"/>
+          <a:chOff x="0" y="0"/>
+          <a:chExt cx="0" cy="0"/>
+        </a:xfrm>
+      </p:grpSpPr>
+      <p:sp>
+        <p:nvSpPr>
+          <p:cNvPr id="2" name="Title 1">
+            <a:extLst>
+              <a:ext uri="{FF2B5EF4-FFF2-40B4-BE49-F238E27FC236}">
+                <a16:creationId xmlns:a16="http://schemas.microsoft.com/office/drawing/2014/main" id="{3FE2FF88-6108-4F1A-A761-E68B2830D9DF}"/>
+              </a:ext>
+            </a:extLst>
+          </p:cNvPr>
+          <p:cNvSpPr>
+            <a:spLocks noGrp="1"/>
+          </p:cNvSpPr>
+          <p:nvPr>
+            <p:ph type="title"/>
+          </p:nvPr>
+        </p:nvSpPr>
+        <p:spPr>
+          <a:xfrm>
+            <a:off x="278723" y="225063"/>
+            <a:ext cx="5106077" cy="1141200"/>
+          </a:xfrm>
+        </p:spPr>
+        <p:txBody>
+          <a:bodyPr/>
+          <a:lstStyle/>
+          <a:p>
+            <a:r>
+              <a:rPr lang="fr-FR" dirty="0"/>
+              <a:t>Partie Tom : CV html pourcentage</a:t>
+            </a:r>
+          </a:p>
+        </p:txBody>
+      </p:sp>
+      <p:pic>
+        <p:nvPicPr>
+          <p:cNvPr id="4" name="Picture 3">
+            <a:extLst>
+              <a:ext uri="{FF2B5EF4-FFF2-40B4-BE49-F238E27FC236}">
+                <a16:creationId xmlns:a16="http://schemas.microsoft.com/office/drawing/2014/main" id="{D7582C93-DBD1-4256-A3E6-214D263EA07E}"/>
+              </a:ext>
+            </a:extLst>
+          </p:cNvPr>
+          <p:cNvPicPr>
+            <a:picLocks noChangeAspect="1"/>
+          </p:cNvPicPr>
+          <p:nvPr/>
+        </p:nvPicPr>
+        <p:blipFill>
+          <a:blip r:embed="rId2"/>
+          <a:stretch>
+            <a:fillRect/>
+          </a:stretch>
+        </p:blipFill>
+        <p:spPr>
+          <a:xfrm>
+            <a:off x="1688206" y="1096367"/>
+            <a:ext cx="2549902" cy="5520267"/>
+          </a:xfrm>
+          <a:prstGeom prst="rect">
+            <a:avLst/>
+          </a:prstGeom>
+        </p:spPr>
+      </p:pic>
+      <p:sp>
+        <p:nvSpPr>
+          <p:cNvPr id="5" name="TextBox 4">
+            <a:extLst>
+              <a:ext uri="{FF2B5EF4-FFF2-40B4-BE49-F238E27FC236}">
+                <a16:creationId xmlns:a16="http://schemas.microsoft.com/office/drawing/2014/main" id="{8B7EC4B4-7436-4830-83F3-DFD0332687A6}"/>
+              </a:ext>
+            </a:extLst>
+          </p:cNvPr>
+          <p:cNvSpPr txBox="1"/>
+          <p:nvPr/>
+        </p:nvSpPr>
+        <p:spPr>
+          <a:xfrm>
+            <a:off x="-55927" y="1397675"/>
+            <a:ext cx="1744133" cy="2031325"/>
+          </a:xfrm>
+          <a:prstGeom prst="rect">
+            <a:avLst/>
+          </a:prstGeom>
+          <a:noFill/>
+        </p:spPr>
+        <p:txBody>
+          <a:bodyPr wrap="square" rtlCol="0">
+            <a:spAutoFit/>
+          </a:bodyPr>
+          <a:lstStyle/>
+          <a:p>
+            <a:pPr algn="ctr"/>
+            <a:r>
+              <a:rPr lang="fr-FR" dirty="0"/>
+              <a:t>Balise : html elementor</a:t>
+            </a:r>
+          </a:p>
+          <a:p>
+            <a:pPr algn="ctr"/>
+            <a:endParaRPr lang="fr-FR" dirty="0"/>
+          </a:p>
+          <a:p>
+            <a:pPr algn="ctr"/>
+            <a:r>
+              <a:rPr lang="fr-FR" dirty="0"/>
+              <a:t>Création du body des compétences en pourcentage</a:t>
+            </a:r>
+          </a:p>
+        </p:txBody>
+      </p:sp>
+      <p:pic>
+        <p:nvPicPr>
+          <p:cNvPr id="7" name="Picture 6">
+            <a:extLst>
+              <a:ext uri="{FF2B5EF4-FFF2-40B4-BE49-F238E27FC236}">
+                <a16:creationId xmlns:a16="http://schemas.microsoft.com/office/drawing/2014/main" id="{DA0682B9-C354-445E-AACA-DAAEABD53117}"/>
+              </a:ext>
+            </a:extLst>
+          </p:cNvPr>
+          <p:cNvPicPr>
+            <a:picLocks noChangeAspect="1"/>
+          </p:cNvPicPr>
+          <p:nvPr/>
+        </p:nvPicPr>
+        <p:blipFill>
+          <a:blip r:embed="rId3"/>
+          <a:stretch>
+            <a:fillRect/>
+          </a:stretch>
+        </p:blipFill>
+        <p:spPr>
+          <a:xfrm>
+            <a:off x="4742091" y="1096367"/>
+            <a:ext cx="3089044" cy="5520267"/>
+          </a:xfrm>
+          <a:prstGeom prst="rect">
+            <a:avLst/>
+          </a:prstGeom>
+        </p:spPr>
+      </p:pic>
+      <p:sp>
+        <p:nvSpPr>
+          <p:cNvPr id="8" name="TextBox 7">
+            <a:extLst>
+              <a:ext uri="{FF2B5EF4-FFF2-40B4-BE49-F238E27FC236}">
+                <a16:creationId xmlns:a16="http://schemas.microsoft.com/office/drawing/2014/main" id="{2B4B20AE-0DD3-4865-8B09-FF35CB2B6D11}"/>
+              </a:ext>
+            </a:extLst>
+          </p:cNvPr>
+          <p:cNvSpPr txBox="1"/>
+          <p:nvPr/>
+        </p:nvSpPr>
+        <p:spPr>
+          <a:xfrm>
+            <a:off x="4868332" y="422202"/>
+            <a:ext cx="3376507" cy="646331"/>
+          </a:xfrm>
+          <a:prstGeom prst="rect">
+            <a:avLst/>
+          </a:prstGeom>
+          <a:noFill/>
+        </p:spPr>
+        <p:txBody>
+          <a:bodyPr wrap="square" rtlCol="0">
+            <a:spAutoFit/>
+          </a:bodyPr>
+          <a:lstStyle/>
+          <a:p>
+            <a:r>
+              <a:rPr lang="fr-FR" dirty="0"/>
+              <a:t>CSS additionnel pour stylisé le « body »</a:t>
+            </a:r>
+          </a:p>
+        </p:txBody>
+      </p:sp>
+      <p:pic>
+        <p:nvPicPr>
+          <p:cNvPr id="9" name="Picture 8">
+            <a:extLst>
+              <a:ext uri="{FF2B5EF4-FFF2-40B4-BE49-F238E27FC236}">
+                <a16:creationId xmlns:a16="http://schemas.microsoft.com/office/drawing/2014/main" id="{C276CF8B-57DB-460D-9665-9CF4D947528F}"/>
+              </a:ext>
+            </a:extLst>
+          </p:cNvPr>
+          <p:cNvPicPr>
+            <a:picLocks noChangeAspect="1"/>
+          </p:cNvPicPr>
+          <p:nvPr/>
+        </p:nvPicPr>
+        <p:blipFill>
+          <a:blip r:embed="rId4"/>
+          <a:stretch>
+            <a:fillRect/>
+          </a:stretch>
+        </p:blipFill>
+        <p:spPr>
+          <a:xfrm>
+            <a:off x="8416533" y="2569989"/>
+            <a:ext cx="3682333" cy="1718021"/>
+          </a:xfrm>
+          <a:prstGeom prst="rect">
+            <a:avLst/>
+          </a:prstGeom>
+        </p:spPr>
+      </p:pic>
+      <p:sp>
+        <p:nvSpPr>
+          <p:cNvPr id="10" name="TextBox 9">
+            <a:extLst>
+              <a:ext uri="{FF2B5EF4-FFF2-40B4-BE49-F238E27FC236}">
+                <a16:creationId xmlns:a16="http://schemas.microsoft.com/office/drawing/2014/main" id="{8E9679AC-B12A-452F-83F7-3FCAA0296059}"/>
+              </a:ext>
+            </a:extLst>
+          </p:cNvPr>
+          <p:cNvSpPr txBox="1"/>
+          <p:nvPr/>
+        </p:nvSpPr>
+        <p:spPr>
+          <a:xfrm>
+            <a:off x="4225779" y="2921167"/>
+            <a:ext cx="296561" cy="1015663"/>
+          </a:xfrm>
+          <a:prstGeom prst="rect">
+            <a:avLst/>
+          </a:prstGeom>
+          <a:noFill/>
+        </p:spPr>
+        <p:txBody>
+          <a:bodyPr wrap="square" rtlCol="0">
+            <a:spAutoFit/>
+          </a:bodyPr>
+          <a:lstStyle/>
+          <a:p>
+            <a:r>
+              <a:rPr lang="fr-FR" sz="6000" dirty="0"/>
+              <a:t>+</a:t>
+            </a:r>
+          </a:p>
+        </p:txBody>
+      </p:sp>
+      <p:sp>
+        <p:nvSpPr>
+          <p:cNvPr id="12" name="TextBox 11">
+            <a:extLst>
+              <a:ext uri="{FF2B5EF4-FFF2-40B4-BE49-F238E27FC236}">
+                <a16:creationId xmlns:a16="http://schemas.microsoft.com/office/drawing/2014/main" id="{D45954D3-ED8D-4DC5-A26E-C41669401E39}"/>
+              </a:ext>
+            </a:extLst>
+          </p:cNvPr>
+          <p:cNvSpPr txBox="1"/>
+          <p:nvPr/>
+        </p:nvSpPr>
+        <p:spPr>
+          <a:xfrm>
+            <a:off x="7831135" y="2997200"/>
+            <a:ext cx="503983" cy="923330"/>
+          </a:xfrm>
+          <a:prstGeom prst="rect">
+            <a:avLst/>
+          </a:prstGeom>
+          <a:noFill/>
+        </p:spPr>
+        <p:txBody>
+          <a:bodyPr wrap="square" rtlCol="0">
+            <a:spAutoFit/>
+          </a:bodyPr>
+          <a:lstStyle/>
+          <a:p>
+            <a:r>
+              <a:rPr lang="fr-FR" sz="5400" dirty="0"/>
+              <a:t>=</a:t>
+            </a:r>
+          </a:p>
+        </p:txBody>
+      </p:sp>
+    </p:spTree>
+    <p:extLst>
+      <p:ext uri="{BB962C8B-B14F-4D97-AF65-F5344CB8AC3E}">
+        <p14:creationId xmlns:p14="http://schemas.microsoft.com/office/powerpoint/2010/main" val="3179961753"/>
+      </p:ext>
+    </p:extLst>
+  </p:cSld>
+  <p:clrMapOvr>
+    <a:masterClrMapping/>
+  </p:clrMapOvr>
+</p:sld>
+</file>
+
+<file path=ppt/slides/slide11.xml><?xml version="1.0" encoding="utf-8"?>
+<p:sld xmlns:a="http://schemas.openxmlformats.org/drawingml/2006/main" xmlns:r="http://schemas.openxmlformats.org/officeDocument/2006/relationships" xmlns:p="http://schemas.openxmlformats.org/presentationml/2006/main">
+  <p:cSld>
+    <p:spTree>
+      <p:nvGrpSpPr>
+        <p:cNvPr id="1" name=""/>
+        <p:cNvGrpSpPr/>
+        <p:nvPr/>
+      </p:nvGrpSpPr>
+      <p:grpSpPr>
+        <a:xfrm>
+          <a:off x="0" y="0"/>
+          <a:ext cx="0" cy="0"/>
+          <a:chOff x="0" y="0"/>
+          <a:chExt cx="0" cy="0"/>
+        </a:xfrm>
+      </p:grpSpPr>
+      <p:sp>
+        <p:nvSpPr>
+          <p:cNvPr id="2" name="Title 1">
+            <a:extLst>
+              <a:ext uri="{FF2B5EF4-FFF2-40B4-BE49-F238E27FC236}">
+                <a16:creationId xmlns:a16="http://schemas.microsoft.com/office/drawing/2014/main" id="{2614C446-A0C8-47C7-B807-F91979CB46E4}"/>
+              </a:ext>
+            </a:extLst>
+          </p:cNvPr>
+          <p:cNvSpPr>
+            <a:spLocks noGrp="1"/>
+          </p:cNvSpPr>
+          <p:nvPr>
+            <p:ph type="title"/>
+          </p:nvPr>
+        </p:nvSpPr>
+        <p:spPr/>
+        <p:txBody>
+          <a:bodyPr/>
+          <a:lstStyle/>
+          <a:p>
+            <a:r>
+              <a:rPr lang="fr-FR" dirty="0"/>
+              <a:t>Partie Tom</a:t>
+            </a:r>
+          </a:p>
+        </p:txBody>
+      </p:sp>
+      <p:sp>
+        <p:nvSpPr>
+          <p:cNvPr id="4" name="TextBox 3">
+            <a:extLst>
+              <a:ext uri="{FF2B5EF4-FFF2-40B4-BE49-F238E27FC236}">
+                <a16:creationId xmlns:a16="http://schemas.microsoft.com/office/drawing/2014/main" id="{A74A2FFF-91DE-4AE5-906E-097D59A38E35}"/>
+              </a:ext>
+            </a:extLst>
+          </p:cNvPr>
+          <p:cNvSpPr txBox="1"/>
+          <p:nvPr/>
+        </p:nvSpPr>
+        <p:spPr>
+          <a:xfrm>
+            <a:off x="192203" y="1498829"/>
+            <a:ext cx="2481411" cy="646331"/>
+          </a:xfrm>
+          <a:prstGeom prst="rect">
+            <a:avLst/>
+          </a:prstGeom>
+          <a:noFill/>
+        </p:spPr>
+        <p:txBody>
+          <a:bodyPr wrap="square" rtlCol="0">
+            <a:spAutoFit/>
+          </a:bodyPr>
+          <a:lstStyle/>
+          <a:p>
+            <a:r>
+              <a:rPr lang="fr-FR" dirty="0"/>
+              <a:t>CSS additionnel pour la bar de progression </a:t>
+            </a:r>
+          </a:p>
+        </p:txBody>
+      </p:sp>
+      <p:pic>
+        <p:nvPicPr>
+          <p:cNvPr id="5" name="Picture 4">
+            <a:extLst>
+              <a:ext uri="{FF2B5EF4-FFF2-40B4-BE49-F238E27FC236}">
+                <a16:creationId xmlns:a16="http://schemas.microsoft.com/office/drawing/2014/main" id="{20497468-FA79-49C2-BCFF-BECE1DD9C7E5}"/>
+              </a:ext>
+            </a:extLst>
+          </p:cNvPr>
+          <p:cNvPicPr>
+            <a:picLocks noChangeAspect="1"/>
+          </p:cNvPicPr>
+          <p:nvPr/>
+        </p:nvPicPr>
+        <p:blipFill>
+          <a:blip r:embed="rId2"/>
+          <a:stretch>
+            <a:fillRect/>
+          </a:stretch>
+        </p:blipFill>
+        <p:spPr>
+          <a:xfrm>
+            <a:off x="2714632" y="1075932"/>
+            <a:ext cx="2832350" cy="5393267"/>
+          </a:xfrm>
+          <a:prstGeom prst="rect">
+            <a:avLst/>
+          </a:prstGeom>
+        </p:spPr>
+      </p:pic>
+      <p:pic>
+        <p:nvPicPr>
+          <p:cNvPr id="9" name="Picture 8">
+            <a:extLst>
+              <a:ext uri="{FF2B5EF4-FFF2-40B4-BE49-F238E27FC236}">
+                <a16:creationId xmlns:a16="http://schemas.microsoft.com/office/drawing/2014/main" id="{BF915345-DF72-4CED-844A-EB92DFFEFE20}"/>
+              </a:ext>
+            </a:extLst>
+          </p:cNvPr>
+          <p:cNvPicPr>
+            <a:picLocks noChangeAspect="1"/>
+          </p:cNvPicPr>
+          <p:nvPr/>
+        </p:nvPicPr>
+        <p:blipFill>
+          <a:blip r:embed="rId3"/>
+          <a:stretch>
+            <a:fillRect/>
+          </a:stretch>
+        </p:blipFill>
+        <p:spPr>
+          <a:xfrm>
+            <a:off x="5757355" y="3103110"/>
+            <a:ext cx="6257916" cy="740778"/>
+          </a:xfrm>
+          <a:prstGeom prst="rect">
+            <a:avLst/>
+          </a:prstGeom>
+        </p:spPr>
+      </p:pic>
+      <p:pic>
+        <p:nvPicPr>
+          <p:cNvPr id="39" name="Picture 38">
+            <a:extLst>
+              <a:ext uri="{FF2B5EF4-FFF2-40B4-BE49-F238E27FC236}">
+                <a16:creationId xmlns:a16="http://schemas.microsoft.com/office/drawing/2014/main" id="{54377083-33D6-4ADD-B79F-E4432E03CB21}"/>
+              </a:ext>
+            </a:extLst>
+          </p:cNvPr>
+          <p:cNvPicPr>
+            <a:picLocks noChangeAspect="1"/>
+          </p:cNvPicPr>
+          <p:nvPr/>
+        </p:nvPicPr>
+        <p:blipFill>
+          <a:blip r:embed="rId4"/>
+          <a:stretch>
+            <a:fillRect/>
+          </a:stretch>
+        </p:blipFill>
+        <p:spPr>
+          <a:xfrm>
+            <a:off x="5757355" y="3632451"/>
+            <a:ext cx="5325218" cy="800212"/>
+          </a:xfrm>
+          <a:prstGeom prst="rect">
+            <a:avLst/>
+          </a:prstGeom>
+        </p:spPr>
+      </p:pic>
+      <p:pic>
+        <p:nvPicPr>
+          <p:cNvPr id="40" name="Picture 39">
+            <a:extLst>
+              <a:ext uri="{FF2B5EF4-FFF2-40B4-BE49-F238E27FC236}">
+                <a16:creationId xmlns:a16="http://schemas.microsoft.com/office/drawing/2014/main" id="{7F17778F-ADCF-4E33-AC5A-EDC2B5DFDB0C}"/>
+              </a:ext>
+            </a:extLst>
+          </p:cNvPr>
+          <p:cNvPicPr>
+            <a:picLocks noChangeAspect="1"/>
+          </p:cNvPicPr>
+          <p:nvPr/>
+        </p:nvPicPr>
+        <p:blipFill>
+          <a:blip r:embed="rId5"/>
+          <a:stretch>
+            <a:fillRect/>
+          </a:stretch>
+        </p:blipFill>
+        <p:spPr>
+          <a:xfrm>
+            <a:off x="5757355" y="4239306"/>
+            <a:ext cx="5287113" cy="685896"/>
+          </a:xfrm>
+          <a:prstGeom prst="rect">
+            <a:avLst/>
+          </a:prstGeom>
+        </p:spPr>
+      </p:pic>
+      <p:pic>
+        <p:nvPicPr>
+          <p:cNvPr id="41" name="Picture 40">
+            <a:extLst>
+              <a:ext uri="{FF2B5EF4-FFF2-40B4-BE49-F238E27FC236}">
+                <a16:creationId xmlns:a16="http://schemas.microsoft.com/office/drawing/2014/main" id="{9F72EFC1-B429-4084-8C06-5E2C92815D84}"/>
+              </a:ext>
+            </a:extLst>
+          </p:cNvPr>
+          <p:cNvPicPr>
+            <a:picLocks noChangeAspect="1"/>
+          </p:cNvPicPr>
+          <p:nvPr/>
+        </p:nvPicPr>
+        <p:blipFill>
+          <a:blip r:embed="rId6"/>
+          <a:stretch>
+            <a:fillRect/>
+          </a:stretch>
+        </p:blipFill>
+        <p:spPr>
+          <a:xfrm>
+            <a:off x="5757355" y="4864116"/>
+            <a:ext cx="5353797" cy="771633"/>
+          </a:xfrm>
+          <a:prstGeom prst="rect">
+            <a:avLst/>
+          </a:prstGeom>
+        </p:spPr>
+      </p:pic>
+      <p:pic>
+        <p:nvPicPr>
+          <p:cNvPr id="42" name="Picture 41">
+            <a:extLst>
+              <a:ext uri="{FF2B5EF4-FFF2-40B4-BE49-F238E27FC236}">
+                <a16:creationId xmlns:a16="http://schemas.microsoft.com/office/drawing/2014/main" id="{B49050C8-F015-4599-AC4B-A27BEDB61FCE}"/>
+              </a:ext>
+            </a:extLst>
+          </p:cNvPr>
+          <p:cNvPicPr>
+            <a:picLocks noChangeAspect="1"/>
+          </p:cNvPicPr>
+          <p:nvPr/>
+        </p:nvPicPr>
+        <p:blipFill>
+          <a:blip r:embed="rId7"/>
+          <a:stretch>
+            <a:fillRect/>
+          </a:stretch>
+        </p:blipFill>
+        <p:spPr>
+          <a:xfrm>
+            <a:off x="5757355" y="5467983"/>
+            <a:ext cx="5391902" cy="733527"/>
+          </a:xfrm>
+          <a:prstGeom prst="rect">
+            <a:avLst/>
+          </a:prstGeom>
+        </p:spPr>
+      </p:pic>
+      <p:cxnSp>
+        <p:nvCxnSpPr>
+          <p:cNvPr id="44" name="Straight Arrow Connector 43">
+            <a:extLst>
+              <a:ext uri="{FF2B5EF4-FFF2-40B4-BE49-F238E27FC236}">
+                <a16:creationId xmlns:a16="http://schemas.microsoft.com/office/drawing/2014/main" id="{572E4396-DD0C-4CEB-99CE-557F58F343EE}"/>
+              </a:ext>
+            </a:extLst>
+          </p:cNvPr>
+          <p:cNvCxnSpPr/>
+          <p:nvPr/>
+        </p:nvCxnSpPr>
+        <p:spPr>
+          <a:xfrm flipV="1">
+            <a:off x="4130807" y="3318933"/>
+            <a:ext cx="6350926" cy="920373"/>
+          </a:xfrm>
+          <a:prstGeom prst="straightConnector1">
+            <a:avLst/>
+          </a:prstGeom>
+          <a:ln>
+            <a:tailEnd type="triangle"/>
+          </a:ln>
+        </p:spPr>
+        <p:style>
+          <a:lnRef idx="1">
+            <a:schemeClr val="accent1"/>
+          </a:lnRef>
+          <a:fillRef idx="0">
+            <a:schemeClr val="accent1"/>
+          </a:fillRef>
+          <a:effectRef idx="0">
+            <a:schemeClr val="accent1"/>
+          </a:effectRef>
+          <a:fontRef idx="minor">
+            <a:schemeClr val="tx1"/>
+          </a:fontRef>
+        </p:style>
+      </p:cxnSp>
+      <p:cxnSp>
+        <p:nvCxnSpPr>
+          <p:cNvPr id="45" name="Straight Arrow Connector 44">
+            <a:extLst>
+              <a:ext uri="{FF2B5EF4-FFF2-40B4-BE49-F238E27FC236}">
+                <a16:creationId xmlns:a16="http://schemas.microsoft.com/office/drawing/2014/main" id="{047E465D-810B-44D2-B1C8-E32386A2A030}"/>
+              </a:ext>
+            </a:extLst>
+          </p:cNvPr>
+          <p:cNvCxnSpPr>
+            <a:cxnSpLocks/>
+          </p:cNvCxnSpPr>
+          <p:nvPr/>
+        </p:nvCxnSpPr>
+        <p:spPr>
+          <a:xfrm flipV="1">
+            <a:off x="4040559" y="3980535"/>
+            <a:ext cx="5078041" cy="707780"/>
+          </a:xfrm>
+          <a:prstGeom prst="straightConnector1">
+            <a:avLst/>
+          </a:prstGeom>
+          <a:ln>
+            <a:tailEnd type="triangle"/>
+          </a:ln>
+        </p:spPr>
+        <p:style>
+          <a:lnRef idx="1">
+            <a:schemeClr val="accent1"/>
+          </a:lnRef>
+          <a:fillRef idx="0">
+            <a:schemeClr val="accent1"/>
+          </a:fillRef>
+          <a:effectRef idx="0">
+            <a:schemeClr val="accent1"/>
+          </a:effectRef>
+          <a:fontRef idx="minor">
+            <a:schemeClr val="tx1"/>
+          </a:fontRef>
+        </p:style>
+      </p:cxnSp>
+      <p:cxnSp>
+        <p:nvCxnSpPr>
+          <p:cNvPr id="47" name="Straight Arrow Connector 46">
+            <a:extLst>
+              <a:ext uri="{FF2B5EF4-FFF2-40B4-BE49-F238E27FC236}">
+                <a16:creationId xmlns:a16="http://schemas.microsoft.com/office/drawing/2014/main" id="{4E0BD157-5F04-4D6B-A481-03E4E59914C2}"/>
+              </a:ext>
+            </a:extLst>
+          </p:cNvPr>
+          <p:cNvCxnSpPr>
+            <a:cxnSpLocks/>
+          </p:cNvCxnSpPr>
+          <p:nvPr/>
+        </p:nvCxnSpPr>
+        <p:spPr>
+          <a:xfrm flipV="1">
+            <a:off x="4040559" y="4569310"/>
+            <a:ext cx="3528641" cy="599535"/>
+          </a:xfrm>
+          <a:prstGeom prst="straightConnector1">
+            <a:avLst/>
+          </a:prstGeom>
+          <a:ln>
+            <a:tailEnd type="triangle"/>
+          </a:ln>
+        </p:spPr>
+        <p:style>
+          <a:lnRef idx="1">
+            <a:schemeClr val="accent1"/>
+          </a:lnRef>
+          <a:fillRef idx="0">
+            <a:schemeClr val="accent1"/>
+          </a:fillRef>
+          <a:effectRef idx="0">
+            <a:schemeClr val="accent1"/>
+          </a:effectRef>
+          <a:fontRef idx="minor">
+            <a:schemeClr val="tx1"/>
+          </a:fontRef>
+        </p:style>
+      </p:cxnSp>
+      <p:cxnSp>
+        <p:nvCxnSpPr>
+          <p:cNvPr id="49" name="Straight Arrow Connector 48">
+            <a:extLst>
+              <a:ext uri="{FF2B5EF4-FFF2-40B4-BE49-F238E27FC236}">
+                <a16:creationId xmlns:a16="http://schemas.microsoft.com/office/drawing/2014/main" id="{C1CD1AAF-E858-4635-9E9F-0FBB637120DA}"/>
+              </a:ext>
+            </a:extLst>
+          </p:cNvPr>
+          <p:cNvCxnSpPr>
+            <a:cxnSpLocks/>
+          </p:cNvCxnSpPr>
+          <p:nvPr/>
+        </p:nvCxnSpPr>
+        <p:spPr>
+          <a:xfrm flipV="1">
+            <a:off x="4040559" y="5168845"/>
+            <a:ext cx="5078041" cy="522438"/>
+          </a:xfrm>
+          <a:prstGeom prst="straightConnector1">
+            <a:avLst/>
+          </a:prstGeom>
+          <a:ln>
+            <a:tailEnd type="triangle"/>
+          </a:ln>
+        </p:spPr>
+        <p:style>
+          <a:lnRef idx="1">
+            <a:schemeClr val="accent1"/>
+          </a:lnRef>
+          <a:fillRef idx="0">
+            <a:schemeClr val="accent1"/>
+          </a:fillRef>
+          <a:effectRef idx="0">
+            <a:schemeClr val="accent1"/>
+          </a:effectRef>
+          <a:fontRef idx="minor">
+            <a:schemeClr val="tx1"/>
+          </a:fontRef>
+        </p:style>
+      </p:cxnSp>
+      <p:cxnSp>
+        <p:nvCxnSpPr>
+          <p:cNvPr id="51" name="Straight Arrow Connector 50">
+            <a:extLst>
+              <a:ext uri="{FF2B5EF4-FFF2-40B4-BE49-F238E27FC236}">
+                <a16:creationId xmlns:a16="http://schemas.microsoft.com/office/drawing/2014/main" id="{FDECEEB9-DEA3-4AF3-9BF1-3C09DAC5D526}"/>
+              </a:ext>
+            </a:extLst>
+          </p:cNvPr>
+          <p:cNvCxnSpPr>
+            <a:cxnSpLocks/>
+          </p:cNvCxnSpPr>
+          <p:nvPr/>
+        </p:nvCxnSpPr>
+        <p:spPr>
+          <a:xfrm flipV="1">
+            <a:off x="4037889" y="5811550"/>
+            <a:ext cx="4953711" cy="350476"/>
+          </a:xfrm>
+          <a:prstGeom prst="straightConnector1">
+            <a:avLst/>
+          </a:prstGeom>
+          <a:ln>
+            <a:tailEnd type="triangle"/>
+          </a:ln>
+        </p:spPr>
+        <p:style>
+          <a:lnRef idx="1">
+            <a:schemeClr val="accent1"/>
+          </a:lnRef>
+          <a:fillRef idx="0">
+            <a:schemeClr val="accent1"/>
+          </a:fillRef>
+          <a:effectRef idx="0">
+            <a:schemeClr val="accent1"/>
+          </a:effectRef>
+          <a:fontRef idx="minor">
+            <a:schemeClr val="tx1"/>
+          </a:fontRef>
+        </p:style>
+      </p:cxnSp>
+      <p:pic>
+        <p:nvPicPr>
+          <p:cNvPr id="59" name="Picture 58">
+            <a:extLst>
+              <a:ext uri="{FF2B5EF4-FFF2-40B4-BE49-F238E27FC236}">
+                <a16:creationId xmlns:a16="http://schemas.microsoft.com/office/drawing/2014/main" id="{50C742B6-C452-4729-BE4D-3B0C4E29050A}"/>
+              </a:ext>
+            </a:extLst>
+          </p:cNvPr>
+          <p:cNvPicPr>
+            <a:picLocks noChangeAspect="1"/>
+          </p:cNvPicPr>
+          <p:nvPr/>
+        </p:nvPicPr>
+        <p:blipFill>
+          <a:blip r:embed="rId8"/>
+          <a:stretch>
+            <a:fillRect/>
+          </a:stretch>
+        </p:blipFill>
+        <p:spPr>
+          <a:xfrm>
+            <a:off x="2673614" y="899201"/>
+            <a:ext cx="4915586" cy="352474"/>
+          </a:xfrm>
+          <a:prstGeom prst="rect">
+            <a:avLst/>
+          </a:prstGeom>
+        </p:spPr>
+      </p:pic>
+      <p:pic>
+        <p:nvPicPr>
+          <p:cNvPr id="60" name="Picture 59">
+            <a:extLst>
+              <a:ext uri="{FF2B5EF4-FFF2-40B4-BE49-F238E27FC236}">
+                <a16:creationId xmlns:a16="http://schemas.microsoft.com/office/drawing/2014/main" id="{D0F02A81-4150-4E9B-BF73-46A7FC3AC3CC}"/>
+              </a:ext>
+            </a:extLst>
+          </p:cNvPr>
+          <p:cNvPicPr>
+            <a:picLocks noChangeAspect="1"/>
+          </p:cNvPicPr>
+          <p:nvPr/>
+        </p:nvPicPr>
+        <p:blipFill>
+          <a:blip r:embed="rId9"/>
+          <a:stretch>
+            <a:fillRect/>
+          </a:stretch>
+        </p:blipFill>
+        <p:spPr>
+          <a:xfrm>
+            <a:off x="6564498" y="383054"/>
+            <a:ext cx="5104550" cy="2352772"/>
+          </a:xfrm>
+          <a:prstGeom prst="rect">
+            <a:avLst/>
+          </a:prstGeom>
+        </p:spPr>
+      </p:pic>
+      <p:cxnSp>
+        <p:nvCxnSpPr>
+          <p:cNvPr id="62" name="Straight Arrow Connector 61">
+            <a:extLst>
+              <a:ext uri="{FF2B5EF4-FFF2-40B4-BE49-F238E27FC236}">
+                <a16:creationId xmlns:a16="http://schemas.microsoft.com/office/drawing/2014/main" id="{0627D29C-CD40-45A8-8A8B-0C8CCAE654DC}"/>
+              </a:ext>
+            </a:extLst>
+          </p:cNvPr>
+          <p:cNvCxnSpPr/>
+          <p:nvPr/>
+        </p:nvCxnSpPr>
+        <p:spPr>
+          <a:xfrm flipV="1">
+            <a:off x="3767667" y="829733"/>
+            <a:ext cx="3031066" cy="700267"/>
+          </a:xfrm>
+          <a:prstGeom prst="straightConnector1">
+            <a:avLst/>
+          </a:prstGeom>
+          <a:ln>
+            <a:solidFill>
+              <a:srgbClr val="C00000"/>
+            </a:solidFill>
+            <a:tailEnd type="triangle"/>
+          </a:ln>
+        </p:spPr>
+        <p:style>
+          <a:lnRef idx="1">
+            <a:schemeClr val="accent1"/>
+          </a:lnRef>
+          <a:fillRef idx="0">
+            <a:schemeClr val="accent1"/>
+          </a:fillRef>
+          <a:effectRef idx="0">
+            <a:schemeClr val="accent1"/>
+          </a:effectRef>
+          <a:fontRef idx="minor">
+            <a:schemeClr val="tx1"/>
+          </a:fontRef>
+        </p:style>
+      </p:cxnSp>
+      <p:cxnSp>
+        <p:nvCxnSpPr>
+          <p:cNvPr id="64" name="Straight Arrow Connector 63">
+            <a:extLst>
+              <a:ext uri="{FF2B5EF4-FFF2-40B4-BE49-F238E27FC236}">
+                <a16:creationId xmlns:a16="http://schemas.microsoft.com/office/drawing/2014/main" id="{1F0E3F2F-110E-4A5A-BF59-F27FFDF7048E}"/>
+              </a:ext>
+            </a:extLst>
+          </p:cNvPr>
+          <p:cNvCxnSpPr/>
+          <p:nvPr/>
+        </p:nvCxnSpPr>
+        <p:spPr>
+          <a:xfrm flipV="1">
+            <a:off x="3852333" y="829733"/>
+            <a:ext cx="2946400" cy="1227667"/>
+          </a:xfrm>
+          <a:prstGeom prst="straightConnector1">
+            <a:avLst/>
+          </a:prstGeom>
+          <a:ln>
+            <a:solidFill>
+              <a:srgbClr val="C00000"/>
+            </a:solidFill>
+            <a:tailEnd type="triangle"/>
+          </a:ln>
+        </p:spPr>
+        <p:style>
+          <a:lnRef idx="1">
+            <a:schemeClr val="accent1"/>
+          </a:lnRef>
+          <a:fillRef idx="0">
+            <a:schemeClr val="accent1"/>
+          </a:fillRef>
+          <a:effectRef idx="0">
+            <a:schemeClr val="accent1"/>
+          </a:effectRef>
+          <a:fontRef idx="minor">
+            <a:schemeClr val="tx1"/>
+          </a:fontRef>
+        </p:style>
+      </p:cxnSp>
+      <p:cxnSp>
+        <p:nvCxnSpPr>
+          <p:cNvPr id="66" name="Straight Arrow Connector 65">
+            <a:extLst>
+              <a:ext uri="{FF2B5EF4-FFF2-40B4-BE49-F238E27FC236}">
+                <a16:creationId xmlns:a16="http://schemas.microsoft.com/office/drawing/2014/main" id="{F1953AFD-08BE-4CDB-A852-6BF2FC7DBBC9}"/>
+              </a:ext>
+            </a:extLst>
+          </p:cNvPr>
+          <p:cNvCxnSpPr/>
+          <p:nvPr/>
+        </p:nvCxnSpPr>
+        <p:spPr>
+          <a:xfrm flipV="1">
+            <a:off x="3767667" y="829733"/>
+            <a:ext cx="3031066" cy="1701325"/>
+          </a:xfrm>
+          <a:prstGeom prst="straightConnector1">
+            <a:avLst/>
+          </a:prstGeom>
+          <a:ln>
+            <a:solidFill>
+              <a:srgbClr val="C00000"/>
+            </a:solidFill>
+            <a:tailEnd type="triangle"/>
+          </a:ln>
+        </p:spPr>
+        <p:style>
+          <a:lnRef idx="1">
+            <a:schemeClr val="accent1"/>
+          </a:lnRef>
+          <a:fillRef idx="0">
+            <a:schemeClr val="accent1"/>
+          </a:fillRef>
+          <a:effectRef idx="0">
+            <a:schemeClr val="accent1"/>
+          </a:effectRef>
+          <a:fontRef idx="minor">
+            <a:schemeClr val="tx1"/>
+          </a:fontRef>
+        </p:style>
+      </p:cxnSp>
+      <p:cxnSp>
+        <p:nvCxnSpPr>
+          <p:cNvPr id="68" name="Straight Arrow Connector 67">
+            <a:extLst>
+              <a:ext uri="{FF2B5EF4-FFF2-40B4-BE49-F238E27FC236}">
+                <a16:creationId xmlns:a16="http://schemas.microsoft.com/office/drawing/2014/main" id="{4D8581E5-E648-4A0D-BF09-D80260EF1001}"/>
+              </a:ext>
+            </a:extLst>
+          </p:cNvPr>
+          <p:cNvCxnSpPr/>
+          <p:nvPr/>
+        </p:nvCxnSpPr>
+        <p:spPr>
+          <a:xfrm flipV="1">
+            <a:off x="3767667" y="828907"/>
+            <a:ext cx="3031066" cy="2206057"/>
+          </a:xfrm>
+          <a:prstGeom prst="straightConnector1">
+            <a:avLst/>
+          </a:prstGeom>
+          <a:ln>
+            <a:solidFill>
+              <a:srgbClr val="C00000"/>
+            </a:solidFill>
+            <a:tailEnd type="triangle"/>
+          </a:ln>
+        </p:spPr>
+        <p:style>
+          <a:lnRef idx="1">
+            <a:schemeClr val="accent1"/>
+          </a:lnRef>
+          <a:fillRef idx="0">
+            <a:schemeClr val="accent1"/>
+          </a:fillRef>
+          <a:effectRef idx="0">
+            <a:schemeClr val="accent1"/>
+          </a:effectRef>
+          <a:fontRef idx="minor">
+            <a:schemeClr val="tx1"/>
+          </a:fontRef>
+        </p:style>
+      </p:cxnSp>
+      <p:cxnSp>
+        <p:nvCxnSpPr>
+          <p:cNvPr id="70" name="Straight Arrow Connector 69">
+            <a:extLst>
+              <a:ext uri="{FF2B5EF4-FFF2-40B4-BE49-F238E27FC236}">
+                <a16:creationId xmlns:a16="http://schemas.microsoft.com/office/drawing/2014/main" id="{4119E08F-5B1F-4A53-B82F-CD9AD24B2576}"/>
+              </a:ext>
+            </a:extLst>
+          </p:cNvPr>
+          <p:cNvCxnSpPr/>
+          <p:nvPr/>
+        </p:nvCxnSpPr>
+        <p:spPr>
+          <a:xfrm flipV="1">
+            <a:off x="3767667" y="829733"/>
+            <a:ext cx="3031066" cy="2691090"/>
+          </a:xfrm>
+          <a:prstGeom prst="straightConnector1">
+            <a:avLst/>
+          </a:prstGeom>
+          <a:ln>
+            <a:solidFill>
+              <a:srgbClr val="C00000"/>
+            </a:solidFill>
+            <a:tailEnd type="triangle"/>
+          </a:ln>
+        </p:spPr>
+        <p:style>
+          <a:lnRef idx="1">
+            <a:schemeClr val="accent1"/>
+          </a:lnRef>
+          <a:fillRef idx="0">
+            <a:schemeClr val="accent1"/>
+          </a:fillRef>
+          <a:effectRef idx="0">
+            <a:schemeClr val="accent1"/>
+          </a:effectRef>
+          <a:fontRef idx="minor">
+            <a:schemeClr val="tx1"/>
+          </a:fontRef>
+        </p:style>
+      </p:cxnSp>
+      <p:cxnSp>
+        <p:nvCxnSpPr>
+          <p:cNvPr id="72" name="Straight Arrow Connector 71">
+            <a:extLst>
+              <a:ext uri="{FF2B5EF4-FFF2-40B4-BE49-F238E27FC236}">
+                <a16:creationId xmlns:a16="http://schemas.microsoft.com/office/drawing/2014/main" id="{FE913C50-834B-42DB-90A3-4B945488C02C}"/>
+              </a:ext>
+            </a:extLst>
+          </p:cNvPr>
+          <p:cNvCxnSpPr/>
+          <p:nvPr/>
+        </p:nvCxnSpPr>
+        <p:spPr>
+          <a:xfrm>
+            <a:off x="7679267" y="828907"/>
+            <a:ext cx="3674533" cy="2644592"/>
+          </a:xfrm>
+          <a:prstGeom prst="straightConnector1">
+            <a:avLst/>
+          </a:prstGeom>
+          <a:ln>
+            <a:solidFill>
+              <a:srgbClr val="00B050"/>
+            </a:solidFill>
+            <a:tailEnd type="triangle"/>
+          </a:ln>
+        </p:spPr>
+        <p:style>
+          <a:lnRef idx="1">
+            <a:schemeClr val="accent1"/>
+          </a:lnRef>
+          <a:fillRef idx="0">
+            <a:schemeClr val="accent1"/>
+          </a:fillRef>
+          <a:effectRef idx="0">
+            <a:schemeClr val="accent1"/>
+          </a:effectRef>
+          <a:fontRef idx="minor">
+            <a:schemeClr val="tx1"/>
+          </a:fontRef>
+        </p:style>
+      </p:cxnSp>
+    </p:spTree>
+    <p:extLst>
+      <p:ext uri="{BB962C8B-B14F-4D97-AF65-F5344CB8AC3E}">
+        <p14:creationId xmlns:p14="http://schemas.microsoft.com/office/powerpoint/2010/main" val="1451270159"/>
+      </p:ext>
+    </p:extLst>
+  </p:cSld>
+  <p:clrMapOvr>
+    <a:masterClrMapping/>
+  </p:clrMapOvr>
+</p:sld>
+</file>
+
+<file path=ppt/slides/slide12.xml><?xml version="1.0" encoding="utf-8"?>
+<p:sld xmlns:a="http://schemas.openxmlformats.org/drawingml/2006/main" xmlns:r="http://schemas.openxmlformats.org/officeDocument/2006/relationships" xmlns:p="http://schemas.openxmlformats.org/presentationml/2006/main">
+  <p:cSld>
+    <p:spTree>
+      <p:nvGrpSpPr>
+        <p:cNvPr id="1" name=""/>
+        <p:cNvGrpSpPr/>
+        <p:nvPr/>
+      </p:nvGrpSpPr>
+      <p:grpSpPr>
+        <a:xfrm>
+          <a:off x="0" y="0"/>
+          <a:ext cx="0" cy="0"/>
+          <a:chOff x="0" y="0"/>
+          <a:chExt cx="0" cy="0"/>
+        </a:xfrm>
+      </p:grpSpPr>
+      <p:sp>
+        <p:nvSpPr>
+          <p:cNvPr id="2" name="Title 1">
+            <a:extLst>
+              <a:ext uri="{FF2B5EF4-FFF2-40B4-BE49-F238E27FC236}">
+                <a16:creationId xmlns:a16="http://schemas.microsoft.com/office/drawing/2014/main" id="{E921BEE4-0FB8-4E67-8B20-7706358CEC3D}"/>
+              </a:ext>
+            </a:extLst>
+          </p:cNvPr>
+          <p:cNvSpPr>
+            <a:spLocks noGrp="1"/>
+          </p:cNvSpPr>
+          <p:nvPr>
+            <p:ph type="title"/>
+          </p:nvPr>
+        </p:nvSpPr>
+        <p:spPr/>
+        <p:txBody>
+          <a:bodyPr/>
+          <a:lstStyle/>
+          <a:p>
+            <a:r>
+              <a:rPr lang="fr-FR" dirty="0"/>
+              <a:t>Partie Tom</a:t>
+            </a:r>
+          </a:p>
+        </p:txBody>
+      </p:sp>
+      <p:pic>
+        <p:nvPicPr>
+          <p:cNvPr id="5" name="Picture 4">
+            <a:extLst>
+              <a:ext uri="{FF2B5EF4-FFF2-40B4-BE49-F238E27FC236}">
+                <a16:creationId xmlns:a16="http://schemas.microsoft.com/office/drawing/2014/main" id="{8D733FEA-EF16-4ACB-A804-DEA200AB0D27}"/>
+              </a:ext>
+            </a:extLst>
+          </p:cNvPr>
+          <p:cNvPicPr>
+            <a:picLocks noChangeAspect="1"/>
+          </p:cNvPicPr>
+          <p:nvPr/>
+        </p:nvPicPr>
+        <p:blipFill>
+          <a:blip r:embed="rId2"/>
+          <a:stretch>
+            <a:fillRect/>
+          </a:stretch>
+        </p:blipFill>
+        <p:spPr>
+          <a:xfrm>
+            <a:off x="236728" y="2460276"/>
+            <a:ext cx="11718544" cy="3347857"/>
+          </a:xfrm>
+          <a:prstGeom prst="rect">
+            <a:avLst/>
+          </a:prstGeom>
+        </p:spPr>
+      </p:pic>
+      <p:sp>
+        <p:nvSpPr>
+          <p:cNvPr id="7" name="TextBox 6">
+            <a:extLst>
+              <a:ext uri="{FF2B5EF4-FFF2-40B4-BE49-F238E27FC236}">
+                <a16:creationId xmlns:a16="http://schemas.microsoft.com/office/drawing/2014/main" id="{30044A7D-F5CD-42C3-931F-3559B211CD59}"/>
+              </a:ext>
+            </a:extLst>
+          </p:cNvPr>
+          <p:cNvSpPr txBox="1"/>
+          <p:nvPr/>
+        </p:nvSpPr>
+        <p:spPr>
+          <a:xfrm>
+            <a:off x="4897967" y="1671972"/>
+            <a:ext cx="2396066" cy="646331"/>
+          </a:xfrm>
+          <a:prstGeom prst="rect">
+            <a:avLst/>
+          </a:prstGeom>
+          <a:noFill/>
+        </p:spPr>
+        <p:txBody>
+          <a:bodyPr wrap="square" rtlCol="0">
+            <a:spAutoFit/>
+          </a:bodyPr>
+          <a:lstStyle/>
+          <a:p>
+            <a:pPr algn="ctr"/>
+            <a:r>
+              <a:rPr lang="fr-FR" dirty="0"/>
+              <a:t>Site Compétence en pourcentage</a:t>
+            </a:r>
+          </a:p>
+        </p:txBody>
+      </p:sp>
+    </p:spTree>
+    <p:extLst>
+      <p:ext uri="{BB962C8B-B14F-4D97-AF65-F5344CB8AC3E}">
+        <p14:creationId xmlns:p14="http://schemas.microsoft.com/office/powerpoint/2010/main" val="3610694620"/>
+      </p:ext>
+    </p:extLst>
+  </p:cSld>
+  <p:clrMapOvr>
+    <a:masterClrMapping/>
+  </p:clrMapOvr>
+</p:sld>
+</file>
+
 <file path=ppt/slides/slide2.xml><?xml version="1.0" encoding="utf-8"?>
 <p:sld xmlns:a="http://schemas.openxmlformats.org/drawingml/2006/main" xmlns:r="http://schemas.openxmlformats.org/officeDocument/2006/relationships" xmlns:p="http://schemas.openxmlformats.org/presentationml/2006/main">
   <p:cSld>
@@ -4220,6 +5445,89 @@
 <file path=ppt/slides/slide4.xml><?xml version="1.0" encoding="utf-8"?>
 <p:sld xmlns:a="http://schemas.openxmlformats.org/drawingml/2006/main" xmlns:r="http://schemas.openxmlformats.org/officeDocument/2006/relationships" xmlns:p="http://schemas.openxmlformats.org/presentationml/2006/main">
   <p:cSld>
+    <p:spTree>
+      <p:nvGrpSpPr>
+        <p:cNvPr id="1" name=""/>
+        <p:cNvGrpSpPr/>
+        <p:nvPr/>
+      </p:nvGrpSpPr>
+      <p:grpSpPr>
+        <a:xfrm>
+          <a:off x="0" y="0"/>
+          <a:ext cx="0" cy="0"/>
+          <a:chOff x="0" y="0"/>
+          <a:chExt cx="0" cy="0"/>
+        </a:xfrm>
+      </p:grpSpPr>
+      <p:sp>
+        <p:nvSpPr>
+          <p:cNvPr id="2" name="Titre 1">
+            <a:extLst>
+              <a:ext uri="{FF2B5EF4-FFF2-40B4-BE49-F238E27FC236}">
+                <a16:creationId xmlns:a16="http://schemas.microsoft.com/office/drawing/2014/main" id="{7F357055-4F0D-4438-9401-2F30282F269C}"/>
+              </a:ext>
+            </a:extLst>
+          </p:cNvPr>
+          <p:cNvSpPr>
+            <a:spLocks noGrp="1"/>
+          </p:cNvSpPr>
+          <p:nvPr>
+            <p:ph type="title"/>
+          </p:nvPr>
+        </p:nvSpPr>
+        <p:spPr/>
+        <p:txBody>
+          <a:bodyPr/>
+          <a:lstStyle/>
+          <a:p>
+            <a:r>
+              <a:rPr lang="fr-FR" dirty="0"/>
+              <a:t>Parti Clara</a:t>
+            </a:r>
+          </a:p>
+        </p:txBody>
+      </p:sp>
+      <p:sp>
+        <p:nvSpPr>
+          <p:cNvPr id="3" name="Espace réservé du contenu 2">
+            <a:extLst>
+              <a:ext uri="{FF2B5EF4-FFF2-40B4-BE49-F238E27FC236}">
+                <a16:creationId xmlns:a16="http://schemas.microsoft.com/office/drawing/2014/main" id="{0847074A-91CD-4F76-AC85-971EBB12C5F7}"/>
+              </a:ext>
+            </a:extLst>
+          </p:cNvPr>
+          <p:cNvSpPr>
+            <a:spLocks noGrp="1"/>
+          </p:cNvSpPr>
+          <p:nvPr>
+            <p:ph idx="1"/>
+          </p:nvPr>
+        </p:nvSpPr>
+        <p:spPr/>
+        <p:txBody>
+          <a:bodyPr/>
+          <a:lstStyle/>
+          <a:p>
+            <a:endParaRPr lang="fr-FR" dirty="0"/>
+          </a:p>
+        </p:txBody>
+      </p:sp>
+    </p:spTree>
+    <p:extLst>
+      <p:ext uri="{BB962C8B-B14F-4D97-AF65-F5344CB8AC3E}">
+        <p14:creationId xmlns:p14="http://schemas.microsoft.com/office/powerpoint/2010/main" val="2975665321"/>
+      </p:ext>
+    </p:extLst>
+  </p:cSld>
+  <p:clrMapOvr>
+    <a:masterClrMapping/>
+  </p:clrMapOvr>
+</p:sld>
+</file>
+
+<file path=ppt/slides/slide5.xml><?xml version="1.0" encoding="utf-8"?>
+<p:sld xmlns:a="http://schemas.openxmlformats.org/drawingml/2006/main" xmlns:r="http://schemas.openxmlformats.org/officeDocument/2006/relationships" xmlns:p="http://schemas.openxmlformats.org/presentationml/2006/main">
+  <p:cSld>
     <p:bg>
       <p:bgPr>
         <a:solidFill>
@@ -4483,6 +5791,1168 @@
     <p:extLst>
       <p:ext uri="{BB962C8B-B14F-4D97-AF65-F5344CB8AC3E}">
         <p14:creationId xmlns:p14="http://schemas.microsoft.com/office/powerpoint/2010/main" val="4006638164"/>
+      </p:ext>
+    </p:extLst>
+  </p:cSld>
+  <p:clrMapOvr>
+    <a:masterClrMapping/>
+  </p:clrMapOvr>
+</p:sld>
+</file>
+
+<file path=ppt/slides/slide6.xml><?xml version="1.0" encoding="utf-8"?>
+<p:sld xmlns:a="http://schemas.openxmlformats.org/drawingml/2006/main" xmlns:r="http://schemas.openxmlformats.org/officeDocument/2006/relationships" xmlns:p="http://schemas.openxmlformats.org/presentationml/2006/main">
+  <p:cSld>
+    <p:bg>
+      <p:bgPr>
+        <a:solidFill>
+          <a:schemeClr val="bg2"/>
+        </a:solidFill>
+        <a:effectLst/>
+      </p:bgPr>
+    </p:bg>
+    <p:spTree>
+      <p:nvGrpSpPr>
+        <p:cNvPr id="1" name=""/>
+        <p:cNvGrpSpPr/>
+        <p:nvPr/>
+      </p:nvGrpSpPr>
+      <p:grpSpPr>
+        <a:xfrm>
+          <a:off x="0" y="0"/>
+          <a:ext cx="0" cy="0"/>
+          <a:chOff x="0" y="0"/>
+          <a:chExt cx="0" cy="0"/>
+        </a:xfrm>
+      </p:grpSpPr>
+      <p:sp useBgFill="1">
+        <p:nvSpPr>
+          <p:cNvPr id="16" name="Rectangle 11">
+            <a:extLst>
+              <a:ext uri="{FF2B5EF4-FFF2-40B4-BE49-F238E27FC236}">
+                <a16:creationId xmlns:a16="http://schemas.microsoft.com/office/drawing/2014/main" id="{1399859F-F366-4AF3-B2CF-491BC512B06E}"/>
+              </a:ext>
+              <a:ext uri="{C183D7F6-B498-43B3-948B-1728B52AA6E4}">
+                <adec:decorative xmlns:adec="http://schemas.microsoft.com/office/drawing/2017/decorative" val="1"/>
+              </a:ext>
+            </a:extLst>
+          </p:cNvPr>
+          <p:cNvSpPr>
+            <a:spLocks noGrp="1" noRot="1" noChangeAspect="1" noMove="1" noResize="1" noEditPoints="1" noAdjustHandles="1" noChangeArrowheads="1" noChangeShapeType="1" noTextEdit="1"/>
+          </p:cNvSpPr>
+          <p:nvPr>
+            <p:extLst>
+              <p:ext uri="{386F3935-93C4-4BCD-93E2-E3B085C9AB24}">
+                <p16:designElem xmlns:p16="http://schemas.microsoft.com/office/powerpoint/2015/main" val="1"/>
+              </p:ext>
+            </p:extLst>
+          </p:nvPr>
+        </p:nvSpPr>
+        <p:spPr>
+          <a:xfrm>
+            <a:off x="0" y="0"/>
+            <a:ext cx="12192000" cy="6858000"/>
+          </a:xfrm>
+          <a:prstGeom prst="rect">
+            <a:avLst/>
+          </a:prstGeom>
+          <a:ln w="12700" cap="flat" cmpd="sng" algn="ctr">
+            <a:noFill/>
+            <a:prstDash val="solid"/>
+            <a:miter lim="800000"/>
+          </a:ln>
+          <a:effectLst/>
+          <a:extLst>
+            <a:ext uri="{91240B29-F687-4F45-9708-019B960494DF}">
+              <a14:hiddenLine xmlns:a14="http://schemas.microsoft.com/office/drawing/2010/main" w="12700" cap="flat" cmpd="sng" algn="ctr">
+                <a:solidFill>
+                  <a:schemeClr val="accent1">
+                    <a:shade val="50000"/>
+                  </a:schemeClr>
+                </a:solidFill>
+                <a:prstDash val="solid"/>
+                <a:miter lim="800000"/>
+              </a14:hiddenLine>
+            </a:ext>
+          </a:extLst>
+        </p:spPr>
+        <p:style>
+          <a:lnRef idx="2">
+            <a:schemeClr val="accent1">
+              <a:shade val="50000"/>
+            </a:schemeClr>
+          </a:lnRef>
+          <a:fillRef idx="1">
+            <a:schemeClr val="accent1"/>
+          </a:fillRef>
+          <a:effectRef idx="0">
+            <a:schemeClr val="accent1"/>
+          </a:effectRef>
+          <a:fontRef idx="minor">
+            <a:schemeClr val="lt1"/>
+          </a:fontRef>
+        </p:style>
+        <p:txBody>
+          <a:bodyPr rtlCol="0" anchor="ctr"/>
+          <a:lstStyle/>
+          <a:p>
+            <a:pPr algn="ctr"/>
+            <a:endParaRPr lang="en-US"/>
+          </a:p>
+        </p:txBody>
+      </p:sp>
+      <p:sp>
+        <p:nvSpPr>
+          <p:cNvPr id="2" name="Titre 1">
+            <a:extLst>
+              <a:ext uri="{FF2B5EF4-FFF2-40B4-BE49-F238E27FC236}">
+                <a16:creationId xmlns:a16="http://schemas.microsoft.com/office/drawing/2014/main" id="{B216C74B-0F53-4892-A581-35BAB8BE0530}"/>
+              </a:ext>
+            </a:extLst>
+          </p:cNvPr>
+          <p:cNvSpPr>
+            <a:spLocks noGrp="1"/>
+          </p:cNvSpPr>
+          <p:nvPr>
+            <p:ph type="title"/>
+          </p:nvPr>
+        </p:nvSpPr>
+        <p:spPr>
+          <a:xfrm>
+            <a:off x="448056" y="388800"/>
+            <a:ext cx="4694400" cy="2826000"/>
+          </a:xfrm>
+        </p:spPr>
+        <p:txBody>
+          <a:bodyPr>
+            <a:normAutofit/>
+          </a:bodyPr>
+          <a:lstStyle/>
+          <a:p>
+            <a:r>
+              <a:rPr lang="fr-FR"/>
+              <a:t>(Salim)</a:t>
+            </a:r>
+            <a:br>
+              <a:rPr lang="fr-FR"/>
+            </a:br>
+            <a:r>
+              <a:rPr lang="fr-FR"/>
+              <a:t>Page Cours</a:t>
+            </a:r>
+            <a:endParaRPr lang="fr-FR" dirty="0"/>
+          </a:p>
+        </p:txBody>
+      </p:sp>
+      <p:cxnSp>
+        <p:nvCxnSpPr>
+          <p:cNvPr id="17" name="Straight Connector 13">
+            <a:extLst>
+              <a:ext uri="{FF2B5EF4-FFF2-40B4-BE49-F238E27FC236}">
+                <a16:creationId xmlns:a16="http://schemas.microsoft.com/office/drawing/2014/main" id="{7F935FD8-9F2E-4F15-8ED9-1C692DA6F351}"/>
+              </a:ext>
+              <a:ext uri="{C183D7F6-B498-43B3-948B-1728B52AA6E4}">
+                <adec:decorative xmlns:adec="http://schemas.microsoft.com/office/drawing/2017/decorative" val="1"/>
+              </a:ext>
+            </a:extLst>
+          </p:cNvPr>
+          <p:cNvCxnSpPr>
+            <a:cxnSpLocks noGrp="1" noRot="1" noChangeAspect="1" noMove="1" noResize="1" noEditPoints="1" noAdjustHandles="1" noChangeArrowheads="1" noChangeShapeType="1"/>
+          </p:cNvCxnSpPr>
+          <p:nvPr>
+            <p:extLst>
+              <p:ext uri="{386F3935-93C4-4BCD-93E2-E3B085C9AB24}">
+                <p16:designElem xmlns:p16="http://schemas.microsoft.com/office/powerpoint/2015/main" val="1"/>
+              </p:ext>
+            </p:extLst>
+          </p:nvPr>
+        </p:nvCxnSpPr>
+        <p:spPr>
+          <a:xfrm>
+            <a:off x="5616000" y="450000"/>
+            <a:ext cx="0" cy="2764800"/>
+          </a:xfrm>
+          <a:prstGeom prst="line">
+            <a:avLst/>
+          </a:prstGeom>
+          <a:ln>
+            <a:solidFill>
+              <a:schemeClr val="tx2"/>
+            </a:solidFill>
+          </a:ln>
+        </p:spPr>
+        <p:style>
+          <a:lnRef idx="1">
+            <a:schemeClr val="accent1"/>
+          </a:lnRef>
+          <a:fillRef idx="0">
+            <a:schemeClr val="accent1"/>
+          </a:fillRef>
+          <a:effectRef idx="0">
+            <a:schemeClr val="accent1"/>
+          </a:effectRef>
+          <a:fontRef idx="minor">
+            <a:schemeClr val="tx1"/>
+          </a:fontRef>
+        </p:style>
+      </p:cxnSp>
+      <p:sp>
+        <p:nvSpPr>
+          <p:cNvPr id="3" name="Espace réservé du contenu 2">
+            <a:extLst>
+              <a:ext uri="{FF2B5EF4-FFF2-40B4-BE49-F238E27FC236}">
+                <a16:creationId xmlns:a16="http://schemas.microsoft.com/office/drawing/2014/main" id="{42C6B135-6C28-410B-9B37-7BD1966192F7}"/>
+              </a:ext>
+            </a:extLst>
+          </p:cNvPr>
+          <p:cNvSpPr>
+            <a:spLocks noGrp="1"/>
+          </p:cNvSpPr>
+          <p:nvPr>
+            <p:ph idx="1"/>
+          </p:nvPr>
+        </p:nvSpPr>
+        <p:spPr>
+          <a:xfrm>
+            <a:off x="6094800" y="323999"/>
+            <a:ext cx="5184000" cy="2887200"/>
+          </a:xfrm>
+        </p:spPr>
+        <p:txBody>
+          <a:bodyPr>
+            <a:normAutofit/>
+          </a:bodyPr>
+          <a:lstStyle/>
+          <a:p>
+            <a:r>
+              <a:rPr lang="fr-FR" dirty="0"/>
+              <a:t>Source prit des Cours</a:t>
+            </a:r>
+          </a:p>
+        </p:txBody>
+      </p:sp>
+      <p:pic>
+        <p:nvPicPr>
+          <p:cNvPr id="7" name="Image 6">
+            <a:extLst>
+              <a:ext uri="{FF2B5EF4-FFF2-40B4-BE49-F238E27FC236}">
+                <a16:creationId xmlns:a16="http://schemas.microsoft.com/office/drawing/2014/main" id="{99693033-5FB5-45D9-9F41-1E7636F438B7}"/>
+              </a:ext>
+            </a:extLst>
+          </p:cNvPr>
+          <p:cNvPicPr>
+            <a:picLocks noChangeAspect="1"/>
+          </p:cNvPicPr>
+          <p:nvPr/>
+        </p:nvPicPr>
+        <p:blipFill rotWithShape="1">
+          <a:blip r:embed="rId2"/>
+          <a:srcRect l="1341" r="31792"/>
+          <a:stretch/>
+        </p:blipFill>
+        <p:spPr>
+          <a:xfrm>
+            <a:off x="448056" y="3650400"/>
+            <a:ext cx="3295227" cy="2772000"/>
+          </a:xfrm>
+          <a:custGeom>
+            <a:avLst/>
+            <a:gdLst/>
+            <a:ahLst/>
+            <a:cxnLst/>
+            <a:rect l="l" t="t" r="r" b="b"/>
+            <a:pathLst>
+              <a:path w="3295227" h="2772000">
+                <a:moveTo>
+                  <a:pt x="0" y="0"/>
+                </a:moveTo>
+                <a:lnTo>
+                  <a:pt x="3295227" y="0"/>
+                </a:lnTo>
+                <a:lnTo>
+                  <a:pt x="3295227" y="2772000"/>
+                </a:lnTo>
+                <a:lnTo>
+                  <a:pt x="0" y="2772000"/>
+                </a:lnTo>
+                <a:close/>
+              </a:path>
+            </a:pathLst>
+          </a:custGeom>
+        </p:spPr>
+      </p:pic>
+      <p:pic>
+        <p:nvPicPr>
+          <p:cNvPr id="5" name="Image 4">
+            <a:extLst>
+              <a:ext uri="{FF2B5EF4-FFF2-40B4-BE49-F238E27FC236}">
+                <a16:creationId xmlns:a16="http://schemas.microsoft.com/office/drawing/2014/main" id="{82D118CE-2B21-4B4B-AD01-70F1885717F9}"/>
+              </a:ext>
+            </a:extLst>
+          </p:cNvPr>
+          <p:cNvPicPr>
+            <a:picLocks noChangeAspect="1"/>
+          </p:cNvPicPr>
+          <p:nvPr/>
+        </p:nvPicPr>
+        <p:blipFill rotWithShape="1">
+          <a:blip r:embed="rId3"/>
+          <a:srcRect b="17833"/>
+          <a:stretch/>
+        </p:blipFill>
+        <p:spPr>
+          <a:xfrm>
+            <a:off x="3925227" y="3643200"/>
+            <a:ext cx="7374013" cy="2772000"/>
+          </a:xfrm>
+          <a:custGeom>
+            <a:avLst/>
+            <a:gdLst/>
+            <a:ahLst/>
+            <a:cxnLst/>
+            <a:rect l="l" t="t" r="r" b="b"/>
+            <a:pathLst>
+              <a:path w="7374013" h="2772000">
+                <a:moveTo>
+                  <a:pt x="0" y="0"/>
+                </a:moveTo>
+                <a:lnTo>
+                  <a:pt x="7374013" y="0"/>
+                </a:lnTo>
+                <a:lnTo>
+                  <a:pt x="7374013" y="2772000"/>
+                </a:lnTo>
+                <a:lnTo>
+                  <a:pt x="0" y="2772000"/>
+                </a:lnTo>
+                <a:close/>
+              </a:path>
+            </a:pathLst>
+          </a:custGeom>
+        </p:spPr>
+      </p:pic>
+    </p:spTree>
+    <p:extLst>
+      <p:ext uri="{BB962C8B-B14F-4D97-AF65-F5344CB8AC3E}">
+        <p14:creationId xmlns:p14="http://schemas.microsoft.com/office/powerpoint/2010/main" val="1924210656"/>
+      </p:ext>
+    </p:extLst>
+  </p:cSld>
+  <p:clrMapOvr>
+    <a:masterClrMapping/>
+  </p:clrMapOvr>
+</p:sld>
+</file>
+
+<file path=ppt/slides/slide7.xml><?xml version="1.0" encoding="utf-8"?>
+<p:sld xmlns:a="http://schemas.openxmlformats.org/drawingml/2006/main" xmlns:r="http://schemas.openxmlformats.org/officeDocument/2006/relationships" xmlns:p="http://schemas.openxmlformats.org/presentationml/2006/main">
+  <p:cSld>
+    <p:bg>
+      <p:bgPr>
+        <a:solidFill>
+          <a:schemeClr val="bg2"/>
+        </a:solidFill>
+        <a:effectLst/>
+      </p:bgPr>
+    </p:bg>
+    <p:spTree>
+      <p:nvGrpSpPr>
+        <p:cNvPr id="1" name=""/>
+        <p:cNvGrpSpPr/>
+        <p:nvPr/>
+      </p:nvGrpSpPr>
+      <p:grpSpPr>
+        <a:xfrm>
+          <a:off x="0" y="0"/>
+          <a:ext cx="0" cy="0"/>
+          <a:chOff x="0" y="0"/>
+          <a:chExt cx="0" cy="0"/>
+        </a:xfrm>
+      </p:grpSpPr>
+      <p:sp useBgFill="1">
+        <p:nvSpPr>
+          <p:cNvPr id="12" name="Rectangle 11">
+            <a:extLst>
+              <a:ext uri="{FF2B5EF4-FFF2-40B4-BE49-F238E27FC236}">
+                <a16:creationId xmlns:a16="http://schemas.microsoft.com/office/drawing/2014/main" id="{BC40AE45-0F40-4658-AECB-189ADDFFCD61}"/>
+              </a:ext>
+              <a:ext uri="{C183D7F6-B498-43B3-948B-1728B52AA6E4}">
+                <adec:decorative xmlns:adec="http://schemas.microsoft.com/office/drawing/2017/decorative" val="1"/>
+              </a:ext>
+            </a:extLst>
+          </p:cNvPr>
+          <p:cNvSpPr>
+            <a:spLocks noGrp="1" noRot="1" noChangeAspect="1" noMove="1" noResize="1" noEditPoints="1" noAdjustHandles="1" noChangeArrowheads="1" noChangeShapeType="1" noTextEdit="1"/>
+          </p:cNvSpPr>
+          <p:nvPr>
+            <p:extLst>
+              <p:ext uri="{386F3935-93C4-4BCD-93E2-E3B085C9AB24}">
+                <p16:designElem xmlns:p16="http://schemas.microsoft.com/office/powerpoint/2015/main" val="1"/>
+              </p:ext>
+            </p:extLst>
+          </p:nvPr>
+        </p:nvSpPr>
+        <p:spPr>
+          <a:xfrm>
+            <a:off x="0" y="0"/>
+            <a:ext cx="12192000" cy="6858000"/>
+          </a:xfrm>
+          <a:prstGeom prst="rect">
+            <a:avLst/>
+          </a:prstGeom>
+          <a:ln w="12700" cap="flat" cmpd="sng" algn="ctr">
+            <a:noFill/>
+            <a:prstDash val="solid"/>
+            <a:miter lim="800000"/>
+          </a:ln>
+          <a:effectLst/>
+          <a:extLst>
+            <a:ext uri="{91240B29-F687-4F45-9708-019B960494DF}">
+              <a14:hiddenLine xmlns:a14="http://schemas.microsoft.com/office/drawing/2010/main" w="12700" cap="flat" cmpd="sng" algn="ctr">
+                <a:solidFill>
+                  <a:schemeClr val="accent1">
+                    <a:shade val="50000"/>
+                  </a:schemeClr>
+                </a:solidFill>
+                <a:prstDash val="solid"/>
+                <a:miter lim="800000"/>
+              </a14:hiddenLine>
+            </a:ext>
+          </a:extLst>
+        </p:spPr>
+        <p:style>
+          <a:lnRef idx="2">
+            <a:schemeClr val="accent1">
+              <a:shade val="50000"/>
+            </a:schemeClr>
+          </a:lnRef>
+          <a:fillRef idx="1">
+            <a:schemeClr val="accent1"/>
+          </a:fillRef>
+          <a:effectRef idx="0">
+            <a:schemeClr val="accent1"/>
+          </a:effectRef>
+          <a:fontRef idx="minor">
+            <a:schemeClr val="lt1"/>
+          </a:fontRef>
+        </p:style>
+        <p:txBody>
+          <a:bodyPr rtlCol="0" anchor="ctr"/>
+          <a:lstStyle/>
+          <a:p>
+            <a:pPr algn="ctr"/>
+            <a:endParaRPr lang="en-US"/>
+          </a:p>
+        </p:txBody>
+      </p:sp>
+      <p:sp>
+        <p:nvSpPr>
+          <p:cNvPr id="2" name="Titre 1">
+            <a:extLst>
+              <a:ext uri="{FF2B5EF4-FFF2-40B4-BE49-F238E27FC236}">
+                <a16:creationId xmlns:a16="http://schemas.microsoft.com/office/drawing/2014/main" id="{03A1B2C3-0E07-4E9F-B36C-831FA0E80CBE}"/>
+              </a:ext>
+            </a:extLst>
+          </p:cNvPr>
+          <p:cNvSpPr>
+            <a:spLocks noGrp="1"/>
+          </p:cNvSpPr>
+          <p:nvPr>
+            <p:ph type="title"/>
+          </p:nvPr>
+        </p:nvSpPr>
+        <p:spPr>
+          <a:xfrm>
+            <a:off x="448056" y="388800"/>
+            <a:ext cx="11300532" cy="986400"/>
+          </a:xfrm>
+        </p:spPr>
+        <p:txBody>
+          <a:bodyPr anchor="b">
+            <a:normAutofit/>
+          </a:bodyPr>
+          <a:lstStyle/>
+          <a:p>
+            <a:r>
+              <a:rPr lang="fr-FR" sz="6400"/>
+              <a:t>(Salim) Gant Project</a:t>
+            </a:r>
+          </a:p>
+        </p:txBody>
+      </p:sp>
+      <p:cxnSp>
+        <p:nvCxnSpPr>
+          <p:cNvPr id="14" name="Straight Connector 13">
+            <a:extLst>
+              <a:ext uri="{FF2B5EF4-FFF2-40B4-BE49-F238E27FC236}">
+                <a16:creationId xmlns:a16="http://schemas.microsoft.com/office/drawing/2014/main" id="{B32E796E-8D19-4926-B7B8-653B01939010}"/>
+              </a:ext>
+              <a:ext uri="{C183D7F6-B498-43B3-948B-1728B52AA6E4}">
+                <adec:decorative xmlns:adec="http://schemas.microsoft.com/office/drawing/2017/decorative" val="1"/>
+              </a:ext>
+            </a:extLst>
+          </p:cNvPr>
+          <p:cNvCxnSpPr>
+            <a:cxnSpLocks noGrp="1" noRot="1" noChangeAspect="1" noMove="1" noResize="1" noEditPoints="1" noAdjustHandles="1" noChangeArrowheads="1" noChangeShapeType="1"/>
+          </p:cNvCxnSpPr>
+          <p:nvPr>
+            <p:extLst>
+              <p:ext uri="{386F3935-93C4-4BCD-93E2-E3B085C9AB24}">
+                <p16:designElem xmlns:p16="http://schemas.microsoft.com/office/powerpoint/2015/main" val="1"/>
+              </p:ext>
+            </p:extLst>
+          </p:nvPr>
+        </p:nvCxnSpPr>
+        <p:spPr>
+          <a:xfrm>
+            <a:off x="450000" y="1609200"/>
+            <a:ext cx="11300400" cy="0"/>
+          </a:xfrm>
+          <a:prstGeom prst="line">
+            <a:avLst/>
+          </a:prstGeom>
+          <a:ln w="6350">
+            <a:solidFill>
+              <a:schemeClr val="tx2"/>
+            </a:solidFill>
+          </a:ln>
+        </p:spPr>
+        <p:style>
+          <a:lnRef idx="1">
+            <a:schemeClr val="accent1"/>
+          </a:lnRef>
+          <a:fillRef idx="0">
+            <a:schemeClr val="accent1"/>
+          </a:fillRef>
+          <a:effectRef idx="0">
+            <a:schemeClr val="accent1"/>
+          </a:effectRef>
+          <a:fontRef idx="minor">
+            <a:schemeClr val="tx1"/>
+          </a:fontRef>
+        </p:style>
+      </p:cxnSp>
+      <p:pic>
+        <p:nvPicPr>
+          <p:cNvPr id="5" name="Espace réservé du contenu 4">
+            <a:extLst>
+              <a:ext uri="{FF2B5EF4-FFF2-40B4-BE49-F238E27FC236}">
+                <a16:creationId xmlns:a16="http://schemas.microsoft.com/office/drawing/2014/main" id="{1B172DB2-9085-4A4D-9846-8DA9E4020AC5}"/>
+              </a:ext>
+            </a:extLst>
+          </p:cNvPr>
+          <p:cNvPicPr>
+            <a:picLocks noChangeAspect="1"/>
+          </p:cNvPicPr>
+          <p:nvPr/>
+        </p:nvPicPr>
+        <p:blipFill>
+          <a:blip r:embed="rId2"/>
+          <a:stretch>
+            <a:fillRect/>
+          </a:stretch>
+        </p:blipFill>
+        <p:spPr>
+          <a:xfrm>
+            <a:off x="708671" y="2059200"/>
+            <a:ext cx="6857444" cy="3891600"/>
+          </a:xfrm>
+          <a:prstGeom prst="rect">
+            <a:avLst/>
+          </a:prstGeom>
+        </p:spPr>
+      </p:pic>
+      <p:sp>
+        <p:nvSpPr>
+          <p:cNvPr id="9" name="Content Placeholder 8">
+            <a:extLst>
+              <a:ext uri="{FF2B5EF4-FFF2-40B4-BE49-F238E27FC236}">
+                <a16:creationId xmlns:a16="http://schemas.microsoft.com/office/drawing/2014/main" id="{EDCB9326-185E-4D74-AC62-092926785C78}"/>
+              </a:ext>
+            </a:extLst>
+          </p:cNvPr>
+          <p:cNvSpPr>
+            <a:spLocks noGrp="1"/>
+          </p:cNvSpPr>
+          <p:nvPr>
+            <p:ph idx="1"/>
+          </p:nvPr>
+        </p:nvSpPr>
+        <p:spPr>
+          <a:xfrm>
+            <a:off x="8256588" y="1944000"/>
+            <a:ext cx="3490212" cy="4006800"/>
+          </a:xfrm>
+        </p:spPr>
+        <p:txBody>
+          <a:bodyPr>
+            <a:normAutofit/>
+          </a:bodyPr>
+          <a:lstStyle/>
+          <a:p>
+            <a:r>
+              <a:rPr lang="en-US" dirty="0" err="1"/>
+              <a:t>Création</a:t>
+            </a:r>
+            <a:r>
+              <a:rPr lang="en-US" dirty="0"/>
+              <a:t> de </a:t>
+            </a:r>
+            <a:r>
+              <a:rPr lang="en-US" dirty="0" err="1"/>
+              <a:t>tâches</a:t>
+            </a:r>
+            <a:endParaRPr lang="en-US" dirty="0"/>
+          </a:p>
+          <a:p>
+            <a:r>
+              <a:rPr lang="en-US" dirty="0"/>
+              <a:t>Gestion du temps</a:t>
+            </a:r>
+          </a:p>
+          <a:p>
+            <a:r>
+              <a:rPr lang="fr-FR" noProof="1"/>
+              <a:t>Organisation des tâches </a:t>
+            </a:r>
+          </a:p>
+          <a:p>
+            <a:pPr marL="1944" indent="0">
+              <a:buNone/>
+            </a:pPr>
+            <a:endParaRPr lang="fr-FR" noProof="1"/>
+          </a:p>
+        </p:txBody>
+      </p:sp>
+    </p:spTree>
+    <p:extLst>
+      <p:ext uri="{BB962C8B-B14F-4D97-AF65-F5344CB8AC3E}">
+        <p14:creationId xmlns:p14="http://schemas.microsoft.com/office/powerpoint/2010/main" val="2228073764"/>
+      </p:ext>
+    </p:extLst>
+  </p:cSld>
+  <p:clrMapOvr>
+    <a:masterClrMapping/>
+  </p:clrMapOvr>
+</p:sld>
+</file>
+
+<file path=ppt/slides/slide8.xml><?xml version="1.0" encoding="utf-8"?>
+<p:sld xmlns:a="http://schemas.openxmlformats.org/drawingml/2006/main" xmlns:r="http://schemas.openxmlformats.org/officeDocument/2006/relationships" xmlns:p="http://schemas.openxmlformats.org/presentationml/2006/main">
+  <p:cSld>
+    <p:spTree>
+      <p:nvGrpSpPr>
+        <p:cNvPr id="1" name=""/>
+        <p:cNvGrpSpPr/>
+        <p:nvPr/>
+      </p:nvGrpSpPr>
+      <p:grpSpPr>
+        <a:xfrm>
+          <a:off x="0" y="0"/>
+          <a:ext cx="0" cy="0"/>
+          <a:chOff x="0" y="0"/>
+          <a:chExt cx="0" cy="0"/>
+        </a:xfrm>
+      </p:grpSpPr>
+      <p:sp>
+        <p:nvSpPr>
+          <p:cNvPr id="2" name="Titre 1">
+            <a:extLst>
+              <a:ext uri="{FF2B5EF4-FFF2-40B4-BE49-F238E27FC236}">
+                <a16:creationId xmlns:a16="http://schemas.microsoft.com/office/drawing/2014/main" id="{F321C542-9A91-4943-B9AB-656B5F064693}"/>
+              </a:ext>
+            </a:extLst>
+          </p:cNvPr>
+          <p:cNvSpPr>
+            <a:spLocks noGrp="1"/>
+          </p:cNvSpPr>
+          <p:nvPr>
+            <p:ph type="title"/>
+          </p:nvPr>
+        </p:nvSpPr>
+        <p:spPr/>
+        <p:txBody>
+          <a:bodyPr/>
+          <a:lstStyle/>
+          <a:p>
+            <a:r>
+              <a:rPr lang="fr-FR" dirty="0"/>
+              <a:t>Partie Tom</a:t>
+            </a:r>
+          </a:p>
+        </p:txBody>
+      </p:sp>
+      <p:pic>
+        <p:nvPicPr>
+          <p:cNvPr id="4" name="Picture 3">
+            <a:extLst>
+              <a:ext uri="{FF2B5EF4-FFF2-40B4-BE49-F238E27FC236}">
+                <a16:creationId xmlns:a16="http://schemas.microsoft.com/office/drawing/2014/main" id="{3DEE6063-53B8-405E-A8E6-9EDCF6BEE2A9}"/>
+              </a:ext>
+            </a:extLst>
+          </p:cNvPr>
+          <p:cNvPicPr>
+            <a:picLocks noChangeAspect="1"/>
+          </p:cNvPicPr>
+          <p:nvPr/>
+        </p:nvPicPr>
+        <p:blipFill>
+          <a:blip r:embed="rId2"/>
+          <a:stretch>
+            <a:fillRect/>
+          </a:stretch>
+        </p:blipFill>
+        <p:spPr>
+          <a:xfrm>
+            <a:off x="5122333" y="2983638"/>
+            <a:ext cx="6951133" cy="445362"/>
+          </a:xfrm>
+          <a:prstGeom prst="rect">
+            <a:avLst/>
+          </a:prstGeom>
+        </p:spPr>
+      </p:pic>
+      <p:sp>
+        <p:nvSpPr>
+          <p:cNvPr id="8" name="TextBox 7">
+            <a:extLst>
+              <a:ext uri="{FF2B5EF4-FFF2-40B4-BE49-F238E27FC236}">
+                <a16:creationId xmlns:a16="http://schemas.microsoft.com/office/drawing/2014/main" id="{E5E492C6-C463-4F46-BD1C-2324BEAC7D16}"/>
+              </a:ext>
+            </a:extLst>
+          </p:cNvPr>
+          <p:cNvSpPr txBox="1"/>
+          <p:nvPr/>
+        </p:nvSpPr>
+        <p:spPr>
+          <a:xfrm>
+            <a:off x="441960" y="959400"/>
+            <a:ext cx="3390314" cy="369332"/>
+          </a:xfrm>
+          <a:prstGeom prst="rect">
+            <a:avLst/>
+          </a:prstGeom>
+          <a:noFill/>
+        </p:spPr>
+        <p:txBody>
+          <a:bodyPr wrap="square" rtlCol="0">
+            <a:spAutoFit/>
+          </a:bodyPr>
+          <a:lstStyle/>
+          <a:p>
+            <a:r>
+              <a:rPr lang="fr-FR" dirty="0"/>
+              <a:t>Création du menu</a:t>
+            </a:r>
+          </a:p>
+        </p:txBody>
+      </p:sp>
+      <p:pic>
+        <p:nvPicPr>
+          <p:cNvPr id="10" name="Picture 9">
+            <a:extLst>
+              <a:ext uri="{FF2B5EF4-FFF2-40B4-BE49-F238E27FC236}">
+                <a16:creationId xmlns:a16="http://schemas.microsoft.com/office/drawing/2014/main" id="{74F63635-F808-4F4C-9E78-8026F86EC966}"/>
+              </a:ext>
+            </a:extLst>
+          </p:cNvPr>
+          <p:cNvPicPr>
+            <a:picLocks noChangeAspect="1"/>
+          </p:cNvPicPr>
+          <p:nvPr/>
+        </p:nvPicPr>
+        <p:blipFill>
+          <a:blip r:embed="rId3"/>
+          <a:stretch>
+            <a:fillRect/>
+          </a:stretch>
+        </p:blipFill>
+        <p:spPr>
+          <a:xfrm>
+            <a:off x="441960" y="2132340"/>
+            <a:ext cx="3915321" cy="3277057"/>
+          </a:xfrm>
+          <a:prstGeom prst="rect">
+            <a:avLst/>
+          </a:prstGeom>
+        </p:spPr>
+      </p:pic>
+      <p:sp>
+        <p:nvSpPr>
+          <p:cNvPr id="11" name="TextBox 10">
+            <a:extLst>
+              <a:ext uri="{FF2B5EF4-FFF2-40B4-BE49-F238E27FC236}">
+                <a16:creationId xmlns:a16="http://schemas.microsoft.com/office/drawing/2014/main" id="{64044680-C835-4A7E-84DB-0F1E01C3EEFF}"/>
+              </a:ext>
+            </a:extLst>
+          </p:cNvPr>
+          <p:cNvSpPr txBox="1"/>
+          <p:nvPr/>
+        </p:nvSpPr>
+        <p:spPr>
+          <a:xfrm>
+            <a:off x="531234" y="1646504"/>
+            <a:ext cx="3390314" cy="369332"/>
+          </a:xfrm>
+          <a:prstGeom prst="rect">
+            <a:avLst/>
+          </a:prstGeom>
+          <a:noFill/>
+        </p:spPr>
+        <p:txBody>
+          <a:bodyPr wrap="square" rtlCol="0">
+            <a:spAutoFit/>
+          </a:bodyPr>
+          <a:lstStyle/>
+          <a:p>
+            <a:pPr algn="ctr"/>
+            <a:r>
+              <a:rPr lang="fr-FR" dirty="0"/>
+              <a:t>Wordpress</a:t>
+            </a:r>
+          </a:p>
+        </p:txBody>
+      </p:sp>
+      <p:sp>
+        <p:nvSpPr>
+          <p:cNvPr id="12" name="TextBox 11">
+            <a:extLst>
+              <a:ext uri="{FF2B5EF4-FFF2-40B4-BE49-F238E27FC236}">
+                <a16:creationId xmlns:a16="http://schemas.microsoft.com/office/drawing/2014/main" id="{C056AF46-EDE7-421C-9B6F-8025253D6A0F}"/>
+              </a:ext>
+            </a:extLst>
+          </p:cNvPr>
+          <p:cNvSpPr txBox="1"/>
+          <p:nvPr/>
+        </p:nvSpPr>
+        <p:spPr>
+          <a:xfrm>
+            <a:off x="6471285" y="1644037"/>
+            <a:ext cx="4038600" cy="369332"/>
+          </a:xfrm>
+          <a:prstGeom prst="rect">
+            <a:avLst/>
+          </a:prstGeom>
+          <a:noFill/>
+        </p:spPr>
+        <p:txBody>
+          <a:bodyPr wrap="square" rtlCol="0">
+            <a:spAutoFit/>
+          </a:bodyPr>
+          <a:lstStyle/>
+          <a:p>
+            <a:pPr algn="ctr"/>
+            <a:r>
+              <a:rPr lang="fr-FR" dirty="0"/>
+              <a:t>Site</a:t>
+            </a:r>
+          </a:p>
+        </p:txBody>
+      </p:sp>
+    </p:spTree>
+    <p:extLst>
+      <p:ext uri="{BB962C8B-B14F-4D97-AF65-F5344CB8AC3E}">
+        <p14:creationId xmlns:p14="http://schemas.microsoft.com/office/powerpoint/2010/main" val="2297454114"/>
+      </p:ext>
+    </p:extLst>
+  </p:cSld>
+  <p:clrMapOvr>
+    <a:masterClrMapping/>
+  </p:clrMapOvr>
+</p:sld>
+</file>
+
+<file path=ppt/slides/slide9.xml><?xml version="1.0" encoding="utf-8"?>
+<p:sld xmlns:a="http://schemas.openxmlformats.org/drawingml/2006/main" xmlns:r="http://schemas.openxmlformats.org/officeDocument/2006/relationships" xmlns:p="http://schemas.openxmlformats.org/presentationml/2006/main">
+  <p:cSld>
+    <p:spTree>
+      <p:nvGrpSpPr>
+        <p:cNvPr id="1" name=""/>
+        <p:cNvGrpSpPr/>
+        <p:nvPr/>
+      </p:nvGrpSpPr>
+      <p:grpSpPr>
+        <a:xfrm>
+          <a:off x="0" y="0"/>
+          <a:ext cx="0" cy="0"/>
+          <a:chOff x="0" y="0"/>
+          <a:chExt cx="0" cy="0"/>
+        </a:xfrm>
+      </p:grpSpPr>
+      <p:sp>
+        <p:nvSpPr>
+          <p:cNvPr id="2" name="Title 1">
+            <a:extLst>
+              <a:ext uri="{FF2B5EF4-FFF2-40B4-BE49-F238E27FC236}">
+                <a16:creationId xmlns:a16="http://schemas.microsoft.com/office/drawing/2014/main" id="{26E0962D-C895-410E-A0BC-8DA2640A7274}"/>
+              </a:ext>
+            </a:extLst>
+          </p:cNvPr>
+          <p:cNvSpPr>
+            <a:spLocks noGrp="1"/>
+          </p:cNvSpPr>
+          <p:nvPr>
+            <p:ph type="title"/>
+          </p:nvPr>
+        </p:nvSpPr>
+        <p:spPr/>
+        <p:txBody>
+          <a:bodyPr/>
+          <a:lstStyle/>
+          <a:p>
+            <a:r>
+              <a:rPr lang="fr-FR" dirty="0"/>
+              <a:t>Partie Tom</a:t>
+            </a:r>
+          </a:p>
+        </p:txBody>
+      </p:sp>
+      <p:sp>
+        <p:nvSpPr>
+          <p:cNvPr id="5" name="TextBox 4">
+            <a:extLst>
+              <a:ext uri="{FF2B5EF4-FFF2-40B4-BE49-F238E27FC236}">
+                <a16:creationId xmlns:a16="http://schemas.microsoft.com/office/drawing/2014/main" id="{7A9A88A8-B88C-4B3D-9B93-F991951D2965}"/>
+              </a:ext>
+            </a:extLst>
+          </p:cNvPr>
+          <p:cNvSpPr txBox="1"/>
+          <p:nvPr/>
+        </p:nvSpPr>
+        <p:spPr>
+          <a:xfrm>
+            <a:off x="4157133" y="683848"/>
+            <a:ext cx="3877733" cy="1077218"/>
+          </a:xfrm>
+          <a:prstGeom prst="rect">
+            <a:avLst/>
+          </a:prstGeom>
+          <a:noFill/>
+        </p:spPr>
+        <p:txBody>
+          <a:bodyPr wrap="square" rtlCol="0">
+            <a:spAutoFit/>
+          </a:bodyPr>
+          <a:lstStyle/>
+          <a:p>
+            <a:pPr algn="ctr"/>
+            <a:r>
+              <a:rPr lang="fr-FR" sz="3200" dirty="0"/>
+              <a:t>Création du formulaire </a:t>
+            </a:r>
+          </a:p>
+        </p:txBody>
+      </p:sp>
+      <p:sp>
+        <p:nvSpPr>
+          <p:cNvPr id="6" name="TextBox 5">
+            <a:extLst>
+              <a:ext uri="{FF2B5EF4-FFF2-40B4-BE49-F238E27FC236}">
+                <a16:creationId xmlns:a16="http://schemas.microsoft.com/office/drawing/2014/main" id="{3B1FBB09-739C-4EB8-B311-B0852BECE41A}"/>
+              </a:ext>
+            </a:extLst>
+          </p:cNvPr>
+          <p:cNvSpPr txBox="1"/>
+          <p:nvPr/>
+        </p:nvSpPr>
+        <p:spPr>
+          <a:xfrm>
+            <a:off x="448056" y="1761066"/>
+            <a:ext cx="4165601" cy="369332"/>
+          </a:xfrm>
+          <a:prstGeom prst="rect">
+            <a:avLst/>
+          </a:prstGeom>
+          <a:noFill/>
+        </p:spPr>
+        <p:txBody>
+          <a:bodyPr wrap="square" rtlCol="0">
+            <a:spAutoFit/>
+          </a:bodyPr>
+          <a:lstStyle/>
+          <a:p>
+            <a:r>
+              <a:rPr lang="fr-FR" dirty="0"/>
+              <a:t>Extension WordPress : </a:t>
+            </a:r>
+            <a:r>
+              <a:rPr lang="fr-FR" b="1" dirty="0"/>
+              <a:t>Contact Form 7 </a:t>
+            </a:r>
+          </a:p>
+        </p:txBody>
+      </p:sp>
+      <p:pic>
+        <p:nvPicPr>
+          <p:cNvPr id="7" name="Picture 6">
+            <a:extLst>
+              <a:ext uri="{FF2B5EF4-FFF2-40B4-BE49-F238E27FC236}">
+                <a16:creationId xmlns:a16="http://schemas.microsoft.com/office/drawing/2014/main" id="{25089B18-A7D0-40B2-B1FC-B6755D3BA5FF}"/>
+              </a:ext>
+            </a:extLst>
+          </p:cNvPr>
+          <p:cNvPicPr>
+            <a:picLocks noChangeAspect="1"/>
+          </p:cNvPicPr>
+          <p:nvPr/>
+        </p:nvPicPr>
+        <p:blipFill>
+          <a:blip r:embed="rId2"/>
+          <a:stretch>
+            <a:fillRect/>
+          </a:stretch>
+        </p:blipFill>
+        <p:spPr>
+          <a:xfrm>
+            <a:off x="168656" y="3040759"/>
+            <a:ext cx="8145012" cy="3572374"/>
+          </a:xfrm>
+          <a:prstGeom prst="rect">
+            <a:avLst/>
+          </a:prstGeom>
+        </p:spPr>
+      </p:pic>
+      <p:sp>
+        <p:nvSpPr>
+          <p:cNvPr id="8" name="TextBox 7">
+            <a:extLst>
+              <a:ext uri="{FF2B5EF4-FFF2-40B4-BE49-F238E27FC236}">
+                <a16:creationId xmlns:a16="http://schemas.microsoft.com/office/drawing/2014/main" id="{43A2B2A2-C383-49BA-A54B-340D74E1FD37}"/>
+              </a:ext>
+            </a:extLst>
+          </p:cNvPr>
+          <p:cNvSpPr txBox="1"/>
+          <p:nvPr/>
+        </p:nvSpPr>
+        <p:spPr>
+          <a:xfrm>
+            <a:off x="168656" y="2553861"/>
+            <a:ext cx="2980267" cy="369332"/>
+          </a:xfrm>
+          <a:prstGeom prst="rect">
+            <a:avLst/>
+          </a:prstGeom>
+          <a:noFill/>
+        </p:spPr>
+        <p:txBody>
+          <a:bodyPr wrap="square" rtlCol="0">
+            <a:spAutoFit/>
+          </a:bodyPr>
+          <a:lstStyle/>
+          <a:p>
+            <a:pPr algn="ctr"/>
+            <a:r>
+              <a:rPr lang="fr-FR" dirty="0"/>
+              <a:t>WordPress</a:t>
+            </a:r>
+          </a:p>
+        </p:txBody>
+      </p:sp>
+      <p:pic>
+        <p:nvPicPr>
+          <p:cNvPr id="9" name="Picture 8">
+            <a:extLst>
+              <a:ext uri="{FF2B5EF4-FFF2-40B4-BE49-F238E27FC236}">
+                <a16:creationId xmlns:a16="http://schemas.microsoft.com/office/drawing/2014/main" id="{971345F2-776E-4640-AB7F-A1BB2FF398E0}"/>
+              </a:ext>
+            </a:extLst>
+          </p:cNvPr>
+          <p:cNvPicPr>
+            <a:picLocks noChangeAspect="1"/>
+          </p:cNvPicPr>
+          <p:nvPr/>
+        </p:nvPicPr>
+        <p:blipFill>
+          <a:blip r:embed="rId3"/>
+          <a:stretch>
+            <a:fillRect/>
+          </a:stretch>
+        </p:blipFill>
+        <p:spPr>
+          <a:xfrm>
+            <a:off x="8740175" y="1885532"/>
+            <a:ext cx="2936139" cy="4727601"/>
+          </a:xfrm>
+          <a:prstGeom prst="rect">
+            <a:avLst/>
+          </a:prstGeom>
+        </p:spPr>
+      </p:pic>
+      <p:sp>
+        <p:nvSpPr>
+          <p:cNvPr id="10" name="TextBox 9">
+            <a:extLst>
+              <a:ext uri="{FF2B5EF4-FFF2-40B4-BE49-F238E27FC236}">
+                <a16:creationId xmlns:a16="http://schemas.microsoft.com/office/drawing/2014/main" id="{F0537292-95BA-4708-A92E-21FB0F135B13}"/>
+              </a:ext>
+            </a:extLst>
+          </p:cNvPr>
+          <p:cNvSpPr txBox="1"/>
+          <p:nvPr/>
+        </p:nvSpPr>
+        <p:spPr>
+          <a:xfrm>
+            <a:off x="9010211" y="1338434"/>
+            <a:ext cx="2226733" cy="369332"/>
+          </a:xfrm>
+          <a:prstGeom prst="rect">
+            <a:avLst/>
+          </a:prstGeom>
+          <a:noFill/>
+        </p:spPr>
+        <p:txBody>
+          <a:bodyPr wrap="square" rtlCol="0">
+            <a:spAutoFit/>
+          </a:bodyPr>
+          <a:lstStyle/>
+          <a:p>
+            <a:pPr algn="ctr"/>
+            <a:r>
+              <a:rPr lang="fr-FR" dirty="0"/>
+              <a:t>Site</a:t>
+            </a:r>
+          </a:p>
+        </p:txBody>
+      </p:sp>
+      <p:sp>
+        <p:nvSpPr>
+          <p:cNvPr id="11" name="TextBox 10">
+            <a:extLst>
+              <a:ext uri="{FF2B5EF4-FFF2-40B4-BE49-F238E27FC236}">
+                <a16:creationId xmlns:a16="http://schemas.microsoft.com/office/drawing/2014/main" id="{BCD37328-83AA-4848-91ED-EE68ADF22A97}"/>
+              </a:ext>
+            </a:extLst>
+          </p:cNvPr>
+          <p:cNvSpPr txBox="1"/>
+          <p:nvPr/>
+        </p:nvSpPr>
+        <p:spPr>
+          <a:xfrm>
+            <a:off x="441959" y="1032934"/>
+            <a:ext cx="2286677" cy="369332"/>
+          </a:xfrm>
+          <a:prstGeom prst="rect">
+            <a:avLst/>
+          </a:prstGeom>
+          <a:noFill/>
+        </p:spPr>
+        <p:txBody>
+          <a:bodyPr wrap="square" rtlCol="0">
+            <a:spAutoFit/>
+          </a:bodyPr>
+          <a:lstStyle/>
+          <a:p>
+            <a:r>
+              <a:rPr lang="fr-FR" dirty="0"/>
+              <a:t>Page Contact</a:t>
+            </a:r>
+          </a:p>
+        </p:txBody>
+      </p:sp>
+    </p:spTree>
+    <p:extLst>
+      <p:ext uri="{BB962C8B-B14F-4D97-AF65-F5344CB8AC3E}">
+        <p14:creationId xmlns:p14="http://schemas.microsoft.com/office/powerpoint/2010/main" val="1321456216"/>
       </p:ext>
     </p:extLst>
   </p:cSld>
